--- a/Lecture slides/ADAP A01 - Introduction.pptx
+++ b/Lecture slides/ADAP A01 - Introduction.pptx
@@ -806,7 +806,7 @@
       </p:grpSpPr>
       <p:sp>
         <p:nvSpPr>
-          <p:cNvPr id="99" name="Google Shape;99;g30a7ab4b1dc_0_0:notes"/>
+          <p:cNvPr id="99" name="Google Shape;99;g108fe332759_2_43:notes"/>
           <p:cNvSpPr/>
           <p:nvPr>
             <p:ph idx="2" type="sldImg"/>
@@ -841,7 +841,7 @@
       </p:sp>
       <p:sp>
         <p:nvSpPr>
-          <p:cNvPr id="100" name="Google Shape;100;g30a7ab4b1dc_0_0:notes"/>
+          <p:cNvPr id="100" name="Google Shape;100;g108fe332759_2_43:notes"/>
           <p:cNvSpPr txBox="1"/>
           <p:nvPr>
             <p:ph idx="1" type="body"/>
@@ -891,7 +891,7 @@
   <p:cSld>
     <p:spTree>
       <p:nvGrpSpPr>
-        <p:cNvPr id="105" name="Shape 105"/>
+        <p:cNvPr id="106" name="Shape 106"/>
         <p:cNvGrpSpPr/>
         <p:nvPr/>
       </p:nvGrpSpPr>
@@ -905,7 +905,7 @@
       </p:grpSpPr>
       <p:sp>
         <p:nvSpPr>
-          <p:cNvPr id="106" name="Google Shape;106;g108fe332759_2_43:notes"/>
+          <p:cNvPr id="107" name="Google Shape;107;g2cc48c0d17f_0_12:notes"/>
           <p:cNvSpPr/>
           <p:nvPr>
             <p:ph idx="2" type="sldImg"/>
@@ -940,7 +940,7 @@
       </p:sp>
       <p:sp>
         <p:nvSpPr>
-          <p:cNvPr id="107" name="Google Shape;107;g108fe332759_2_43:notes"/>
+          <p:cNvPr id="108" name="Google Shape;108;g2cc48c0d17f_0_12:notes"/>
           <p:cNvSpPr txBox="1"/>
           <p:nvPr>
             <p:ph idx="1" type="body"/>
@@ -1004,7 +1004,7 @@
       </p:grpSpPr>
       <p:sp>
         <p:nvSpPr>
-          <p:cNvPr id="114" name="Google Shape;114;g2cc48c0d17f_0_12:notes"/>
+          <p:cNvPr id="114" name="Google Shape;114;g2cc48c0d17f_0_6:notes"/>
           <p:cNvSpPr/>
           <p:nvPr>
             <p:ph idx="2" type="sldImg"/>
@@ -1039,7 +1039,7 @@
       </p:sp>
       <p:sp>
         <p:nvSpPr>
-          <p:cNvPr id="115" name="Google Shape;115;g2cc48c0d17f_0_12:notes"/>
+          <p:cNvPr id="115" name="Google Shape;115;g2cc48c0d17f_0_6:notes"/>
           <p:cNvSpPr txBox="1"/>
           <p:nvPr>
             <p:ph idx="1" type="body"/>
@@ -1103,7 +1103,7 @@
       </p:grpSpPr>
       <p:sp>
         <p:nvSpPr>
-          <p:cNvPr id="121" name="Google Shape;121;g2cc48c0d17f_0_6:notes"/>
+          <p:cNvPr id="121" name="Google Shape;121;g2395919313b_0_94:notes"/>
           <p:cNvSpPr/>
           <p:nvPr>
             <p:ph idx="2" type="sldImg"/>
@@ -1138,7 +1138,7 @@
       </p:sp>
       <p:sp>
         <p:nvSpPr>
-          <p:cNvPr id="122" name="Google Shape;122;g2cc48c0d17f_0_6:notes"/>
+          <p:cNvPr id="122" name="Google Shape;122;g2395919313b_0_94:notes"/>
           <p:cNvSpPr txBox="1"/>
           <p:nvPr>
             <p:ph idx="1" type="body"/>
@@ -1188,7 +1188,7 @@
   <p:cSld>
     <p:spTree>
       <p:nvGrpSpPr>
-        <p:cNvPr id="127" name="Shape 127"/>
+        <p:cNvPr id="128" name="Shape 128"/>
         <p:cNvGrpSpPr/>
         <p:nvPr/>
       </p:nvGrpSpPr>
@@ -1202,7 +1202,7 @@
       </p:grpSpPr>
       <p:sp>
         <p:nvSpPr>
-          <p:cNvPr id="128" name="Google Shape;128;g2395919313b_0_94:notes"/>
+          <p:cNvPr id="129" name="Google Shape;129;g30a7ab4b1dc_0_0:notes"/>
           <p:cNvSpPr/>
           <p:nvPr>
             <p:ph idx="2" type="sldImg"/>
@@ -1237,7 +1237,7 @@
       </p:sp>
       <p:sp>
         <p:nvSpPr>
-          <p:cNvPr id="129" name="Google Shape;129;g2395919313b_0_94:notes"/>
+          <p:cNvPr id="130" name="Google Shape;130;g30a7ab4b1dc_0_0:notes"/>
           <p:cNvSpPr txBox="1"/>
           <p:nvPr>
             <p:ph idx="1" type="body"/>
@@ -6028,7 +6028,7 @@
             </a:pPr>
             <a:r>
               <a:rPr lang="en"/>
-              <a:t>Expectation Management (Winter 2024/25)</a:t>
+              <a:t>Course Language [1]</a:t>
             </a:r>
             <a:endParaRPr/>
           </a:p>
@@ -6104,6 +6104,61 @@
         <p:nvSpPr>
           <p:cNvPr id="104" name="Google Shape;104;p17"/>
           <p:cNvSpPr txBox="1"/>
+          <p:nvPr/>
+        </p:nvSpPr>
+        <p:spPr>
+          <a:xfrm>
+            <a:off x="0" y="4229100"/>
+            <a:ext cx="7315200" cy="914400"/>
+          </a:xfrm>
+          <a:prstGeom prst="rect">
+            <a:avLst/>
+          </a:prstGeom>
+          <a:noFill/>
+          <a:ln>
+            <a:noFill/>
+          </a:ln>
+        </p:spPr>
+        <p:txBody>
+          <a:bodyPr anchorCtr="0" anchor="b" bIns="91425" lIns="91425" spcFirstLastPara="1" rIns="91425" wrap="square" tIns="91425">
+            <a:noAutofit/>
+          </a:bodyPr>
+          <a:lstStyle/>
+          <a:p>
+            <a:pPr indent="0" lvl="0" marL="0" rtl="0" algn="l">
+              <a:spcBef>
+                <a:spcPts val="0"/>
+              </a:spcBef>
+              <a:spcAft>
+                <a:spcPts val="0"/>
+              </a:spcAft>
+              <a:buNone/>
+            </a:pPr>
+            <a:r>
+              <a:rPr lang="en"/>
+              <a:t>[1] See </a:t>
+            </a:r>
+            <a:r>
+              <a:rPr lang="en" u="sng">
+                <a:solidFill>
+                  <a:schemeClr val="hlink"/>
+                </a:solidFill>
+                <a:hlinkClick r:id="rId4"/>
+              </a:rPr>
+              <a:t>https://oss.cs.fau.de/2012/03/10/english-or-german-deutsch-oder-englisch/</a:t>
+            </a:r>
+            <a:r>
+              <a:rPr lang="en"/>
+              <a:t> </a:t>
+            </a:r>
+            <a:endParaRPr/>
+          </a:p>
+        </p:txBody>
+      </p:sp>
+      <p:sp>
+        <p:nvSpPr>
+          <p:cNvPr id="105" name="Google Shape;105;p17"/>
+          <p:cNvSpPr txBox="1"/>
           <p:nvPr>
             <p:ph idx="1" type="body"/>
           </p:nvPr>
@@ -6130,11 +6185,50 @@
               <a:spcAft>
                 <a:spcPts val="0"/>
               </a:spcAft>
-              <a:buNone/>
-            </a:pPr>
-            <a:r>
-              <a:rPr lang="en"/>
-              <a:t>We skipped ADAP last winter to migrate from Java to Typescript</a:t>
+              <a:buClr>
+                <a:schemeClr val="dk1"/>
+              </a:buClr>
+              <a:buSzPts val="1100"/>
+              <a:buFont typeface="Arial"/>
+              <a:buNone/>
+            </a:pPr>
+            <a:r>
+              <a:rPr b="1" lang="en"/>
+              <a:t>Class</a:t>
+            </a:r>
+            <a:endParaRPr b="1"/>
+          </a:p>
+          <a:p>
+            <a:pPr indent="-342900" lvl="0" marL="457200" rtl="0" algn="l">
+              <a:spcBef>
+                <a:spcPts val="1200"/>
+              </a:spcBef>
+              <a:spcAft>
+                <a:spcPts val="0"/>
+              </a:spcAft>
+              <a:buSzPts val="1800"/>
+              <a:buChar char="●"/>
+            </a:pPr>
+            <a:r>
+              <a:rPr lang="en"/>
+              <a:t>Lecturer: German</a:t>
+            </a:r>
+            <a:endParaRPr/>
+          </a:p>
+          <a:p>
+            <a:pPr indent="-342900" lvl="0" marL="457200" rtl="0" algn="l">
+              <a:spcBef>
+                <a:spcPts val="0"/>
+              </a:spcBef>
+              <a:spcAft>
+                <a:spcPts val="0"/>
+              </a:spcAft>
+              <a:buSzPts val="1800"/>
+              <a:buChar char="●"/>
+            </a:pPr>
+            <a:r>
+              <a:rPr lang="en"/>
+              <a:t>Student: Choice of German or English</a:t>
             </a:r>
             <a:endParaRPr/>
           </a:p>
@@ -6146,11 +6240,50 @@
               <a:spcAft>
                 <a:spcPts val="0"/>
               </a:spcAft>
-              <a:buNone/>
-            </a:pPr>
-            <a:r>
-              <a:rPr lang="en"/>
-              <a:t>We did not finish ADAP preparations; hence this instances is experimental</a:t>
+              <a:buClr>
+                <a:schemeClr val="dk1"/>
+              </a:buClr>
+              <a:buSzPts val="1100"/>
+              <a:buFont typeface="Arial"/>
+              <a:buNone/>
+            </a:pPr>
+            <a:r>
+              <a:rPr b="1" lang="en"/>
+              <a:t>Exercise</a:t>
+            </a:r>
+            <a:endParaRPr b="1"/>
+          </a:p>
+          <a:p>
+            <a:pPr indent="-342900" lvl="0" marL="457200" rtl="0" algn="l">
+              <a:spcBef>
+                <a:spcPts val="1200"/>
+              </a:spcBef>
+              <a:spcAft>
+                <a:spcPts val="0"/>
+              </a:spcAft>
+              <a:buSzPts val="1800"/>
+              <a:buChar char="●"/>
+            </a:pPr>
+            <a:r>
+              <a:rPr lang="en"/>
+              <a:t>Instructor: German</a:t>
+            </a:r>
+            <a:endParaRPr/>
+          </a:p>
+          <a:p>
+            <a:pPr indent="-342900" lvl="0" marL="457200" rtl="0" algn="l">
+              <a:spcBef>
+                <a:spcPts val="0"/>
+              </a:spcBef>
+              <a:spcAft>
+                <a:spcPts val="0"/>
+              </a:spcAft>
+              <a:buSzPts val="1800"/>
+              <a:buChar char="●"/>
+            </a:pPr>
+            <a:r>
+              <a:rPr lang="en"/>
+              <a:t>Homework: Choice of German or English</a:t>
             </a:r>
             <a:endParaRPr/>
           </a:p>
@@ -6160,29 +6293,12 @@
                 <a:spcPts val="1200"/>
               </a:spcBef>
               <a:spcAft>
-                <a:spcPts val="0"/>
-              </a:spcAft>
-              <a:buNone/>
-            </a:pPr>
-            <a:r>
-              <a:rPr lang="en"/>
-              <a:t>You will not receive any homework feedback during the course</a:t>
-            </a:r>
-            <a:endParaRPr/>
-          </a:p>
-          <a:p>
-            <a:pPr indent="0" lvl="0" marL="0" rtl="0" algn="l">
-              <a:spcBef>
                 <a:spcPts val="1200"/>
-              </a:spcBef>
-              <a:spcAft>
-                <a:spcPts val="1200"/>
-              </a:spcAft>
-              <a:buNone/>
-            </a:pPr>
-            <a:r>
-              <a:rPr lang="en"/>
-              <a:t>Please take note of these restrictions; we recommend you try next year</a:t>
+              </a:spcAft>
+              <a:buNone/>
+            </a:pPr>
+            <a:r>
+              <a:t/>
             </a:r>
             <a:endParaRPr/>
           </a:p>
@@ -6201,7 +6317,7 @@
   <p:cSld>
     <p:spTree>
       <p:nvGrpSpPr>
-        <p:cNvPr id="108" name="Shape 108"/>
+        <p:cNvPr id="109" name="Shape 109"/>
         <p:cNvGrpSpPr/>
         <p:nvPr/>
       </p:nvGrpSpPr>
@@ -6215,7 +6331,7 @@
       </p:grpSpPr>
       <p:sp>
         <p:nvSpPr>
-          <p:cNvPr id="109" name="Google Shape;109;p18"/>
+          <p:cNvPr id="110" name="Google Shape;110;p18"/>
           <p:cNvSpPr txBox="1"/>
           <p:nvPr>
             <p:ph type="title"/>
@@ -6247,7 +6363,7 @@
             </a:pPr>
             <a:r>
               <a:rPr lang="en"/>
-              <a:t>Course Language [1]</a:t>
+              <a:t>Course Participation (Auditing)</a:t>
             </a:r>
             <a:endParaRPr/>
           </a:p>
@@ -6255,7 +6371,63 @@
       </p:sp>
       <p:sp>
         <p:nvSpPr>
-          <p:cNvPr id="110" name="Google Shape;110;p18"/>
+          <p:cNvPr id="111" name="Google Shape;111;p18"/>
+          <p:cNvSpPr txBox="1"/>
+          <p:nvPr>
+            <p:ph idx="1" type="body"/>
+          </p:nvPr>
+        </p:nvSpPr>
+        <p:spPr>
+          <a:xfrm>
+            <a:off x="274320" y="914400"/>
+            <a:ext cx="8595300" cy="4114800"/>
+          </a:xfrm>
+          <a:prstGeom prst="rect">
+            <a:avLst/>
+          </a:prstGeom>
+        </p:spPr>
+        <p:txBody>
+          <a:bodyPr anchorCtr="0" anchor="t" bIns="0" lIns="0" spcFirstLastPara="1" rIns="0" wrap="square" tIns="0">
+            <a:noAutofit/>
+          </a:bodyPr>
+          <a:lstStyle/>
+          <a:p>
+            <a:pPr indent="0" lvl="0" marL="0" rtl="0" algn="l">
+              <a:spcBef>
+                <a:spcPts val="0"/>
+              </a:spcBef>
+              <a:spcAft>
+                <a:spcPts val="0"/>
+              </a:spcAft>
+              <a:buNone/>
+            </a:pPr>
+            <a:r>
+              <a:rPr lang="en"/>
+              <a:t>The course is provided publicly, you can always audit it</a:t>
+            </a:r>
+            <a:endParaRPr/>
+          </a:p>
+          <a:p>
+            <a:pPr indent="0" lvl="0" marL="0" rtl="0" algn="l">
+              <a:spcBef>
+                <a:spcPts val="1200"/>
+              </a:spcBef>
+              <a:spcAft>
+                <a:spcPts val="1200"/>
+              </a:spcAft>
+              <a:buNone/>
+            </a:pPr>
+            <a:r>
+              <a:rPr lang="en"/>
+              <a:t>Auditing will not give you credit points towards a degree</a:t>
+            </a:r>
+            <a:endParaRPr/>
+          </a:p>
+        </p:txBody>
+      </p:sp>
+      <p:sp>
+        <p:nvSpPr>
+          <p:cNvPr id="112" name="Google Shape;112;p18"/>
           <p:cNvSpPr txBox="1"/>
           <p:nvPr>
             <p:ph idx="12" type="sldNum"/>
@@ -6316,210 +6488,6 @@
               <a:t>https://profriehle.com</a:t>
             </a:r>
             <a:endParaRPr b="0" sz="1000"/>
-          </a:p>
-        </p:txBody>
-      </p:sp>
-      <p:sp>
-        <p:nvSpPr>
-          <p:cNvPr id="111" name="Google Shape;111;p18"/>
-          <p:cNvSpPr txBox="1"/>
-          <p:nvPr/>
-        </p:nvSpPr>
-        <p:spPr>
-          <a:xfrm>
-            <a:off x="0" y="4229100"/>
-            <a:ext cx="7315200" cy="914400"/>
-          </a:xfrm>
-          <a:prstGeom prst="rect">
-            <a:avLst/>
-          </a:prstGeom>
-          <a:noFill/>
-          <a:ln>
-            <a:noFill/>
-          </a:ln>
-        </p:spPr>
-        <p:txBody>
-          <a:bodyPr anchorCtr="0" anchor="b" bIns="91425" lIns="91425" spcFirstLastPara="1" rIns="91425" wrap="square" tIns="91425">
-            <a:noAutofit/>
-          </a:bodyPr>
-          <a:lstStyle/>
-          <a:p>
-            <a:pPr indent="0" lvl="0" marL="0" rtl="0" algn="l">
-              <a:spcBef>
-                <a:spcPts val="0"/>
-              </a:spcBef>
-              <a:spcAft>
-                <a:spcPts val="0"/>
-              </a:spcAft>
-              <a:buNone/>
-            </a:pPr>
-            <a:r>
-              <a:rPr lang="en"/>
-              <a:t>[1] See </a:t>
-            </a:r>
-            <a:r>
-              <a:rPr lang="en" u="sng">
-                <a:solidFill>
-                  <a:schemeClr val="hlink"/>
-                </a:solidFill>
-                <a:hlinkClick r:id="rId4"/>
-              </a:rPr>
-              <a:t>https://oss.cs.fau.de/2012/03/10/english-or-german-deutsch-oder-englisch/</a:t>
-            </a:r>
-            <a:r>
-              <a:rPr lang="en"/>
-              <a:t> </a:t>
-            </a:r>
-            <a:endParaRPr/>
-          </a:p>
-        </p:txBody>
-      </p:sp>
-      <p:sp>
-        <p:nvSpPr>
-          <p:cNvPr id="112" name="Google Shape;112;p18"/>
-          <p:cNvSpPr txBox="1"/>
-          <p:nvPr>
-            <p:ph idx="1" type="body"/>
-          </p:nvPr>
-        </p:nvSpPr>
-        <p:spPr>
-          <a:xfrm>
-            <a:off x="274320" y="914400"/>
-            <a:ext cx="8595300" cy="4114800"/>
-          </a:xfrm>
-          <a:prstGeom prst="rect">
-            <a:avLst/>
-          </a:prstGeom>
-        </p:spPr>
-        <p:txBody>
-          <a:bodyPr anchorCtr="0" anchor="t" bIns="0" lIns="0" spcFirstLastPara="1" rIns="0" wrap="square" tIns="0">
-            <a:noAutofit/>
-          </a:bodyPr>
-          <a:lstStyle/>
-          <a:p>
-            <a:pPr indent="0" lvl="0" marL="0" rtl="0" algn="l">
-              <a:spcBef>
-                <a:spcPts val="0"/>
-              </a:spcBef>
-              <a:spcAft>
-                <a:spcPts val="0"/>
-              </a:spcAft>
-              <a:buClr>
-                <a:schemeClr val="dk1"/>
-              </a:buClr>
-              <a:buSzPts val="1100"/>
-              <a:buFont typeface="Arial"/>
-              <a:buNone/>
-            </a:pPr>
-            <a:r>
-              <a:rPr b="1" lang="en"/>
-              <a:t>Class</a:t>
-            </a:r>
-            <a:endParaRPr b="1"/>
-          </a:p>
-          <a:p>
-            <a:pPr indent="-342900" lvl="0" marL="457200" rtl="0" algn="l">
-              <a:spcBef>
-                <a:spcPts val="1200"/>
-              </a:spcBef>
-              <a:spcAft>
-                <a:spcPts val="0"/>
-              </a:spcAft>
-              <a:buSzPts val="1800"/>
-              <a:buChar char="●"/>
-            </a:pPr>
-            <a:r>
-              <a:rPr lang="en"/>
-              <a:t>Lecturer: German</a:t>
-            </a:r>
-            <a:endParaRPr/>
-          </a:p>
-          <a:p>
-            <a:pPr indent="-342900" lvl="0" marL="457200" rtl="0" algn="l">
-              <a:spcBef>
-                <a:spcPts val="0"/>
-              </a:spcBef>
-              <a:spcAft>
-                <a:spcPts val="0"/>
-              </a:spcAft>
-              <a:buSzPts val="1800"/>
-              <a:buChar char="●"/>
-            </a:pPr>
-            <a:r>
-              <a:rPr lang="en"/>
-              <a:t>Student: Choice of German or English</a:t>
-            </a:r>
-            <a:endParaRPr/>
-          </a:p>
-          <a:p>
-            <a:pPr indent="0" lvl="0" marL="0" rtl="0" algn="l">
-              <a:spcBef>
-                <a:spcPts val="1200"/>
-              </a:spcBef>
-              <a:spcAft>
-                <a:spcPts val="0"/>
-              </a:spcAft>
-              <a:buClr>
-                <a:schemeClr val="dk1"/>
-              </a:buClr>
-              <a:buSzPts val="1100"/>
-              <a:buFont typeface="Arial"/>
-              <a:buNone/>
-            </a:pPr>
-            <a:r>
-              <a:rPr b="1" lang="en"/>
-              <a:t>Exercise</a:t>
-            </a:r>
-            <a:endParaRPr b="1"/>
-          </a:p>
-          <a:p>
-            <a:pPr indent="-342900" lvl="0" marL="457200" rtl="0" algn="l">
-              <a:spcBef>
-                <a:spcPts val="1200"/>
-              </a:spcBef>
-              <a:spcAft>
-                <a:spcPts val="0"/>
-              </a:spcAft>
-              <a:buSzPts val="1800"/>
-              <a:buChar char="●"/>
-            </a:pPr>
-            <a:r>
-              <a:rPr lang="en"/>
-              <a:t>Instructor: German</a:t>
-            </a:r>
-            <a:endParaRPr/>
-          </a:p>
-          <a:p>
-            <a:pPr indent="-342900" lvl="0" marL="457200" rtl="0" algn="l">
-              <a:spcBef>
-                <a:spcPts val="0"/>
-              </a:spcBef>
-              <a:spcAft>
-                <a:spcPts val="0"/>
-              </a:spcAft>
-              <a:buSzPts val="1800"/>
-              <a:buChar char="●"/>
-            </a:pPr>
-            <a:r>
-              <a:rPr lang="en"/>
-              <a:t>Homework: Choice of German or English</a:t>
-            </a:r>
-            <a:endParaRPr/>
-          </a:p>
-          <a:p>
-            <a:pPr indent="0" lvl="0" marL="0" rtl="0" algn="l">
-              <a:spcBef>
-                <a:spcPts val="1200"/>
-              </a:spcBef>
-              <a:spcAft>
-                <a:spcPts val="1200"/>
-              </a:spcAft>
-              <a:buNone/>
-            </a:pPr>
-            <a:r>
-              <a:t/>
-            </a:r>
-            <a:endParaRPr/>
           </a:p>
         </p:txBody>
       </p:sp>
@@ -6582,7 +6550,7 @@
             </a:pPr>
             <a:r>
               <a:rPr lang="en"/>
-              <a:t>Course Participation (Auditing)</a:t>
+              <a:t>Course Registration / Waitlist</a:t>
             </a:r>
             <a:endParaRPr/>
           </a:p>
@@ -6591,62 +6559,6 @@
       <p:sp>
         <p:nvSpPr>
           <p:cNvPr id="118" name="Google Shape;118;p19"/>
-          <p:cNvSpPr txBox="1"/>
-          <p:nvPr>
-            <p:ph idx="1" type="body"/>
-          </p:nvPr>
-        </p:nvSpPr>
-        <p:spPr>
-          <a:xfrm>
-            <a:off x="274320" y="914400"/>
-            <a:ext cx="8595300" cy="4114800"/>
-          </a:xfrm>
-          <a:prstGeom prst="rect">
-            <a:avLst/>
-          </a:prstGeom>
-        </p:spPr>
-        <p:txBody>
-          <a:bodyPr anchorCtr="0" anchor="t" bIns="0" lIns="0" spcFirstLastPara="1" rIns="0" wrap="square" tIns="0">
-            <a:noAutofit/>
-          </a:bodyPr>
-          <a:lstStyle/>
-          <a:p>
-            <a:pPr indent="0" lvl="0" marL="0" rtl="0" algn="l">
-              <a:spcBef>
-                <a:spcPts val="0"/>
-              </a:spcBef>
-              <a:spcAft>
-                <a:spcPts val="0"/>
-              </a:spcAft>
-              <a:buNone/>
-            </a:pPr>
-            <a:r>
-              <a:rPr lang="en"/>
-              <a:t>The course is provided publicly, you can always audit it</a:t>
-            </a:r>
-            <a:endParaRPr/>
-          </a:p>
-          <a:p>
-            <a:pPr indent="0" lvl="0" marL="0" rtl="0" algn="l">
-              <a:spcBef>
-                <a:spcPts val="1200"/>
-              </a:spcBef>
-              <a:spcAft>
-                <a:spcPts val="1200"/>
-              </a:spcAft>
-              <a:buNone/>
-            </a:pPr>
-            <a:r>
-              <a:rPr lang="en"/>
-              <a:t>Auditing will not give you credit points towards a degree</a:t>
-            </a:r>
-            <a:endParaRPr/>
-          </a:p>
-        </p:txBody>
-      </p:sp>
-      <p:sp>
-        <p:nvSpPr>
-          <p:cNvPr id="119" name="Google Shape;119;p19"/>
           <p:cNvSpPr txBox="1"/>
           <p:nvPr>
             <p:ph idx="12" type="sldNum"/>
@@ -6707,6 +6619,155 @@
               <a:t>https://profriehle.com</a:t>
             </a:r>
             <a:endParaRPr b="0" sz="1000"/>
+          </a:p>
+        </p:txBody>
+      </p:sp>
+      <p:sp>
+        <p:nvSpPr>
+          <p:cNvPr id="119" name="Google Shape;119;p19"/>
+          <p:cNvSpPr txBox="1"/>
+          <p:nvPr>
+            <p:ph idx="1" type="body"/>
+          </p:nvPr>
+        </p:nvSpPr>
+        <p:spPr>
+          <a:xfrm>
+            <a:off x="274320" y="914400"/>
+            <a:ext cx="8595300" cy="4114800"/>
+          </a:xfrm>
+          <a:prstGeom prst="rect">
+            <a:avLst/>
+          </a:prstGeom>
+        </p:spPr>
+        <p:txBody>
+          <a:bodyPr anchorCtr="0" anchor="t" bIns="0" lIns="0" spcFirstLastPara="1" rIns="0" wrap="square" tIns="0">
+            <a:noAutofit/>
+          </a:bodyPr>
+          <a:lstStyle/>
+          <a:p>
+            <a:pPr indent="0" lvl="0" marL="0" rtl="0" algn="l">
+              <a:spcBef>
+                <a:spcPts val="0"/>
+              </a:spcBef>
+              <a:spcAft>
+                <a:spcPts val="0"/>
+              </a:spcAft>
+              <a:buNone/>
+            </a:pPr>
+            <a:r>
+              <a:rPr lang="en"/>
+              <a:t>Students must have passed a (trivial) entrance test</a:t>
+            </a:r>
+            <a:endParaRPr/>
+          </a:p>
+          <a:p>
+            <a:pPr indent="0" lvl="0" marL="0" rtl="0" algn="l">
+              <a:spcBef>
+                <a:spcPts val="1200"/>
+              </a:spcBef>
+              <a:spcAft>
+                <a:spcPts val="0"/>
+              </a:spcAft>
+              <a:buNone/>
+            </a:pPr>
+            <a:r>
+              <a:rPr lang="en" strike="sngStrike"/>
+              <a:t>We use stratified randomized sampling to select students </a:t>
+            </a:r>
+            <a:endParaRPr strike="sngStrike"/>
+          </a:p>
+          <a:p>
+            <a:pPr indent="0" lvl="0" marL="0" rtl="0" algn="l">
+              <a:spcBef>
+                <a:spcPts val="1200"/>
+              </a:spcBef>
+              <a:spcAft>
+                <a:spcPts val="0"/>
+              </a:spcAft>
+              <a:buNone/>
+            </a:pPr>
+            <a:r>
+              <a:rPr lang="en" strike="sngStrike"/>
+              <a:t>Our current student limit for the course is 30 students</a:t>
+            </a:r>
+            <a:endParaRPr strike="sngStrike"/>
+          </a:p>
+          <a:p>
+            <a:pPr indent="0" lvl="0" marL="0" rtl="0" algn="l">
+              <a:spcBef>
+                <a:spcPts val="1200"/>
+              </a:spcBef>
+              <a:spcAft>
+                <a:spcPts val="0"/>
+              </a:spcAft>
+              <a:buNone/>
+            </a:pPr>
+            <a:r>
+              <a:rPr lang="en"/>
+              <a:t>Everyone is required to participate in this first class</a:t>
+            </a:r>
+            <a:endParaRPr/>
+          </a:p>
+          <a:p>
+            <a:pPr indent="0" lvl="0" marL="0" rtl="0" algn="l">
+              <a:spcBef>
+                <a:spcPts val="1200"/>
+              </a:spcBef>
+              <a:spcAft>
+                <a:spcPts val="0"/>
+              </a:spcAft>
+              <a:buNone/>
+            </a:pPr>
+            <a:r>
+              <a:rPr lang="en" strike="sngStrike"/>
+              <a:t>We will inform you after class if you got off the waitlist</a:t>
+            </a:r>
+            <a:endParaRPr strike="sngStrike"/>
+          </a:p>
+          <a:p>
+            <a:pPr indent="0" lvl="0" marL="0" rtl="0" algn="l">
+              <a:spcBef>
+                <a:spcPts val="1200"/>
+              </a:spcBef>
+              <a:spcAft>
+                <a:spcPts val="0"/>
+              </a:spcAft>
+              <a:buNone/>
+            </a:pPr>
+            <a:r>
+              <a:t/>
+            </a:r>
+            <a:endParaRPr/>
+          </a:p>
+          <a:p>
+            <a:pPr indent="0" lvl="0" marL="0" rtl="0" algn="l">
+              <a:spcBef>
+                <a:spcPts val="1200"/>
+              </a:spcBef>
+              <a:spcAft>
+                <a:spcPts val="0"/>
+              </a:spcAft>
+              <a:buNone/>
+            </a:pPr>
+            <a:r>
+              <a:t/>
+            </a:r>
+            <a:endParaRPr/>
+          </a:p>
+          <a:p>
+            <a:pPr indent="0" lvl="0" marL="0" rtl="0" algn="l">
+              <a:spcBef>
+                <a:spcPts val="1200"/>
+              </a:spcBef>
+              <a:spcAft>
+                <a:spcPts val="1200"/>
+              </a:spcAft>
+              <a:buNone/>
+            </a:pPr>
+            <a:r>
+              <a:t/>
+            </a:r>
+            <a:endParaRPr/>
           </a:p>
         </p:txBody>
       </p:sp>
@@ -6769,7 +6830,11 @@
             </a:pPr>
             <a:r>
               <a:rPr lang="en"/>
-              <a:t>Course Registration / Waitlist</a:t>
+              <a:t>Course vs. Exam Registration</a:t>
+            </a:r>
+            <a:r>
+              <a:rPr lang="en"/>
+              <a:t> [1]</a:t>
             </a:r>
             <a:endParaRPr/>
           </a:p>
@@ -6778,6 +6843,158 @@
       <p:sp>
         <p:nvSpPr>
           <p:cNvPr id="125" name="Google Shape;125;p20"/>
+          <p:cNvSpPr txBox="1"/>
+          <p:nvPr>
+            <p:ph idx="1" type="body"/>
+          </p:nvPr>
+        </p:nvSpPr>
+        <p:spPr>
+          <a:xfrm>
+            <a:off x="274320" y="914400"/>
+            <a:ext cx="8595300" cy="4114800"/>
+          </a:xfrm>
+          <a:prstGeom prst="rect">
+            <a:avLst/>
+          </a:prstGeom>
+        </p:spPr>
+        <p:txBody>
+          <a:bodyPr anchorCtr="0" anchor="t" bIns="0" lIns="0" spcFirstLastPara="1" rIns="0" wrap="square" tIns="0">
+            <a:noAutofit/>
+          </a:bodyPr>
+          <a:lstStyle/>
+          <a:p>
+            <a:pPr indent="0" lvl="0" marL="0" rtl="0" algn="l">
+              <a:spcBef>
+                <a:spcPts val="0"/>
+              </a:spcBef>
+              <a:spcAft>
+                <a:spcPts val="0"/>
+              </a:spcAft>
+              <a:buClr>
+                <a:schemeClr val="dk1"/>
+              </a:buClr>
+              <a:buSzPts val="1100"/>
+              <a:buFont typeface="Arial"/>
+              <a:buNone/>
+            </a:pPr>
+            <a:r>
+              <a:rPr lang="en"/>
+              <a:t>Course registration and exam registration are two separate steps</a:t>
+            </a:r>
+            <a:endParaRPr/>
+          </a:p>
+          <a:p>
+            <a:pPr indent="0" lvl="0" marL="0" rtl="0" algn="l">
+              <a:spcBef>
+                <a:spcPts val="1200"/>
+              </a:spcBef>
+              <a:spcAft>
+                <a:spcPts val="0"/>
+              </a:spcAft>
+              <a:buClr>
+                <a:schemeClr val="dk1"/>
+              </a:buClr>
+              <a:buSzPts val="1100"/>
+              <a:buFont typeface="Arial"/>
+              <a:buNone/>
+            </a:pPr>
+            <a:r>
+              <a:rPr lang="en"/>
+              <a:t>If you want to receive a grade</a:t>
+            </a:r>
+            <a:endParaRPr/>
+          </a:p>
+          <a:p>
+            <a:pPr indent="-342900" lvl="0" marL="457200" rtl="0" algn="l">
+              <a:spcBef>
+                <a:spcPts val="1200"/>
+              </a:spcBef>
+              <a:spcAft>
+                <a:spcPts val="0"/>
+              </a:spcAft>
+              <a:buClr>
+                <a:srgbClr val="212121"/>
+              </a:buClr>
+              <a:buSzPts val="1800"/>
+              <a:buChar char="●"/>
+            </a:pPr>
+            <a:r>
+              <a:rPr lang="en">
+                <a:solidFill>
+                  <a:srgbClr val="212121"/>
+                </a:solidFill>
+              </a:rPr>
+              <a:t>You must register through your university’s exam registration system</a:t>
+            </a:r>
+            <a:endParaRPr>
+              <a:solidFill>
+                <a:srgbClr val="212121"/>
+              </a:solidFill>
+            </a:endParaRPr>
+          </a:p>
+          <a:p>
+            <a:pPr indent="-317500" lvl="1" marL="914400" rtl="0" algn="l">
+              <a:spcBef>
+                <a:spcPts val="0"/>
+              </a:spcBef>
+              <a:spcAft>
+                <a:spcPts val="0"/>
+              </a:spcAft>
+              <a:buSzPts val="1400"/>
+              <a:buChar char="○"/>
+            </a:pPr>
+            <a:r>
+              <a:rPr b="1" lang="en"/>
+              <a:t>Your degree program may have split the course into two (VL + UE)</a:t>
+            </a:r>
+            <a:endParaRPr b="1"/>
+          </a:p>
+          <a:p>
+            <a:pPr indent="-317500" lvl="1" marL="914400" rtl="0" algn="l">
+              <a:spcBef>
+                <a:spcPts val="0"/>
+              </a:spcBef>
+              <a:spcAft>
+                <a:spcPts val="0"/>
+              </a:spcAft>
+              <a:buSzPts val="1400"/>
+              <a:buChar char="○"/>
+            </a:pPr>
+            <a:r>
+              <a:rPr b="1" lang="en"/>
+              <a:t>Please check asap that the course is available in your degree program!</a:t>
+            </a:r>
+            <a:endParaRPr b="1">
+              <a:solidFill>
+                <a:srgbClr val="212121"/>
+              </a:solidFill>
+            </a:endParaRPr>
+          </a:p>
+          <a:p>
+            <a:pPr indent="0" lvl="0" marL="0" rtl="0" algn="l">
+              <a:spcBef>
+                <a:spcPts val="1200"/>
+              </a:spcBef>
+              <a:spcAft>
+                <a:spcPts val="1200"/>
+              </a:spcAft>
+              <a:buNone/>
+            </a:pPr>
+            <a:r>
+              <a:rPr lang="en"/>
+              <a:t>Otherwise</a:t>
+            </a:r>
+            <a:r>
+              <a:rPr lang="en"/>
+              <a:t>: No grade</a:t>
+            </a:r>
+            <a:endParaRPr/>
+          </a:p>
+        </p:txBody>
+      </p:sp>
+      <p:sp>
+        <p:nvSpPr>
+          <p:cNvPr id="126" name="Google Shape;126;p20"/>
           <p:cNvSpPr txBox="1"/>
           <p:nvPr>
             <p:ph idx="12" type="sldNum"/>
@@ -6843,23 +7060,25 @@
       </p:sp>
       <p:sp>
         <p:nvSpPr>
-          <p:cNvPr id="126" name="Google Shape;126;p20"/>
+          <p:cNvPr id="127" name="Google Shape;127;p20"/>
           <p:cNvSpPr txBox="1"/>
-          <p:nvPr>
-            <p:ph idx="1" type="body"/>
-          </p:nvPr>
-        </p:nvSpPr>
-        <p:spPr>
-          <a:xfrm>
-            <a:off x="274320" y="914400"/>
-            <a:ext cx="8595300" cy="4114800"/>
+          <p:nvPr/>
+        </p:nvSpPr>
+        <p:spPr>
+          <a:xfrm>
+            <a:off x="0" y="4233672"/>
+            <a:ext cx="7315200" cy="914400"/>
           </a:xfrm>
           <a:prstGeom prst="rect">
             <a:avLst/>
           </a:prstGeom>
+          <a:noFill/>
+          <a:ln>
+            <a:noFill/>
+          </a:ln>
         </p:spPr>
         <p:txBody>
-          <a:bodyPr anchorCtr="0" anchor="t" bIns="0" lIns="0" spcFirstLastPara="1" rIns="0" wrap="square" tIns="0">
+          <a:bodyPr anchorCtr="0" anchor="b" bIns="91425" lIns="91425" spcFirstLastPara="1" rIns="91425" wrap="square" tIns="91425">
             <a:noAutofit/>
           </a:bodyPr>
           <a:lstStyle/>
@@ -6875,116 +7094,7 @@
             </a:pPr>
             <a:r>
               <a:rPr lang="en"/>
-              <a:t>Students must have passed a (trivial) entrance test</a:t>
-            </a:r>
-            <a:endParaRPr/>
-          </a:p>
-          <a:p>
-            <a:pPr indent="0" lvl="0" marL="0" rtl="0" algn="l">
-              <a:spcBef>
-                <a:spcPts val="1200"/>
-              </a:spcBef>
-              <a:spcAft>
-                <a:spcPts val="0"/>
-              </a:spcAft>
-              <a:buNone/>
-            </a:pPr>
-            <a:r>
-              <a:rPr lang="en"/>
-              <a:t>We use stratified randomized sampling to select students </a:t>
-            </a:r>
-            <a:endParaRPr/>
-          </a:p>
-          <a:p>
-            <a:pPr indent="0" lvl="0" marL="0" rtl="0" algn="l">
-              <a:spcBef>
-                <a:spcPts val="1200"/>
-              </a:spcBef>
-              <a:spcAft>
-                <a:spcPts val="0"/>
-              </a:spcAft>
-              <a:buNone/>
-            </a:pPr>
-            <a:r>
-              <a:rPr lang="en"/>
-              <a:t>Our current student limit for the course is 30 students</a:t>
-            </a:r>
-            <a:endParaRPr/>
-          </a:p>
-          <a:p>
-            <a:pPr indent="0" lvl="0" marL="0" rtl="0" algn="l">
-              <a:spcBef>
-                <a:spcPts val="1200"/>
-              </a:spcBef>
-              <a:spcAft>
-                <a:spcPts val="0"/>
-              </a:spcAft>
-              <a:buNone/>
-            </a:pPr>
-            <a:r>
-              <a:rPr lang="en"/>
-              <a:t>Everyone is required to participate in this first class</a:t>
-            </a:r>
-            <a:endParaRPr/>
-          </a:p>
-          <a:p>
-            <a:pPr indent="0" lvl="0" marL="0" rtl="0" algn="l">
-              <a:spcBef>
-                <a:spcPts val="1200"/>
-              </a:spcBef>
-              <a:spcAft>
-                <a:spcPts val="0"/>
-              </a:spcAft>
-              <a:buNone/>
-            </a:pPr>
-            <a:r>
-              <a:rPr lang="en"/>
-              <a:t>We will inform you after class if you got off the waitlist</a:t>
-            </a:r>
-            <a:endParaRPr/>
-          </a:p>
-          <a:p>
-            <a:pPr indent="0" lvl="0" marL="0" rtl="0" algn="l">
-              <a:spcBef>
-                <a:spcPts val="1200"/>
-              </a:spcBef>
-              <a:spcAft>
-                <a:spcPts val="0"/>
-              </a:spcAft>
-              <a:buNone/>
-            </a:pPr>
-            <a:r>
-              <a:t/>
-            </a:r>
-            <a:endParaRPr/>
-          </a:p>
-          <a:p>
-            <a:pPr indent="0" lvl="0" marL="0" rtl="0" algn="l">
-              <a:spcBef>
-                <a:spcPts val="1200"/>
-              </a:spcBef>
-              <a:spcAft>
-                <a:spcPts val="0"/>
-              </a:spcAft>
-              <a:buNone/>
-            </a:pPr>
-            <a:r>
-              <a:t/>
-            </a:r>
-            <a:endParaRPr/>
-          </a:p>
-          <a:p>
-            <a:pPr indent="0" lvl="0" marL="0" rtl="0" algn="l">
-              <a:spcBef>
-                <a:spcPts val="1200"/>
-              </a:spcBef>
-              <a:spcAft>
-                <a:spcPts val="1200"/>
-              </a:spcAft>
-              <a:buNone/>
-            </a:pPr>
-            <a:r>
-              <a:t/>
+              <a:t>[1] German: Prüfungsanmeldung</a:t>
             </a:r>
             <a:endParaRPr/>
           </a:p>
@@ -7003,7 +7113,7 @@
   <p:cSld>
     <p:spTree>
       <p:nvGrpSpPr>
-        <p:cNvPr id="130" name="Shape 130"/>
+        <p:cNvPr id="131" name="Shape 131"/>
         <p:cNvGrpSpPr/>
         <p:nvPr/>
       </p:nvGrpSpPr>
@@ -7017,7 +7127,7 @@
       </p:grpSpPr>
       <p:sp>
         <p:nvSpPr>
-          <p:cNvPr id="131" name="Google Shape;131;p21"/>
+          <p:cNvPr id="132" name="Google Shape;132;p21"/>
           <p:cNvSpPr txBox="1"/>
           <p:nvPr>
             <p:ph type="title"/>
@@ -7049,163 +7159,7 @@
             </a:pPr>
             <a:r>
               <a:rPr lang="en"/>
-              <a:t>Course vs. Exam Registration</a:t>
-            </a:r>
-            <a:r>
-              <a:rPr lang="en"/>
-              <a:t> [1]</a:t>
-            </a:r>
-            <a:endParaRPr/>
-          </a:p>
-        </p:txBody>
-      </p:sp>
-      <p:sp>
-        <p:nvSpPr>
-          <p:cNvPr id="132" name="Google Shape;132;p21"/>
-          <p:cNvSpPr txBox="1"/>
-          <p:nvPr>
-            <p:ph idx="1" type="body"/>
-          </p:nvPr>
-        </p:nvSpPr>
-        <p:spPr>
-          <a:xfrm>
-            <a:off x="274320" y="914400"/>
-            <a:ext cx="8595300" cy="4114800"/>
-          </a:xfrm>
-          <a:prstGeom prst="rect">
-            <a:avLst/>
-          </a:prstGeom>
-        </p:spPr>
-        <p:txBody>
-          <a:bodyPr anchorCtr="0" anchor="t" bIns="0" lIns="0" spcFirstLastPara="1" rIns="0" wrap="square" tIns="0">
-            <a:noAutofit/>
-          </a:bodyPr>
-          <a:lstStyle/>
-          <a:p>
-            <a:pPr indent="0" lvl="0" marL="0" rtl="0" algn="l">
-              <a:spcBef>
-                <a:spcPts val="0"/>
-              </a:spcBef>
-              <a:spcAft>
-                <a:spcPts val="0"/>
-              </a:spcAft>
-              <a:buClr>
-                <a:schemeClr val="dk1"/>
-              </a:buClr>
-              <a:buSzPts val="1100"/>
-              <a:buFont typeface="Arial"/>
-              <a:buNone/>
-            </a:pPr>
-            <a:r>
-              <a:rPr lang="en"/>
-              <a:t>Course registration and exam registration are two separate steps</a:t>
-            </a:r>
-            <a:endParaRPr/>
-          </a:p>
-          <a:p>
-            <a:pPr indent="0" lvl="0" marL="0" rtl="0" algn="l">
-              <a:spcBef>
-                <a:spcPts val="1200"/>
-              </a:spcBef>
-              <a:spcAft>
-                <a:spcPts val="0"/>
-              </a:spcAft>
-              <a:buClr>
-                <a:schemeClr val="dk1"/>
-              </a:buClr>
-              <a:buSzPts val="1100"/>
-              <a:buFont typeface="Arial"/>
-              <a:buNone/>
-            </a:pPr>
-            <a:r>
-              <a:rPr lang="en"/>
-              <a:t>If you want to receive a grade</a:t>
-            </a:r>
-            <a:endParaRPr/>
-          </a:p>
-          <a:p>
-            <a:pPr indent="-342900" lvl="0" marL="457200" rtl="0" algn="l">
-              <a:spcBef>
-                <a:spcPts val="1200"/>
-              </a:spcBef>
-              <a:spcAft>
-                <a:spcPts val="0"/>
-              </a:spcAft>
-              <a:buClr>
-                <a:srgbClr val="212121"/>
-              </a:buClr>
-              <a:buSzPts val="1800"/>
-              <a:buChar char="●"/>
-            </a:pPr>
-            <a:r>
-              <a:rPr lang="en">
-                <a:solidFill>
-                  <a:srgbClr val="212121"/>
-                </a:solidFill>
-              </a:rPr>
-              <a:t>You must register through your university’s exam registration system</a:t>
-            </a:r>
-            <a:endParaRPr>
-              <a:solidFill>
-                <a:srgbClr val="212121"/>
-              </a:solidFill>
-            </a:endParaRPr>
-          </a:p>
-          <a:p>
-            <a:pPr indent="-317500" lvl="1" marL="914400" rtl="0" algn="l">
-              <a:spcBef>
-                <a:spcPts val="0"/>
-              </a:spcBef>
-              <a:spcAft>
-                <a:spcPts val="0"/>
-              </a:spcAft>
-              <a:buSzPts val="1400"/>
-              <a:buChar char="○"/>
-            </a:pPr>
-            <a:r>
-              <a:rPr b="1" lang="en"/>
-              <a:t>Your degree program may have split the course into two (VL + UE)</a:t>
-            </a:r>
-            <a:endParaRPr b="1"/>
-          </a:p>
-          <a:p>
-            <a:pPr indent="-317500" lvl="1" marL="914400" rtl="0" algn="l">
-              <a:spcBef>
-                <a:spcPts val="0"/>
-              </a:spcBef>
-              <a:spcAft>
-                <a:spcPts val="0"/>
-              </a:spcAft>
-              <a:buSzPts val="1400"/>
-              <a:buChar char="○"/>
-            </a:pPr>
-            <a:r>
-              <a:rPr b="1" lang="en"/>
-              <a:t>Please check asap that the course is available in your degree program!</a:t>
-            </a:r>
-            <a:endParaRPr b="1">
-              <a:solidFill>
-                <a:srgbClr val="212121"/>
-              </a:solidFill>
-            </a:endParaRPr>
-          </a:p>
-          <a:p>
-            <a:pPr indent="0" lvl="0" marL="0" rtl="0" algn="l">
-              <a:spcBef>
-                <a:spcPts val="1200"/>
-              </a:spcBef>
-              <a:spcAft>
-                <a:spcPts val="1200"/>
-              </a:spcAft>
-              <a:buNone/>
-            </a:pPr>
-            <a:r>
-              <a:rPr lang="en"/>
-              <a:t>Otherwise</a:t>
-            </a:r>
-            <a:r>
-              <a:rPr lang="en"/>
-              <a:t>: No grade</a:t>
+              <a:t>Expectation Management (Winter 2024/25)</a:t>
             </a:r>
             <a:endParaRPr/>
           </a:p>
@@ -7281,23 +7235,21 @@
         <p:nvSpPr>
           <p:cNvPr id="134" name="Google Shape;134;p21"/>
           <p:cNvSpPr txBox="1"/>
-          <p:nvPr/>
-        </p:nvSpPr>
-        <p:spPr>
-          <a:xfrm>
-            <a:off x="0" y="4233672"/>
-            <a:ext cx="7315200" cy="914400"/>
+          <p:nvPr>
+            <p:ph idx="1" type="body"/>
+          </p:nvPr>
+        </p:nvSpPr>
+        <p:spPr>
+          <a:xfrm>
+            <a:off x="274320" y="914400"/>
+            <a:ext cx="8595300" cy="4114800"/>
           </a:xfrm>
           <a:prstGeom prst="rect">
             <a:avLst/>
           </a:prstGeom>
-          <a:noFill/>
-          <a:ln>
-            <a:noFill/>
-          </a:ln>
         </p:spPr>
         <p:txBody>
-          <a:bodyPr anchorCtr="0" anchor="b" bIns="91425" lIns="91425" spcFirstLastPara="1" rIns="91425" wrap="square" tIns="91425">
+          <a:bodyPr anchorCtr="0" anchor="t" bIns="0" lIns="0" spcFirstLastPara="1" rIns="0" wrap="square" tIns="0">
             <a:noAutofit/>
           </a:bodyPr>
           <a:lstStyle/>
@@ -7313,7 +7265,55 @@
             </a:pPr>
             <a:r>
               <a:rPr lang="en"/>
-              <a:t>[1] German: Prüfungsanmeldung</a:t>
+              <a:t>We skipped ADAP last winter to migrate from Java to Typescript</a:t>
+            </a:r>
+            <a:endParaRPr/>
+          </a:p>
+          <a:p>
+            <a:pPr indent="0" lvl="0" marL="0" rtl="0" algn="l">
+              <a:spcBef>
+                <a:spcPts val="1200"/>
+              </a:spcBef>
+              <a:spcAft>
+                <a:spcPts val="0"/>
+              </a:spcAft>
+              <a:buNone/>
+            </a:pPr>
+            <a:r>
+              <a:rPr lang="en"/>
+              <a:t>We did not finish ADAP preparations; hence this instances is experimental</a:t>
+            </a:r>
+            <a:endParaRPr/>
+          </a:p>
+          <a:p>
+            <a:pPr indent="0" lvl="0" marL="0" rtl="0" algn="l">
+              <a:spcBef>
+                <a:spcPts val="1200"/>
+              </a:spcBef>
+              <a:spcAft>
+                <a:spcPts val="0"/>
+              </a:spcAft>
+              <a:buNone/>
+            </a:pPr>
+            <a:r>
+              <a:rPr lang="en"/>
+              <a:t>You will not receive any homework feedback during the course</a:t>
+            </a:r>
+            <a:endParaRPr/>
+          </a:p>
+          <a:p>
+            <a:pPr indent="0" lvl="0" marL="0" rtl="0" algn="l">
+              <a:spcBef>
+                <a:spcPts val="1200"/>
+              </a:spcBef>
+              <a:spcAft>
+                <a:spcPts val="1200"/>
+              </a:spcAft>
+              <a:buNone/>
+            </a:pPr>
+            <a:r>
+              <a:rPr lang="en"/>
+              <a:t>Please take note of these restrictions; we recommend you try next year</a:t>
             </a:r>
             <a:endParaRPr/>
           </a:p>
@@ -7349,46 +7349,6 @@
           <p:cNvPr id="139" name="Google Shape;139;p22"/>
           <p:cNvSpPr txBox="1"/>
           <p:nvPr>
-            <p:ph type="title"/>
-          </p:nvPr>
-        </p:nvSpPr>
-        <p:spPr>
-          <a:xfrm>
-            <a:off x="0" y="0"/>
-            <a:ext cx="9144000" cy="685800"/>
-          </a:xfrm>
-          <a:prstGeom prst="rect">
-            <a:avLst/>
-          </a:prstGeom>
-        </p:spPr>
-        <p:txBody>
-          <a:bodyPr anchorCtr="0" anchor="ctr" bIns="91425" lIns="274300" spcFirstLastPara="1" rIns="91425" wrap="square" tIns="91425">
-            <a:noAutofit/>
-          </a:bodyPr>
-          <a:lstStyle/>
-          <a:p>
-            <a:pPr indent="0" lvl="0" marL="0" rtl="0" algn="l">
-              <a:spcBef>
-                <a:spcPts val="0"/>
-              </a:spcBef>
-              <a:spcAft>
-                <a:spcPts val="0"/>
-              </a:spcAft>
-              <a:buNone/>
-            </a:pPr>
-            <a:r>
-              <a:rPr lang="en"/>
-              <a:t>Course Organization</a:t>
-            </a:r>
-            <a:endParaRPr/>
-          </a:p>
-        </p:txBody>
-      </p:sp>
-      <p:sp>
-        <p:nvSpPr>
-          <p:cNvPr id="140" name="Google Shape;140;p22"/>
-          <p:cNvSpPr txBox="1"/>
-          <p:nvPr>
             <p:ph idx="1" type="body"/>
           </p:nvPr>
         </p:nvSpPr>
@@ -7509,43 +7469,52 @@
                 <a:spcPts val="1200"/>
               </a:spcBef>
               <a:spcAft>
-                <a:spcPts val="0"/>
-              </a:spcAft>
-              <a:buClr>
-                <a:schemeClr val="dk1"/>
-              </a:buClr>
-              <a:buSzPts val="1100"/>
-              <a:buFont typeface="Arial"/>
-              <a:buNone/>
-            </a:pPr>
-            <a:r>
-              <a:rPr b="1" lang="en"/>
-              <a:t>Project allocation</a:t>
-            </a:r>
-            <a:endParaRPr b="1"/>
-          </a:p>
-          <a:p>
-            <a:pPr indent="-342900" lvl="0" marL="457200" rtl="0" algn="l">
-              <a:spcBef>
                 <a:spcPts val="1200"/>
-              </a:spcBef>
-              <a:spcAft>
-                <a:spcPts val="0"/>
-              </a:spcAft>
-              <a:buSzPts val="1800"/>
-              <a:buChar char="●"/>
-            </a:pPr>
-            <a:r>
-              <a:rPr lang="en"/>
-              <a:t>See </a:t>
-            </a:r>
-            <a:r>
-              <a:rPr b="1" lang="en"/>
-              <a:t>Projects </a:t>
-            </a:r>
-            <a:r>
-              <a:rPr lang="en"/>
-              <a:t>tab on Course organization doc </a:t>
+              </a:spcAft>
+              <a:buNone/>
+            </a:pPr>
+            <a:r>
+              <a:t/>
+            </a:r>
+            <a:endParaRPr/>
+          </a:p>
+        </p:txBody>
+      </p:sp>
+      <p:sp>
+        <p:nvSpPr>
+          <p:cNvPr id="140" name="Google Shape;140;p22"/>
+          <p:cNvSpPr txBox="1"/>
+          <p:nvPr>
+            <p:ph type="title"/>
+          </p:nvPr>
+        </p:nvSpPr>
+        <p:spPr>
+          <a:xfrm>
+            <a:off x="0" y="0"/>
+            <a:ext cx="9144000" cy="685800"/>
+          </a:xfrm>
+          <a:prstGeom prst="rect">
+            <a:avLst/>
+          </a:prstGeom>
+        </p:spPr>
+        <p:txBody>
+          <a:bodyPr anchorCtr="0" anchor="ctr" bIns="91425" lIns="274300" spcFirstLastPara="1" rIns="91425" wrap="square" tIns="91425">
+            <a:noAutofit/>
+          </a:bodyPr>
+          <a:lstStyle/>
+          <a:p>
+            <a:pPr indent="0" lvl="0" marL="0" rtl="0" algn="l">
+              <a:spcBef>
+                <a:spcPts val="0"/>
+              </a:spcBef>
+              <a:spcAft>
+                <a:spcPts val="0"/>
+              </a:spcAft>
+              <a:buNone/>
+            </a:pPr>
+            <a:r>
+              <a:rPr lang="en"/>
+              <a:t>Course Organization</a:t>
             </a:r>
             <a:endParaRPr/>
           </a:p>
@@ -7782,7 +7751,7 @@
             </a:pPr>
             <a:r>
               <a:rPr b="1" lang="en"/>
-              <a:t>Lecture (class)</a:t>
+              <a:t>Class session</a:t>
             </a:r>
             <a:endParaRPr b="1"/>
           </a:p>
@@ -7848,10 +7817,10 @@
               <a:buChar char="●"/>
             </a:pPr>
             <a:r>
-              <a:rPr lang="en"/>
+              <a:rPr lang="en" strike="sngStrike"/>
               <a:t>Discussion of articles</a:t>
             </a:r>
-            <a:endParaRPr/>
+            <a:endParaRPr strike="sngStrike"/>
           </a:p>
           <a:p>
             <a:pPr indent="-342900" lvl="0" marL="457200" rtl="0" algn="l">
@@ -9461,7 +9430,7 @@
             </a:pPr>
             <a:r>
               <a:rPr lang="en"/>
-              <a:t>Lehrveranstaltung = OSS-ADAV-VUE [1] with 4 SWS, 5 ECTS</a:t>
+              <a:t>Lehrveranstaltung = OSS-ADAP-VUE [1] with 4 SWS, 5 ECTS</a:t>
             </a:r>
             <a:endParaRPr/>
           </a:p>
@@ -9528,14 +9497,48 @@
             </a:pPr>
             <a:r>
               <a:rPr lang="en"/>
-              <a:t>As seminar (Bachelor, Master)</a:t>
+              <a:t>As a VL + UE (Bachelor, Master) in den Säulen</a:t>
+            </a:r>
+            <a:endParaRPr/>
+          </a:p>
+          <a:p>
+            <a:pPr indent="-317500" lvl="1" marL="914400" rtl="0" algn="l">
+              <a:spcBef>
+                <a:spcPts val="0"/>
+              </a:spcBef>
+              <a:spcAft>
+                <a:spcPts val="0"/>
+              </a:spcAft>
+              <a:buSzPts val="1400"/>
+              <a:buChar char="○"/>
+            </a:pPr>
+            <a:r>
+              <a:rPr lang="en"/>
+              <a:t>Theorie</a:t>
+            </a:r>
+            <a:endParaRPr/>
+          </a:p>
+          <a:p>
+            <a:pPr indent="-317500" lvl="1" marL="914400" rtl="0" algn="l">
+              <a:spcBef>
+                <a:spcPts val="0"/>
+              </a:spcBef>
+              <a:spcAft>
+                <a:spcPts val="0"/>
+              </a:spcAft>
+              <a:buSzPts val="1400"/>
+              <a:buChar char="○"/>
+            </a:pPr>
+            <a:r>
+              <a:rPr lang="en"/>
+              <a:t>Software</a:t>
             </a:r>
             <a:endParaRPr/>
           </a:p>
           <a:p>
             <a:pPr indent="-342900" lvl="0" marL="457200" rtl="0" algn="l">
               <a:spcBef>
-                <a:spcPts val="0"/>
+                <a:spcPts val="1000"/>
               </a:spcBef>
               <a:spcAft>
                 <a:spcPts val="0"/>
@@ -9545,41 +9548,22 @@
             </a:pPr>
             <a:r>
               <a:rPr lang="en"/>
-              <a:t>As a VL + UE (Bachelor, Master) in den Säulen</a:t>
-            </a:r>
-            <a:endParaRPr/>
-          </a:p>
-          <a:p>
-            <a:pPr indent="-317500" lvl="1" marL="914400" rtl="0" algn="l">
-              <a:spcBef>
-                <a:spcPts val="0"/>
-              </a:spcBef>
-              <a:spcAft>
-                <a:spcPts val="0"/>
-              </a:spcAft>
-              <a:buSzPts val="1400"/>
-              <a:buChar char="○"/>
-            </a:pPr>
-            <a:r>
-              <a:rPr lang="en"/>
-              <a:t>Theoretische Orientierung</a:t>
-            </a:r>
-            <a:endParaRPr/>
-          </a:p>
-          <a:p>
-            <a:pPr indent="-317500" lvl="1" marL="914400" rtl="0" algn="l">
-              <a:spcBef>
-                <a:spcPts val="0"/>
-              </a:spcBef>
-              <a:spcAft>
-                <a:spcPts val="0"/>
-              </a:spcAft>
-              <a:buSzPts val="1400"/>
-              <a:buChar char="○"/>
-            </a:pPr>
-            <a:r>
-              <a:rPr lang="en"/>
-              <a:t>Software-Orientierung</a:t>
+              <a:t>As seminar (Bachelor, Master)</a:t>
+            </a:r>
+            <a:endParaRPr/>
+          </a:p>
+          <a:p>
+            <a:pPr indent="0" lvl="0" marL="0" rtl="0" algn="l">
+              <a:spcBef>
+                <a:spcPts val="1200"/>
+              </a:spcBef>
+              <a:spcAft>
+                <a:spcPts val="1200"/>
+              </a:spcAft>
+              <a:buNone/>
+            </a:pPr>
+            <a:r>
+              <a:t/>
             </a:r>
             <a:endParaRPr/>
           </a:p>

--- a/Lecture slides/ADAP A01 - Introduction.pptx
+++ b/Lecture slides/ADAP A01 - Introduction.pptx
@@ -5907,7 +5907,7 @@
             </a:pPr>
             <a:r>
               <a:rPr lang="en"/>
-              <a:t>Dirk Riehle, Univ. Erlangen</a:t>
+              <a:t>Dirk Riehle, FAU Erlangen</a:t>
             </a:r>
             <a:endParaRPr/>
           </a:p>
@@ -10787,6 +10787,285 @@
 </file>
 
 <file path=ppt/theme/theme1.xml><?xml version="1.0" encoding="utf-8"?>
+<a:theme xmlns:a="http://schemas.openxmlformats.org/drawingml/2006/main" xmlns:r="http://schemas.openxmlformats.org/officeDocument/2006/relationships">
+  <a:themeElements>
+    <a:clrScheme name="Default">
+      <a:dk1>
+        <a:srgbClr val="000000"/>
+      </a:dk1>
+      <a:lt1>
+        <a:srgbClr val="FFFFFF"/>
+      </a:lt1>
+      <a:dk2>
+        <a:srgbClr val="158158"/>
+      </a:dk2>
+      <a:lt2>
+        <a:srgbClr val="F3F3F3"/>
+      </a:lt2>
+      <a:accent1>
+        <a:srgbClr val="058DC7"/>
+      </a:accent1>
+      <a:accent2>
+        <a:srgbClr val="50B432"/>
+      </a:accent2>
+      <a:accent3>
+        <a:srgbClr val="ED561B"/>
+      </a:accent3>
+      <a:accent4>
+        <a:srgbClr val="EDEF00"/>
+      </a:accent4>
+      <a:accent5>
+        <a:srgbClr val="24CBE5"/>
+      </a:accent5>
+      <a:accent6>
+        <a:srgbClr val="64E572"/>
+      </a:accent6>
+      <a:hlink>
+        <a:srgbClr val="2200CC"/>
+      </a:hlink>
+      <a:folHlink>
+        <a:srgbClr val="551A8B"/>
+      </a:folHlink>
+    </a:clrScheme>
+    <a:fontScheme name="Office">
+      <a:majorFont>
+        <a:latin typeface="Arial"/>
+        <a:ea typeface=""/>
+        <a:cs typeface=""/>
+        <a:font script="Jpan" typeface="ＭＳ Ｐゴシック"/>
+        <a:font script="Hang" typeface="맑은 고딕"/>
+        <a:font script="Hans" typeface="宋体"/>
+        <a:font script="Hant" typeface="新細明體"/>
+        <a:font script="Arab" typeface="Times New Roman"/>
+        <a:font script="Hebr" typeface="Times New Roman"/>
+        <a:font script="Thai" typeface="Angsana New"/>
+        <a:font script="Ethi" typeface="Nyala"/>
+        <a:font script="Beng" typeface="Vrinda"/>
+        <a:font script="Gujr" typeface="Shruti"/>
+        <a:font script="Khmr" typeface="MoolBoran"/>
+        <a:font script="Knda" typeface="Tunga"/>
+        <a:font script="Guru" typeface="Raavi"/>
+        <a:font script="Cans" typeface="Euphemia"/>
+        <a:font script="Cher" typeface="Plantagenet Cherokee"/>
+        <a:font script="Yiii" typeface="Microsoft Yi Baiti"/>
+        <a:font script="Tibt" typeface="Microsoft Himalaya"/>
+        <a:font script="Thaa" typeface="MV Boli"/>
+        <a:font script="Deva" typeface="Mangal"/>
+        <a:font script="Telu" typeface="Gautami"/>
+        <a:font script="Taml" typeface="Latha"/>
+        <a:font script="Syrc" typeface="Estrangelo Edessa"/>
+        <a:font script="Orya" typeface="Kalinga"/>
+        <a:font script="Mlym" typeface="Kartika"/>
+        <a:font script="Laoo" typeface="DokChampa"/>
+        <a:font script="Sinh" typeface="Iskoola Pota"/>
+        <a:font script="Mong" typeface="Mongolian Baiti"/>
+        <a:font script="Viet" typeface="Times New Roman"/>
+        <a:font script="Uigh" typeface="Microsoft Uighur"/>
+        <a:font script="Geor" typeface="Sylfaen"/>
+      </a:majorFont>
+      <a:minorFont>
+        <a:latin typeface="Arial"/>
+        <a:ea typeface=""/>
+        <a:cs typeface=""/>
+        <a:font script="Jpan" typeface="ＭＳ Ｐゴシック"/>
+        <a:font script="Hang" typeface="맑은 고딕"/>
+        <a:font script="Hans" typeface="宋体"/>
+        <a:font script="Hant" typeface="新細明體"/>
+        <a:font script="Arab" typeface="Arial"/>
+        <a:font script="Hebr" typeface="Arial"/>
+        <a:font script="Thai" typeface="Cordia New"/>
+        <a:font script="Ethi" typeface="Nyala"/>
+        <a:font script="Beng" typeface="Vrinda"/>
+        <a:font script="Gujr" typeface="Shruti"/>
+        <a:font script="Khmr" typeface="DaunPenh"/>
+        <a:font script="Knda" typeface="Tunga"/>
+        <a:font script="Guru" typeface="Raavi"/>
+        <a:font script="Cans" typeface="Euphemia"/>
+        <a:font script="Cher" typeface="Plantagenet Cherokee"/>
+        <a:font script="Yiii" typeface="Microsoft Yi Baiti"/>
+        <a:font script="Tibt" typeface="Microsoft Himalaya"/>
+        <a:font script="Thaa" typeface="MV Boli"/>
+        <a:font script="Deva" typeface="Mangal"/>
+        <a:font script="Telu" typeface="Gautami"/>
+        <a:font script="Taml" typeface="Latha"/>
+        <a:font script="Syrc" typeface="Estrangelo Edessa"/>
+        <a:font script="Orya" typeface="Kalinga"/>
+        <a:font script="Mlym" typeface="Kartika"/>
+        <a:font script="Laoo" typeface="DokChampa"/>
+        <a:font script="Sinh" typeface="Iskoola Pota"/>
+        <a:font script="Mong" typeface="Mongolian Baiti"/>
+        <a:font script="Viet" typeface="Arial"/>
+        <a:font script="Uigh" typeface="Microsoft Uighur"/>
+        <a:font script="Geor" typeface="Sylfaen"/>
+      </a:minorFont>
+    </a:fontScheme>
+    <a:fmtScheme name="Office">
+      <a:fillStyleLst>
+        <a:solidFill>
+          <a:schemeClr val="phClr"/>
+        </a:solidFill>
+        <a:gradFill rotWithShape="1">
+          <a:gsLst>
+            <a:gs pos="0">
+              <a:schemeClr val="phClr">
+                <a:tint val="50000"/>
+                <a:satMod val="300000"/>
+              </a:schemeClr>
+            </a:gs>
+            <a:gs pos="35000">
+              <a:schemeClr val="phClr">
+                <a:tint val="37000"/>
+                <a:satMod val="300000"/>
+              </a:schemeClr>
+            </a:gs>
+            <a:gs pos="100000">
+              <a:schemeClr val="phClr">
+                <a:tint val="15000"/>
+                <a:satMod val="350000"/>
+              </a:schemeClr>
+            </a:gs>
+          </a:gsLst>
+          <a:lin ang="16200000" scaled="1"/>
+        </a:gradFill>
+        <a:gradFill rotWithShape="1">
+          <a:gsLst>
+            <a:gs pos="0">
+              <a:schemeClr val="phClr">
+                <a:tint val="100000"/>
+                <a:shade val="100000"/>
+                <a:satMod val="130000"/>
+              </a:schemeClr>
+            </a:gs>
+            <a:gs pos="100000">
+              <a:schemeClr val="phClr">
+                <a:tint val="50000"/>
+                <a:shade val="100000"/>
+                <a:satMod val="350000"/>
+              </a:schemeClr>
+            </a:gs>
+          </a:gsLst>
+          <a:lin ang="16200000" scaled="0"/>
+        </a:gradFill>
+      </a:fillStyleLst>
+      <a:lnStyleLst>
+        <a:ln w="9525" cap="flat" cmpd="sng" algn="ctr">
+          <a:solidFill>
+            <a:schemeClr val="phClr">
+              <a:shade val="95000"/>
+              <a:satMod val="105000"/>
+            </a:schemeClr>
+          </a:solidFill>
+          <a:prstDash val="solid"/>
+        </a:ln>
+        <a:ln w="25400" cap="flat" cmpd="sng" algn="ctr">
+          <a:solidFill>
+            <a:schemeClr val="phClr"/>
+          </a:solidFill>
+          <a:prstDash val="solid"/>
+        </a:ln>
+        <a:ln w="38100" cap="flat" cmpd="sng" algn="ctr">
+          <a:solidFill>
+            <a:schemeClr val="phClr"/>
+          </a:solidFill>
+          <a:prstDash val="solid"/>
+        </a:ln>
+      </a:lnStyleLst>
+      <a:effectStyleLst>
+        <a:effectStyle>
+          <a:effectLst>
+            <a:outerShdw blurRad="40000" dist="20000" dir="5400000" rotWithShape="0">
+              <a:srgbClr val="000000">
+                <a:alpha val="38000"/>
+              </a:srgbClr>
+            </a:outerShdw>
+          </a:effectLst>
+        </a:effectStyle>
+        <a:effectStyle>
+          <a:effectLst>
+            <a:outerShdw blurRad="40000" dist="23000" dir="5400000" rotWithShape="0">
+              <a:srgbClr val="000000">
+                <a:alpha val="35000"/>
+              </a:srgbClr>
+            </a:outerShdw>
+          </a:effectLst>
+        </a:effectStyle>
+        <a:effectStyle>
+          <a:effectLst>
+            <a:outerShdw blurRad="40000" dist="23000" dir="5400000" rotWithShape="0">
+              <a:srgbClr val="000000">
+                <a:alpha val="35000"/>
+              </a:srgbClr>
+            </a:outerShdw>
+          </a:effectLst>
+          <a:scene3d>
+            <a:camera prst="orthographicFront">
+              <a:rot lat="0" lon="0" rev="0"/>
+            </a:camera>
+            <a:lightRig rig="threePt" dir="t">
+              <a:rot lat="0" lon="0" rev="1200000"/>
+            </a:lightRig>
+          </a:scene3d>
+          <a:sp3d>
+            <a:bevelT w="63500" h="25400"/>
+          </a:sp3d>
+        </a:effectStyle>
+      </a:effectStyleLst>
+      <a:bgFillStyleLst>
+        <a:solidFill>
+          <a:schemeClr val="phClr"/>
+        </a:solidFill>
+        <a:gradFill rotWithShape="1">
+          <a:gsLst>
+            <a:gs pos="0">
+              <a:schemeClr val="phClr">
+                <a:tint val="40000"/>
+                <a:satMod val="350000"/>
+              </a:schemeClr>
+            </a:gs>
+            <a:gs pos="40000">
+              <a:schemeClr val="phClr">
+                <a:tint val="45000"/>
+                <a:shade val="99000"/>
+                <a:satMod val="350000"/>
+              </a:schemeClr>
+            </a:gs>
+            <a:gs pos="100000">
+              <a:schemeClr val="phClr">
+                <a:shade val="20000"/>
+                <a:satMod val="255000"/>
+              </a:schemeClr>
+            </a:gs>
+          </a:gsLst>
+          <a:path path="circle">
+            <a:fillToRect l="50000" t="-80000" r="50000" b="180000"/>
+          </a:path>
+        </a:gradFill>
+        <a:gradFill rotWithShape="1">
+          <a:gsLst>
+            <a:gs pos="0">
+              <a:schemeClr val="phClr">
+                <a:tint val="80000"/>
+                <a:satMod val="300000"/>
+              </a:schemeClr>
+            </a:gs>
+            <a:gs pos="100000">
+              <a:schemeClr val="phClr">
+                <a:shade val="30000"/>
+                <a:satMod val="200000"/>
+              </a:schemeClr>
+            </a:gs>
+          </a:gsLst>
+          <a:path path="circle">
+            <a:fillToRect l="50000" t="50000" r="50000" b="50000"/>
+          </a:path>
+        </a:gradFill>
+      </a:bgFillStyleLst>
+    </a:fmtScheme>
+  </a:themeElements>
+</a:theme>
+</file>
+
+<file path=ppt/theme/theme2.xml><?xml version="1.0" encoding="utf-8"?>
 <a:theme xmlns:a="http://schemas.openxmlformats.org/drawingml/2006/main" xmlns:r="http://schemas.openxmlformats.org/officeDocument/2006/relationships" name="ADAP Slides Template">
   <a:themeElements>
     <a:clrScheme name="Simple Light">
@@ -11063,283 +11342,4 @@
     </a:fmtScheme>
   </a:themeElements>
 </a:theme>
-</file>
-
-<file path=ppt/theme/theme2.xml><?xml version="1.0" encoding="utf-8"?>
-<a:theme xmlns:a="http://schemas.openxmlformats.org/drawingml/2006/main" xmlns:r="http://schemas.openxmlformats.org/officeDocument/2006/relationships">
-  <a:themeElements>
-    <a:clrScheme name="Default">
-      <a:dk1>
-        <a:srgbClr val="000000"/>
-      </a:dk1>
-      <a:lt1>
-        <a:srgbClr val="FFFFFF"/>
-      </a:lt1>
-      <a:dk2>
-        <a:srgbClr val="158158"/>
-      </a:dk2>
-      <a:lt2>
-        <a:srgbClr val="F3F3F3"/>
-      </a:lt2>
-      <a:accent1>
-        <a:srgbClr val="058DC7"/>
-      </a:accent1>
-      <a:accent2>
-        <a:srgbClr val="50B432"/>
-      </a:accent2>
-      <a:accent3>
-        <a:srgbClr val="ED561B"/>
-      </a:accent3>
-      <a:accent4>
-        <a:srgbClr val="EDEF00"/>
-      </a:accent4>
-      <a:accent5>
-        <a:srgbClr val="24CBE5"/>
-      </a:accent5>
-      <a:accent6>
-        <a:srgbClr val="64E572"/>
-      </a:accent6>
-      <a:hlink>
-        <a:srgbClr val="2200CC"/>
-      </a:hlink>
-      <a:folHlink>
-        <a:srgbClr val="551A8B"/>
-      </a:folHlink>
-    </a:clrScheme>
-    <a:fontScheme name="Office">
-      <a:majorFont>
-        <a:latin typeface="Arial"/>
-        <a:ea typeface=""/>
-        <a:cs typeface=""/>
-        <a:font script="Jpan" typeface="ＭＳ Ｐゴシック"/>
-        <a:font script="Hang" typeface="맑은 고딕"/>
-        <a:font script="Hans" typeface="宋体"/>
-        <a:font script="Hant" typeface="新細明體"/>
-        <a:font script="Arab" typeface="Times New Roman"/>
-        <a:font script="Hebr" typeface="Times New Roman"/>
-        <a:font script="Thai" typeface="Angsana New"/>
-        <a:font script="Ethi" typeface="Nyala"/>
-        <a:font script="Beng" typeface="Vrinda"/>
-        <a:font script="Gujr" typeface="Shruti"/>
-        <a:font script="Khmr" typeface="MoolBoran"/>
-        <a:font script="Knda" typeface="Tunga"/>
-        <a:font script="Guru" typeface="Raavi"/>
-        <a:font script="Cans" typeface="Euphemia"/>
-        <a:font script="Cher" typeface="Plantagenet Cherokee"/>
-        <a:font script="Yiii" typeface="Microsoft Yi Baiti"/>
-        <a:font script="Tibt" typeface="Microsoft Himalaya"/>
-        <a:font script="Thaa" typeface="MV Boli"/>
-        <a:font script="Deva" typeface="Mangal"/>
-        <a:font script="Telu" typeface="Gautami"/>
-        <a:font script="Taml" typeface="Latha"/>
-        <a:font script="Syrc" typeface="Estrangelo Edessa"/>
-        <a:font script="Orya" typeface="Kalinga"/>
-        <a:font script="Mlym" typeface="Kartika"/>
-        <a:font script="Laoo" typeface="DokChampa"/>
-        <a:font script="Sinh" typeface="Iskoola Pota"/>
-        <a:font script="Mong" typeface="Mongolian Baiti"/>
-        <a:font script="Viet" typeface="Times New Roman"/>
-        <a:font script="Uigh" typeface="Microsoft Uighur"/>
-        <a:font script="Geor" typeface="Sylfaen"/>
-      </a:majorFont>
-      <a:minorFont>
-        <a:latin typeface="Arial"/>
-        <a:ea typeface=""/>
-        <a:cs typeface=""/>
-        <a:font script="Jpan" typeface="ＭＳ Ｐゴシック"/>
-        <a:font script="Hang" typeface="맑은 고딕"/>
-        <a:font script="Hans" typeface="宋体"/>
-        <a:font script="Hant" typeface="新細明體"/>
-        <a:font script="Arab" typeface="Arial"/>
-        <a:font script="Hebr" typeface="Arial"/>
-        <a:font script="Thai" typeface="Cordia New"/>
-        <a:font script="Ethi" typeface="Nyala"/>
-        <a:font script="Beng" typeface="Vrinda"/>
-        <a:font script="Gujr" typeface="Shruti"/>
-        <a:font script="Khmr" typeface="DaunPenh"/>
-        <a:font script="Knda" typeface="Tunga"/>
-        <a:font script="Guru" typeface="Raavi"/>
-        <a:font script="Cans" typeface="Euphemia"/>
-        <a:font script="Cher" typeface="Plantagenet Cherokee"/>
-        <a:font script="Yiii" typeface="Microsoft Yi Baiti"/>
-        <a:font script="Tibt" typeface="Microsoft Himalaya"/>
-        <a:font script="Thaa" typeface="MV Boli"/>
-        <a:font script="Deva" typeface="Mangal"/>
-        <a:font script="Telu" typeface="Gautami"/>
-        <a:font script="Taml" typeface="Latha"/>
-        <a:font script="Syrc" typeface="Estrangelo Edessa"/>
-        <a:font script="Orya" typeface="Kalinga"/>
-        <a:font script="Mlym" typeface="Kartika"/>
-        <a:font script="Laoo" typeface="DokChampa"/>
-        <a:font script="Sinh" typeface="Iskoola Pota"/>
-        <a:font script="Mong" typeface="Mongolian Baiti"/>
-        <a:font script="Viet" typeface="Arial"/>
-        <a:font script="Uigh" typeface="Microsoft Uighur"/>
-        <a:font script="Geor" typeface="Sylfaen"/>
-      </a:minorFont>
-    </a:fontScheme>
-    <a:fmtScheme name="Office">
-      <a:fillStyleLst>
-        <a:solidFill>
-          <a:schemeClr val="phClr"/>
-        </a:solidFill>
-        <a:gradFill rotWithShape="1">
-          <a:gsLst>
-            <a:gs pos="0">
-              <a:schemeClr val="phClr">
-                <a:tint val="50000"/>
-                <a:satMod val="300000"/>
-              </a:schemeClr>
-            </a:gs>
-            <a:gs pos="35000">
-              <a:schemeClr val="phClr">
-                <a:tint val="37000"/>
-                <a:satMod val="300000"/>
-              </a:schemeClr>
-            </a:gs>
-            <a:gs pos="100000">
-              <a:schemeClr val="phClr">
-                <a:tint val="15000"/>
-                <a:satMod val="350000"/>
-              </a:schemeClr>
-            </a:gs>
-          </a:gsLst>
-          <a:lin ang="16200000" scaled="1"/>
-        </a:gradFill>
-        <a:gradFill rotWithShape="1">
-          <a:gsLst>
-            <a:gs pos="0">
-              <a:schemeClr val="phClr">
-                <a:tint val="100000"/>
-                <a:shade val="100000"/>
-                <a:satMod val="130000"/>
-              </a:schemeClr>
-            </a:gs>
-            <a:gs pos="100000">
-              <a:schemeClr val="phClr">
-                <a:tint val="50000"/>
-                <a:shade val="100000"/>
-                <a:satMod val="350000"/>
-              </a:schemeClr>
-            </a:gs>
-          </a:gsLst>
-          <a:lin ang="16200000" scaled="0"/>
-        </a:gradFill>
-      </a:fillStyleLst>
-      <a:lnStyleLst>
-        <a:ln w="9525" cap="flat" cmpd="sng" algn="ctr">
-          <a:solidFill>
-            <a:schemeClr val="phClr">
-              <a:shade val="95000"/>
-              <a:satMod val="105000"/>
-            </a:schemeClr>
-          </a:solidFill>
-          <a:prstDash val="solid"/>
-        </a:ln>
-        <a:ln w="25400" cap="flat" cmpd="sng" algn="ctr">
-          <a:solidFill>
-            <a:schemeClr val="phClr"/>
-          </a:solidFill>
-          <a:prstDash val="solid"/>
-        </a:ln>
-        <a:ln w="38100" cap="flat" cmpd="sng" algn="ctr">
-          <a:solidFill>
-            <a:schemeClr val="phClr"/>
-          </a:solidFill>
-          <a:prstDash val="solid"/>
-        </a:ln>
-      </a:lnStyleLst>
-      <a:effectStyleLst>
-        <a:effectStyle>
-          <a:effectLst>
-            <a:outerShdw blurRad="40000" dist="20000" dir="5400000" rotWithShape="0">
-              <a:srgbClr val="000000">
-                <a:alpha val="38000"/>
-              </a:srgbClr>
-            </a:outerShdw>
-          </a:effectLst>
-        </a:effectStyle>
-        <a:effectStyle>
-          <a:effectLst>
-            <a:outerShdw blurRad="40000" dist="23000" dir="5400000" rotWithShape="0">
-              <a:srgbClr val="000000">
-                <a:alpha val="35000"/>
-              </a:srgbClr>
-            </a:outerShdw>
-          </a:effectLst>
-        </a:effectStyle>
-        <a:effectStyle>
-          <a:effectLst>
-            <a:outerShdw blurRad="40000" dist="23000" dir="5400000" rotWithShape="0">
-              <a:srgbClr val="000000">
-                <a:alpha val="35000"/>
-              </a:srgbClr>
-            </a:outerShdw>
-          </a:effectLst>
-          <a:scene3d>
-            <a:camera prst="orthographicFront">
-              <a:rot lat="0" lon="0" rev="0"/>
-            </a:camera>
-            <a:lightRig rig="threePt" dir="t">
-              <a:rot lat="0" lon="0" rev="1200000"/>
-            </a:lightRig>
-          </a:scene3d>
-          <a:sp3d>
-            <a:bevelT w="63500" h="25400"/>
-          </a:sp3d>
-        </a:effectStyle>
-      </a:effectStyleLst>
-      <a:bgFillStyleLst>
-        <a:solidFill>
-          <a:schemeClr val="phClr"/>
-        </a:solidFill>
-        <a:gradFill rotWithShape="1">
-          <a:gsLst>
-            <a:gs pos="0">
-              <a:schemeClr val="phClr">
-                <a:tint val="40000"/>
-                <a:satMod val="350000"/>
-              </a:schemeClr>
-            </a:gs>
-            <a:gs pos="40000">
-              <a:schemeClr val="phClr">
-                <a:tint val="45000"/>
-                <a:shade val="99000"/>
-                <a:satMod val="350000"/>
-              </a:schemeClr>
-            </a:gs>
-            <a:gs pos="100000">
-              <a:schemeClr val="phClr">
-                <a:shade val="20000"/>
-                <a:satMod val="255000"/>
-              </a:schemeClr>
-            </a:gs>
-          </a:gsLst>
-          <a:path path="circle">
-            <a:fillToRect l="50000" t="-80000" r="50000" b="180000"/>
-          </a:path>
-        </a:gradFill>
-        <a:gradFill rotWithShape="1">
-          <a:gsLst>
-            <a:gs pos="0">
-              <a:schemeClr val="phClr">
-                <a:tint val="80000"/>
-                <a:satMod val="300000"/>
-              </a:schemeClr>
-            </a:gs>
-            <a:gs pos="100000">
-              <a:schemeClr val="phClr">
-                <a:shade val="30000"/>
-                <a:satMod val="200000"/>
-              </a:schemeClr>
-            </a:gs>
-          </a:gsLst>
-          <a:path path="circle">
-            <a:fillToRect l="50000" t="50000" r="50000" b="50000"/>
-          </a:path>
-        </a:gradFill>
-      </a:bgFillStyleLst>
-    </a:fmtScheme>
-  </a:themeElements>
-</a:theme>
 </file>
--- a/Lecture slides/ADAP A01 - Introduction.pptx
+++ b/Lecture slides/ADAP A01 - Introduction.pptx
@@ -10787,6 +10787,285 @@
 </file>
 
 <file path=ppt/theme/theme1.xml><?xml version="1.0" encoding="utf-8"?>
+<a:theme xmlns:a="http://schemas.openxmlformats.org/drawingml/2006/main" xmlns:r="http://schemas.openxmlformats.org/officeDocument/2006/relationships" name="ADAP Slides Template">
+  <a:themeElements>
+    <a:clrScheme name="Simple Light">
+      <a:dk1>
+        <a:srgbClr val="000000"/>
+      </a:dk1>
+      <a:lt1>
+        <a:srgbClr val="FFFFFF"/>
+      </a:lt1>
+      <a:dk2>
+        <a:srgbClr val="404040"/>
+      </a:dk2>
+      <a:lt2>
+        <a:srgbClr val="808080"/>
+      </a:lt2>
+      <a:accent1>
+        <a:srgbClr val="D0D0D0"/>
+      </a:accent1>
+      <a:accent2>
+        <a:srgbClr val="4169E1"/>
+      </a:accent2>
+      <a:accent3>
+        <a:srgbClr val="D50D01"/>
+      </a:accent3>
+      <a:accent4>
+        <a:srgbClr val="FEB612"/>
+      </a:accent4>
+      <a:accent5>
+        <a:srgbClr val="4CAF50"/>
+      </a:accent5>
+      <a:accent6>
+        <a:srgbClr val="8E44AD"/>
+      </a:accent6>
+      <a:hlink>
+        <a:srgbClr val="34A3C5"/>
+      </a:hlink>
+      <a:folHlink>
+        <a:srgbClr val="0097A7"/>
+      </a:folHlink>
+    </a:clrScheme>
+    <a:fontScheme name="Office">
+      <a:majorFont>
+        <a:latin typeface="Arial"/>
+        <a:ea typeface=""/>
+        <a:cs typeface=""/>
+        <a:font script="Jpan" typeface="ＭＳ Ｐゴシック"/>
+        <a:font script="Hang" typeface="맑은 고딕"/>
+        <a:font script="Hans" typeface="宋体"/>
+        <a:font script="Hant" typeface="新細明體"/>
+        <a:font script="Arab" typeface="Times New Roman"/>
+        <a:font script="Hebr" typeface="Times New Roman"/>
+        <a:font script="Thai" typeface="Angsana New"/>
+        <a:font script="Ethi" typeface="Nyala"/>
+        <a:font script="Beng" typeface="Vrinda"/>
+        <a:font script="Gujr" typeface="Shruti"/>
+        <a:font script="Khmr" typeface="MoolBoran"/>
+        <a:font script="Knda" typeface="Tunga"/>
+        <a:font script="Guru" typeface="Raavi"/>
+        <a:font script="Cans" typeface="Euphemia"/>
+        <a:font script="Cher" typeface="Plantagenet Cherokee"/>
+        <a:font script="Yiii" typeface="Microsoft Yi Baiti"/>
+        <a:font script="Tibt" typeface="Microsoft Himalaya"/>
+        <a:font script="Thaa" typeface="MV Boli"/>
+        <a:font script="Deva" typeface="Mangal"/>
+        <a:font script="Telu" typeface="Gautami"/>
+        <a:font script="Taml" typeface="Latha"/>
+        <a:font script="Syrc" typeface="Estrangelo Edessa"/>
+        <a:font script="Orya" typeface="Kalinga"/>
+        <a:font script="Mlym" typeface="Kartika"/>
+        <a:font script="Laoo" typeface="DokChampa"/>
+        <a:font script="Sinh" typeface="Iskoola Pota"/>
+        <a:font script="Mong" typeface="Mongolian Baiti"/>
+        <a:font script="Viet" typeface="Times New Roman"/>
+        <a:font script="Uigh" typeface="Microsoft Uighur"/>
+        <a:font script="Geor" typeface="Sylfaen"/>
+      </a:majorFont>
+      <a:minorFont>
+        <a:latin typeface="Arial"/>
+        <a:ea typeface=""/>
+        <a:cs typeface=""/>
+        <a:font script="Jpan" typeface="ＭＳ Ｐゴシック"/>
+        <a:font script="Hang" typeface="맑은 고딕"/>
+        <a:font script="Hans" typeface="宋体"/>
+        <a:font script="Hant" typeface="新細明體"/>
+        <a:font script="Arab" typeface="Arial"/>
+        <a:font script="Hebr" typeface="Arial"/>
+        <a:font script="Thai" typeface="Cordia New"/>
+        <a:font script="Ethi" typeface="Nyala"/>
+        <a:font script="Beng" typeface="Vrinda"/>
+        <a:font script="Gujr" typeface="Shruti"/>
+        <a:font script="Khmr" typeface="DaunPenh"/>
+        <a:font script="Knda" typeface="Tunga"/>
+        <a:font script="Guru" typeface="Raavi"/>
+        <a:font script="Cans" typeface="Euphemia"/>
+        <a:font script="Cher" typeface="Plantagenet Cherokee"/>
+        <a:font script="Yiii" typeface="Microsoft Yi Baiti"/>
+        <a:font script="Tibt" typeface="Microsoft Himalaya"/>
+        <a:font script="Thaa" typeface="MV Boli"/>
+        <a:font script="Deva" typeface="Mangal"/>
+        <a:font script="Telu" typeface="Gautami"/>
+        <a:font script="Taml" typeface="Latha"/>
+        <a:font script="Syrc" typeface="Estrangelo Edessa"/>
+        <a:font script="Orya" typeface="Kalinga"/>
+        <a:font script="Mlym" typeface="Kartika"/>
+        <a:font script="Laoo" typeface="DokChampa"/>
+        <a:font script="Sinh" typeface="Iskoola Pota"/>
+        <a:font script="Mong" typeface="Mongolian Baiti"/>
+        <a:font script="Viet" typeface="Arial"/>
+        <a:font script="Uigh" typeface="Microsoft Uighur"/>
+        <a:font script="Geor" typeface="Sylfaen"/>
+      </a:minorFont>
+    </a:fontScheme>
+    <a:fmtScheme name="Office">
+      <a:fillStyleLst>
+        <a:solidFill>
+          <a:schemeClr val="phClr"/>
+        </a:solidFill>
+        <a:gradFill rotWithShape="1">
+          <a:gsLst>
+            <a:gs pos="0">
+              <a:schemeClr val="phClr">
+                <a:tint val="50000"/>
+                <a:satMod val="300000"/>
+              </a:schemeClr>
+            </a:gs>
+            <a:gs pos="35000">
+              <a:schemeClr val="phClr">
+                <a:tint val="37000"/>
+                <a:satMod val="300000"/>
+              </a:schemeClr>
+            </a:gs>
+            <a:gs pos="100000">
+              <a:schemeClr val="phClr">
+                <a:tint val="15000"/>
+                <a:satMod val="350000"/>
+              </a:schemeClr>
+            </a:gs>
+          </a:gsLst>
+          <a:lin ang="16200000" scaled="1"/>
+        </a:gradFill>
+        <a:gradFill rotWithShape="1">
+          <a:gsLst>
+            <a:gs pos="0">
+              <a:schemeClr val="phClr">
+                <a:tint val="100000"/>
+                <a:shade val="100000"/>
+                <a:satMod val="130000"/>
+              </a:schemeClr>
+            </a:gs>
+            <a:gs pos="100000">
+              <a:schemeClr val="phClr">
+                <a:tint val="50000"/>
+                <a:shade val="100000"/>
+                <a:satMod val="350000"/>
+              </a:schemeClr>
+            </a:gs>
+          </a:gsLst>
+          <a:lin ang="16200000" scaled="0"/>
+        </a:gradFill>
+      </a:fillStyleLst>
+      <a:lnStyleLst>
+        <a:ln w="9525" cap="flat" cmpd="sng" algn="ctr">
+          <a:solidFill>
+            <a:schemeClr val="phClr">
+              <a:shade val="95000"/>
+              <a:satMod val="105000"/>
+            </a:schemeClr>
+          </a:solidFill>
+          <a:prstDash val="solid"/>
+        </a:ln>
+        <a:ln w="25400" cap="flat" cmpd="sng" algn="ctr">
+          <a:solidFill>
+            <a:schemeClr val="phClr"/>
+          </a:solidFill>
+          <a:prstDash val="solid"/>
+        </a:ln>
+        <a:ln w="38100" cap="flat" cmpd="sng" algn="ctr">
+          <a:solidFill>
+            <a:schemeClr val="phClr"/>
+          </a:solidFill>
+          <a:prstDash val="solid"/>
+        </a:ln>
+      </a:lnStyleLst>
+      <a:effectStyleLst>
+        <a:effectStyle>
+          <a:effectLst>
+            <a:outerShdw blurRad="40000" dist="20000" dir="5400000" rotWithShape="0">
+              <a:srgbClr val="000000">
+                <a:alpha val="38000"/>
+              </a:srgbClr>
+            </a:outerShdw>
+          </a:effectLst>
+        </a:effectStyle>
+        <a:effectStyle>
+          <a:effectLst>
+            <a:outerShdw blurRad="40000" dist="23000" dir="5400000" rotWithShape="0">
+              <a:srgbClr val="000000">
+                <a:alpha val="35000"/>
+              </a:srgbClr>
+            </a:outerShdw>
+          </a:effectLst>
+        </a:effectStyle>
+        <a:effectStyle>
+          <a:effectLst>
+            <a:outerShdw blurRad="40000" dist="23000" dir="5400000" rotWithShape="0">
+              <a:srgbClr val="000000">
+                <a:alpha val="35000"/>
+              </a:srgbClr>
+            </a:outerShdw>
+          </a:effectLst>
+          <a:scene3d>
+            <a:camera prst="orthographicFront">
+              <a:rot lat="0" lon="0" rev="0"/>
+            </a:camera>
+            <a:lightRig rig="threePt" dir="t">
+              <a:rot lat="0" lon="0" rev="1200000"/>
+            </a:lightRig>
+          </a:scene3d>
+          <a:sp3d>
+            <a:bevelT w="63500" h="25400"/>
+          </a:sp3d>
+        </a:effectStyle>
+      </a:effectStyleLst>
+      <a:bgFillStyleLst>
+        <a:solidFill>
+          <a:schemeClr val="phClr"/>
+        </a:solidFill>
+        <a:gradFill rotWithShape="1">
+          <a:gsLst>
+            <a:gs pos="0">
+              <a:schemeClr val="phClr">
+                <a:tint val="40000"/>
+                <a:satMod val="350000"/>
+              </a:schemeClr>
+            </a:gs>
+            <a:gs pos="40000">
+              <a:schemeClr val="phClr">
+                <a:tint val="45000"/>
+                <a:shade val="99000"/>
+                <a:satMod val="350000"/>
+              </a:schemeClr>
+            </a:gs>
+            <a:gs pos="100000">
+              <a:schemeClr val="phClr">
+                <a:shade val="20000"/>
+                <a:satMod val="255000"/>
+              </a:schemeClr>
+            </a:gs>
+          </a:gsLst>
+          <a:path path="circle">
+            <a:fillToRect l="50000" t="-80000" r="50000" b="180000"/>
+          </a:path>
+        </a:gradFill>
+        <a:gradFill rotWithShape="1">
+          <a:gsLst>
+            <a:gs pos="0">
+              <a:schemeClr val="phClr">
+                <a:tint val="80000"/>
+                <a:satMod val="300000"/>
+              </a:schemeClr>
+            </a:gs>
+            <a:gs pos="100000">
+              <a:schemeClr val="phClr">
+                <a:shade val="30000"/>
+                <a:satMod val="200000"/>
+              </a:schemeClr>
+            </a:gs>
+          </a:gsLst>
+          <a:path path="circle">
+            <a:fillToRect l="50000" t="50000" r="50000" b="50000"/>
+          </a:path>
+        </a:gradFill>
+      </a:bgFillStyleLst>
+    </a:fmtScheme>
+  </a:themeElements>
+</a:theme>
+</file>
+
+<file path=ppt/theme/theme2.xml><?xml version="1.0" encoding="utf-8"?>
 <a:theme xmlns:a="http://schemas.openxmlformats.org/drawingml/2006/main" xmlns:r="http://schemas.openxmlformats.org/officeDocument/2006/relationships">
   <a:themeElements>
     <a:clrScheme name="Default">
@@ -11063,283 +11342,4 @@
     </a:fmtScheme>
   </a:themeElements>
 </a:theme>
-</file>
-
-<file path=ppt/theme/theme2.xml><?xml version="1.0" encoding="utf-8"?>
-<a:theme xmlns:a="http://schemas.openxmlformats.org/drawingml/2006/main" xmlns:r="http://schemas.openxmlformats.org/officeDocument/2006/relationships" name="ADAP Slides Template">
-  <a:themeElements>
-    <a:clrScheme name="Simple Light">
-      <a:dk1>
-        <a:srgbClr val="000000"/>
-      </a:dk1>
-      <a:lt1>
-        <a:srgbClr val="FFFFFF"/>
-      </a:lt1>
-      <a:dk2>
-        <a:srgbClr val="404040"/>
-      </a:dk2>
-      <a:lt2>
-        <a:srgbClr val="808080"/>
-      </a:lt2>
-      <a:accent1>
-        <a:srgbClr val="D0D0D0"/>
-      </a:accent1>
-      <a:accent2>
-        <a:srgbClr val="4169E1"/>
-      </a:accent2>
-      <a:accent3>
-        <a:srgbClr val="D50D01"/>
-      </a:accent3>
-      <a:accent4>
-        <a:srgbClr val="FEB612"/>
-      </a:accent4>
-      <a:accent5>
-        <a:srgbClr val="4CAF50"/>
-      </a:accent5>
-      <a:accent6>
-        <a:srgbClr val="8E44AD"/>
-      </a:accent6>
-      <a:hlink>
-        <a:srgbClr val="34A3C5"/>
-      </a:hlink>
-      <a:folHlink>
-        <a:srgbClr val="0097A7"/>
-      </a:folHlink>
-    </a:clrScheme>
-    <a:fontScheme name="Office">
-      <a:majorFont>
-        <a:latin typeface="Arial"/>
-        <a:ea typeface=""/>
-        <a:cs typeface=""/>
-        <a:font script="Jpan" typeface="ＭＳ Ｐゴシック"/>
-        <a:font script="Hang" typeface="맑은 고딕"/>
-        <a:font script="Hans" typeface="宋体"/>
-        <a:font script="Hant" typeface="新細明體"/>
-        <a:font script="Arab" typeface="Times New Roman"/>
-        <a:font script="Hebr" typeface="Times New Roman"/>
-        <a:font script="Thai" typeface="Angsana New"/>
-        <a:font script="Ethi" typeface="Nyala"/>
-        <a:font script="Beng" typeface="Vrinda"/>
-        <a:font script="Gujr" typeface="Shruti"/>
-        <a:font script="Khmr" typeface="MoolBoran"/>
-        <a:font script="Knda" typeface="Tunga"/>
-        <a:font script="Guru" typeface="Raavi"/>
-        <a:font script="Cans" typeface="Euphemia"/>
-        <a:font script="Cher" typeface="Plantagenet Cherokee"/>
-        <a:font script="Yiii" typeface="Microsoft Yi Baiti"/>
-        <a:font script="Tibt" typeface="Microsoft Himalaya"/>
-        <a:font script="Thaa" typeface="MV Boli"/>
-        <a:font script="Deva" typeface="Mangal"/>
-        <a:font script="Telu" typeface="Gautami"/>
-        <a:font script="Taml" typeface="Latha"/>
-        <a:font script="Syrc" typeface="Estrangelo Edessa"/>
-        <a:font script="Orya" typeface="Kalinga"/>
-        <a:font script="Mlym" typeface="Kartika"/>
-        <a:font script="Laoo" typeface="DokChampa"/>
-        <a:font script="Sinh" typeface="Iskoola Pota"/>
-        <a:font script="Mong" typeface="Mongolian Baiti"/>
-        <a:font script="Viet" typeface="Times New Roman"/>
-        <a:font script="Uigh" typeface="Microsoft Uighur"/>
-        <a:font script="Geor" typeface="Sylfaen"/>
-      </a:majorFont>
-      <a:minorFont>
-        <a:latin typeface="Arial"/>
-        <a:ea typeface=""/>
-        <a:cs typeface=""/>
-        <a:font script="Jpan" typeface="ＭＳ Ｐゴシック"/>
-        <a:font script="Hang" typeface="맑은 고딕"/>
-        <a:font script="Hans" typeface="宋体"/>
-        <a:font script="Hant" typeface="新細明體"/>
-        <a:font script="Arab" typeface="Arial"/>
-        <a:font script="Hebr" typeface="Arial"/>
-        <a:font script="Thai" typeface="Cordia New"/>
-        <a:font script="Ethi" typeface="Nyala"/>
-        <a:font script="Beng" typeface="Vrinda"/>
-        <a:font script="Gujr" typeface="Shruti"/>
-        <a:font script="Khmr" typeface="DaunPenh"/>
-        <a:font script="Knda" typeface="Tunga"/>
-        <a:font script="Guru" typeface="Raavi"/>
-        <a:font script="Cans" typeface="Euphemia"/>
-        <a:font script="Cher" typeface="Plantagenet Cherokee"/>
-        <a:font script="Yiii" typeface="Microsoft Yi Baiti"/>
-        <a:font script="Tibt" typeface="Microsoft Himalaya"/>
-        <a:font script="Thaa" typeface="MV Boli"/>
-        <a:font script="Deva" typeface="Mangal"/>
-        <a:font script="Telu" typeface="Gautami"/>
-        <a:font script="Taml" typeface="Latha"/>
-        <a:font script="Syrc" typeface="Estrangelo Edessa"/>
-        <a:font script="Orya" typeface="Kalinga"/>
-        <a:font script="Mlym" typeface="Kartika"/>
-        <a:font script="Laoo" typeface="DokChampa"/>
-        <a:font script="Sinh" typeface="Iskoola Pota"/>
-        <a:font script="Mong" typeface="Mongolian Baiti"/>
-        <a:font script="Viet" typeface="Arial"/>
-        <a:font script="Uigh" typeface="Microsoft Uighur"/>
-        <a:font script="Geor" typeface="Sylfaen"/>
-      </a:minorFont>
-    </a:fontScheme>
-    <a:fmtScheme name="Office">
-      <a:fillStyleLst>
-        <a:solidFill>
-          <a:schemeClr val="phClr"/>
-        </a:solidFill>
-        <a:gradFill rotWithShape="1">
-          <a:gsLst>
-            <a:gs pos="0">
-              <a:schemeClr val="phClr">
-                <a:tint val="50000"/>
-                <a:satMod val="300000"/>
-              </a:schemeClr>
-            </a:gs>
-            <a:gs pos="35000">
-              <a:schemeClr val="phClr">
-                <a:tint val="37000"/>
-                <a:satMod val="300000"/>
-              </a:schemeClr>
-            </a:gs>
-            <a:gs pos="100000">
-              <a:schemeClr val="phClr">
-                <a:tint val="15000"/>
-                <a:satMod val="350000"/>
-              </a:schemeClr>
-            </a:gs>
-          </a:gsLst>
-          <a:lin ang="16200000" scaled="1"/>
-        </a:gradFill>
-        <a:gradFill rotWithShape="1">
-          <a:gsLst>
-            <a:gs pos="0">
-              <a:schemeClr val="phClr">
-                <a:tint val="100000"/>
-                <a:shade val="100000"/>
-                <a:satMod val="130000"/>
-              </a:schemeClr>
-            </a:gs>
-            <a:gs pos="100000">
-              <a:schemeClr val="phClr">
-                <a:tint val="50000"/>
-                <a:shade val="100000"/>
-                <a:satMod val="350000"/>
-              </a:schemeClr>
-            </a:gs>
-          </a:gsLst>
-          <a:lin ang="16200000" scaled="0"/>
-        </a:gradFill>
-      </a:fillStyleLst>
-      <a:lnStyleLst>
-        <a:ln w="9525" cap="flat" cmpd="sng" algn="ctr">
-          <a:solidFill>
-            <a:schemeClr val="phClr">
-              <a:shade val="95000"/>
-              <a:satMod val="105000"/>
-            </a:schemeClr>
-          </a:solidFill>
-          <a:prstDash val="solid"/>
-        </a:ln>
-        <a:ln w="25400" cap="flat" cmpd="sng" algn="ctr">
-          <a:solidFill>
-            <a:schemeClr val="phClr"/>
-          </a:solidFill>
-          <a:prstDash val="solid"/>
-        </a:ln>
-        <a:ln w="38100" cap="flat" cmpd="sng" algn="ctr">
-          <a:solidFill>
-            <a:schemeClr val="phClr"/>
-          </a:solidFill>
-          <a:prstDash val="solid"/>
-        </a:ln>
-      </a:lnStyleLst>
-      <a:effectStyleLst>
-        <a:effectStyle>
-          <a:effectLst>
-            <a:outerShdw blurRad="40000" dist="20000" dir="5400000" rotWithShape="0">
-              <a:srgbClr val="000000">
-                <a:alpha val="38000"/>
-              </a:srgbClr>
-            </a:outerShdw>
-          </a:effectLst>
-        </a:effectStyle>
-        <a:effectStyle>
-          <a:effectLst>
-            <a:outerShdw blurRad="40000" dist="23000" dir="5400000" rotWithShape="0">
-              <a:srgbClr val="000000">
-                <a:alpha val="35000"/>
-              </a:srgbClr>
-            </a:outerShdw>
-          </a:effectLst>
-        </a:effectStyle>
-        <a:effectStyle>
-          <a:effectLst>
-            <a:outerShdw blurRad="40000" dist="23000" dir="5400000" rotWithShape="0">
-              <a:srgbClr val="000000">
-                <a:alpha val="35000"/>
-              </a:srgbClr>
-            </a:outerShdw>
-          </a:effectLst>
-          <a:scene3d>
-            <a:camera prst="orthographicFront">
-              <a:rot lat="0" lon="0" rev="0"/>
-            </a:camera>
-            <a:lightRig rig="threePt" dir="t">
-              <a:rot lat="0" lon="0" rev="1200000"/>
-            </a:lightRig>
-          </a:scene3d>
-          <a:sp3d>
-            <a:bevelT w="63500" h="25400"/>
-          </a:sp3d>
-        </a:effectStyle>
-      </a:effectStyleLst>
-      <a:bgFillStyleLst>
-        <a:solidFill>
-          <a:schemeClr val="phClr"/>
-        </a:solidFill>
-        <a:gradFill rotWithShape="1">
-          <a:gsLst>
-            <a:gs pos="0">
-              <a:schemeClr val="phClr">
-                <a:tint val="40000"/>
-                <a:satMod val="350000"/>
-              </a:schemeClr>
-            </a:gs>
-            <a:gs pos="40000">
-              <a:schemeClr val="phClr">
-                <a:tint val="45000"/>
-                <a:shade val="99000"/>
-                <a:satMod val="350000"/>
-              </a:schemeClr>
-            </a:gs>
-            <a:gs pos="100000">
-              <a:schemeClr val="phClr">
-                <a:shade val="20000"/>
-                <a:satMod val="255000"/>
-              </a:schemeClr>
-            </a:gs>
-          </a:gsLst>
-          <a:path path="circle">
-            <a:fillToRect l="50000" t="-80000" r="50000" b="180000"/>
-          </a:path>
-        </a:gradFill>
-        <a:gradFill rotWithShape="1">
-          <a:gsLst>
-            <a:gs pos="0">
-              <a:schemeClr val="phClr">
-                <a:tint val="80000"/>
-                <a:satMod val="300000"/>
-              </a:schemeClr>
-            </a:gs>
-            <a:gs pos="100000">
-              <a:schemeClr val="phClr">
-                <a:shade val="30000"/>
-                <a:satMod val="200000"/>
-              </a:schemeClr>
-            </a:gs>
-          </a:gsLst>
-          <a:path path="circle">
-            <a:fillToRect l="50000" t="50000" r="50000" b="50000"/>
-          </a:path>
-        </a:gradFill>
-      </a:bgFillStyleLst>
-    </a:fmtScheme>
-  </a:themeElements>
-</a:theme>
 </file>
--- a/Lecture slides/ADAP A01 - Introduction.pptx
+++ b/Lecture slides/ADAP A01 - Introduction.pptx
@@ -27,6 +27,8 @@
     <p:sldId id="272" r:id="rId21"/>
     <p:sldId id="273" r:id="rId22"/>
     <p:sldId id="274" r:id="rId23"/>
+    <p:sldId id="275" r:id="rId24"/>
+    <p:sldId id="276" r:id="rId25"/>
   </p:sldIdLst>
   <p:sldSz cy="5143500" cx="9144000"/>
   <p:notesSz cx="6858000" cy="9144000"/>
@@ -693,7 +695,7 @@
   <p:cSld>
     <p:spTree>
       <p:nvGrpSpPr>
-        <p:cNvPr id="32" name="Shape 32"/>
+        <p:cNvPr id="47" name="Shape 47"/>
         <p:cNvGrpSpPr/>
         <p:nvPr/>
       </p:nvGrpSpPr>
@@ -707,7 +709,7 @@
       </p:grpSpPr>
       <p:sp>
         <p:nvSpPr>
-          <p:cNvPr id="33" name="Google Shape;33;g2e7ced0a8d6_0_71:notes"/>
+          <p:cNvPr id="48" name="Google Shape;48;g2e7ced0a8d6_0_71:notes"/>
           <p:cNvSpPr/>
           <p:nvPr>
             <p:ph idx="2" type="sldImg"/>
@@ -742,7 +744,7 @@
       </p:sp>
       <p:sp>
         <p:nvSpPr>
-          <p:cNvPr id="34" name="Google Shape;34;g2e7ced0a8d6_0_71:notes"/>
+          <p:cNvPr id="49" name="Google Shape;49;g2e7ced0a8d6_0_71:notes"/>
           <p:cNvSpPr txBox="1"/>
           <p:nvPr>
             <p:ph idx="1" type="body"/>
@@ -792,7 +794,7 @@
   <p:cSld>
     <p:spTree>
       <p:nvGrpSpPr>
-        <p:cNvPr id="98" name="Shape 98"/>
+        <p:cNvPr id="111" name="Shape 111"/>
         <p:cNvGrpSpPr/>
         <p:nvPr/>
       </p:nvGrpSpPr>
@@ -806,7 +808,7 @@
       </p:grpSpPr>
       <p:sp>
         <p:nvSpPr>
-          <p:cNvPr id="99" name="Google Shape;99;g108fe332759_2_43:notes"/>
+          <p:cNvPr id="112" name="Google Shape;112;g2cc48c0d17f_0_0:notes"/>
           <p:cNvSpPr/>
           <p:nvPr>
             <p:ph idx="2" type="sldImg"/>
@@ -841,7 +843,7 @@
       </p:sp>
       <p:sp>
         <p:nvSpPr>
-          <p:cNvPr id="100" name="Google Shape;100;g108fe332759_2_43:notes"/>
+          <p:cNvPr id="113" name="Google Shape;113;g2cc48c0d17f_0_0:notes"/>
           <p:cNvSpPr txBox="1"/>
           <p:nvPr>
             <p:ph idx="1" type="body"/>
@@ -891,7 +893,7 @@
   <p:cSld>
     <p:spTree>
       <p:nvGrpSpPr>
-        <p:cNvPr id="106" name="Shape 106"/>
+        <p:cNvPr id="118" name="Shape 118"/>
         <p:cNvGrpSpPr/>
         <p:nvPr/>
       </p:nvGrpSpPr>
@@ -905,7 +907,7 @@
       </p:grpSpPr>
       <p:sp>
         <p:nvSpPr>
-          <p:cNvPr id="107" name="Google Shape;107;g2cc48c0d17f_0_12:notes"/>
+          <p:cNvPr id="119" name="Google Shape;119;g2395919313b_0_100:notes"/>
           <p:cNvSpPr/>
           <p:nvPr>
             <p:ph idx="2" type="sldImg"/>
@@ -940,7 +942,7 @@
       </p:sp>
       <p:sp>
         <p:nvSpPr>
-          <p:cNvPr id="108" name="Google Shape;108;g2cc48c0d17f_0_12:notes"/>
+          <p:cNvPr id="120" name="Google Shape;120;g2395919313b_0_100:notes"/>
           <p:cNvSpPr txBox="1"/>
           <p:nvPr>
             <p:ph idx="1" type="body"/>
@@ -990,7 +992,7 @@
   <p:cSld>
     <p:spTree>
       <p:nvGrpSpPr>
-        <p:cNvPr id="113" name="Shape 113"/>
+        <p:cNvPr id="126" name="Shape 126"/>
         <p:cNvGrpSpPr/>
         <p:nvPr/>
       </p:nvGrpSpPr>
@@ -1004,7 +1006,7 @@
       </p:grpSpPr>
       <p:sp>
         <p:nvSpPr>
-          <p:cNvPr id="114" name="Google Shape;114;g2cc48c0d17f_0_6:notes"/>
+          <p:cNvPr id="127" name="Google Shape;127;g108fe332759_2_43:notes"/>
           <p:cNvSpPr/>
           <p:nvPr>
             <p:ph idx="2" type="sldImg"/>
@@ -1039,7 +1041,7 @@
       </p:sp>
       <p:sp>
         <p:nvSpPr>
-          <p:cNvPr id="115" name="Google Shape;115;g2cc48c0d17f_0_6:notes"/>
+          <p:cNvPr id="128" name="Google Shape;128;g108fe332759_2_43:notes"/>
           <p:cNvSpPr txBox="1"/>
           <p:nvPr>
             <p:ph idx="1" type="body"/>
@@ -1089,7 +1091,7 @@
   <p:cSld>
     <p:spTree>
       <p:nvGrpSpPr>
-        <p:cNvPr id="120" name="Shape 120"/>
+        <p:cNvPr id="134" name="Shape 134"/>
         <p:cNvGrpSpPr/>
         <p:nvPr/>
       </p:nvGrpSpPr>
@@ -1103,7 +1105,7 @@
       </p:grpSpPr>
       <p:sp>
         <p:nvSpPr>
-          <p:cNvPr id="121" name="Google Shape;121;g2395919313b_0_94:notes"/>
+          <p:cNvPr id="135" name="Google Shape;135;g2cc48c0d17f_0_12:notes"/>
           <p:cNvSpPr/>
           <p:nvPr>
             <p:ph idx="2" type="sldImg"/>
@@ -1138,7 +1140,7 @@
       </p:sp>
       <p:sp>
         <p:nvSpPr>
-          <p:cNvPr id="122" name="Google Shape;122;g2395919313b_0_94:notes"/>
+          <p:cNvPr id="136" name="Google Shape;136;g2cc48c0d17f_0_12:notes"/>
           <p:cNvSpPr txBox="1"/>
           <p:nvPr>
             <p:ph idx="1" type="body"/>
@@ -1188,7 +1190,7 @@
   <p:cSld>
     <p:spTree>
       <p:nvGrpSpPr>
-        <p:cNvPr id="128" name="Shape 128"/>
+        <p:cNvPr id="141" name="Shape 141"/>
         <p:cNvGrpSpPr/>
         <p:nvPr/>
       </p:nvGrpSpPr>
@@ -1202,7 +1204,7 @@
       </p:grpSpPr>
       <p:sp>
         <p:nvSpPr>
-          <p:cNvPr id="129" name="Google Shape;129;g30a7ab4b1dc_0_0:notes"/>
+          <p:cNvPr id="142" name="Google Shape;142;g2cc48c0d17f_0_6:notes"/>
           <p:cNvSpPr/>
           <p:nvPr>
             <p:ph idx="2" type="sldImg"/>
@@ -1237,7 +1239,7 @@
       </p:sp>
       <p:sp>
         <p:nvSpPr>
-          <p:cNvPr id="130" name="Google Shape;130;g30a7ab4b1dc_0_0:notes"/>
+          <p:cNvPr id="143" name="Google Shape;143;g2cc48c0d17f_0_6:notes"/>
           <p:cNvSpPr txBox="1"/>
           <p:nvPr>
             <p:ph idx="1" type="body"/>
@@ -1287,7 +1289,7 @@
   <p:cSld>
     <p:spTree>
       <p:nvGrpSpPr>
-        <p:cNvPr id="135" name="Shape 135"/>
+        <p:cNvPr id="148" name="Shape 148"/>
         <p:cNvGrpSpPr/>
         <p:nvPr/>
       </p:nvGrpSpPr>
@@ -1301,7 +1303,7 @@
       </p:grpSpPr>
       <p:sp>
         <p:nvSpPr>
-          <p:cNvPr id="136" name="Google Shape;136;g108fe332759_2_49:notes"/>
+          <p:cNvPr id="149" name="Google Shape;149;g2395919313b_0_94:notes"/>
           <p:cNvSpPr/>
           <p:nvPr>
             <p:ph idx="2" type="sldImg"/>
@@ -1336,7 +1338,7 @@
       </p:sp>
       <p:sp>
         <p:nvSpPr>
-          <p:cNvPr id="137" name="Google Shape;137;g108fe332759_2_49:notes"/>
+          <p:cNvPr id="150" name="Google Shape;150;g2395919313b_0_94:notes"/>
           <p:cNvSpPr txBox="1"/>
           <p:nvPr>
             <p:ph idx="1" type="body"/>
@@ -1386,7 +1388,7 @@
   <p:cSld>
     <p:spTree>
       <p:nvGrpSpPr>
-        <p:cNvPr id="142" name="Shape 142"/>
+        <p:cNvPr id="156" name="Shape 156"/>
         <p:cNvGrpSpPr/>
         <p:nvPr/>
       </p:nvGrpSpPr>
@@ -1400,7 +1402,7 @@
       </p:grpSpPr>
       <p:sp>
         <p:nvSpPr>
-          <p:cNvPr id="143" name="Google Shape;143;g108fe332759_2_61:notes"/>
+          <p:cNvPr id="157" name="Google Shape;157;g30a7ab4b1dc_0_0:notes"/>
           <p:cNvSpPr/>
           <p:nvPr>
             <p:ph idx="2" type="sldImg"/>
@@ -1435,7 +1437,7 @@
       </p:sp>
       <p:sp>
         <p:nvSpPr>
-          <p:cNvPr id="144" name="Google Shape;144;g108fe332759_2_61:notes"/>
+          <p:cNvPr id="158" name="Google Shape;158;g30a7ab4b1dc_0_0:notes"/>
           <p:cNvSpPr txBox="1"/>
           <p:nvPr>
             <p:ph idx="1" type="body"/>
@@ -1485,7 +1487,7 @@
   <p:cSld>
     <p:spTree>
       <p:nvGrpSpPr>
-        <p:cNvPr id="149" name="Shape 149"/>
+        <p:cNvPr id="163" name="Shape 163"/>
         <p:cNvGrpSpPr/>
         <p:nvPr/>
       </p:nvGrpSpPr>
@@ -1499,7 +1501,7 @@
       </p:grpSpPr>
       <p:sp>
         <p:nvSpPr>
-          <p:cNvPr id="150" name="Google Shape;150;g2395919313b_0_107:notes"/>
+          <p:cNvPr id="164" name="Google Shape;164;g108fe332759_2_49:notes"/>
           <p:cNvSpPr/>
           <p:nvPr>
             <p:ph idx="2" type="sldImg"/>
@@ -1534,7 +1536,7 @@
       </p:sp>
       <p:sp>
         <p:nvSpPr>
-          <p:cNvPr id="151" name="Google Shape;151;g2395919313b_0_107:notes"/>
+          <p:cNvPr id="165" name="Google Shape;165;g108fe332759_2_49:notes"/>
           <p:cNvSpPr txBox="1"/>
           <p:nvPr>
             <p:ph idx="1" type="body"/>
@@ -1584,7 +1586,7 @@
   <p:cSld>
     <p:spTree>
       <p:nvGrpSpPr>
-        <p:cNvPr id="156" name="Shape 156"/>
+        <p:cNvPr id="170" name="Shape 170"/>
         <p:cNvGrpSpPr/>
         <p:nvPr/>
       </p:nvGrpSpPr>
@@ -1598,7 +1600,7 @@
       </p:grpSpPr>
       <p:sp>
         <p:nvSpPr>
-          <p:cNvPr id="157" name="Google Shape;157;g2e7ced0a8d6_0_76:notes"/>
+          <p:cNvPr id="171" name="Google Shape;171;g108fe332759_2_61:notes"/>
           <p:cNvSpPr/>
           <p:nvPr>
             <p:ph idx="2" type="sldImg"/>
@@ -1633,7 +1635,7 @@
       </p:sp>
       <p:sp>
         <p:nvSpPr>
-          <p:cNvPr id="158" name="Google Shape;158;g2e7ced0a8d6_0_76:notes"/>
+          <p:cNvPr id="172" name="Google Shape;172;g108fe332759_2_61:notes"/>
           <p:cNvSpPr txBox="1"/>
           <p:nvPr>
             <p:ph idx="1" type="body"/>
@@ -1683,7 +1685,7 @@
   <p:cSld>
     <p:spTree>
       <p:nvGrpSpPr>
-        <p:cNvPr id="162" name="Shape 162"/>
+        <p:cNvPr id="177" name="Shape 177"/>
         <p:cNvGrpSpPr/>
         <p:nvPr/>
       </p:nvGrpSpPr>
@@ -1697,7 +1699,7 @@
       </p:grpSpPr>
       <p:sp>
         <p:nvSpPr>
-          <p:cNvPr id="163" name="Google Shape;163;g2e7ced0a8d6_0_81:notes"/>
+          <p:cNvPr id="178" name="Google Shape;178;g2395919313b_0_107:notes"/>
           <p:cNvSpPr/>
           <p:nvPr>
             <p:ph idx="2" type="sldImg"/>
@@ -1732,7 +1734,7 @@
       </p:sp>
       <p:sp>
         <p:nvSpPr>
-          <p:cNvPr id="164" name="Google Shape;164;g2e7ced0a8d6_0_81:notes"/>
+          <p:cNvPr id="179" name="Google Shape;179;g2395919313b_0_107:notes"/>
           <p:cNvSpPr txBox="1"/>
           <p:nvPr>
             <p:ph idx="1" type="body"/>
@@ -1782,7 +1784,7 @@
   <p:cSld>
     <p:spTree>
       <p:nvGrpSpPr>
-        <p:cNvPr id="38" name="Shape 38"/>
+        <p:cNvPr id="53" name="Shape 53"/>
         <p:cNvGrpSpPr/>
         <p:nvPr/>
       </p:nvGrpSpPr>
@@ -1796,7 +1798,7 @@
       </p:grpSpPr>
       <p:sp>
         <p:nvSpPr>
-          <p:cNvPr id="39" name="Google Shape;39;g108fe332759_2_0:notes"/>
+          <p:cNvPr id="54" name="Google Shape;54;g108fe332759_2_0:notes"/>
           <p:cNvSpPr/>
           <p:nvPr>
             <p:ph idx="2" type="sldImg"/>
@@ -1831,7 +1833,7 @@
       </p:sp>
       <p:sp>
         <p:nvSpPr>
-          <p:cNvPr id="40" name="Google Shape;40;g108fe332759_2_0:notes"/>
+          <p:cNvPr id="55" name="Google Shape;55;g108fe332759_2_0:notes"/>
           <p:cNvSpPr txBox="1"/>
           <p:nvPr>
             <p:ph idx="1" type="body"/>
@@ -1876,12 +1878,12 @@
 </p:notes>
 </file>
 
-<file path=ppt/notesSlides/notesSlide3.xml><?xml version="1.0" encoding="utf-8"?>
+<file path=ppt/notesSlides/notesSlide20.xml><?xml version="1.0" encoding="utf-8"?>
 <p:notes xmlns:a="http://schemas.openxmlformats.org/drawingml/2006/main" xmlns:r="http://schemas.openxmlformats.org/officeDocument/2006/relationships" xmlns:mc="http://schemas.openxmlformats.org/markup-compatibility/2006" xmlns:mv="urn:schemas-microsoft-com:mac:vml" xmlns:p="http://schemas.openxmlformats.org/presentationml/2006/main" xmlns:c="http://schemas.openxmlformats.org/drawingml/2006/chart" xmlns:dgm="http://schemas.openxmlformats.org/drawingml/2006/diagram" xmlns:o="urn:schemas-microsoft-com:office:office" xmlns:v="urn:schemas-microsoft-com:vml" xmlns:pvml="urn:schemas-microsoft-com:office:powerpoint" xmlns:com="http://schemas.openxmlformats.org/drawingml/2006/compatibility" xmlns:p14="http://schemas.microsoft.com/office/powerpoint/2010/main" xmlns:p15="http://schemas.microsoft.com/office/powerpoint/2012/main" xmlns:ahyp="http://schemas.microsoft.com/office/drawing/2018/hyperlinkcolor" showMasterPhAnim="0" showMasterSp="0">
   <p:cSld>
     <p:spTree>
       <p:nvGrpSpPr>
-        <p:cNvPr id="45" name="Shape 45"/>
+        <p:cNvPr id="184" name="Shape 184"/>
         <p:cNvGrpSpPr/>
         <p:nvPr/>
       </p:nvGrpSpPr>
@@ -1895,7 +1897,7 @@
       </p:grpSpPr>
       <p:sp>
         <p:nvSpPr>
-          <p:cNvPr id="46" name="Google Shape;46;g108fe332759_2_6:notes"/>
+          <p:cNvPr id="185" name="Google Shape;185;g2e7ced0a8d6_0_76:notes"/>
           <p:cNvSpPr/>
           <p:nvPr>
             <p:ph idx="2" type="sldImg"/>
@@ -1930,7 +1932,7 @@
       </p:sp>
       <p:sp>
         <p:nvSpPr>
-          <p:cNvPr id="47" name="Google Shape;47;g108fe332759_2_6:notes"/>
+          <p:cNvPr id="186" name="Google Shape;186;g2e7ced0a8d6_0_76:notes"/>
           <p:cNvSpPr txBox="1"/>
           <p:nvPr>
             <p:ph idx="1" type="body"/>
@@ -1975,12 +1977,12 @@
 </p:notes>
 </file>
 
-<file path=ppt/notesSlides/notesSlide4.xml><?xml version="1.0" encoding="utf-8"?>
+<file path=ppt/notesSlides/notesSlide21.xml><?xml version="1.0" encoding="utf-8"?>
 <p:notes xmlns:a="http://schemas.openxmlformats.org/drawingml/2006/main" xmlns:r="http://schemas.openxmlformats.org/officeDocument/2006/relationships" xmlns:mc="http://schemas.openxmlformats.org/markup-compatibility/2006" xmlns:mv="urn:schemas-microsoft-com:mac:vml" xmlns:p="http://schemas.openxmlformats.org/presentationml/2006/main" xmlns:c="http://schemas.openxmlformats.org/drawingml/2006/chart" xmlns:dgm="http://schemas.openxmlformats.org/drawingml/2006/diagram" xmlns:o="urn:schemas-microsoft-com:office:office" xmlns:v="urn:schemas-microsoft-com:vml" xmlns:pvml="urn:schemas-microsoft-com:office:powerpoint" xmlns:com="http://schemas.openxmlformats.org/drawingml/2006/compatibility" xmlns:p14="http://schemas.microsoft.com/office/powerpoint/2010/main" xmlns:p15="http://schemas.microsoft.com/office/powerpoint/2012/main" xmlns:ahyp="http://schemas.microsoft.com/office/drawing/2018/hyperlinkcolor" showMasterPhAnim="0" showMasterSp="0">
   <p:cSld>
     <p:spTree>
       <p:nvGrpSpPr>
-        <p:cNvPr id="52" name="Shape 52"/>
+        <p:cNvPr id="190" name="Shape 190"/>
         <p:cNvGrpSpPr/>
         <p:nvPr/>
       </p:nvGrpSpPr>
@@ -1994,7 +1996,7 @@
       </p:grpSpPr>
       <p:sp>
         <p:nvSpPr>
-          <p:cNvPr id="53" name="Google Shape;53;g2395919313b_0_76:notes"/>
+          <p:cNvPr id="191" name="Google Shape;191;g2e7ced0a8d6_0_81:notes"/>
           <p:cNvSpPr/>
           <p:nvPr>
             <p:ph idx="2" type="sldImg"/>
@@ -2029,7 +2031,7 @@
       </p:sp>
       <p:sp>
         <p:nvSpPr>
-          <p:cNvPr id="54" name="Google Shape;54;g2395919313b_0_76:notes"/>
+          <p:cNvPr id="192" name="Google Shape;192;g2e7ced0a8d6_0_81:notes"/>
           <p:cNvSpPr txBox="1"/>
           <p:nvPr>
             <p:ph idx="1" type="body"/>
@@ -2074,12 +2076,12 @@
 </p:notes>
 </file>
 
-<file path=ppt/notesSlides/notesSlide5.xml><?xml version="1.0" encoding="utf-8"?>
+<file path=ppt/notesSlides/notesSlide3.xml><?xml version="1.0" encoding="utf-8"?>
 <p:notes xmlns:a="http://schemas.openxmlformats.org/drawingml/2006/main" xmlns:r="http://schemas.openxmlformats.org/officeDocument/2006/relationships" xmlns:mc="http://schemas.openxmlformats.org/markup-compatibility/2006" xmlns:mv="urn:schemas-microsoft-com:mac:vml" xmlns:p="http://schemas.openxmlformats.org/presentationml/2006/main" xmlns:c="http://schemas.openxmlformats.org/drawingml/2006/chart" xmlns:dgm="http://schemas.openxmlformats.org/drawingml/2006/diagram" xmlns:o="urn:schemas-microsoft-com:office:office" xmlns:v="urn:schemas-microsoft-com:vml" xmlns:pvml="urn:schemas-microsoft-com:office:powerpoint" xmlns:com="http://schemas.openxmlformats.org/drawingml/2006/compatibility" xmlns:p14="http://schemas.microsoft.com/office/powerpoint/2010/main" xmlns:p15="http://schemas.microsoft.com/office/powerpoint/2012/main" xmlns:ahyp="http://schemas.microsoft.com/office/drawing/2018/hyperlinkcolor" showMasterPhAnim="0" showMasterSp="0">
   <p:cSld>
     <p:spTree>
       <p:nvGrpSpPr>
-        <p:cNvPr id="59" name="Shape 59"/>
+        <p:cNvPr id="60" name="Shape 60"/>
         <p:cNvGrpSpPr/>
         <p:nvPr/>
       </p:nvGrpSpPr>
@@ -2093,7 +2095,7 @@
       </p:grpSpPr>
       <p:sp>
         <p:nvSpPr>
-          <p:cNvPr id="60" name="Google Shape;60;g2cc7df650fd_0_0:notes"/>
+          <p:cNvPr id="61" name="Google Shape;61;g108fe332759_2_6:notes"/>
           <p:cNvSpPr/>
           <p:nvPr>
             <p:ph idx="2" type="sldImg"/>
@@ -2128,7 +2130,7 @@
       </p:sp>
       <p:sp>
         <p:nvSpPr>
-          <p:cNvPr id="61" name="Google Shape;61;g2cc7df650fd_0_0:notes"/>
+          <p:cNvPr id="62" name="Google Shape;62;g108fe332759_2_6:notes"/>
           <p:cNvSpPr txBox="1"/>
           <p:nvPr>
             <p:ph idx="1" type="body"/>
@@ -2173,7 +2175,7 @@
 </p:notes>
 </file>
 
-<file path=ppt/notesSlides/notesSlide6.xml><?xml version="1.0" encoding="utf-8"?>
+<file path=ppt/notesSlides/notesSlide4.xml><?xml version="1.0" encoding="utf-8"?>
 <p:notes xmlns:a="http://schemas.openxmlformats.org/drawingml/2006/main" xmlns:r="http://schemas.openxmlformats.org/officeDocument/2006/relationships" xmlns:mc="http://schemas.openxmlformats.org/markup-compatibility/2006" xmlns:mv="urn:schemas-microsoft-com:mac:vml" xmlns:p="http://schemas.openxmlformats.org/presentationml/2006/main" xmlns:c="http://schemas.openxmlformats.org/drawingml/2006/chart" xmlns:dgm="http://schemas.openxmlformats.org/drawingml/2006/diagram" xmlns:o="urn:schemas-microsoft-com:office:office" xmlns:v="urn:schemas-microsoft-com:vml" xmlns:pvml="urn:schemas-microsoft-com:office:powerpoint" xmlns:com="http://schemas.openxmlformats.org/drawingml/2006/compatibility" xmlns:p14="http://schemas.microsoft.com/office/powerpoint/2010/main" xmlns:p15="http://schemas.microsoft.com/office/powerpoint/2012/main" xmlns:ahyp="http://schemas.microsoft.com/office/drawing/2018/hyperlinkcolor" showMasterPhAnim="0" showMasterSp="0">
   <p:cSld>
     <p:spTree>
@@ -2192,7 +2194,7 @@
       </p:grpSpPr>
       <p:sp>
         <p:nvSpPr>
-          <p:cNvPr id="68" name="Google Shape;68;g108fe332759_2_24:notes"/>
+          <p:cNvPr id="68" name="Google Shape;68;g2395919313b_0_76:notes"/>
           <p:cNvSpPr/>
           <p:nvPr>
             <p:ph idx="2" type="sldImg"/>
@@ -2227,7 +2229,7 @@
       </p:sp>
       <p:sp>
         <p:nvSpPr>
-          <p:cNvPr id="69" name="Google Shape;69;g108fe332759_2_24:notes"/>
+          <p:cNvPr id="69" name="Google Shape;69;g2395919313b_0_76:notes"/>
           <p:cNvSpPr txBox="1"/>
           <p:nvPr>
             <p:ph idx="1" type="body"/>
@@ -2272,12 +2274,12 @@
 </p:notes>
 </file>
 
-<file path=ppt/notesSlides/notesSlide7.xml><?xml version="1.0" encoding="utf-8"?>
+<file path=ppt/notesSlides/notesSlide5.xml><?xml version="1.0" encoding="utf-8"?>
 <p:notes xmlns:a="http://schemas.openxmlformats.org/drawingml/2006/main" xmlns:r="http://schemas.openxmlformats.org/officeDocument/2006/relationships" xmlns:mc="http://schemas.openxmlformats.org/markup-compatibility/2006" xmlns:mv="urn:schemas-microsoft-com:mac:vml" xmlns:p="http://schemas.openxmlformats.org/presentationml/2006/main" xmlns:c="http://schemas.openxmlformats.org/drawingml/2006/chart" xmlns:dgm="http://schemas.openxmlformats.org/drawingml/2006/diagram" xmlns:o="urn:schemas-microsoft-com:office:office" xmlns:v="urn:schemas-microsoft-com:vml" xmlns:pvml="urn:schemas-microsoft-com:office:powerpoint" xmlns:com="http://schemas.openxmlformats.org/drawingml/2006/compatibility" xmlns:p14="http://schemas.microsoft.com/office/powerpoint/2010/main" xmlns:p15="http://schemas.microsoft.com/office/powerpoint/2012/main" xmlns:ahyp="http://schemas.microsoft.com/office/drawing/2018/hyperlinkcolor" showMasterPhAnim="0" showMasterSp="0">
   <p:cSld>
     <p:spTree>
       <p:nvGrpSpPr>
-        <p:cNvPr id="75" name="Shape 75"/>
+        <p:cNvPr id="74" name="Shape 74"/>
         <p:cNvGrpSpPr/>
         <p:nvPr/>
       </p:nvGrpSpPr>
@@ -2291,7 +2293,7 @@
       </p:grpSpPr>
       <p:sp>
         <p:nvSpPr>
-          <p:cNvPr id="76" name="Google Shape;76;g2395919313b_0_82:notes"/>
+          <p:cNvPr id="75" name="Google Shape;75;g2cc7df650fd_0_0:notes"/>
           <p:cNvSpPr/>
           <p:nvPr>
             <p:ph idx="2" type="sldImg"/>
@@ -2326,7 +2328,7 @@
       </p:sp>
       <p:sp>
         <p:nvSpPr>
-          <p:cNvPr id="77" name="Google Shape;77;g2395919313b_0_82:notes"/>
+          <p:cNvPr id="76" name="Google Shape;76;g2cc7df650fd_0_0:notes"/>
           <p:cNvSpPr txBox="1"/>
           <p:nvPr>
             <p:ph idx="1" type="body"/>
@@ -2371,12 +2373,12 @@
 </p:notes>
 </file>
 
-<file path=ppt/notesSlides/notesSlide8.xml><?xml version="1.0" encoding="utf-8"?>
+<file path=ppt/notesSlides/notesSlide6.xml><?xml version="1.0" encoding="utf-8"?>
 <p:notes xmlns:a="http://schemas.openxmlformats.org/drawingml/2006/main" xmlns:r="http://schemas.openxmlformats.org/officeDocument/2006/relationships" xmlns:mc="http://schemas.openxmlformats.org/markup-compatibility/2006" xmlns:mv="urn:schemas-microsoft-com:mac:vml" xmlns:p="http://schemas.openxmlformats.org/presentationml/2006/main" xmlns:c="http://schemas.openxmlformats.org/drawingml/2006/chart" xmlns:dgm="http://schemas.openxmlformats.org/drawingml/2006/diagram" xmlns:o="urn:schemas-microsoft-com:office:office" xmlns:v="urn:schemas-microsoft-com:vml" xmlns:pvml="urn:schemas-microsoft-com:office:powerpoint" xmlns:com="http://schemas.openxmlformats.org/drawingml/2006/compatibility" xmlns:p14="http://schemas.microsoft.com/office/powerpoint/2010/main" xmlns:p15="http://schemas.microsoft.com/office/powerpoint/2012/main" xmlns:ahyp="http://schemas.microsoft.com/office/drawing/2018/hyperlinkcolor" showMasterPhAnim="0" showMasterSp="0">
   <p:cSld>
     <p:spTree>
       <p:nvGrpSpPr>
-        <p:cNvPr id="83" name="Shape 83"/>
+        <p:cNvPr id="82" name="Shape 82"/>
         <p:cNvGrpSpPr/>
         <p:nvPr/>
       </p:nvGrpSpPr>
@@ -2390,7 +2392,7 @@
       </p:grpSpPr>
       <p:sp>
         <p:nvSpPr>
-          <p:cNvPr id="84" name="Google Shape;84;g2cc48c0d17f_0_0:notes"/>
+          <p:cNvPr id="83" name="Google Shape;83;g108fe332759_2_24:notes"/>
           <p:cNvSpPr/>
           <p:nvPr>
             <p:ph idx="2" type="sldImg"/>
@@ -2425,7 +2427,7 @@
       </p:sp>
       <p:sp>
         <p:nvSpPr>
-          <p:cNvPr id="85" name="Google Shape;85;g2cc48c0d17f_0_0:notes"/>
+          <p:cNvPr id="84" name="Google Shape;84;g108fe332759_2_24:notes"/>
           <p:cNvSpPr txBox="1"/>
           <p:nvPr>
             <p:ph idx="1" type="body"/>
@@ -2470,7 +2472,7 @@
 </p:notes>
 </file>
 
-<file path=ppt/notesSlides/notesSlide9.xml><?xml version="1.0" encoding="utf-8"?>
+<file path=ppt/notesSlides/notesSlide7.xml><?xml version="1.0" encoding="utf-8"?>
 <p:notes xmlns:a="http://schemas.openxmlformats.org/drawingml/2006/main" xmlns:r="http://schemas.openxmlformats.org/officeDocument/2006/relationships" xmlns:mc="http://schemas.openxmlformats.org/markup-compatibility/2006" xmlns:mv="urn:schemas-microsoft-com:mac:vml" xmlns:p="http://schemas.openxmlformats.org/presentationml/2006/main" xmlns:c="http://schemas.openxmlformats.org/drawingml/2006/chart" xmlns:dgm="http://schemas.openxmlformats.org/drawingml/2006/diagram" xmlns:o="urn:schemas-microsoft-com:office:office" xmlns:v="urn:schemas-microsoft-com:vml" xmlns:pvml="urn:schemas-microsoft-com:office:powerpoint" xmlns:com="http://schemas.openxmlformats.org/drawingml/2006/compatibility" xmlns:p14="http://schemas.microsoft.com/office/powerpoint/2010/main" xmlns:p15="http://schemas.microsoft.com/office/powerpoint/2012/main" xmlns:ahyp="http://schemas.microsoft.com/office/drawing/2018/hyperlinkcolor" showMasterPhAnim="0" showMasterSp="0">
   <p:cSld>
     <p:spTree>
@@ -2489,7 +2491,7 @@
       </p:grpSpPr>
       <p:sp>
         <p:nvSpPr>
-          <p:cNvPr id="91" name="Google Shape;91;g2395919313b_0_100:notes"/>
+          <p:cNvPr id="91" name="Google Shape;91;g36e50f01cd3_0_0:notes"/>
           <p:cNvSpPr/>
           <p:nvPr>
             <p:ph idx="2" type="sldImg"/>
@@ -2524,7 +2526,205 @@
       </p:sp>
       <p:sp>
         <p:nvSpPr>
-          <p:cNvPr id="92" name="Google Shape;92;g2395919313b_0_100:notes"/>
+          <p:cNvPr id="92" name="Google Shape;92;g36e50f01cd3_0_0:notes"/>
+          <p:cNvSpPr txBox="1"/>
+          <p:nvPr>
+            <p:ph idx="1" type="body"/>
+          </p:nvPr>
+        </p:nvSpPr>
+        <p:spPr>
+          <a:xfrm>
+            <a:off x="685800" y="4343400"/>
+            <a:ext cx="5486400" cy="4114800"/>
+          </a:xfrm>
+          <a:prstGeom prst="rect">
+            <a:avLst/>
+          </a:prstGeom>
+        </p:spPr>
+        <p:txBody>
+          <a:bodyPr anchorCtr="0" anchor="t" bIns="91425" lIns="91425" spcFirstLastPara="1" rIns="91425" wrap="square" tIns="91425">
+            <a:noAutofit/>
+          </a:bodyPr>
+          <a:lstStyle/>
+          <a:p>
+            <a:pPr indent="0" lvl="0" marL="0" rtl="0" algn="l">
+              <a:spcBef>
+                <a:spcPts val="0"/>
+              </a:spcBef>
+              <a:spcAft>
+                <a:spcPts val="0"/>
+              </a:spcAft>
+              <a:buNone/>
+            </a:pPr>
+            <a:r>
+              <a:t/>
+            </a:r>
+            <a:endParaRPr/>
+          </a:p>
+        </p:txBody>
+      </p:sp>
+    </p:spTree>
+  </p:cSld>
+  <p:clrMapOvr>
+    <a:masterClrMapping/>
+  </p:clrMapOvr>
+</p:notes>
+</file>
+
+<file path=ppt/notesSlides/notesSlide8.xml><?xml version="1.0" encoding="utf-8"?>
+<p:notes xmlns:a="http://schemas.openxmlformats.org/drawingml/2006/main" xmlns:r="http://schemas.openxmlformats.org/officeDocument/2006/relationships" xmlns:mc="http://schemas.openxmlformats.org/markup-compatibility/2006" xmlns:mv="urn:schemas-microsoft-com:mac:vml" xmlns:p="http://schemas.openxmlformats.org/presentationml/2006/main" xmlns:c="http://schemas.openxmlformats.org/drawingml/2006/chart" xmlns:dgm="http://schemas.openxmlformats.org/drawingml/2006/diagram" xmlns:o="urn:schemas-microsoft-com:office:office" xmlns:v="urn:schemas-microsoft-com:vml" xmlns:pvml="urn:schemas-microsoft-com:office:powerpoint" xmlns:com="http://schemas.openxmlformats.org/drawingml/2006/compatibility" xmlns:p14="http://schemas.microsoft.com/office/powerpoint/2010/main" xmlns:p15="http://schemas.microsoft.com/office/powerpoint/2012/main" xmlns:ahyp="http://schemas.microsoft.com/office/drawing/2018/hyperlinkcolor" showMasterPhAnim="0" showMasterSp="0">
+  <p:cSld>
+    <p:spTree>
+      <p:nvGrpSpPr>
+        <p:cNvPr id="97" name="Shape 97"/>
+        <p:cNvGrpSpPr/>
+        <p:nvPr/>
+      </p:nvGrpSpPr>
+      <p:grpSpPr>
+        <a:xfrm>
+          <a:off x="0" y="0"/>
+          <a:ext cx="0" cy="0"/>
+          <a:chOff x="0" y="0"/>
+          <a:chExt cx="0" cy="0"/>
+        </a:xfrm>
+      </p:grpSpPr>
+      <p:sp>
+        <p:nvSpPr>
+          <p:cNvPr id="98" name="Google Shape;98;g2395919313b_0_82:notes"/>
+          <p:cNvSpPr/>
+          <p:nvPr>
+            <p:ph idx="2" type="sldImg"/>
+          </p:nvPr>
+        </p:nvSpPr>
+        <p:spPr>
+          <a:xfrm>
+            <a:off x="381300" y="685800"/>
+            <a:ext cx="6096000" cy="3429000"/>
+          </a:xfrm>
+          <a:custGeom>
+            <a:rect b="b" l="l" r="r" t="t"/>
+            <a:pathLst>
+              <a:path extrusionOk="0" h="120000" w="120000">
+                <a:moveTo>
+                  <a:pt x="0" y="0"/>
+                </a:moveTo>
+                <a:lnTo>
+                  <a:pt x="120000" y="0"/>
+                </a:lnTo>
+                <a:lnTo>
+                  <a:pt x="120000" y="120000"/>
+                </a:lnTo>
+                <a:lnTo>
+                  <a:pt x="0" y="120000"/>
+                </a:lnTo>
+                <a:close/>
+              </a:path>
+            </a:pathLst>
+          </a:custGeom>
+        </p:spPr>
+      </p:sp>
+      <p:sp>
+        <p:nvSpPr>
+          <p:cNvPr id="99" name="Google Shape;99;g2395919313b_0_82:notes"/>
+          <p:cNvSpPr txBox="1"/>
+          <p:nvPr>
+            <p:ph idx="1" type="body"/>
+          </p:nvPr>
+        </p:nvSpPr>
+        <p:spPr>
+          <a:xfrm>
+            <a:off x="685800" y="4343400"/>
+            <a:ext cx="5486400" cy="4114800"/>
+          </a:xfrm>
+          <a:prstGeom prst="rect">
+            <a:avLst/>
+          </a:prstGeom>
+        </p:spPr>
+        <p:txBody>
+          <a:bodyPr anchorCtr="0" anchor="t" bIns="91425" lIns="91425" spcFirstLastPara="1" rIns="91425" wrap="square" tIns="91425">
+            <a:noAutofit/>
+          </a:bodyPr>
+          <a:lstStyle/>
+          <a:p>
+            <a:pPr indent="0" lvl="0" marL="0" rtl="0" algn="l">
+              <a:spcBef>
+                <a:spcPts val="0"/>
+              </a:spcBef>
+              <a:spcAft>
+                <a:spcPts val="0"/>
+              </a:spcAft>
+              <a:buNone/>
+            </a:pPr>
+            <a:r>
+              <a:t/>
+            </a:r>
+            <a:endParaRPr/>
+          </a:p>
+        </p:txBody>
+      </p:sp>
+    </p:spTree>
+  </p:cSld>
+  <p:clrMapOvr>
+    <a:masterClrMapping/>
+  </p:clrMapOvr>
+</p:notes>
+</file>
+
+<file path=ppt/notesSlides/notesSlide9.xml><?xml version="1.0" encoding="utf-8"?>
+<p:notes xmlns:a="http://schemas.openxmlformats.org/drawingml/2006/main" xmlns:r="http://schemas.openxmlformats.org/officeDocument/2006/relationships" xmlns:mc="http://schemas.openxmlformats.org/markup-compatibility/2006" xmlns:mv="urn:schemas-microsoft-com:mac:vml" xmlns:p="http://schemas.openxmlformats.org/presentationml/2006/main" xmlns:c="http://schemas.openxmlformats.org/drawingml/2006/chart" xmlns:dgm="http://schemas.openxmlformats.org/drawingml/2006/diagram" xmlns:o="urn:schemas-microsoft-com:office:office" xmlns:v="urn:schemas-microsoft-com:vml" xmlns:pvml="urn:schemas-microsoft-com:office:powerpoint" xmlns:com="http://schemas.openxmlformats.org/drawingml/2006/compatibility" xmlns:p14="http://schemas.microsoft.com/office/powerpoint/2010/main" xmlns:p15="http://schemas.microsoft.com/office/powerpoint/2012/main" xmlns:ahyp="http://schemas.microsoft.com/office/drawing/2018/hyperlinkcolor" showMasterPhAnim="0" showMasterSp="0">
+  <p:cSld>
+    <p:spTree>
+      <p:nvGrpSpPr>
+        <p:cNvPr id="104" name="Shape 104"/>
+        <p:cNvGrpSpPr/>
+        <p:nvPr/>
+      </p:nvGrpSpPr>
+      <p:grpSpPr>
+        <a:xfrm>
+          <a:off x="0" y="0"/>
+          <a:ext cx="0" cy="0"/>
+          <a:chOff x="0" y="0"/>
+          <a:chExt cx="0" cy="0"/>
+        </a:xfrm>
+      </p:grpSpPr>
+      <p:sp>
+        <p:nvSpPr>
+          <p:cNvPr id="105" name="Google Shape;105;g31d3edfe9df_0_0:notes"/>
+          <p:cNvSpPr/>
+          <p:nvPr>
+            <p:ph idx="2" type="sldImg"/>
+          </p:nvPr>
+        </p:nvSpPr>
+        <p:spPr>
+          <a:xfrm>
+            <a:off x="381300" y="685800"/>
+            <a:ext cx="6096000" cy="3429000"/>
+          </a:xfrm>
+          <a:custGeom>
+            <a:rect b="b" l="l" r="r" t="t"/>
+            <a:pathLst>
+              <a:path extrusionOk="0" h="120000" w="120000">
+                <a:moveTo>
+                  <a:pt x="0" y="0"/>
+                </a:moveTo>
+                <a:lnTo>
+                  <a:pt x="120000" y="0"/>
+                </a:lnTo>
+                <a:lnTo>
+                  <a:pt x="120000" y="120000"/>
+                </a:lnTo>
+                <a:lnTo>
+                  <a:pt x="0" y="120000"/>
+                </a:lnTo>
+                <a:close/>
+              </a:path>
+            </a:pathLst>
+          </a:custGeom>
+        </p:spPr>
+      </p:sp>
+      <p:sp>
+        <p:nvSpPr>
+          <p:cNvPr id="106" name="Google Shape;106;g31d3edfe9df_0_0:notes"/>
           <p:cNvSpPr txBox="1"/>
           <p:nvPr>
             <p:ph idx="1" type="body"/>
@@ -2871,49 +3071,150 @@
           <a:p/>
         </p:txBody>
       </p:sp>
-      <p:sp>
-        <p:nvSpPr>
+      <p:grpSp>
+        <p:nvGrpSpPr>
           <p:cNvPr id="12" name="Google Shape;12;p2"/>
-          <p:cNvSpPr/>
+          <p:cNvGrpSpPr/>
           <p:nvPr/>
-        </p:nvSpPr>
-        <p:spPr>
+        </p:nvGrpSpPr>
+        <p:grpSpPr>
           <a:xfrm>
             <a:off x="0" y="2388810"/>
             <a:ext cx="9144000" cy="183000"/>
-          </a:xfrm>
-          <a:prstGeom prst="rect">
-            <a:avLst/>
-          </a:prstGeom>
-          <a:solidFill>
-            <a:schemeClr val="accent4"/>
-          </a:solidFill>
-          <a:ln>
-            <a:noFill/>
-          </a:ln>
-        </p:spPr>
-        <p:txBody>
-          <a:bodyPr anchorCtr="0" anchor="ctr" bIns="91425" lIns="91425" spcFirstLastPara="1" rIns="91425" wrap="square" tIns="91425">
-            <a:noAutofit/>
-          </a:bodyPr>
-          <a:lstStyle/>
-          <a:p>
-            <a:pPr indent="0" lvl="0" marL="0" rtl="0" algn="l">
-              <a:spcBef>
-                <a:spcPts val="0"/>
-              </a:spcBef>
-              <a:spcAft>
-                <a:spcPts val="0"/>
-              </a:spcAft>
-              <a:buNone/>
-            </a:pPr>
-            <a:r>
-              <a:t/>
-            </a:r>
-            <a:endParaRPr/>
-          </a:p>
-        </p:txBody>
-      </p:sp>
+            <a:chOff x="0" y="2388810"/>
+            <a:chExt cx="9144000" cy="183000"/>
+          </a:xfrm>
+        </p:grpSpPr>
+        <p:sp>
+          <p:nvSpPr>
+            <p:cNvPr id="13" name="Google Shape;13;p2"/>
+            <p:cNvSpPr/>
+            <p:nvPr/>
+          </p:nvSpPr>
+          <p:spPr>
+            <a:xfrm>
+              <a:off x="0" y="2388810"/>
+              <a:ext cx="914400" cy="183000"/>
+            </a:xfrm>
+            <a:prstGeom prst="rect">
+              <a:avLst/>
+            </a:prstGeom>
+            <a:solidFill>
+              <a:schemeClr val="accent2"/>
+            </a:solidFill>
+            <a:ln>
+              <a:noFill/>
+            </a:ln>
+          </p:spPr>
+          <p:txBody>
+            <a:bodyPr anchorCtr="0" anchor="ctr" bIns="91425" lIns="91425" spcFirstLastPara="1" rIns="91425" wrap="square" tIns="91425">
+              <a:noAutofit/>
+            </a:bodyPr>
+            <a:lstStyle/>
+            <a:p>
+              <a:pPr indent="0" lvl="0" marL="0" rtl="0" algn="l">
+                <a:spcBef>
+                  <a:spcPts val="0"/>
+                </a:spcBef>
+                <a:spcAft>
+                  <a:spcPts val="0"/>
+                </a:spcAft>
+                <a:buNone/>
+              </a:pPr>
+              <a:r>
+                <a:t/>
+              </a:r>
+              <a:endParaRPr/>
+            </a:p>
+          </p:txBody>
+        </p:sp>
+        <p:sp>
+          <p:nvSpPr>
+            <p:cNvPr id="14" name="Google Shape;14;p2"/>
+            <p:cNvSpPr/>
+            <p:nvPr/>
+          </p:nvSpPr>
+          <p:spPr>
+            <a:xfrm>
+              <a:off x="914400" y="2388810"/>
+              <a:ext cx="1828800" cy="183000"/>
+            </a:xfrm>
+            <a:prstGeom prst="rect">
+              <a:avLst/>
+            </a:prstGeom>
+            <a:solidFill>
+              <a:schemeClr val="accent3"/>
+            </a:solidFill>
+            <a:ln>
+              <a:noFill/>
+            </a:ln>
+          </p:spPr>
+          <p:txBody>
+            <a:bodyPr anchorCtr="0" anchor="ctr" bIns="91425" lIns="91425" spcFirstLastPara="1" rIns="91425" wrap="square" tIns="91425">
+              <a:noAutofit/>
+            </a:bodyPr>
+            <a:lstStyle/>
+            <a:p>
+              <a:pPr indent="0" lvl="0" marL="0" rtl="0" algn="l">
+                <a:spcBef>
+                  <a:spcPts val="0"/>
+                </a:spcBef>
+                <a:spcAft>
+                  <a:spcPts val="0"/>
+                </a:spcAft>
+                <a:buNone/>
+              </a:pPr>
+              <a:r>
+                <a:t/>
+              </a:r>
+              <a:endParaRPr/>
+            </a:p>
+          </p:txBody>
+        </p:sp>
+        <p:sp>
+          <p:nvSpPr>
+            <p:cNvPr id="15" name="Google Shape;15;p2"/>
+            <p:cNvSpPr/>
+            <p:nvPr/>
+          </p:nvSpPr>
+          <p:spPr>
+            <a:xfrm>
+              <a:off x="2743200" y="2388810"/>
+              <a:ext cx="6400800" cy="183000"/>
+            </a:xfrm>
+            <a:prstGeom prst="rect">
+              <a:avLst/>
+            </a:prstGeom>
+            <a:solidFill>
+              <a:schemeClr val="accent4"/>
+            </a:solidFill>
+            <a:ln>
+              <a:noFill/>
+            </a:ln>
+          </p:spPr>
+          <p:txBody>
+            <a:bodyPr anchorCtr="0" anchor="ctr" bIns="91425" lIns="91425" spcFirstLastPara="1" rIns="91425" wrap="square" tIns="91425">
+              <a:noAutofit/>
+            </a:bodyPr>
+            <a:lstStyle/>
+            <a:p>
+              <a:pPr indent="0" lvl="0" marL="0" rtl="0" algn="l">
+                <a:spcBef>
+                  <a:spcPts val="0"/>
+                </a:spcBef>
+                <a:spcAft>
+                  <a:spcPts val="0"/>
+                </a:spcAft>
+                <a:buNone/>
+              </a:pPr>
+              <a:r>
+                <a:t/>
+              </a:r>
+              <a:endParaRPr/>
+            </a:p>
+          </p:txBody>
+        </p:sp>
+      </p:grpSp>
     </p:spTree>
   </p:cSld>
   <p:clrMapOvr>
@@ -2925,199 +3226,6 @@
 <file path=ppt/slideLayouts/slideLayout2.xml><?xml version="1.0" encoding="utf-8"?>
 <p:sldLayout xmlns:a="http://schemas.openxmlformats.org/drawingml/2006/main" xmlns:r="http://schemas.openxmlformats.org/officeDocument/2006/relationships" xmlns:mc="http://schemas.openxmlformats.org/markup-compatibility/2006" xmlns:mv="urn:schemas-microsoft-com:mac:vml" xmlns:p="http://schemas.openxmlformats.org/presentationml/2006/main" xmlns:c="http://schemas.openxmlformats.org/drawingml/2006/chart" xmlns:dgm="http://schemas.openxmlformats.org/drawingml/2006/diagram" xmlns:o="urn:schemas-microsoft-com:office:office" xmlns:v="urn:schemas-microsoft-com:vml" xmlns:pvml="urn:schemas-microsoft-com:office:powerpoint" xmlns:com="http://schemas.openxmlformats.org/drawingml/2006/compatibility" xmlns:p14="http://schemas.microsoft.com/office/powerpoint/2010/main" xmlns:p15="http://schemas.microsoft.com/office/powerpoint/2012/main" xmlns:ahyp="http://schemas.microsoft.com/office/drawing/2018/hyperlinkcolor" matchingName="Section header" type="secHead">
   <p:cSld name="SECTION_HEADER">
-    <p:spTree>
-      <p:nvGrpSpPr>
-        <p:cNvPr id="13" name="Shape 13"/>
-        <p:cNvGrpSpPr/>
-        <p:nvPr/>
-      </p:nvGrpSpPr>
-      <p:grpSpPr>
-        <a:xfrm>
-          <a:off x="0" y="0"/>
-          <a:ext cx="0" cy="0"/>
-          <a:chOff x="0" y="0"/>
-          <a:chExt cx="0" cy="0"/>
-        </a:xfrm>
-      </p:grpSpPr>
-      <p:sp>
-        <p:nvSpPr>
-          <p:cNvPr id="14" name="Google Shape;14;p3"/>
-          <p:cNvSpPr txBox="1"/>
-          <p:nvPr>
-            <p:ph type="title"/>
-          </p:nvPr>
-        </p:nvSpPr>
-        <p:spPr>
-          <a:xfrm>
-            <a:off x="0" y="-7"/>
-            <a:ext cx="9144000" cy="2386500"/>
-          </a:xfrm>
-          <a:prstGeom prst="rect">
-            <a:avLst/>
-          </a:prstGeom>
-        </p:spPr>
-        <p:txBody>
-          <a:bodyPr anchorCtr="0" anchor="b" bIns="274300" lIns="91425" spcFirstLastPara="1" rIns="91425" wrap="square" tIns="91425">
-            <a:noAutofit/>
-          </a:bodyPr>
-          <a:lstStyle>
-            <a:lvl1pPr lvl="0" algn="ctr">
-              <a:spcBef>
-                <a:spcPts val="0"/>
-              </a:spcBef>
-              <a:spcAft>
-                <a:spcPts val="0"/>
-              </a:spcAft>
-              <a:buSzPts val="3000"/>
-              <a:buNone/>
-              <a:defRPr sz="3000"/>
-            </a:lvl1pPr>
-            <a:lvl2pPr lvl="1" algn="ctr">
-              <a:spcBef>
-                <a:spcPts val="0"/>
-              </a:spcBef>
-              <a:spcAft>
-                <a:spcPts val="0"/>
-              </a:spcAft>
-              <a:buSzPts val="3600"/>
-              <a:buNone/>
-              <a:defRPr sz="3600"/>
-            </a:lvl2pPr>
-            <a:lvl3pPr lvl="2" algn="ctr">
-              <a:spcBef>
-                <a:spcPts val="0"/>
-              </a:spcBef>
-              <a:spcAft>
-                <a:spcPts val="0"/>
-              </a:spcAft>
-              <a:buSzPts val="3600"/>
-              <a:buNone/>
-              <a:defRPr sz="3600"/>
-            </a:lvl3pPr>
-            <a:lvl4pPr lvl="3" algn="ctr">
-              <a:spcBef>
-                <a:spcPts val="0"/>
-              </a:spcBef>
-              <a:spcAft>
-                <a:spcPts val="0"/>
-              </a:spcAft>
-              <a:buSzPts val="3600"/>
-              <a:buNone/>
-              <a:defRPr sz="3600"/>
-            </a:lvl4pPr>
-            <a:lvl5pPr lvl="4" algn="ctr">
-              <a:spcBef>
-                <a:spcPts val="0"/>
-              </a:spcBef>
-              <a:spcAft>
-                <a:spcPts val="0"/>
-              </a:spcAft>
-              <a:buSzPts val="3600"/>
-              <a:buNone/>
-              <a:defRPr sz="3600"/>
-            </a:lvl5pPr>
-            <a:lvl6pPr lvl="5" algn="ctr">
-              <a:spcBef>
-                <a:spcPts val="0"/>
-              </a:spcBef>
-              <a:spcAft>
-                <a:spcPts val="0"/>
-              </a:spcAft>
-              <a:buSzPts val="3600"/>
-              <a:buNone/>
-              <a:defRPr sz="3600"/>
-            </a:lvl6pPr>
-            <a:lvl7pPr lvl="6" algn="ctr">
-              <a:spcBef>
-                <a:spcPts val="0"/>
-              </a:spcBef>
-              <a:spcAft>
-                <a:spcPts val="0"/>
-              </a:spcAft>
-              <a:buSzPts val="3600"/>
-              <a:buNone/>
-              <a:defRPr sz="3600"/>
-            </a:lvl7pPr>
-            <a:lvl8pPr lvl="7" algn="ctr">
-              <a:spcBef>
-                <a:spcPts val="0"/>
-              </a:spcBef>
-              <a:spcAft>
-                <a:spcPts val="0"/>
-              </a:spcAft>
-              <a:buSzPts val="3600"/>
-              <a:buNone/>
-              <a:defRPr sz="3600"/>
-            </a:lvl8pPr>
-            <a:lvl9pPr lvl="8" algn="ctr">
-              <a:spcBef>
-                <a:spcPts val="0"/>
-              </a:spcBef>
-              <a:spcAft>
-                <a:spcPts val="0"/>
-              </a:spcAft>
-              <a:buSzPts val="3600"/>
-              <a:buNone/>
-              <a:defRPr sz="3600"/>
-            </a:lvl9pPr>
-          </a:lstStyle>
-          <a:p/>
-        </p:txBody>
-      </p:sp>
-      <p:sp>
-        <p:nvSpPr>
-          <p:cNvPr id="15" name="Google Shape;15;p3"/>
-          <p:cNvSpPr/>
-          <p:nvPr/>
-        </p:nvSpPr>
-        <p:spPr>
-          <a:xfrm>
-            <a:off x="0" y="2386584"/>
-            <a:ext cx="9144000" cy="91500"/>
-          </a:xfrm>
-          <a:prstGeom prst="rect">
-            <a:avLst/>
-          </a:prstGeom>
-          <a:solidFill>
-            <a:schemeClr val="accent4"/>
-          </a:solidFill>
-          <a:ln>
-            <a:noFill/>
-          </a:ln>
-        </p:spPr>
-        <p:txBody>
-          <a:bodyPr anchorCtr="0" anchor="ctr" bIns="91425" lIns="91425" spcFirstLastPara="1" rIns="91425" wrap="square" tIns="91425">
-            <a:noAutofit/>
-          </a:bodyPr>
-          <a:lstStyle/>
-          <a:p>
-            <a:pPr indent="0" lvl="0" marL="0" rtl="0" algn="l">
-              <a:spcBef>
-                <a:spcPts val="0"/>
-              </a:spcBef>
-              <a:spcAft>
-                <a:spcPts val="0"/>
-              </a:spcAft>
-              <a:buNone/>
-            </a:pPr>
-            <a:r>
-              <a:t/>
-            </a:r>
-            <a:endParaRPr/>
-          </a:p>
-        </p:txBody>
-      </p:sp>
-    </p:spTree>
-  </p:cSld>
-  <p:clrMapOvr>
-    <a:masterClrMapping/>
-  </p:clrMapOvr>
-</p:sldLayout>
-</file>
-
-<file path=ppt/slideLayouts/slideLayout3.xml><?xml version="1.0" encoding="utf-8"?>
-<p:sldLayout xmlns:a="http://schemas.openxmlformats.org/drawingml/2006/main" xmlns:r="http://schemas.openxmlformats.org/officeDocument/2006/relationships" xmlns:mc="http://schemas.openxmlformats.org/markup-compatibility/2006" xmlns:mv="urn:schemas-microsoft-com:mac:vml" xmlns:p="http://schemas.openxmlformats.org/presentationml/2006/main" xmlns:c="http://schemas.openxmlformats.org/drawingml/2006/chart" xmlns:dgm="http://schemas.openxmlformats.org/drawingml/2006/diagram" xmlns:o="urn:schemas-microsoft-com:office:office" xmlns:v="urn:schemas-microsoft-com:vml" xmlns:pvml="urn:schemas-microsoft-com:office:powerpoint" xmlns:com="http://schemas.openxmlformats.org/drawingml/2006/compatibility" xmlns:p14="http://schemas.microsoft.com/office/powerpoint/2010/main" xmlns:p15="http://schemas.microsoft.com/office/powerpoint/2012/main" xmlns:ahyp="http://schemas.microsoft.com/office/drawing/2018/hyperlinkcolor" matchingName="Title and body" type="tx">
-  <p:cSld name="TITLE_AND_BODY">
     <p:spTree>
       <p:nvGrpSpPr>
         <p:cNvPr id="16" name="Shape 16"/>
@@ -3134,7 +3242,301 @@
       </p:grpSpPr>
       <p:sp>
         <p:nvSpPr>
-          <p:cNvPr id="17" name="Google Shape;17;p4"/>
+          <p:cNvPr id="17" name="Google Shape;17;p3"/>
+          <p:cNvSpPr txBox="1"/>
+          <p:nvPr>
+            <p:ph type="title"/>
+          </p:nvPr>
+        </p:nvSpPr>
+        <p:spPr>
+          <a:xfrm>
+            <a:off x="0" y="-7"/>
+            <a:ext cx="9144000" cy="2386500"/>
+          </a:xfrm>
+          <a:prstGeom prst="rect">
+            <a:avLst/>
+          </a:prstGeom>
+        </p:spPr>
+        <p:txBody>
+          <a:bodyPr anchorCtr="0" anchor="b" bIns="274300" lIns="91425" spcFirstLastPara="1" rIns="91425" wrap="square" tIns="91425">
+            <a:noAutofit/>
+          </a:bodyPr>
+          <a:lstStyle>
+            <a:lvl1pPr lvl="0" algn="ctr">
+              <a:spcBef>
+                <a:spcPts val="0"/>
+              </a:spcBef>
+              <a:spcAft>
+                <a:spcPts val="0"/>
+              </a:spcAft>
+              <a:buSzPts val="3000"/>
+              <a:buNone/>
+              <a:defRPr sz="3000"/>
+            </a:lvl1pPr>
+            <a:lvl2pPr lvl="1" algn="ctr">
+              <a:spcBef>
+                <a:spcPts val="0"/>
+              </a:spcBef>
+              <a:spcAft>
+                <a:spcPts val="0"/>
+              </a:spcAft>
+              <a:buSzPts val="3600"/>
+              <a:buNone/>
+              <a:defRPr sz="3600"/>
+            </a:lvl2pPr>
+            <a:lvl3pPr lvl="2" algn="ctr">
+              <a:spcBef>
+                <a:spcPts val="0"/>
+              </a:spcBef>
+              <a:spcAft>
+                <a:spcPts val="0"/>
+              </a:spcAft>
+              <a:buSzPts val="3600"/>
+              <a:buNone/>
+              <a:defRPr sz="3600"/>
+            </a:lvl3pPr>
+            <a:lvl4pPr lvl="3" algn="ctr">
+              <a:spcBef>
+                <a:spcPts val="0"/>
+              </a:spcBef>
+              <a:spcAft>
+                <a:spcPts val="0"/>
+              </a:spcAft>
+              <a:buSzPts val="3600"/>
+              <a:buNone/>
+              <a:defRPr sz="3600"/>
+            </a:lvl4pPr>
+            <a:lvl5pPr lvl="4" algn="ctr">
+              <a:spcBef>
+                <a:spcPts val="0"/>
+              </a:spcBef>
+              <a:spcAft>
+                <a:spcPts val="0"/>
+              </a:spcAft>
+              <a:buSzPts val="3600"/>
+              <a:buNone/>
+              <a:defRPr sz="3600"/>
+            </a:lvl5pPr>
+            <a:lvl6pPr lvl="5" algn="ctr">
+              <a:spcBef>
+                <a:spcPts val="0"/>
+              </a:spcBef>
+              <a:spcAft>
+                <a:spcPts val="0"/>
+              </a:spcAft>
+              <a:buSzPts val="3600"/>
+              <a:buNone/>
+              <a:defRPr sz="3600"/>
+            </a:lvl6pPr>
+            <a:lvl7pPr lvl="6" algn="ctr">
+              <a:spcBef>
+                <a:spcPts val="0"/>
+              </a:spcBef>
+              <a:spcAft>
+                <a:spcPts val="0"/>
+              </a:spcAft>
+              <a:buSzPts val="3600"/>
+              <a:buNone/>
+              <a:defRPr sz="3600"/>
+            </a:lvl7pPr>
+            <a:lvl8pPr lvl="7" algn="ctr">
+              <a:spcBef>
+                <a:spcPts val="0"/>
+              </a:spcBef>
+              <a:spcAft>
+                <a:spcPts val="0"/>
+              </a:spcAft>
+              <a:buSzPts val="3600"/>
+              <a:buNone/>
+              <a:defRPr sz="3600"/>
+            </a:lvl8pPr>
+            <a:lvl9pPr lvl="8" algn="ctr">
+              <a:spcBef>
+                <a:spcPts val="0"/>
+              </a:spcBef>
+              <a:spcAft>
+                <a:spcPts val="0"/>
+              </a:spcAft>
+              <a:buSzPts val="3600"/>
+              <a:buNone/>
+              <a:defRPr sz="3600"/>
+            </a:lvl9pPr>
+          </a:lstStyle>
+          <a:p/>
+        </p:txBody>
+      </p:sp>
+      <p:grpSp>
+        <p:nvGrpSpPr>
+          <p:cNvPr id="18" name="Google Shape;18;p3"/>
+          <p:cNvGrpSpPr/>
+          <p:nvPr/>
+        </p:nvGrpSpPr>
+        <p:grpSpPr>
+          <a:xfrm>
+            <a:off x="0" y="2432304"/>
+            <a:ext cx="9144000" cy="91500"/>
+            <a:chOff x="0" y="2386584"/>
+            <a:chExt cx="9144000" cy="91500"/>
+          </a:xfrm>
+        </p:grpSpPr>
+        <p:sp>
+          <p:nvSpPr>
+            <p:cNvPr id="19" name="Google Shape;19;p3"/>
+            <p:cNvSpPr/>
+            <p:nvPr/>
+          </p:nvSpPr>
+          <p:spPr>
+            <a:xfrm>
+              <a:off x="0" y="2386584"/>
+              <a:ext cx="914400" cy="91500"/>
+            </a:xfrm>
+            <a:prstGeom prst="rect">
+              <a:avLst/>
+            </a:prstGeom>
+            <a:solidFill>
+              <a:schemeClr val="accent2"/>
+            </a:solidFill>
+            <a:ln>
+              <a:noFill/>
+            </a:ln>
+          </p:spPr>
+          <p:txBody>
+            <a:bodyPr anchorCtr="0" anchor="ctr" bIns="91425" lIns="91425" spcFirstLastPara="1" rIns="91425" wrap="square" tIns="91425">
+              <a:noAutofit/>
+            </a:bodyPr>
+            <a:lstStyle/>
+            <a:p>
+              <a:pPr indent="0" lvl="0" marL="0" rtl="0" algn="l">
+                <a:spcBef>
+                  <a:spcPts val="0"/>
+                </a:spcBef>
+                <a:spcAft>
+                  <a:spcPts val="0"/>
+                </a:spcAft>
+                <a:buNone/>
+              </a:pPr>
+              <a:r>
+                <a:t/>
+              </a:r>
+              <a:endParaRPr/>
+            </a:p>
+          </p:txBody>
+        </p:sp>
+        <p:sp>
+          <p:nvSpPr>
+            <p:cNvPr id="20" name="Google Shape;20;p3"/>
+            <p:cNvSpPr/>
+            <p:nvPr/>
+          </p:nvSpPr>
+          <p:spPr>
+            <a:xfrm>
+              <a:off x="914400" y="2386584"/>
+              <a:ext cx="1828800" cy="91500"/>
+            </a:xfrm>
+            <a:prstGeom prst="rect">
+              <a:avLst/>
+            </a:prstGeom>
+            <a:solidFill>
+              <a:schemeClr val="accent3"/>
+            </a:solidFill>
+            <a:ln>
+              <a:noFill/>
+            </a:ln>
+          </p:spPr>
+          <p:txBody>
+            <a:bodyPr anchorCtr="0" anchor="ctr" bIns="91425" lIns="91425" spcFirstLastPara="1" rIns="91425" wrap="square" tIns="91425">
+              <a:noAutofit/>
+            </a:bodyPr>
+            <a:lstStyle/>
+            <a:p>
+              <a:pPr indent="0" lvl="0" marL="0" rtl="0" algn="l">
+                <a:spcBef>
+                  <a:spcPts val="0"/>
+                </a:spcBef>
+                <a:spcAft>
+                  <a:spcPts val="0"/>
+                </a:spcAft>
+                <a:buNone/>
+              </a:pPr>
+              <a:r>
+                <a:t/>
+              </a:r>
+              <a:endParaRPr/>
+            </a:p>
+          </p:txBody>
+        </p:sp>
+        <p:sp>
+          <p:nvSpPr>
+            <p:cNvPr id="21" name="Google Shape;21;p3"/>
+            <p:cNvSpPr/>
+            <p:nvPr/>
+          </p:nvSpPr>
+          <p:spPr>
+            <a:xfrm>
+              <a:off x="2743200" y="2386584"/>
+              <a:ext cx="6400800" cy="91500"/>
+            </a:xfrm>
+            <a:prstGeom prst="rect">
+              <a:avLst/>
+            </a:prstGeom>
+            <a:solidFill>
+              <a:schemeClr val="accent4"/>
+            </a:solidFill>
+            <a:ln>
+              <a:noFill/>
+            </a:ln>
+          </p:spPr>
+          <p:txBody>
+            <a:bodyPr anchorCtr="0" anchor="ctr" bIns="91425" lIns="91425" spcFirstLastPara="1" rIns="91425" wrap="square" tIns="91425">
+              <a:noAutofit/>
+            </a:bodyPr>
+            <a:lstStyle/>
+            <a:p>
+              <a:pPr indent="0" lvl="0" marL="0" rtl="0" algn="l">
+                <a:spcBef>
+                  <a:spcPts val="0"/>
+                </a:spcBef>
+                <a:spcAft>
+                  <a:spcPts val="0"/>
+                </a:spcAft>
+                <a:buNone/>
+              </a:pPr>
+              <a:r>
+                <a:t/>
+              </a:r>
+              <a:endParaRPr/>
+            </a:p>
+          </p:txBody>
+        </p:sp>
+      </p:grpSp>
+    </p:spTree>
+  </p:cSld>
+  <p:clrMapOvr>
+    <a:masterClrMapping/>
+  </p:clrMapOvr>
+</p:sldLayout>
+</file>
+
+<file path=ppt/slideLayouts/slideLayout3.xml><?xml version="1.0" encoding="utf-8"?>
+<p:sldLayout xmlns:a="http://schemas.openxmlformats.org/drawingml/2006/main" xmlns:r="http://schemas.openxmlformats.org/officeDocument/2006/relationships" xmlns:mc="http://schemas.openxmlformats.org/markup-compatibility/2006" xmlns:mv="urn:schemas-microsoft-com:mac:vml" xmlns:p="http://schemas.openxmlformats.org/presentationml/2006/main" xmlns:c="http://schemas.openxmlformats.org/drawingml/2006/chart" xmlns:dgm="http://schemas.openxmlformats.org/drawingml/2006/diagram" xmlns:o="urn:schemas-microsoft-com:office:office" xmlns:v="urn:schemas-microsoft-com:vml" xmlns:pvml="urn:schemas-microsoft-com:office:powerpoint" xmlns:com="http://schemas.openxmlformats.org/drawingml/2006/compatibility" xmlns:p14="http://schemas.microsoft.com/office/powerpoint/2010/main" xmlns:p15="http://schemas.microsoft.com/office/powerpoint/2012/main" xmlns:ahyp="http://schemas.microsoft.com/office/drawing/2018/hyperlinkcolor" matchingName="Title and body" type="tx">
+  <p:cSld name="TITLE_AND_BODY">
+    <p:spTree>
+      <p:nvGrpSpPr>
+        <p:cNvPr id="22" name="Shape 22"/>
+        <p:cNvGrpSpPr/>
+        <p:nvPr/>
+      </p:nvGrpSpPr>
+      <p:grpSpPr>
+        <a:xfrm>
+          <a:off x="0" y="0"/>
+          <a:ext cx="0" cy="0"/>
+          <a:chOff x="0" y="0"/>
+          <a:chExt cx="0" cy="0"/>
+        </a:xfrm>
+      </p:grpSpPr>
+      <p:sp>
+        <p:nvSpPr>
+          <p:cNvPr id="23" name="Google Shape;23;p4"/>
           <p:cNvSpPr txBox="1"/>
           <p:nvPr>
             <p:ph type="title"/>
@@ -3259,7 +3661,7 @@
       </p:sp>
       <p:sp>
         <p:nvSpPr>
-          <p:cNvPr id="18" name="Google Shape;18;p4"/>
+          <p:cNvPr id="24" name="Google Shape;24;p4"/>
           <p:cNvSpPr txBox="1"/>
           <p:nvPr>
             <p:ph idx="1" type="body"/>
@@ -3384,50 +3786,7 @@
       </p:sp>
       <p:sp>
         <p:nvSpPr>
-          <p:cNvPr id="19" name="Google Shape;19;p4"/>
-          <p:cNvSpPr/>
-          <p:nvPr/>
-        </p:nvSpPr>
-        <p:spPr>
-          <a:xfrm>
-            <a:off x="0" y="685800"/>
-            <a:ext cx="9144000" cy="91500"/>
-          </a:xfrm>
-          <a:prstGeom prst="rect">
-            <a:avLst/>
-          </a:prstGeom>
-          <a:solidFill>
-            <a:schemeClr val="accent4"/>
-          </a:solidFill>
-          <a:ln>
-            <a:noFill/>
-          </a:ln>
-        </p:spPr>
-        <p:txBody>
-          <a:bodyPr anchorCtr="0" anchor="ctr" bIns="91425" lIns="91425" spcFirstLastPara="1" rIns="91425" wrap="square" tIns="91425">
-            <a:noAutofit/>
-          </a:bodyPr>
-          <a:lstStyle/>
-          <a:p>
-            <a:pPr indent="0" lvl="0" marL="0" rtl="0" algn="l">
-              <a:spcBef>
-                <a:spcPts val="0"/>
-              </a:spcBef>
-              <a:spcAft>
-                <a:spcPts val="0"/>
-              </a:spcAft>
-              <a:buNone/>
-            </a:pPr>
-            <a:r>
-              <a:t/>
-            </a:r>
-            <a:endParaRPr/>
-          </a:p>
-        </p:txBody>
-      </p:sp>
-      <p:sp>
-        <p:nvSpPr>
-          <p:cNvPr id="20" name="Google Shape;20;p4"/>
+          <p:cNvPr id="25" name="Google Shape;25;p4"/>
           <p:cNvSpPr txBox="1"/>
           <p:nvPr>
             <p:ph idx="12" type="sldNum"/>
@@ -3435,8 +3794,8 @@
         </p:nvSpPr>
         <p:spPr>
           <a:xfrm>
-            <a:off x="7315209" y="4229101"/>
-            <a:ext cx="1828800" cy="914400"/>
+            <a:off x="7315202" y="4416550"/>
+            <a:ext cx="1828800" cy="731400"/>
           </a:xfrm>
           <a:prstGeom prst="rect">
             <a:avLst/>
@@ -3447,73 +3806,73 @@
             <a:noAutofit/>
           </a:bodyPr>
           <a:lstStyle>
-            <a:lvl1pPr lvl="0" rtl="0" algn="r">
-              <a:buNone/>
-              <a:defRPr b="1" sz="2400">
+            <a:lvl1pPr lvl="0" rtl="0">
+              <a:buNone/>
+              <a:defRPr>
                 <a:solidFill>
                   <a:schemeClr val="dk1"/>
                 </a:solidFill>
               </a:defRPr>
             </a:lvl1pPr>
-            <a:lvl2pPr lvl="1" rtl="0" algn="r">
-              <a:buNone/>
-              <a:defRPr b="1" sz="2400">
+            <a:lvl2pPr lvl="1" rtl="0">
+              <a:buNone/>
+              <a:defRPr>
                 <a:solidFill>
                   <a:schemeClr val="dk1"/>
                 </a:solidFill>
               </a:defRPr>
             </a:lvl2pPr>
-            <a:lvl3pPr lvl="2" rtl="0" algn="r">
-              <a:buNone/>
-              <a:defRPr b="1" sz="2400">
+            <a:lvl3pPr lvl="2" rtl="0">
+              <a:buNone/>
+              <a:defRPr>
                 <a:solidFill>
                   <a:schemeClr val="dk1"/>
                 </a:solidFill>
               </a:defRPr>
             </a:lvl3pPr>
-            <a:lvl4pPr lvl="3" rtl="0" algn="r">
-              <a:buNone/>
-              <a:defRPr b="1" sz="2400">
+            <a:lvl4pPr lvl="3" rtl="0">
+              <a:buNone/>
+              <a:defRPr>
                 <a:solidFill>
                   <a:schemeClr val="dk1"/>
                 </a:solidFill>
               </a:defRPr>
             </a:lvl4pPr>
-            <a:lvl5pPr lvl="4" rtl="0" algn="r">
-              <a:buNone/>
-              <a:defRPr b="1" sz="2400">
+            <a:lvl5pPr lvl="4" rtl="0">
+              <a:buNone/>
+              <a:defRPr>
                 <a:solidFill>
                   <a:schemeClr val="dk1"/>
                 </a:solidFill>
               </a:defRPr>
             </a:lvl5pPr>
-            <a:lvl6pPr lvl="5" rtl="0" algn="r">
-              <a:buNone/>
-              <a:defRPr b="1" sz="2400">
+            <a:lvl6pPr lvl="5" rtl="0">
+              <a:buNone/>
+              <a:defRPr>
                 <a:solidFill>
                   <a:schemeClr val="dk1"/>
                 </a:solidFill>
               </a:defRPr>
             </a:lvl6pPr>
-            <a:lvl7pPr lvl="6" rtl="0" algn="r">
-              <a:buNone/>
-              <a:defRPr b="1" sz="2400">
+            <a:lvl7pPr lvl="6" rtl="0">
+              <a:buNone/>
+              <a:defRPr>
                 <a:solidFill>
                   <a:schemeClr val="dk1"/>
                 </a:solidFill>
               </a:defRPr>
             </a:lvl7pPr>
-            <a:lvl8pPr lvl="7" rtl="0" algn="r">
-              <a:buNone/>
-              <a:defRPr b="1" sz="2400">
+            <a:lvl8pPr lvl="7" rtl="0">
+              <a:buNone/>
+              <a:defRPr>
                 <a:solidFill>
                   <a:schemeClr val="dk1"/>
                 </a:solidFill>
               </a:defRPr>
             </a:lvl8pPr>
-            <a:lvl9pPr lvl="8" rtl="0" algn="r">
-              <a:buNone/>
-              <a:defRPr b="1" sz="2400">
+            <a:lvl9pPr lvl="8" rtl="0">
+              <a:buNone/>
+              <a:defRPr>
                 <a:solidFill>
                   <a:schemeClr val="dk1"/>
                 </a:solidFill>
@@ -3544,26 +3903,177 @@
               <a:spcAft>
                 <a:spcPts val="0"/>
               </a:spcAft>
-              <a:buClr>
-                <a:schemeClr val="dk1"/>
-              </a:buClr>
-              <a:buSzPts val="1100"/>
-              <a:buFont typeface="Arial"/>
-              <a:buNone/>
-            </a:pPr>
-            <a:r>
-              <a:rPr b="0" lang="en" sz="1000" u="sng">
+              <a:buNone/>
+            </a:pPr>
+            <a:r>
+              <a:rPr b="0" lang="en" sz="900" u="sng">
                 <a:solidFill>
                   <a:schemeClr val="hlink"/>
                 </a:solidFill>
                 <a:hlinkClick r:id="rId2"/>
               </a:rPr>
-              <a:t>https://profriehle.com</a:t>
-            </a:r>
-            <a:endParaRPr b="0" sz="1000"/>
+              <a:t>https://oss.cs.fau.de</a:t>
+            </a:r>
+            <a:r>
+              <a:rPr b="0" lang="en" sz="900">
+                <a:solidFill>
+                  <a:schemeClr val="dk2"/>
+                </a:solidFill>
+              </a:rPr>
+              <a:t> </a:t>
+            </a:r>
+            <a:endParaRPr b="0" sz="900">
+              <a:solidFill>
+                <a:schemeClr val="dk2"/>
+              </a:solidFill>
+            </a:endParaRPr>
           </a:p>
         </p:txBody>
       </p:sp>
+      <p:grpSp>
+        <p:nvGrpSpPr>
+          <p:cNvPr id="26" name="Google Shape;26;p4"/>
+          <p:cNvGrpSpPr/>
+          <p:nvPr/>
+        </p:nvGrpSpPr>
+        <p:grpSpPr>
+          <a:xfrm>
+            <a:off x="0" y="685800"/>
+            <a:ext cx="9144000" cy="91500"/>
+            <a:chOff x="0" y="2386584"/>
+            <a:chExt cx="9144000" cy="91500"/>
+          </a:xfrm>
+        </p:grpSpPr>
+        <p:sp>
+          <p:nvSpPr>
+            <p:cNvPr id="27" name="Google Shape;27;p4"/>
+            <p:cNvSpPr/>
+            <p:nvPr/>
+          </p:nvSpPr>
+          <p:spPr>
+            <a:xfrm>
+              <a:off x="0" y="2386584"/>
+              <a:ext cx="914400" cy="91500"/>
+            </a:xfrm>
+            <a:prstGeom prst="rect">
+              <a:avLst/>
+            </a:prstGeom>
+            <a:solidFill>
+              <a:schemeClr val="accent2"/>
+            </a:solidFill>
+            <a:ln>
+              <a:noFill/>
+            </a:ln>
+          </p:spPr>
+          <p:txBody>
+            <a:bodyPr anchorCtr="0" anchor="ctr" bIns="91425" lIns="91425" spcFirstLastPara="1" rIns="91425" wrap="square" tIns="91425">
+              <a:noAutofit/>
+            </a:bodyPr>
+            <a:lstStyle/>
+            <a:p>
+              <a:pPr indent="0" lvl="0" marL="0" rtl="0" algn="l">
+                <a:spcBef>
+                  <a:spcPts val="0"/>
+                </a:spcBef>
+                <a:spcAft>
+                  <a:spcPts val="0"/>
+                </a:spcAft>
+                <a:buNone/>
+              </a:pPr>
+              <a:r>
+                <a:t/>
+              </a:r>
+              <a:endParaRPr/>
+            </a:p>
+          </p:txBody>
+        </p:sp>
+        <p:sp>
+          <p:nvSpPr>
+            <p:cNvPr id="28" name="Google Shape;28;p4"/>
+            <p:cNvSpPr/>
+            <p:nvPr/>
+          </p:nvSpPr>
+          <p:spPr>
+            <a:xfrm>
+              <a:off x="914400" y="2386584"/>
+              <a:ext cx="1828800" cy="91500"/>
+            </a:xfrm>
+            <a:prstGeom prst="rect">
+              <a:avLst/>
+            </a:prstGeom>
+            <a:solidFill>
+              <a:schemeClr val="accent3"/>
+            </a:solidFill>
+            <a:ln>
+              <a:noFill/>
+            </a:ln>
+          </p:spPr>
+          <p:txBody>
+            <a:bodyPr anchorCtr="0" anchor="ctr" bIns="91425" lIns="91425" spcFirstLastPara="1" rIns="91425" wrap="square" tIns="91425">
+              <a:noAutofit/>
+            </a:bodyPr>
+            <a:lstStyle/>
+            <a:p>
+              <a:pPr indent="0" lvl="0" marL="0" rtl="0" algn="l">
+                <a:spcBef>
+                  <a:spcPts val="0"/>
+                </a:spcBef>
+                <a:spcAft>
+                  <a:spcPts val="0"/>
+                </a:spcAft>
+                <a:buNone/>
+              </a:pPr>
+              <a:r>
+                <a:t/>
+              </a:r>
+              <a:endParaRPr/>
+            </a:p>
+          </p:txBody>
+        </p:sp>
+        <p:sp>
+          <p:nvSpPr>
+            <p:cNvPr id="29" name="Google Shape;29;p4"/>
+            <p:cNvSpPr/>
+            <p:nvPr/>
+          </p:nvSpPr>
+          <p:spPr>
+            <a:xfrm>
+              <a:off x="2743200" y="2386584"/>
+              <a:ext cx="6400800" cy="91500"/>
+            </a:xfrm>
+            <a:prstGeom prst="rect">
+              <a:avLst/>
+            </a:prstGeom>
+            <a:solidFill>
+              <a:schemeClr val="accent4"/>
+            </a:solidFill>
+            <a:ln>
+              <a:noFill/>
+            </a:ln>
+          </p:spPr>
+          <p:txBody>
+            <a:bodyPr anchorCtr="0" anchor="ctr" bIns="91425" lIns="91425" spcFirstLastPara="1" rIns="91425" wrap="square" tIns="91425">
+              <a:noAutofit/>
+            </a:bodyPr>
+            <a:lstStyle/>
+            <a:p>
+              <a:pPr indent="0" lvl="0" marL="0" rtl="0" algn="l">
+                <a:spcBef>
+                  <a:spcPts val="0"/>
+                </a:spcBef>
+                <a:spcAft>
+                  <a:spcPts val="0"/>
+                </a:spcAft>
+                <a:buNone/>
+              </a:pPr>
+              <a:r>
+                <a:t/>
+              </a:r>
+              <a:endParaRPr/>
+            </a:p>
+          </p:txBody>
+        </p:sp>
+      </p:grpSp>
     </p:spTree>
   </p:cSld>
   <p:clrMapOvr>
@@ -3577,7 +4087,7 @@
   <p:cSld name="TITLE_AND_TWO_COLUMNS">
     <p:spTree>
       <p:nvGrpSpPr>
-        <p:cNvPr id="21" name="Shape 21"/>
+        <p:cNvPr id="30" name="Shape 30"/>
         <p:cNvGrpSpPr/>
         <p:nvPr/>
       </p:nvGrpSpPr>
@@ -3591,7 +4101,7 @@
       </p:grpSpPr>
       <p:sp>
         <p:nvSpPr>
-          <p:cNvPr id="22" name="Google Shape;22;p5"/>
+          <p:cNvPr id="31" name="Google Shape;31;p5"/>
           <p:cNvSpPr txBox="1"/>
           <p:nvPr>
             <p:ph type="title"/>
@@ -3719,7 +4229,7 @@
       </p:sp>
       <p:sp>
         <p:nvSpPr>
-          <p:cNvPr id="23" name="Google Shape;23;p5"/>
+          <p:cNvPr id="32" name="Google Shape;32;p5"/>
           <p:cNvSpPr txBox="1"/>
           <p:nvPr>
             <p:ph idx="1" type="body"/>
@@ -3844,7 +4354,7 @@
       </p:sp>
       <p:sp>
         <p:nvSpPr>
-          <p:cNvPr id="24" name="Google Shape;24;p5"/>
+          <p:cNvPr id="33" name="Google Shape;33;p5"/>
           <p:cNvSpPr txBox="1"/>
           <p:nvPr>
             <p:ph idx="2" type="body"/>
@@ -3969,50 +4479,7 @@
       </p:sp>
       <p:sp>
         <p:nvSpPr>
-          <p:cNvPr id="25" name="Google Shape;25;p5"/>
-          <p:cNvSpPr/>
-          <p:nvPr/>
-        </p:nvSpPr>
-        <p:spPr>
-          <a:xfrm>
-            <a:off x="0" y="685800"/>
-            <a:ext cx="9144000" cy="91500"/>
-          </a:xfrm>
-          <a:prstGeom prst="rect">
-            <a:avLst/>
-          </a:prstGeom>
-          <a:solidFill>
-            <a:schemeClr val="accent4"/>
-          </a:solidFill>
-          <a:ln>
-            <a:noFill/>
-          </a:ln>
-        </p:spPr>
-        <p:txBody>
-          <a:bodyPr anchorCtr="0" anchor="ctr" bIns="91425" lIns="91425" spcFirstLastPara="1" rIns="91425" wrap="square" tIns="91425">
-            <a:noAutofit/>
-          </a:bodyPr>
-          <a:lstStyle/>
-          <a:p>
-            <a:pPr indent="0" lvl="0" marL="0" rtl="0" algn="l">
-              <a:spcBef>
-                <a:spcPts val="0"/>
-              </a:spcBef>
-              <a:spcAft>
-                <a:spcPts val="0"/>
-              </a:spcAft>
-              <a:buNone/>
-            </a:pPr>
-            <a:r>
-              <a:t/>
-            </a:r>
-            <a:endParaRPr/>
-          </a:p>
-        </p:txBody>
-      </p:sp>
-      <p:sp>
-        <p:nvSpPr>
-          <p:cNvPr id="26" name="Google Shape;26;p5"/>
+          <p:cNvPr id="34" name="Google Shape;34;p5"/>
           <p:cNvSpPr txBox="1"/>
           <p:nvPr>
             <p:ph idx="12" type="sldNum"/>
@@ -4020,8 +4487,8 @@
         </p:nvSpPr>
         <p:spPr>
           <a:xfrm>
-            <a:off x="7315209" y="4229101"/>
-            <a:ext cx="1828800" cy="914400"/>
+            <a:off x="7315202" y="4416550"/>
+            <a:ext cx="1828800" cy="731400"/>
           </a:xfrm>
           <a:prstGeom prst="rect">
             <a:avLst/>
@@ -4032,73 +4499,73 @@
             <a:noAutofit/>
           </a:bodyPr>
           <a:lstStyle>
-            <a:lvl1pPr lvl="0" rtl="0" algn="r">
-              <a:buNone/>
-              <a:defRPr b="1" sz="2400">
+            <a:lvl1pPr lvl="0">
+              <a:buNone/>
+              <a:defRPr>
                 <a:solidFill>
                   <a:schemeClr val="dk1"/>
                 </a:solidFill>
               </a:defRPr>
             </a:lvl1pPr>
-            <a:lvl2pPr lvl="1" rtl="0" algn="r">
-              <a:buNone/>
-              <a:defRPr b="1" sz="2400">
+            <a:lvl2pPr lvl="1">
+              <a:buNone/>
+              <a:defRPr>
                 <a:solidFill>
                   <a:schemeClr val="dk1"/>
                 </a:solidFill>
               </a:defRPr>
             </a:lvl2pPr>
-            <a:lvl3pPr lvl="2" rtl="0" algn="r">
-              <a:buNone/>
-              <a:defRPr b="1" sz="2400">
+            <a:lvl3pPr lvl="2">
+              <a:buNone/>
+              <a:defRPr>
                 <a:solidFill>
                   <a:schemeClr val="dk1"/>
                 </a:solidFill>
               </a:defRPr>
             </a:lvl3pPr>
-            <a:lvl4pPr lvl="3" rtl="0" algn="r">
-              <a:buNone/>
-              <a:defRPr b="1" sz="2400">
+            <a:lvl4pPr lvl="3">
+              <a:buNone/>
+              <a:defRPr>
                 <a:solidFill>
                   <a:schemeClr val="dk1"/>
                 </a:solidFill>
               </a:defRPr>
             </a:lvl4pPr>
-            <a:lvl5pPr lvl="4" rtl="0" algn="r">
-              <a:buNone/>
-              <a:defRPr b="1" sz="2400">
+            <a:lvl5pPr lvl="4">
+              <a:buNone/>
+              <a:defRPr>
                 <a:solidFill>
                   <a:schemeClr val="dk1"/>
                 </a:solidFill>
               </a:defRPr>
             </a:lvl5pPr>
-            <a:lvl6pPr lvl="5" rtl="0" algn="r">
-              <a:buNone/>
-              <a:defRPr b="1" sz="2400">
+            <a:lvl6pPr lvl="5">
+              <a:buNone/>
+              <a:defRPr>
                 <a:solidFill>
                   <a:schemeClr val="dk1"/>
                 </a:solidFill>
               </a:defRPr>
             </a:lvl6pPr>
-            <a:lvl7pPr lvl="6" rtl="0" algn="r">
-              <a:buNone/>
-              <a:defRPr b="1" sz="2400">
+            <a:lvl7pPr lvl="6">
+              <a:buNone/>
+              <a:defRPr>
                 <a:solidFill>
                   <a:schemeClr val="dk1"/>
                 </a:solidFill>
               </a:defRPr>
             </a:lvl7pPr>
-            <a:lvl8pPr lvl="7" rtl="0" algn="r">
-              <a:buNone/>
-              <a:defRPr b="1" sz="2400">
+            <a:lvl8pPr lvl="7">
+              <a:buNone/>
+              <a:defRPr>
                 <a:solidFill>
                   <a:schemeClr val="dk1"/>
                 </a:solidFill>
               </a:defRPr>
             </a:lvl8pPr>
-            <a:lvl9pPr lvl="8" rtl="0" algn="r">
-              <a:buNone/>
-              <a:defRPr b="1" sz="2400">
+            <a:lvl9pPr lvl="8">
+              <a:buNone/>
+              <a:defRPr>
                 <a:solidFill>
                   <a:schemeClr val="dk1"/>
                 </a:solidFill>
@@ -4137,18 +4604,166 @@
               <a:buNone/>
             </a:pPr>
             <a:r>
-              <a:rPr b="0" lang="en" sz="1000" u="sng">
+              <a:rPr b="0" lang="en" sz="900" u="sng">
                 <a:solidFill>
                   <a:schemeClr val="hlink"/>
                 </a:solidFill>
                 <a:hlinkClick r:id="rId2"/>
               </a:rPr>
-              <a:t>https://profriehle.com</a:t>
-            </a:r>
-            <a:endParaRPr b="0" sz="1000"/>
+              <a:t>https://oss.cs.fau.de</a:t>
+            </a:r>
+            <a:endParaRPr>
+              <a:solidFill>
+                <a:schemeClr val="dk2"/>
+              </a:solidFill>
+            </a:endParaRPr>
           </a:p>
         </p:txBody>
       </p:sp>
+      <p:grpSp>
+        <p:nvGrpSpPr>
+          <p:cNvPr id="35" name="Google Shape;35;p5"/>
+          <p:cNvGrpSpPr/>
+          <p:nvPr/>
+        </p:nvGrpSpPr>
+        <p:grpSpPr>
+          <a:xfrm>
+            <a:off x="0" y="685800"/>
+            <a:ext cx="9144000" cy="91500"/>
+            <a:chOff x="0" y="2386584"/>
+            <a:chExt cx="9144000" cy="91500"/>
+          </a:xfrm>
+        </p:grpSpPr>
+        <p:sp>
+          <p:nvSpPr>
+            <p:cNvPr id="36" name="Google Shape;36;p5"/>
+            <p:cNvSpPr/>
+            <p:nvPr/>
+          </p:nvSpPr>
+          <p:spPr>
+            <a:xfrm>
+              <a:off x="0" y="2386584"/>
+              <a:ext cx="914400" cy="91500"/>
+            </a:xfrm>
+            <a:prstGeom prst="rect">
+              <a:avLst/>
+            </a:prstGeom>
+            <a:solidFill>
+              <a:schemeClr val="accent2"/>
+            </a:solidFill>
+            <a:ln>
+              <a:noFill/>
+            </a:ln>
+          </p:spPr>
+          <p:txBody>
+            <a:bodyPr anchorCtr="0" anchor="ctr" bIns="91425" lIns="91425" spcFirstLastPara="1" rIns="91425" wrap="square" tIns="91425">
+              <a:noAutofit/>
+            </a:bodyPr>
+            <a:lstStyle/>
+            <a:p>
+              <a:pPr indent="0" lvl="0" marL="0" rtl="0" algn="l">
+                <a:spcBef>
+                  <a:spcPts val="0"/>
+                </a:spcBef>
+                <a:spcAft>
+                  <a:spcPts val="0"/>
+                </a:spcAft>
+                <a:buNone/>
+              </a:pPr>
+              <a:r>
+                <a:t/>
+              </a:r>
+              <a:endParaRPr/>
+            </a:p>
+          </p:txBody>
+        </p:sp>
+        <p:sp>
+          <p:nvSpPr>
+            <p:cNvPr id="37" name="Google Shape;37;p5"/>
+            <p:cNvSpPr/>
+            <p:nvPr/>
+          </p:nvSpPr>
+          <p:spPr>
+            <a:xfrm>
+              <a:off x="914400" y="2386584"/>
+              <a:ext cx="1828800" cy="91500"/>
+            </a:xfrm>
+            <a:prstGeom prst="rect">
+              <a:avLst/>
+            </a:prstGeom>
+            <a:solidFill>
+              <a:schemeClr val="accent3"/>
+            </a:solidFill>
+            <a:ln>
+              <a:noFill/>
+            </a:ln>
+          </p:spPr>
+          <p:txBody>
+            <a:bodyPr anchorCtr="0" anchor="ctr" bIns="91425" lIns="91425" spcFirstLastPara="1" rIns="91425" wrap="square" tIns="91425">
+              <a:noAutofit/>
+            </a:bodyPr>
+            <a:lstStyle/>
+            <a:p>
+              <a:pPr indent="0" lvl="0" marL="0" rtl="0" algn="l">
+                <a:spcBef>
+                  <a:spcPts val="0"/>
+                </a:spcBef>
+                <a:spcAft>
+                  <a:spcPts val="0"/>
+                </a:spcAft>
+                <a:buNone/>
+              </a:pPr>
+              <a:r>
+                <a:t/>
+              </a:r>
+              <a:endParaRPr/>
+            </a:p>
+          </p:txBody>
+        </p:sp>
+        <p:sp>
+          <p:nvSpPr>
+            <p:cNvPr id="38" name="Google Shape;38;p5"/>
+            <p:cNvSpPr/>
+            <p:nvPr/>
+          </p:nvSpPr>
+          <p:spPr>
+            <a:xfrm>
+              <a:off x="2743200" y="2386584"/>
+              <a:ext cx="6400800" cy="91500"/>
+            </a:xfrm>
+            <a:prstGeom prst="rect">
+              <a:avLst/>
+            </a:prstGeom>
+            <a:solidFill>
+              <a:schemeClr val="accent4"/>
+            </a:solidFill>
+            <a:ln>
+              <a:noFill/>
+            </a:ln>
+          </p:spPr>
+          <p:txBody>
+            <a:bodyPr anchorCtr="0" anchor="ctr" bIns="91425" lIns="91425" spcFirstLastPara="1" rIns="91425" wrap="square" tIns="91425">
+              <a:noAutofit/>
+            </a:bodyPr>
+            <a:lstStyle/>
+            <a:p>
+              <a:pPr indent="0" lvl="0" marL="0" rtl="0" algn="l">
+                <a:spcBef>
+                  <a:spcPts val="0"/>
+                </a:spcBef>
+                <a:spcAft>
+                  <a:spcPts val="0"/>
+                </a:spcAft>
+                <a:buNone/>
+              </a:pPr>
+              <a:r>
+                <a:t/>
+              </a:r>
+              <a:endParaRPr/>
+            </a:p>
+          </p:txBody>
+        </p:sp>
+      </p:grpSp>
     </p:spTree>
   </p:cSld>
   <p:clrMapOvr>
@@ -4162,7 +4777,7 @@
   <p:cSld name="TITLE_ONLY">
     <p:spTree>
       <p:nvGrpSpPr>
-        <p:cNvPr id="27" name="Shape 27"/>
+        <p:cNvPr id="39" name="Shape 39"/>
         <p:cNvGrpSpPr/>
         <p:nvPr/>
       </p:nvGrpSpPr>
@@ -4176,7 +4791,7 @@
       </p:grpSpPr>
       <p:sp>
         <p:nvSpPr>
-          <p:cNvPr id="28" name="Google Shape;28;p6"/>
+          <p:cNvPr id="40" name="Google Shape;40;p6"/>
           <p:cNvSpPr txBox="1"/>
           <p:nvPr>
             <p:ph type="title"/>
@@ -4301,50 +4916,7 @@
       </p:sp>
       <p:sp>
         <p:nvSpPr>
-          <p:cNvPr id="29" name="Google Shape;29;p6"/>
-          <p:cNvSpPr/>
-          <p:nvPr/>
-        </p:nvSpPr>
-        <p:spPr>
-          <a:xfrm>
-            <a:off x="0" y="685800"/>
-            <a:ext cx="9144000" cy="91500"/>
-          </a:xfrm>
-          <a:prstGeom prst="rect">
-            <a:avLst/>
-          </a:prstGeom>
-          <a:solidFill>
-            <a:schemeClr val="accent4"/>
-          </a:solidFill>
-          <a:ln>
-            <a:noFill/>
-          </a:ln>
-        </p:spPr>
-        <p:txBody>
-          <a:bodyPr anchorCtr="0" anchor="ctr" bIns="91425" lIns="91425" spcFirstLastPara="1" rIns="91425" wrap="square" tIns="91425">
-            <a:noAutofit/>
-          </a:bodyPr>
-          <a:lstStyle/>
-          <a:p>
-            <a:pPr indent="0" lvl="0" marL="0" rtl="0" algn="l">
-              <a:spcBef>
-                <a:spcPts val="0"/>
-              </a:spcBef>
-              <a:spcAft>
-                <a:spcPts val="0"/>
-              </a:spcAft>
-              <a:buNone/>
-            </a:pPr>
-            <a:r>
-              <a:t/>
-            </a:r>
-            <a:endParaRPr/>
-          </a:p>
-        </p:txBody>
-      </p:sp>
-      <p:sp>
-        <p:nvSpPr>
-          <p:cNvPr id="30" name="Google Shape;30;p6"/>
+          <p:cNvPr id="41" name="Google Shape;41;p6"/>
           <p:cNvSpPr txBox="1"/>
           <p:nvPr>
             <p:ph idx="12" type="sldNum"/>
@@ -4352,8 +4924,8 @@
         </p:nvSpPr>
         <p:spPr>
           <a:xfrm>
-            <a:off x="7315209" y="4229101"/>
-            <a:ext cx="1828800" cy="914400"/>
+            <a:off x="7315202" y="4416550"/>
+            <a:ext cx="1828800" cy="731400"/>
           </a:xfrm>
           <a:prstGeom prst="rect">
             <a:avLst/>
@@ -4364,73 +4936,73 @@
             <a:noAutofit/>
           </a:bodyPr>
           <a:lstStyle>
-            <a:lvl1pPr lvl="0" rtl="0" algn="r">
-              <a:buNone/>
-              <a:defRPr b="1" sz="2400">
+            <a:lvl1pPr lvl="0">
+              <a:buNone/>
+              <a:defRPr>
                 <a:solidFill>
                   <a:schemeClr val="dk1"/>
                 </a:solidFill>
               </a:defRPr>
             </a:lvl1pPr>
-            <a:lvl2pPr lvl="1" rtl="0" algn="r">
-              <a:buNone/>
-              <a:defRPr b="1" sz="2400">
+            <a:lvl2pPr lvl="1">
+              <a:buNone/>
+              <a:defRPr>
                 <a:solidFill>
                   <a:schemeClr val="dk1"/>
                 </a:solidFill>
               </a:defRPr>
             </a:lvl2pPr>
-            <a:lvl3pPr lvl="2" rtl="0" algn="r">
-              <a:buNone/>
-              <a:defRPr b="1" sz="2400">
+            <a:lvl3pPr lvl="2">
+              <a:buNone/>
+              <a:defRPr>
                 <a:solidFill>
                   <a:schemeClr val="dk1"/>
                 </a:solidFill>
               </a:defRPr>
             </a:lvl3pPr>
-            <a:lvl4pPr lvl="3" rtl="0" algn="r">
-              <a:buNone/>
-              <a:defRPr b="1" sz="2400">
+            <a:lvl4pPr lvl="3">
+              <a:buNone/>
+              <a:defRPr>
                 <a:solidFill>
                   <a:schemeClr val="dk1"/>
                 </a:solidFill>
               </a:defRPr>
             </a:lvl4pPr>
-            <a:lvl5pPr lvl="4" rtl="0" algn="r">
-              <a:buNone/>
-              <a:defRPr b="1" sz="2400">
+            <a:lvl5pPr lvl="4">
+              <a:buNone/>
+              <a:defRPr>
                 <a:solidFill>
                   <a:schemeClr val="dk1"/>
                 </a:solidFill>
               </a:defRPr>
             </a:lvl5pPr>
-            <a:lvl6pPr lvl="5" rtl="0" algn="r">
-              <a:buNone/>
-              <a:defRPr b="1" sz="2400">
+            <a:lvl6pPr lvl="5">
+              <a:buNone/>
+              <a:defRPr>
                 <a:solidFill>
                   <a:schemeClr val="dk1"/>
                 </a:solidFill>
               </a:defRPr>
             </a:lvl6pPr>
-            <a:lvl7pPr lvl="6" rtl="0" algn="r">
-              <a:buNone/>
-              <a:defRPr b="1" sz="2400">
+            <a:lvl7pPr lvl="6">
+              <a:buNone/>
+              <a:defRPr>
                 <a:solidFill>
                   <a:schemeClr val="dk1"/>
                 </a:solidFill>
               </a:defRPr>
             </a:lvl7pPr>
-            <a:lvl8pPr lvl="7" rtl="0" algn="r">
-              <a:buNone/>
-              <a:defRPr b="1" sz="2400">
+            <a:lvl8pPr lvl="7">
+              <a:buNone/>
+              <a:defRPr>
                 <a:solidFill>
                   <a:schemeClr val="dk1"/>
                 </a:solidFill>
               </a:defRPr>
             </a:lvl8pPr>
-            <a:lvl9pPr lvl="8" rtl="0" algn="r">
-              <a:buNone/>
-              <a:defRPr b="1" sz="2400">
+            <a:lvl9pPr lvl="8">
+              <a:buNone/>
+              <a:defRPr>
                 <a:solidFill>
                   <a:schemeClr val="dk1"/>
                 </a:solidFill>
@@ -4461,26 +5033,177 @@
               <a:spcAft>
                 <a:spcPts val="0"/>
               </a:spcAft>
-              <a:buClr>
-                <a:schemeClr val="dk1"/>
-              </a:buClr>
-              <a:buSzPts val="1100"/>
-              <a:buFont typeface="Arial"/>
-              <a:buNone/>
-            </a:pPr>
-            <a:r>
-              <a:rPr b="0" lang="en" sz="1000" u="sng">
+              <a:buNone/>
+            </a:pPr>
+            <a:r>
+              <a:rPr b="0" lang="en" sz="900" u="sng">
                 <a:solidFill>
                   <a:schemeClr val="hlink"/>
                 </a:solidFill>
                 <a:hlinkClick r:id="rId2"/>
               </a:rPr>
-              <a:t>https://profriehle.com</a:t>
-            </a:r>
-            <a:endParaRPr b="0" sz="1000"/>
+              <a:t>https://oss.cs.fau.de</a:t>
+            </a:r>
+            <a:r>
+              <a:rPr b="0" lang="en" sz="900">
+                <a:solidFill>
+                  <a:schemeClr val="dk2"/>
+                </a:solidFill>
+              </a:rPr>
+              <a:t> </a:t>
+            </a:r>
+            <a:endParaRPr>
+              <a:solidFill>
+                <a:schemeClr val="dk2"/>
+              </a:solidFill>
+            </a:endParaRPr>
           </a:p>
         </p:txBody>
       </p:sp>
+      <p:grpSp>
+        <p:nvGrpSpPr>
+          <p:cNvPr id="42" name="Google Shape;42;p6"/>
+          <p:cNvGrpSpPr/>
+          <p:nvPr/>
+        </p:nvGrpSpPr>
+        <p:grpSpPr>
+          <a:xfrm>
+            <a:off x="0" y="685800"/>
+            <a:ext cx="9144000" cy="91500"/>
+            <a:chOff x="0" y="2386584"/>
+            <a:chExt cx="9144000" cy="91500"/>
+          </a:xfrm>
+        </p:grpSpPr>
+        <p:sp>
+          <p:nvSpPr>
+            <p:cNvPr id="43" name="Google Shape;43;p6"/>
+            <p:cNvSpPr/>
+            <p:nvPr/>
+          </p:nvSpPr>
+          <p:spPr>
+            <a:xfrm>
+              <a:off x="0" y="2386584"/>
+              <a:ext cx="914400" cy="91500"/>
+            </a:xfrm>
+            <a:prstGeom prst="rect">
+              <a:avLst/>
+            </a:prstGeom>
+            <a:solidFill>
+              <a:schemeClr val="accent2"/>
+            </a:solidFill>
+            <a:ln>
+              <a:noFill/>
+            </a:ln>
+          </p:spPr>
+          <p:txBody>
+            <a:bodyPr anchorCtr="0" anchor="ctr" bIns="91425" lIns="91425" spcFirstLastPara="1" rIns="91425" wrap="square" tIns="91425">
+              <a:noAutofit/>
+            </a:bodyPr>
+            <a:lstStyle/>
+            <a:p>
+              <a:pPr indent="0" lvl="0" marL="0" rtl="0" algn="l">
+                <a:spcBef>
+                  <a:spcPts val="0"/>
+                </a:spcBef>
+                <a:spcAft>
+                  <a:spcPts val="0"/>
+                </a:spcAft>
+                <a:buNone/>
+              </a:pPr>
+              <a:r>
+                <a:t/>
+              </a:r>
+              <a:endParaRPr/>
+            </a:p>
+          </p:txBody>
+        </p:sp>
+        <p:sp>
+          <p:nvSpPr>
+            <p:cNvPr id="44" name="Google Shape;44;p6"/>
+            <p:cNvSpPr/>
+            <p:nvPr/>
+          </p:nvSpPr>
+          <p:spPr>
+            <a:xfrm>
+              <a:off x="914400" y="2386584"/>
+              <a:ext cx="1828800" cy="91500"/>
+            </a:xfrm>
+            <a:prstGeom prst="rect">
+              <a:avLst/>
+            </a:prstGeom>
+            <a:solidFill>
+              <a:schemeClr val="accent3"/>
+            </a:solidFill>
+            <a:ln>
+              <a:noFill/>
+            </a:ln>
+          </p:spPr>
+          <p:txBody>
+            <a:bodyPr anchorCtr="0" anchor="ctr" bIns="91425" lIns="91425" spcFirstLastPara="1" rIns="91425" wrap="square" tIns="91425">
+              <a:noAutofit/>
+            </a:bodyPr>
+            <a:lstStyle/>
+            <a:p>
+              <a:pPr indent="0" lvl="0" marL="0" rtl="0" algn="l">
+                <a:spcBef>
+                  <a:spcPts val="0"/>
+                </a:spcBef>
+                <a:spcAft>
+                  <a:spcPts val="0"/>
+                </a:spcAft>
+                <a:buNone/>
+              </a:pPr>
+              <a:r>
+                <a:t/>
+              </a:r>
+              <a:endParaRPr/>
+            </a:p>
+          </p:txBody>
+        </p:sp>
+        <p:sp>
+          <p:nvSpPr>
+            <p:cNvPr id="45" name="Google Shape;45;p6"/>
+            <p:cNvSpPr/>
+            <p:nvPr/>
+          </p:nvSpPr>
+          <p:spPr>
+            <a:xfrm>
+              <a:off x="2743200" y="2386584"/>
+              <a:ext cx="6400800" cy="91500"/>
+            </a:xfrm>
+            <a:prstGeom prst="rect">
+              <a:avLst/>
+            </a:prstGeom>
+            <a:solidFill>
+              <a:schemeClr val="accent4"/>
+            </a:solidFill>
+            <a:ln>
+              <a:noFill/>
+            </a:ln>
+          </p:spPr>
+          <p:txBody>
+            <a:bodyPr anchorCtr="0" anchor="ctr" bIns="91425" lIns="91425" spcFirstLastPara="1" rIns="91425" wrap="square" tIns="91425">
+              <a:noAutofit/>
+            </a:bodyPr>
+            <a:lstStyle/>
+            <a:p>
+              <a:pPr indent="0" lvl="0" marL="0" rtl="0" algn="l">
+                <a:spcBef>
+                  <a:spcPts val="0"/>
+                </a:spcBef>
+                <a:spcAft>
+                  <a:spcPts val="0"/>
+                </a:spcAft>
+                <a:buNone/>
+              </a:pPr>
+              <a:r>
+                <a:t/>
+              </a:r>
+              <a:endParaRPr/>
+            </a:p>
+          </p:txBody>
+        </p:sp>
+      </p:grpSp>
     </p:spTree>
   </p:cSld>
   <p:clrMapOvr>
@@ -4494,7 +5217,7 @@
   <p:cSld name="BLANK">
     <p:spTree>
       <p:nvGrpSpPr>
-        <p:cNvPr id="31" name="Shape 31"/>
+        <p:cNvPr id="46" name="Shape 46"/>
         <p:cNvGrpSpPr/>
         <p:nvPr/>
       </p:nvGrpSpPr>
@@ -4959,8 +5682,8 @@
         </p:nvSpPr>
         <p:spPr>
           <a:xfrm>
-            <a:off x="7315209" y="4229101"/>
-            <a:ext cx="1828800" cy="914400"/>
+            <a:off x="7315202" y="4416550"/>
+            <a:ext cx="1828800" cy="731400"/>
           </a:xfrm>
           <a:prstGeom prst="rect">
             <a:avLst/>
@@ -4979,7 +5702,7 @@
               <a:buNone/>
               <a:defRPr b="1" sz="2400">
                 <a:solidFill>
-                  <a:schemeClr val="dk1"/>
+                  <a:schemeClr val="dk2"/>
                 </a:solidFill>
               </a:defRPr>
             </a:lvl1pPr>
@@ -4987,7 +5710,7 @@
               <a:buNone/>
               <a:defRPr b="1" sz="2400">
                 <a:solidFill>
-                  <a:schemeClr val="dk1"/>
+                  <a:schemeClr val="dk2"/>
                 </a:solidFill>
               </a:defRPr>
             </a:lvl2pPr>
@@ -4995,7 +5718,7 @@
               <a:buNone/>
               <a:defRPr b="1" sz="2400">
                 <a:solidFill>
-                  <a:schemeClr val="dk1"/>
+                  <a:schemeClr val="dk2"/>
                 </a:solidFill>
               </a:defRPr>
             </a:lvl3pPr>
@@ -5003,7 +5726,7 @@
               <a:buNone/>
               <a:defRPr b="1" sz="2400">
                 <a:solidFill>
-                  <a:schemeClr val="dk1"/>
+                  <a:schemeClr val="dk2"/>
                 </a:solidFill>
               </a:defRPr>
             </a:lvl4pPr>
@@ -5011,7 +5734,7 @@
               <a:buNone/>
               <a:defRPr b="1" sz="2400">
                 <a:solidFill>
-                  <a:schemeClr val="dk1"/>
+                  <a:schemeClr val="dk2"/>
                 </a:solidFill>
               </a:defRPr>
             </a:lvl5pPr>
@@ -5019,7 +5742,7 @@
               <a:buNone/>
               <a:defRPr b="1" sz="2400">
                 <a:solidFill>
-                  <a:schemeClr val="dk1"/>
+                  <a:schemeClr val="dk2"/>
                 </a:solidFill>
               </a:defRPr>
             </a:lvl6pPr>
@@ -5027,7 +5750,7 @@
               <a:buNone/>
               <a:defRPr b="1" sz="2400">
                 <a:solidFill>
-                  <a:schemeClr val="dk1"/>
+                  <a:schemeClr val="dk2"/>
                 </a:solidFill>
               </a:defRPr>
             </a:lvl7pPr>
@@ -5035,7 +5758,7 @@
               <a:buNone/>
               <a:defRPr b="1" sz="2400">
                 <a:solidFill>
-                  <a:schemeClr val="dk1"/>
+                  <a:schemeClr val="dk2"/>
                 </a:solidFill>
               </a:defRPr>
             </a:lvl8pPr>
@@ -5043,7 +5766,7 @@
               <a:buNone/>
               <a:defRPr b="1" sz="2400">
                 <a:solidFill>
-                  <a:schemeClr val="dk1"/>
+                  <a:schemeClr val="dk2"/>
                 </a:solidFill>
               </a:defRPr>
             </a:lvl9pPr>
@@ -5075,19 +5798,19 @@
               <a:buNone/>
             </a:pPr>
             <a:r>
-              <a:rPr b="0" lang="en" sz="1000" u="sng">
+              <a:rPr b="0" lang="en" sz="900" u="sng">
                 <a:solidFill>
                   <a:schemeClr val="hlink"/>
                 </a:solidFill>
                 <a:hlinkClick r:id="rId1"/>
               </a:rPr>
-              <a:t>https://profriehle.com</a:t>
-            </a:r>
-            <a:r>
-              <a:rPr b="0" lang="en" sz="1000"/>
-              <a:t>  </a:t>
-            </a:r>
-            <a:endParaRPr b="0" sz="1000"/>
+              <a:t>https://oss.cs.fau.de</a:t>
+            </a:r>
+            <a:r>
+              <a:rPr b="0" lang="en" sz="900"/>
+              <a:t> </a:t>
+            </a:r>
+            <a:endParaRPr b="0" sz="900"/>
           </a:p>
         </p:txBody>
       </p:sp>
@@ -5800,7 +6523,7 @@
   <p:cSld>
     <p:spTree>
       <p:nvGrpSpPr>
-        <p:cNvPr id="35" name="Shape 35"/>
+        <p:cNvPr id="50" name="Shape 50"/>
         <p:cNvGrpSpPr/>
         <p:nvPr/>
       </p:nvGrpSpPr>
@@ -5814,7 +6537,7 @@
       </p:grpSpPr>
       <p:sp>
         <p:nvSpPr>
-          <p:cNvPr id="36" name="Google Shape;36;p8"/>
+          <p:cNvPr id="51" name="Google Shape;51;p8"/>
           <p:cNvSpPr txBox="1"/>
           <p:nvPr>
             <p:ph type="ctrTitle"/>
@@ -5842,32 +6565,18 @@
               <a:spcAft>
                 <a:spcPts val="0"/>
               </a:spcAft>
-              <a:buClr>
-                <a:schemeClr val="dk1"/>
-              </a:buClr>
-              <a:buSzPts val="1100"/>
-              <a:buFont typeface="Arial"/>
-              <a:buNone/>
-            </a:pPr>
-            <a:r>
-              <a:rPr lang="en"/>
-              <a:t>Introduction to ADAP</a:t>
-            </a:r>
-            <a:endParaRPr/>
-          </a:p>
-          <a:p>
-            <a:pPr indent="0" lvl="0" marL="0" rtl="0" algn="ctr">
-              <a:spcBef>
-                <a:spcPts val="0"/>
-              </a:spcBef>
-              <a:spcAft>
-                <a:spcPts val="0"/>
-              </a:spcAft>
-              <a:buNone/>
-            </a:pPr>
-            <a:r>
-              <a:rPr lang="en" sz="3200"/>
-              <a:t>(Advanced Design and Programming)</a:t>
+              <a:buNone/>
+            </a:pPr>
+            <a:r>
+              <a:rPr lang="en"/>
+              <a:t>Introduction to Advanced</a:t>
+            </a:r>
+            <a:br>
+              <a:rPr lang="en"/>
+            </a:br>
+            <a:r>
+              <a:rPr lang="en"/>
+              <a:t>Design and Programming</a:t>
             </a:r>
             <a:endParaRPr/>
           </a:p>
@@ -5875,7 +6584,7 @@
       </p:sp>
       <p:sp>
         <p:nvSpPr>
-          <p:cNvPr id="37" name="Google Shape;37;p8"/>
+          <p:cNvPr id="52" name="Google Shape;52;p8"/>
           <p:cNvSpPr txBox="1"/>
           <p:nvPr>
             <p:ph idx="1" type="subTitle"/>
@@ -5982,7 +6691,7 @@
   <p:cSld>
     <p:spTree>
       <p:nvGrpSpPr>
-        <p:cNvPr id="101" name="Shape 101"/>
+        <p:cNvPr id="114" name="Shape 114"/>
         <p:cNvGrpSpPr/>
         <p:nvPr/>
       </p:nvGrpSpPr>
@@ -5996,7 +6705,7 @@
       </p:grpSpPr>
       <p:sp>
         <p:nvSpPr>
-          <p:cNvPr id="102" name="Google Shape;102;p17"/>
+          <p:cNvPr id="115" name="Google Shape;115;p17"/>
           <p:cNvSpPr txBox="1"/>
           <p:nvPr>
             <p:ph type="title"/>
@@ -6028,7 +6737,7 @@
             </a:pPr>
             <a:r>
               <a:rPr lang="en"/>
-              <a:t>Course Language [1]</a:t>
+              <a:t>Homework Grading</a:t>
             </a:r>
             <a:endParaRPr/>
           </a:p>
@@ -6036,7 +6745,112 @@
       </p:sp>
       <p:sp>
         <p:nvSpPr>
-          <p:cNvPr id="103" name="Google Shape;103;p17"/>
+          <p:cNvPr id="116" name="Google Shape;116;p17"/>
+          <p:cNvSpPr txBox="1"/>
+          <p:nvPr>
+            <p:ph idx="1" type="body"/>
+          </p:nvPr>
+        </p:nvSpPr>
+        <p:spPr>
+          <a:xfrm>
+            <a:off x="274320" y="914400"/>
+            <a:ext cx="8595300" cy="4114800"/>
+          </a:xfrm>
+          <a:prstGeom prst="rect">
+            <a:avLst/>
+          </a:prstGeom>
+        </p:spPr>
+        <p:txBody>
+          <a:bodyPr anchorCtr="0" anchor="t" bIns="0" lIns="0" spcFirstLastPara="1" rIns="0" wrap="square" tIns="0">
+            <a:noAutofit/>
+          </a:bodyPr>
+          <a:lstStyle/>
+          <a:p>
+            <a:pPr indent="0" lvl="0" marL="0" rtl="0" algn="l">
+              <a:spcBef>
+                <a:spcPts val="0"/>
+              </a:spcBef>
+              <a:spcAft>
+                <a:spcPts val="0"/>
+              </a:spcAft>
+              <a:buNone/>
+            </a:pPr>
+            <a:r>
+              <a:rPr lang="en"/>
+              <a:t>All homework submissions will be weighted equally</a:t>
+            </a:r>
+            <a:endParaRPr/>
+          </a:p>
+          <a:p>
+            <a:pPr indent="-342900" lvl="0" marL="457200" rtl="0" algn="l">
+              <a:spcBef>
+                <a:spcPts val="1200"/>
+              </a:spcBef>
+              <a:spcAft>
+                <a:spcPts val="0"/>
+              </a:spcAft>
+              <a:buSzPts val="1800"/>
+              <a:buChar char="●"/>
+            </a:pPr>
+            <a:r>
+              <a:rPr lang="en"/>
+              <a:t>Each homework will be graded on a [0..10] scale</a:t>
+            </a:r>
+            <a:endParaRPr/>
+          </a:p>
+          <a:p>
+            <a:pPr indent="-342900" lvl="0" marL="457200" rtl="0" algn="l">
+              <a:spcBef>
+                <a:spcPts val="0"/>
+              </a:spcBef>
+              <a:spcAft>
+                <a:spcPts val="0"/>
+              </a:spcAft>
+              <a:buSzPts val="1800"/>
+              <a:buChar char="●"/>
+            </a:pPr>
+            <a:r>
+              <a:rPr lang="en"/>
+              <a:t>There will be 12 homework submissions</a:t>
+            </a:r>
+            <a:endParaRPr/>
+          </a:p>
+          <a:p>
+            <a:pPr indent="0" lvl="0" marL="0" rtl="0" algn="l">
+              <a:spcBef>
+                <a:spcPts val="1200"/>
+              </a:spcBef>
+              <a:spcAft>
+                <a:spcPts val="0"/>
+              </a:spcAft>
+              <a:buNone/>
+            </a:pPr>
+            <a:r>
+              <a:rPr lang="en"/>
+              <a:t>Miss four or more homework assignments and you fail the course</a:t>
+            </a:r>
+            <a:endParaRPr/>
+          </a:p>
+          <a:p>
+            <a:pPr indent="0" lvl="0" marL="0" rtl="0" algn="l">
+              <a:spcBef>
+                <a:spcPts val="1200"/>
+              </a:spcBef>
+              <a:spcAft>
+                <a:spcPts val="1200"/>
+              </a:spcAft>
+              <a:buNone/>
+            </a:pPr>
+            <a:r>
+              <a:t/>
+            </a:r>
+            <a:endParaRPr/>
+          </a:p>
+        </p:txBody>
+      </p:sp>
+      <p:sp>
+        <p:nvSpPr>
+          <p:cNvPr id="117" name="Google Shape;117;p17"/>
           <p:cNvSpPr txBox="1"/>
           <p:nvPr>
             <p:ph idx="12" type="sldNum"/>
@@ -6044,8 +6858,8 @@
         </p:nvSpPr>
         <p:spPr>
           <a:xfrm>
-            <a:off x="7315209" y="4229101"/>
-            <a:ext cx="1828800" cy="914400"/>
+            <a:off x="7315202" y="4416550"/>
+            <a:ext cx="1828800" cy="731400"/>
           </a:xfrm>
           <a:prstGeom prst="rect">
             <a:avLst/>
@@ -6080,227 +6894,30 @@
               <a:spcAft>
                 <a:spcPts val="0"/>
               </a:spcAft>
-              <a:buClr>
-                <a:schemeClr val="dk1"/>
-              </a:buClr>
-              <a:buSzPts val="1100"/>
-              <a:buFont typeface="Arial"/>
-              <a:buNone/>
-            </a:pPr>
-            <a:r>
-              <a:rPr b="0" lang="en" sz="1000" u="sng">
+              <a:buNone/>
+            </a:pPr>
+            <a:r>
+              <a:rPr b="0" lang="en" sz="900" u="sng">
                 <a:solidFill>
                   <a:schemeClr val="hlink"/>
                 </a:solidFill>
                 <a:hlinkClick r:id="rId3"/>
               </a:rPr>
-              <a:t>https://profriehle.com</a:t>
-            </a:r>
-            <a:endParaRPr b="0" sz="1000"/>
-          </a:p>
-        </p:txBody>
-      </p:sp>
-      <p:sp>
-        <p:nvSpPr>
-          <p:cNvPr id="104" name="Google Shape;104;p17"/>
-          <p:cNvSpPr txBox="1"/>
-          <p:nvPr/>
-        </p:nvSpPr>
-        <p:spPr>
-          <a:xfrm>
-            <a:off x="0" y="4229100"/>
-            <a:ext cx="7315200" cy="914400"/>
-          </a:xfrm>
-          <a:prstGeom prst="rect">
-            <a:avLst/>
-          </a:prstGeom>
-          <a:noFill/>
-          <a:ln>
-            <a:noFill/>
-          </a:ln>
-        </p:spPr>
-        <p:txBody>
-          <a:bodyPr anchorCtr="0" anchor="b" bIns="91425" lIns="91425" spcFirstLastPara="1" rIns="91425" wrap="square" tIns="91425">
-            <a:noAutofit/>
-          </a:bodyPr>
-          <a:lstStyle/>
-          <a:p>
-            <a:pPr indent="0" lvl="0" marL="0" rtl="0" algn="l">
-              <a:spcBef>
-                <a:spcPts val="0"/>
-              </a:spcBef>
-              <a:spcAft>
-                <a:spcPts val="0"/>
-              </a:spcAft>
-              <a:buNone/>
-            </a:pPr>
-            <a:r>
-              <a:rPr lang="en"/>
-              <a:t>[1] See </a:t>
-            </a:r>
-            <a:r>
-              <a:rPr lang="en" u="sng">
+              <a:t>https://oss.cs.fau.de</a:t>
+            </a:r>
+            <a:r>
+              <a:rPr b="0" lang="en" sz="900">
                 <a:solidFill>
-                  <a:schemeClr val="hlink"/>
+                  <a:schemeClr val="dk2"/>
                 </a:solidFill>
-                <a:hlinkClick r:id="rId4"/>
               </a:rPr>
-              <a:t>https://oss.cs.fau.de/2012/03/10/english-or-german-deutsch-oder-englisch/</a:t>
-            </a:r>
-            <a:r>
-              <a:rPr lang="en"/>
               <a:t> </a:t>
             </a:r>
-            <a:endParaRPr/>
-          </a:p>
-        </p:txBody>
-      </p:sp>
-      <p:sp>
-        <p:nvSpPr>
-          <p:cNvPr id="105" name="Google Shape;105;p17"/>
-          <p:cNvSpPr txBox="1"/>
-          <p:nvPr>
-            <p:ph idx="1" type="body"/>
-          </p:nvPr>
-        </p:nvSpPr>
-        <p:spPr>
-          <a:xfrm>
-            <a:off x="274320" y="914400"/>
-            <a:ext cx="8595300" cy="4114800"/>
-          </a:xfrm>
-          <a:prstGeom prst="rect">
-            <a:avLst/>
-          </a:prstGeom>
-        </p:spPr>
-        <p:txBody>
-          <a:bodyPr anchorCtr="0" anchor="t" bIns="0" lIns="0" spcFirstLastPara="1" rIns="0" wrap="square" tIns="0">
-            <a:noAutofit/>
-          </a:bodyPr>
-          <a:lstStyle/>
-          <a:p>
-            <a:pPr indent="0" lvl="0" marL="0" rtl="0" algn="l">
-              <a:spcBef>
-                <a:spcPts val="0"/>
-              </a:spcBef>
-              <a:spcAft>
-                <a:spcPts val="0"/>
-              </a:spcAft>
-              <a:buClr>
-                <a:schemeClr val="dk1"/>
-              </a:buClr>
-              <a:buSzPts val="1100"/>
-              <a:buFont typeface="Arial"/>
-              <a:buNone/>
-            </a:pPr>
-            <a:r>
-              <a:rPr b="1" lang="en"/>
-              <a:t>Class</a:t>
-            </a:r>
-            <a:endParaRPr b="1"/>
-          </a:p>
-          <a:p>
-            <a:pPr indent="-342900" lvl="0" marL="457200" rtl="0" algn="l">
-              <a:spcBef>
-                <a:spcPts val="1200"/>
-              </a:spcBef>
-              <a:spcAft>
-                <a:spcPts val="0"/>
-              </a:spcAft>
-              <a:buSzPts val="1800"/>
-              <a:buChar char="●"/>
-            </a:pPr>
-            <a:r>
-              <a:rPr lang="en"/>
-              <a:t>Lecturer: German</a:t>
-            </a:r>
-            <a:endParaRPr/>
-          </a:p>
-          <a:p>
-            <a:pPr indent="-342900" lvl="0" marL="457200" rtl="0" algn="l">
-              <a:spcBef>
-                <a:spcPts val="0"/>
-              </a:spcBef>
-              <a:spcAft>
-                <a:spcPts val="0"/>
-              </a:spcAft>
-              <a:buSzPts val="1800"/>
-              <a:buChar char="●"/>
-            </a:pPr>
-            <a:r>
-              <a:rPr lang="en"/>
-              <a:t>Student: Choice of German or English</a:t>
-            </a:r>
-            <a:endParaRPr/>
-          </a:p>
-          <a:p>
-            <a:pPr indent="0" lvl="0" marL="0" rtl="0" algn="l">
-              <a:spcBef>
-                <a:spcPts val="1200"/>
-              </a:spcBef>
-              <a:spcAft>
-                <a:spcPts val="0"/>
-              </a:spcAft>
-              <a:buClr>
-                <a:schemeClr val="dk1"/>
-              </a:buClr>
-              <a:buSzPts val="1100"/>
-              <a:buFont typeface="Arial"/>
-              <a:buNone/>
-            </a:pPr>
-            <a:r>
-              <a:rPr b="1" lang="en"/>
-              <a:t>Exercise</a:t>
-            </a:r>
-            <a:endParaRPr b="1"/>
-          </a:p>
-          <a:p>
-            <a:pPr indent="-342900" lvl="0" marL="457200" rtl="0" algn="l">
-              <a:spcBef>
-                <a:spcPts val="1200"/>
-              </a:spcBef>
-              <a:spcAft>
-                <a:spcPts val="0"/>
-              </a:spcAft>
-              <a:buSzPts val="1800"/>
-              <a:buChar char="●"/>
-            </a:pPr>
-            <a:r>
-              <a:rPr lang="en"/>
-              <a:t>Instructor: German</a:t>
-            </a:r>
-            <a:endParaRPr/>
-          </a:p>
-          <a:p>
-            <a:pPr indent="-342900" lvl="0" marL="457200" rtl="0" algn="l">
-              <a:spcBef>
-                <a:spcPts val="0"/>
-              </a:spcBef>
-              <a:spcAft>
-                <a:spcPts val="0"/>
-              </a:spcAft>
-              <a:buSzPts val="1800"/>
-              <a:buChar char="●"/>
-            </a:pPr>
-            <a:r>
-              <a:rPr lang="en"/>
-              <a:t>Homework: Choice of German or English</a:t>
-            </a:r>
-            <a:endParaRPr/>
-          </a:p>
-          <a:p>
-            <a:pPr indent="0" lvl="0" marL="0" rtl="0" algn="l">
-              <a:spcBef>
-                <a:spcPts val="1200"/>
-              </a:spcBef>
-              <a:spcAft>
-                <a:spcPts val="1200"/>
-              </a:spcAft>
-              <a:buNone/>
-            </a:pPr>
-            <a:r>
-              <a:t/>
-            </a:r>
-            <a:endParaRPr/>
+            <a:endParaRPr b="0" sz="900">
+              <a:solidFill>
+                <a:schemeClr val="dk2"/>
+              </a:solidFill>
+            </a:endParaRPr>
           </a:p>
         </p:txBody>
       </p:sp>
@@ -6317,7 +6934,7 @@
   <p:cSld>
     <p:spTree>
       <p:nvGrpSpPr>
-        <p:cNvPr id="109" name="Shape 109"/>
+        <p:cNvPr id="121" name="Shape 121"/>
         <p:cNvGrpSpPr/>
         <p:nvPr/>
       </p:nvGrpSpPr>
@@ -6331,7 +6948,7 @@
       </p:grpSpPr>
       <p:sp>
         <p:nvSpPr>
-          <p:cNvPr id="110" name="Google Shape;110;p18"/>
+          <p:cNvPr id="122" name="Google Shape;122;p18"/>
           <p:cNvSpPr txBox="1"/>
           <p:nvPr>
             <p:ph type="title"/>
@@ -6347,7 +6964,7 @@
           </a:prstGeom>
         </p:spPr>
         <p:txBody>
-          <a:bodyPr anchorCtr="0" anchor="ctr" bIns="91425" lIns="274300" spcFirstLastPara="1" rIns="91425" wrap="square" tIns="91425">
+          <a:bodyPr anchorCtr="0" anchor="ctr" bIns="0" lIns="274300" spcFirstLastPara="1" rIns="0" wrap="square" tIns="0">
             <a:noAutofit/>
           </a:bodyPr>
           <a:lstStyle/>
@@ -6363,7 +6980,93 @@
             </a:pPr>
             <a:r>
               <a:rPr lang="en"/>
-              <a:t>Course Participation (Auditing)</a:t>
+              <a:t>No Oral or Written Exam [1] [2]</a:t>
+            </a:r>
+            <a:endParaRPr/>
+          </a:p>
+        </p:txBody>
+      </p:sp>
+      <p:pic>
+        <p:nvPicPr>
+          <p:cNvPr id="123" name="Google Shape;123;p18"/>
+          <p:cNvPicPr preferRelativeResize="0"/>
+          <p:nvPr/>
+        </p:nvPicPr>
+        <p:blipFill>
+          <a:blip r:embed="rId3">
+            <a:alphaModFix/>
+          </a:blip>
+          <a:stretch>
+            <a:fillRect/>
+          </a:stretch>
+        </p:blipFill>
+        <p:spPr>
+          <a:xfrm>
+            <a:off x="2743200" y="914400"/>
+            <a:ext cx="3657601" cy="3649471"/>
+          </a:xfrm>
+          <a:prstGeom prst="rect">
+            <a:avLst/>
+          </a:prstGeom>
+          <a:noFill/>
+          <a:ln>
+            <a:noFill/>
+          </a:ln>
+        </p:spPr>
+      </p:pic>
+      <p:sp>
+        <p:nvSpPr>
+          <p:cNvPr id="124" name="Google Shape;124;p18"/>
+          <p:cNvSpPr txBox="1"/>
+          <p:nvPr/>
+        </p:nvSpPr>
+        <p:spPr>
+          <a:xfrm>
+            <a:off x="0" y="4233675"/>
+            <a:ext cx="7315200" cy="914400"/>
+          </a:xfrm>
+          <a:prstGeom prst="rect">
+            <a:avLst/>
+          </a:prstGeom>
+          <a:noFill/>
+          <a:ln>
+            <a:noFill/>
+          </a:ln>
+        </p:spPr>
+        <p:txBody>
+          <a:bodyPr anchorCtr="0" anchor="b" bIns="91425" lIns="91425" spcFirstLastPara="1" rIns="91425" wrap="square" tIns="91425">
+            <a:noAutofit/>
+          </a:bodyPr>
+          <a:lstStyle/>
+          <a:p>
+            <a:pPr indent="0" lvl="0" marL="0" rtl="0" algn="l">
+              <a:spcBef>
+                <a:spcPts val="0"/>
+              </a:spcBef>
+              <a:spcAft>
+                <a:spcPts val="0"/>
+              </a:spcAft>
+              <a:buNone/>
+            </a:pPr>
+            <a:r>
+              <a:rPr lang="en"/>
+              <a:t>[1] If both you and we don’t want to</a:t>
+            </a:r>
+            <a:endParaRPr/>
+          </a:p>
+          <a:p>
+            <a:pPr indent="0" lvl="0" marL="0" rtl="0" algn="l">
+              <a:spcBef>
+                <a:spcPts val="0"/>
+              </a:spcBef>
+              <a:spcAft>
+                <a:spcPts val="0"/>
+              </a:spcAft>
+              <a:buNone/>
+            </a:pPr>
+            <a:r>
+              <a:rPr lang="en"/>
+              <a:t>[2] You still have to register for the course</a:t>
             </a:r>
             <a:endParaRPr/>
           </a:p>
@@ -6371,63 +7074,7 @@
       </p:sp>
       <p:sp>
         <p:nvSpPr>
-          <p:cNvPr id="111" name="Google Shape;111;p18"/>
-          <p:cNvSpPr txBox="1"/>
-          <p:nvPr>
-            <p:ph idx="1" type="body"/>
-          </p:nvPr>
-        </p:nvSpPr>
-        <p:spPr>
-          <a:xfrm>
-            <a:off x="274320" y="914400"/>
-            <a:ext cx="8595300" cy="4114800"/>
-          </a:xfrm>
-          <a:prstGeom prst="rect">
-            <a:avLst/>
-          </a:prstGeom>
-        </p:spPr>
-        <p:txBody>
-          <a:bodyPr anchorCtr="0" anchor="t" bIns="0" lIns="0" spcFirstLastPara="1" rIns="0" wrap="square" tIns="0">
-            <a:noAutofit/>
-          </a:bodyPr>
-          <a:lstStyle/>
-          <a:p>
-            <a:pPr indent="0" lvl="0" marL="0" rtl="0" algn="l">
-              <a:spcBef>
-                <a:spcPts val="0"/>
-              </a:spcBef>
-              <a:spcAft>
-                <a:spcPts val="0"/>
-              </a:spcAft>
-              <a:buNone/>
-            </a:pPr>
-            <a:r>
-              <a:rPr lang="en"/>
-              <a:t>The course is provided publicly, you can always audit it</a:t>
-            </a:r>
-            <a:endParaRPr/>
-          </a:p>
-          <a:p>
-            <a:pPr indent="0" lvl="0" marL="0" rtl="0" algn="l">
-              <a:spcBef>
-                <a:spcPts val="1200"/>
-              </a:spcBef>
-              <a:spcAft>
-                <a:spcPts val="1200"/>
-              </a:spcAft>
-              <a:buNone/>
-            </a:pPr>
-            <a:r>
-              <a:rPr lang="en"/>
-              <a:t>Auditing will not give you credit points towards a degree</a:t>
-            </a:r>
-            <a:endParaRPr/>
-          </a:p>
-        </p:txBody>
-      </p:sp>
-      <p:sp>
-        <p:nvSpPr>
-          <p:cNvPr id="112" name="Google Shape;112;p18"/>
+          <p:cNvPr id="125" name="Google Shape;125;p18"/>
           <p:cNvSpPr txBox="1"/>
           <p:nvPr>
             <p:ph idx="12" type="sldNum"/>
@@ -6435,8 +7082,8 @@
         </p:nvSpPr>
         <p:spPr>
           <a:xfrm>
-            <a:off x="7315209" y="4229101"/>
-            <a:ext cx="1828800" cy="914400"/>
+            <a:off x="7315202" y="4416550"/>
+            <a:ext cx="1828800" cy="731400"/>
           </a:xfrm>
           <a:prstGeom prst="rect">
             <a:avLst/>
@@ -6471,23 +7118,30 @@
               <a:spcAft>
                 <a:spcPts val="0"/>
               </a:spcAft>
-              <a:buClr>
-                <a:schemeClr val="dk1"/>
-              </a:buClr>
-              <a:buSzPts val="1100"/>
-              <a:buFont typeface="Arial"/>
-              <a:buNone/>
-            </a:pPr>
-            <a:r>
-              <a:rPr b="0" lang="en" sz="1000" u="sng">
+              <a:buNone/>
+            </a:pPr>
+            <a:r>
+              <a:rPr b="0" lang="en" sz="900" u="sng">
                 <a:solidFill>
                   <a:schemeClr val="hlink"/>
                 </a:solidFill>
-                <a:hlinkClick r:id="rId3"/>
+                <a:hlinkClick r:id="rId4"/>
               </a:rPr>
-              <a:t>https://profriehle.com</a:t>
-            </a:r>
-            <a:endParaRPr b="0" sz="1000"/>
+              <a:t>https://oss.cs.fau.de</a:t>
+            </a:r>
+            <a:r>
+              <a:rPr b="0" lang="en" sz="900">
+                <a:solidFill>
+                  <a:schemeClr val="dk2"/>
+                </a:solidFill>
+              </a:rPr>
+              <a:t> </a:t>
+            </a:r>
+            <a:endParaRPr>
+              <a:solidFill>
+                <a:schemeClr val="dk2"/>
+              </a:solidFill>
+            </a:endParaRPr>
           </a:p>
         </p:txBody>
       </p:sp>
@@ -6504,7 +7158,7 @@
   <p:cSld>
     <p:spTree>
       <p:nvGrpSpPr>
-        <p:cNvPr id="116" name="Shape 116"/>
+        <p:cNvPr id="129" name="Shape 129"/>
         <p:cNvGrpSpPr/>
         <p:nvPr/>
       </p:nvGrpSpPr>
@@ -6518,7 +7172,7 @@
       </p:grpSpPr>
       <p:sp>
         <p:nvSpPr>
-          <p:cNvPr id="117" name="Google Shape;117;p19"/>
+          <p:cNvPr id="130" name="Google Shape;130;p19"/>
           <p:cNvSpPr txBox="1"/>
           <p:nvPr>
             <p:ph type="title"/>
@@ -6550,7 +7204,7 @@
             </a:pPr>
             <a:r>
               <a:rPr lang="en"/>
-              <a:t>Course Registration / Waitlist</a:t>
+              <a:t>Course Language [1]</a:t>
             </a:r>
             <a:endParaRPr/>
           </a:p>
@@ -6558,7 +7212,7 @@
       </p:sp>
       <p:sp>
         <p:nvSpPr>
-          <p:cNvPr id="118" name="Google Shape;118;p19"/>
+          <p:cNvPr id="131" name="Google Shape;131;p19"/>
           <p:cNvSpPr txBox="1"/>
           <p:nvPr>
             <p:ph idx="12" type="sldNum"/>
@@ -6566,8 +7220,8 @@
         </p:nvSpPr>
         <p:spPr>
           <a:xfrm>
-            <a:off x="7315209" y="4229101"/>
-            <a:ext cx="1828800" cy="914400"/>
+            <a:off x="7315202" y="4416550"/>
+            <a:ext cx="1828800" cy="731400"/>
           </a:xfrm>
           <a:prstGeom prst="rect">
             <a:avLst/>
@@ -6602,29 +7256,91 @@
               <a:spcAft>
                 <a:spcPts val="0"/>
               </a:spcAft>
-              <a:buClr>
-                <a:schemeClr val="dk1"/>
-              </a:buClr>
-              <a:buSzPts val="1100"/>
-              <a:buFont typeface="Arial"/>
-              <a:buNone/>
-            </a:pPr>
-            <a:r>
-              <a:rPr b="0" lang="en" sz="1000" u="sng">
+              <a:buNone/>
+            </a:pPr>
+            <a:r>
+              <a:rPr b="0" lang="en" sz="900" u="sng">
                 <a:solidFill>
                   <a:schemeClr val="hlink"/>
                 </a:solidFill>
                 <a:hlinkClick r:id="rId3"/>
               </a:rPr>
-              <a:t>https://profriehle.com</a:t>
-            </a:r>
-            <a:endParaRPr b="0" sz="1000"/>
+              <a:t>https://oss.cs.fau.de</a:t>
+            </a:r>
+            <a:r>
+              <a:rPr b="0" lang="en" sz="900">
+                <a:solidFill>
+                  <a:schemeClr val="dk2"/>
+                </a:solidFill>
+              </a:rPr>
+              <a:t> </a:t>
+            </a:r>
+            <a:endParaRPr b="0" sz="900">
+              <a:solidFill>
+                <a:schemeClr val="dk2"/>
+              </a:solidFill>
+            </a:endParaRPr>
           </a:p>
         </p:txBody>
       </p:sp>
       <p:sp>
         <p:nvSpPr>
-          <p:cNvPr id="119" name="Google Shape;119;p19"/>
+          <p:cNvPr id="132" name="Google Shape;132;p19"/>
+          <p:cNvSpPr txBox="1"/>
+          <p:nvPr/>
+        </p:nvSpPr>
+        <p:spPr>
+          <a:xfrm>
+            <a:off x="0" y="4229100"/>
+            <a:ext cx="7315200" cy="914400"/>
+          </a:xfrm>
+          <a:prstGeom prst="rect">
+            <a:avLst/>
+          </a:prstGeom>
+          <a:noFill/>
+          <a:ln>
+            <a:noFill/>
+          </a:ln>
+        </p:spPr>
+        <p:txBody>
+          <a:bodyPr anchorCtr="0" anchor="b" bIns="91425" lIns="91425" spcFirstLastPara="1" rIns="91425" wrap="square" tIns="91425">
+            <a:noAutofit/>
+          </a:bodyPr>
+          <a:lstStyle/>
+          <a:p>
+            <a:pPr indent="0" lvl="0" marL="0" rtl="0" algn="l">
+              <a:spcBef>
+                <a:spcPts val="0"/>
+              </a:spcBef>
+              <a:spcAft>
+                <a:spcPts val="0"/>
+              </a:spcAft>
+              <a:buNone/>
+            </a:pPr>
+            <a:r>
+              <a:rPr lang="en"/>
+              <a:t>[1] See </a:t>
+            </a:r>
+            <a:r>
+              <a:rPr lang="en" u="sng">
+                <a:solidFill>
+                  <a:schemeClr val="hlink"/>
+                </a:solidFill>
+                <a:hlinkClick r:id="rId4"/>
+              </a:rPr>
+              <a:t>https://oss.cs.fau.de/2012/03/10/english-or-german-deutsch-oder-englisch/</a:t>
+            </a:r>
+            <a:r>
+              <a:rPr lang="en"/>
+              <a:t> </a:t>
+            </a:r>
+            <a:endParaRPr/>
+          </a:p>
+        </p:txBody>
+      </p:sp>
+      <p:sp>
+        <p:nvSpPr>
+          <p:cNvPr id="133" name="Google Shape;133;p19"/>
           <p:cNvSpPr txBox="1"/>
           <p:nvPr>
             <p:ph idx="1" type="body"/>
@@ -6652,11 +7368,50 @@
               <a:spcAft>
                 <a:spcPts val="0"/>
               </a:spcAft>
-              <a:buNone/>
-            </a:pPr>
-            <a:r>
-              <a:rPr lang="en"/>
-              <a:t>Students must have passed a (trivial) entrance test</a:t>
+              <a:buClr>
+                <a:schemeClr val="dk1"/>
+              </a:buClr>
+              <a:buSzPts val="1100"/>
+              <a:buFont typeface="Arial"/>
+              <a:buNone/>
+            </a:pPr>
+            <a:r>
+              <a:rPr b="1" lang="en"/>
+              <a:t>Class</a:t>
+            </a:r>
+            <a:endParaRPr b="1"/>
+          </a:p>
+          <a:p>
+            <a:pPr indent="-342900" lvl="0" marL="457200" rtl="0" algn="l">
+              <a:spcBef>
+                <a:spcPts val="1200"/>
+              </a:spcBef>
+              <a:spcAft>
+                <a:spcPts val="0"/>
+              </a:spcAft>
+              <a:buSzPts val="1800"/>
+              <a:buChar char="●"/>
+            </a:pPr>
+            <a:r>
+              <a:rPr lang="en"/>
+              <a:t>Lecturer: German</a:t>
+            </a:r>
+            <a:endParaRPr/>
+          </a:p>
+          <a:p>
+            <a:pPr indent="-342900" lvl="0" marL="457200" rtl="0" algn="l">
+              <a:spcBef>
+                <a:spcPts val="0"/>
+              </a:spcBef>
+              <a:spcAft>
+                <a:spcPts val="0"/>
+              </a:spcAft>
+              <a:buSzPts val="1800"/>
+              <a:buChar char="●"/>
+            </a:pPr>
+            <a:r>
+              <a:rPr lang="en"/>
+              <a:t>Student: Choice of German or English</a:t>
             </a:r>
             <a:endParaRPr/>
           </a:p>
@@ -6668,89 +7423,50 @@
               <a:spcAft>
                 <a:spcPts val="0"/>
               </a:spcAft>
-              <a:buNone/>
-            </a:pPr>
-            <a:r>
-              <a:rPr lang="en" strike="sngStrike"/>
-              <a:t>We use stratified randomized sampling to select students </a:t>
-            </a:r>
-            <a:endParaRPr strike="sngStrike"/>
-          </a:p>
-          <a:p>
-            <a:pPr indent="0" lvl="0" marL="0" rtl="0" algn="l">
+              <a:buClr>
+                <a:schemeClr val="dk1"/>
+              </a:buClr>
+              <a:buSzPts val="1100"/>
+              <a:buFont typeface="Arial"/>
+              <a:buNone/>
+            </a:pPr>
+            <a:r>
+              <a:rPr b="1" lang="en"/>
+              <a:t>Exercise</a:t>
+            </a:r>
+            <a:endParaRPr b="1"/>
+          </a:p>
+          <a:p>
+            <a:pPr indent="-342900" lvl="0" marL="457200" rtl="0" algn="l">
               <a:spcBef>
                 <a:spcPts val="1200"/>
               </a:spcBef>
               <a:spcAft>
                 <a:spcPts val="0"/>
               </a:spcAft>
-              <a:buNone/>
-            </a:pPr>
-            <a:r>
-              <a:rPr lang="en" strike="sngStrike"/>
-              <a:t>Our current student limit for the course is 30 students</a:t>
-            </a:r>
-            <a:endParaRPr strike="sngStrike"/>
-          </a:p>
-          <a:p>
-            <a:pPr indent="0" lvl="0" marL="0" rtl="0" algn="l">
-              <a:spcBef>
-                <a:spcPts val="1200"/>
-              </a:spcBef>
-              <a:spcAft>
-                <a:spcPts val="0"/>
-              </a:spcAft>
-              <a:buNone/>
-            </a:pPr>
-            <a:r>
-              <a:rPr lang="en"/>
-              <a:t>Everyone is required to participate in this first class</a:t>
-            </a:r>
-            <a:endParaRPr/>
-          </a:p>
-          <a:p>
-            <a:pPr indent="0" lvl="0" marL="0" rtl="0" algn="l">
-              <a:spcBef>
-                <a:spcPts val="1200"/>
-              </a:spcBef>
-              <a:spcAft>
-                <a:spcPts val="0"/>
-              </a:spcAft>
-              <a:buNone/>
-            </a:pPr>
-            <a:r>
-              <a:rPr lang="en" strike="sngStrike"/>
-              <a:t>We will inform you after class if you got off the waitlist</a:t>
-            </a:r>
-            <a:endParaRPr strike="sngStrike"/>
-          </a:p>
-          <a:p>
-            <a:pPr indent="0" lvl="0" marL="0" rtl="0" algn="l">
-              <a:spcBef>
-                <a:spcPts val="1200"/>
-              </a:spcBef>
-              <a:spcAft>
-                <a:spcPts val="0"/>
-              </a:spcAft>
-              <a:buNone/>
-            </a:pPr>
-            <a:r>
-              <a:t/>
-            </a:r>
-            <a:endParaRPr/>
-          </a:p>
-          <a:p>
-            <a:pPr indent="0" lvl="0" marL="0" rtl="0" algn="l">
-              <a:spcBef>
-                <a:spcPts val="1200"/>
-              </a:spcBef>
-              <a:spcAft>
-                <a:spcPts val="0"/>
-              </a:spcAft>
-              <a:buNone/>
-            </a:pPr>
-            <a:r>
-              <a:t/>
+              <a:buSzPts val="1800"/>
+              <a:buChar char="●"/>
+            </a:pPr>
+            <a:r>
+              <a:rPr lang="en"/>
+              <a:t>Instructor: German</a:t>
+            </a:r>
+            <a:endParaRPr/>
+          </a:p>
+          <a:p>
+            <a:pPr indent="-342900" lvl="0" marL="457200" rtl="0" algn="l">
+              <a:spcBef>
+                <a:spcPts val="0"/>
+              </a:spcBef>
+              <a:spcAft>
+                <a:spcPts val="0"/>
+              </a:spcAft>
+              <a:buSzPts val="1800"/>
+              <a:buChar char="●"/>
+            </a:pPr>
+            <a:r>
+              <a:rPr lang="en"/>
+              <a:t>Homework: Choice of German or English</a:t>
             </a:r>
             <a:endParaRPr/>
           </a:p>
@@ -6784,7 +7500,7 @@
   <p:cSld>
     <p:spTree>
       <p:nvGrpSpPr>
-        <p:cNvPr id="123" name="Shape 123"/>
+        <p:cNvPr id="137" name="Shape 137"/>
         <p:cNvGrpSpPr/>
         <p:nvPr/>
       </p:nvGrpSpPr>
@@ -6798,7 +7514,7 @@
       </p:grpSpPr>
       <p:sp>
         <p:nvSpPr>
-          <p:cNvPr id="124" name="Google Shape;124;p20"/>
+          <p:cNvPr id="138" name="Google Shape;138;p20"/>
           <p:cNvSpPr txBox="1"/>
           <p:nvPr>
             <p:ph type="title"/>
@@ -6830,11 +7546,7 @@
             </a:pPr>
             <a:r>
               <a:rPr lang="en"/>
-              <a:t>Course vs. Exam Registration</a:t>
-            </a:r>
-            <a:r>
-              <a:rPr lang="en"/>
-              <a:t> [1]</a:t>
+              <a:t>Course Participation (Auditing)</a:t>
             </a:r>
             <a:endParaRPr/>
           </a:p>
@@ -6842,7 +7554,7 @@
       </p:sp>
       <p:sp>
         <p:nvSpPr>
-          <p:cNvPr id="125" name="Google Shape;125;p20"/>
+          <p:cNvPr id="139" name="Google Shape;139;p20"/>
           <p:cNvSpPr txBox="1"/>
           <p:nvPr>
             <p:ph idx="1" type="body"/>
@@ -6870,16 +7582,11 @@
               <a:spcAft>
                 <a:spcPts val="0"/>
               </a:spcAft>
-              <a:buClr>
-                <a:schemeClr val="dk1"/>
-              </a:buClr>
-              <a:buSzPts val="1100"/>
-              <a:buFont typeface="Arial"/>
-              <a:buNone/>
-            </a:pPr>
-            <a:r>
-              <a:rPr lang="en"/>
-              <a:t>Course registration and exam registration are two separate steps</a:t>
+              <a:buNone/>
+            </a:pPr>
+            <a:r>
+              <a:rPr lang="en"/>
+              <a:t>The course is provided publicly, you can always audit it</a:t>
             </a:r>
             <a:endParaRPr/>
           </a:p>
@@ -6889,104 +7596,13 @@
                 <a:spcPts val="1200"/>
               </a:spcBef>
               <a:spcAft>
-                <a:spcPts val="0"/>
-              </a:spcAft>
-              <a:buClr>
-                <a:schemeClr val="dk1"/>
-              </a:buClr>
-              <a:buSzPts val="1100"/>
-              <a:buFont typeface="Arial"/>
-              <a:buNone/>
-            </a:pPr>
-            <a:r>
-              <a:rPr lang="en"/>
-              <a:t>If you want to receive a grade</a:t>
-            </a:r>
-            <a:endParaRPr/>
-          </a:p>
-          <a:p>
-            <a:pPr indent="-342900" lvl="0" marL="457200" rtl="0" algn="l">
-              <a:spcBef>
                 <a:spcPts val="1200"/>
-              </a:spcBef>
-              <a:spcAft>
-                <a:spcPts val="0"/>
-              </a:spcAft>
-              <a:buClr>
-                <a:srgbClr val="212121"/>
-              </a:buClr>
-              <a:buSzPts val="1800"/>
-              <a:buChar char="●"/>
-            </a:pPr>
-            <a:r>
-              <a:rPr lang="en">
-                <a:solidFill>
-                  <a:srgbClr val="212121"/>
-                </a:solidFill>
-              </a:rPr>
-              <a:t>You must register through your university’s exam registration system</a:t>
-            </a:r>
-            <a:endParaRPr>
-              <a:solidFill>
-                <a:srgbClr val="212121"/>
-              </a:solidFill>
-            </a:endParaRPr>
-          </a:p>
-          <a:p>
-            <a:pPr indent="-317500" lvl="1" marL="914400" rtl="0" algn="l">
-              <a:spcBef>
-                <a:spcPts val="0"/>
-              </a:spcBef>
-              <a:spcAft>
-                <a:spcPts val="0"/>
-              </a:spcAft>
-              <a:buSzPts val="1400"/>
-              <a:buChar char="○"/>
-            </a:pPr>
-            <a:r>
-              <a:rPr b="1" lang="en"/>
-              <a:t>Your degree program may have split the course into two (VL + UE)</a:t>
-            </a:r>
-            <a:endParaRPr b="1"/>
-          </a:p>
-          <a:p>
-            <a:pPr indent="-317500" lvl="1" marL="914400" rtl="0" algn="l">
-              <a:spcBef>
-                <a:spcPts val="0"/>
-              </a:spcBef>
-              <a:spcAft>
-                <a:spcPts val="0"/>
-              </a:spcAft>
-              <a:buSzPts val="1400"/>
-              <a:buChar char="○"/>
-            </a:pPr>
-            <a:r>
-              <a:rPr b="1" lang="en"/>
-              <a:t>Please check asap that the course is available in your degree program!</a:t>
-            </a:r>
-            <a:endParaRPr b="1">
-              <a:solidFill>
-                <a:srgbClr val="212121"/>
-              </a:solidFill>
-            </a:endParaRPr>
-          </a:p>
-          <a:p>
-            <a:pPr indent="0" lvl="0" marL="0" rtl="0" algn="l">
-              <a:spcBef>
-                <a:spcPts val="1200"/>
-              </a:spcBef>
-              <a:spcAft>
-                <a:spcPts val="1200"/>
-              </a:spcAft>
-              <a:buNone/>
-            </a:pPr>
-            <a:r>
-              <a:rPr lang="en"/>
-              <a:t>Otherwise</a:t>
-            </a:r>
-            <a:r>
-              <a:rPr lang="en"/>
-              <a:t>: No grade</a:t>
+              </a:spcAft>
+              <a:buNone/>
+            </a:pPr>
+            <a:r>
+              <a:rPr lang="en"/>
+              <a:t>Auditing will not give you credit points towards a degree</a:t>
             </a:r>
             <a:endParaRPr/>
           </a:p>
@@ -6994,7 +7610,7 @@
       </p:sp>
       <p:sp>
         <p:nvSpPr>
-          <p:cNvPr id="126" name="Google Shape;126;p20"/>
+          <p:cNvPr id="140" name="Google Shape;140;p20"/>
           <p:cNvSpPr txBox="1"/>
           <p:nvPr>
             <p:ph idx="12" type="sldNum"/>
@@ -7002,8 +7618,8 @@
         </p:nvSpPr>
         <p:spPr>
           <a:xfrm>
-            <a:off x="7315209" y="4229101"/>
-            <a:ext cx="1828800" cy="914400"/>
+            <a:off x="7315202" y="4416550"/>
+            <a:ext cx="1828800" cy="731400"/>
           </a:xfrm>
           <a:prstGeom prst="rect">
             <a:avLst/>
@@ -7038,65 +7654,30 @@
               <a:spcAft>
                 <a:spcPts val="0"/>
               </a:spcAft>
-              <a:buClr>
-                <a:schemeClr val="dk1"/>
-              </a:buClr>
-              <a:buSzPts val="1100"/>
-              <a:buFont typeface="Arial"/>
-              <a:buNone/>
-            </a:pPr>
-            <a:r>
-              <a:rPr b="0" lang="en" sz="1000" u="sng">
+              <a:buNone/>
+            </a:pPr>
+            <a:r>
+              <a:rPr b="0" lang="en" sz="900" u="sng">
                 <a:solidFill>
                   <a:schemeClr val="hlink"/>
                 </a:solidFill>
                 <a:hlinkClick r:id="rId3"/>
               </a:rPr>
-              <a:t>https://profriehle.com</a:t>
-            </a:r>
-            <a:endParaRPr b="0" sz="1000"/>
-          </a:p>
-        </p:txBody>
-      </p:sp>
-      <p:sp>
-        <p:nvSpPr>
-          <p:cNvPr id="127" name="Google Shape;127;p20"/>
-          <p:cNvSpPr txBox="1"/>
-          <p:nvPr/>
-        </p:nvSpPr>
-        <p:spPr>
-          <a:xfrm>
-            <a:off x="0" y="4233672"/>
-            <a:ext cx="7315200" cy="914400"/>
-          </a:xfrm>
-          <a:prstGeom prst="rect">
-            <a:avLst/>
-          </a:prstGeom>
-          <a:noFill/>
-          <a:ln>
-            <a:noFill/>
-          </a:ln>
-        </p:spPr>
-        <p:txBody>
-          <a:bodyPr anchorCtr="0" anchor="b" bIns="91425" lIns="91425" spcFirstLastPara="1" rIns="91425" wrap="square" tIns="91425">
-            <a:noAutofit/>
-          </a:bodyPr>
-          <a:lstStyle/>
-          <a:p>
-            <a:pPr indent="0" lvl="0" marL="0" rtl="0" algn="l">
-              <a:spcBef>
-                <a:spcPts val="0"/>
-              </a:spcBef>
-              <a:spcAft>
-                <a:spcPts val="0"/>
-              </a:spcAft>
-              <a:buNone/>
-            </a:pPr>
-            <a:r>
-              <a:rPr lang="en"/>
-              <a:t>[1] German: Prüfungsanmeldung</a:t>
-            </a:r>
-            <a:endParaRPr/>
+              <a:t>https://oss.cs.fau.de</a:t>
+            </a:r>
+            <a:r>
+              <a:rPr b="0" lang="en" sz="900">
+                <a:solidFill>
+                  <a:schemeClr val="dk2"/>
+                </a:solidFill>
+              </a:rPr>
+              <a:t> </a:t>
+            </a:r>
+            <a:endParaRPr b="0" sz="900">
+              <a:solidFill>
+                <a:schemeClr val="dk2"/>
+              </a:solidFill>
+            </a:endParaRPr>
           </a:p>
         </p:txBody>
       </p:sp>
@@ -7113,7 +7694,7 @@
   <p:cSld>
     <p:spTree>
       <p:nvGrpSpPr>
-        <p:cNvPr id="131" name="Shape 131"/>
+        <p:cNvPr id="144" name="Shape 144"/>
         <p:cNvGrpSpPr/>
         <p:nvPr/>
       </p:nvGrpSpPr>
@@ -7127,7 +7708,7 @@
       </p:grpSpPr>
       <p:sp>
         <p:nvSpPr>
-          <p:cNvPr id="132" name="Google Shape;132;p21"/>
+          <p:cNvPr id="145" name="Google Shape;145;p21"/>
           <p:cNvSpPr txBox="1"/>
           <p:nvPr>
             <p:ph type="title"/>
@@ -7159,7 +7740,7 @@
             </a:pPr>
             <a:r>
               <a:rPr lang="en"/>
-              <a:t>Expectation Management (Winter 2024/25)</a:t>
+              <a:t>Course Registration / Waitlist</a:t>
             </a:r>
             <a:endParaRPr/>
           </a:p>
@@ -7167,7 +7748,7 @@
       </p:sp>
       <p:sp>
         <p:nvSpPr>
-          <p:cNvPr id="133" name="Google Shape;133;p21"/>
+          <p:cNvPr id="146" name="Google Shape;146;p21"/>
           <p:cNvSpPr txBox="1"/>
           <p:nvPr>
             <p:ph idx="12" type="sldNum"/>
@@ -7175,8 +7756,8 @@
         </p:nvSpPr>
         <p:spPr>
           <a:xfrm>
-            <a:off x="7315209" y="4229101"/>
-            <a:ext cx="1828800" cy="914400"/>
+            <a:off x="7315202" y="4416550"/>
+            <a:ext cx="1828800" cy="731400"/>
           </a:xfrm>
           <a:prstGeom prst="rect">
             <a:avLst/>
@@ -7211,29 +7792,36 @@
               <a:spcAft>
                 <a:spcPts val="0"/>
               </a:spcAft>
-              <a:buClr>
-                <a:schemeClr val="dk1"/>
-              </a:buClr>
-              <a:buSzPts val="1100"/>
-              <a:buFont typeface="Arial"/>
-              <a:buNone/>
-            </a:pPr>
-            <a:r>
-              <a:rPr b="0" lang="en" sz="1000" u="sng">
+              <a:buNone/>
+            </a:pPr>
+            <a:r>
+              <a:rPr b="0" lang="en" sz="900" u="sng">
                 <a:solidFill>
                   <a:schemeClr val="hlink"/>
                 </a:solidFill>
                 <a:hlinkClick r:id="rId3"/>
               </a:rPr>
-              <a:t>https://profriehle.com</a:t>
-            </a:r>
-            <a:endParaRPr b="0" sz="1000"/>
+              <a:t>https://oss.cs.fau.de</a:t>
+            </a:r>
+            <a:r>
+              <a:rPr b="0" lang="en" sz="900">
+                <a:solidFill>
+                  <a:schemeClr val="dk2"/>
+                </a:solidFill>
+              </a:rPr>
+              <a:t> </a:t>
+            </a:r>
+            <a:endParaRPr b="0" sz="900">
+              <a:solidFill>
+                <a:schemeClr val="dk2"/>
+              </a:solidFill>
+            </a:endParaRPr>
           </a:p>
         </p:txBody>
       </p:sp>
       <p:sp>
         <p:nvSpPr>
-          <p:cNvPr id="134" name="Google Shape;134;p21"/>
+          <p:cNvPr id="147" name="Google Shape;147;p21"/>
           <p:cNvSpPr txBox="1"/>
           <p:nvPr>
             <p:ph idx="1" type="body"/>
@@ -7265,7 +7853,7 @@
             </a:pPr>
             <a:r>
               <a:rPr lang="en"/>
-              <a:t>We skipped ADAP last winter to migrate from Java to Typescript</a:t>
+              <a:t>Students must have passed a (trivial) entrance test</a:t>
             </a:r>
             <a:endParaRPr/>
           </a:p>
@@ -7280,10 +7868,10 @@
               <a:buNone/>
             </a:pPr>
             <a:r>
-              <a:rPr lang="en"/>
-              <a:t>We did not finish ADAP preparations; hence this instances is experimental</a:t>
-            </a:r>
-            <a:endParaRPr/>
+              <a:rPr lang="en" strike="sngStrike"/>
+              <a:t>We use stratified randomized sampling to select students </a:t>
+            </a:r>
+            <a:endParaRPr strike="sngStrike"/>
           </a:p>
           <a:p>
             <a:pPr indent="0" lvl="0" marL="0" rtl="0" algn="l">
@@ -7296,10 +7884,10 @@
               <a:buNone/>
             </a:pPr>
             <a:r>
-              <a:rPr lang="en"/>
-              <a:t>You will not receive any homework feedback during the course</a:t>
-            </a:r>
-            <a:endParaRPr/>
+              <a:rPr lang="en" strike="sngStrike"/>
+              <a:t>Our current student limit for the course is 30 students</a:t>
+            </a:r>
+            <a:endParaRPr strike="sngStrike"/>
           </a:p>
           <a:p>
             <a:pPr indent="0" lvl="0" marL="0" rtl="0" algn="l">
@@ -7307,13 +7895,74 @@
                 <a:spcPts val="1200"/>
               </a:spcBef>
               <a:spcAft>
+                <a:spcPts val="0"/>
+              </a:spcAft>
+              <a:buNone/>
+            </a:pPr>
+            <a:r>
+              <a:rPr lang="en"/>
+              <a:t>Everyone is required to participate in this first class</a:t>
+            </a:r>
+            <a:endParaRPr/>
+          </a:p>
+          <a:p>
+            <a:pPr indent="0" lvl="0" marL="0" rtl="0" algn="l">
+              <a:spcBef>
                 <a:spcPts val="1200"/>
-              </a:spcAft>
-              <a:buNone/>
-            </a:pPr>
-            <a:r>
-              <a:rPr lang="en"/>
-              <a:t>Please take note of these restrictions; we recommend you try next year</a:t>
+              </a:spcBef>
+              <a:spcAft>
+                <a:spcPts val="0"/>
+              </a:spcAft>
+              <a:buNone/>
+            </a:pPr>
+            <a:r>
+              <a:rPr lang="en" strike="sngStrike"/>
+              <a:t>We will inform you after class if you got off the waitlist</a:t>
+            </a:r>
+            <a:endParaRPr strike="sngStrike"/>
+          </a:p>
+          <a:p>
+            <a:pPr indent="0" lvl="0" marL="0" rtl="0" algn="l">
+              <a:spcBef>
+                <a:spcPts val="1200"/>
+              </a:spcBef>
+              <a:spcAft>
+                <a:spcPts val="0"/>
+              </a:spcAft>
+              <a:buNone/>
+            </a:pPr>
+            <a:r>
+              <a:t/>
+            </a:r>
+            <a:endParaRPr/>
+          </a:p>
+          <a:p>
+            <a:pPr indent="0" lvl="0" marL="0" rtl="0" algn="l">
+              <a:spcBef>
+                <a:spcPts val="1200"/>
+              </a:spcBef>
+              <a:spcAft>
+                <a:spcPts val="0"/>
+              </a:spcAft>
+              <a:buNone/>
+            </a:pPr>
+            <a:r>
+              <a:t/>
+            </a:r>
+            <a:endParaRPr/>
+          </a:p>
+          <a:p>
+            <a:pPr indent="0" lvl="0" marL="0" rtl="0" algn="l">
+              <a:spcBef>
+                <a:spcPts val="1200"/>
+              </a:spcBef>
+              <a:spcAft>
+                <a:spcPts val="1200"/>
+              </a:spcAft>
+              <a:buNone/>
+            </a:pPr>
+            <a:r>
+              <a:t/>
             </a:r>
             <a:endParaRPr/>
           </a:p>
@@ -7332,7 +7981,7 @@
   <p:cSld>
     <p:spTree>
       <p:nvGrpSpPr>
-        <p:cNvPr id="138" name="Shape 138"/>
+        <p:cNvPr id="151" name="Shape 151"/>
         <p:cNvGrpSpPr/>
         <p:nvPr/>
       </p:nvGrpSpPr>
@@ -7346,7 +7995,51 @@
       </p:grpSpPr>
       <p:sp>
         <p:nvSpPr>
-          <p:cNvPr id="139" name="Google Shape;139;p22"/>
+          <p:cNvPr id="152" name="Google Shape;152;p22"/>
+          <p:cNvSpPr txBox="1"/>
+          <p:nvPr>
+            <p:ph type="title"/>
+          </p:nvPr>
+        </p:nvSpPr>
+        <p:spPr>
+          <a:xfrm>
+            <a:off x="0" y="0"/>
+            <a:ext cx="9144000" cy="685800"/>
+          </a:xfrm>
+          <a:prstGeom prst="rect">
+            <a:avLst/>
+          </a:prstGeom>
+        </p:spPr>
+        <p:txBody>
+          <a:bodyPr anchorCtr="0" anchor="ctr" bIns="91425" lIns="274300" spcFirstLastPara="1" rIns="91425" wrap="square" tIns="91425">
+            <a:noAutofit/>
+          </a:bodyPr>
+          <a:lstStyle/>
+          <a:p>
+            <a:pPr indent="0" lvl="0" marL="0" rtl="0" algn="l">
+              <a:spcBef>
+                <a:spcPts val="0"/>
+              </a:spcBef>
+              <a:spcAft>
+                <a:spcPts val="0"/>
+              </a:spcAft>
+              <a:buNone/>
+            </a:pPr>
+            <a:r>
+              <a:rPr lang="en"/>
+              <a:t>Course vs. Exam Registration</a:t>
+            </a:r>
+            <a:r>
+              <a:rPr lang="en"/>
+              <a:t> [1]</a:t>
+            </a:r>
+            <a:endParaRPr/>
+          </a:p>
+        </p:txBody>
+      </p:sp>
+      <p:sp>
+        <p:nvSpPr>
+          <p:cNvPr id="153" name="Google Shape;153;p22"/>
           <p:cNvSpPr txBox="1"/>
           <p:nvPr>
             <p:ph idx="1" type="body"/>
@@ -7382,38 +8075,8 @@
               <a:buNone/>
             </a:pPr>
             <a:r>
-              <a:rPr b="1" lang="en"/>
-              <a:t>Course organization</a:t>
-            </a:r>
-            <a:endParaRPr b="1"/>
-          </a:p>
-          <a:p>
-            <a:pPr indent="-342900" lvl="0" marL="457200" rtl="0" algn="l">
-              <a:spcBef>
-                <a:spcPts val="1200"/>
-              </a:spcBef>
-              <a:spcAft>
-                <a:spcPts val="0"/>
-              </a:spcAft>
-              <a:buSzPts val="1800"/>
-              <a:buChar char="●"/>
-            </a:pPr>
-            <a:r>
-              <a:rPr lang="en"/>
-              <a:t>See </a:t>
-            </a:r>
-            <a:r>
-              <a:rPr lang="en" u="sng">
-                <a:solidFill>
-                  <a:schemeClr val="hlink"/>
-                </a:solidFill>
-                <a:hlinkClick r:id="rId3"/>
-              </a:rPr>
-              <a:t>https://adap.uni1.de</a:t>
-            </a:r>
-            <a:r>
-              <a:rPr lang="en"/>
-              <a:t>   </a:t>
+              <a:rPr lang="en"/>
+              <a:t>Course registration and exam registration are two separate steps</a:t>
             </a:r>
             <a:endParaRPr/>
           </a:p>
@@ -7433,10 +8096,10 @@
               <a:buNone/>
             </a:pPr>
             <a:r>
-              <a:rPr b="1" lang="en"/>
-              <a:t>Course schedule</a:t>
-            </a:r>
-            <a:endParaRPr b="1"/>
+              <a:rPr lang="en"/>
+              <a:t>If you want to receive a grade</a:t>
+            </a:r>
+            <a:endParaRPr/>
           </a:p>
           <a:p>
             <a:pPr indent="-342900" lvl="0" marL="457200" rtl="0" algn="l">
@@ -7446,22 +8109,63 @@
               <a:spcAft>
                 <a:spcPts val="0"/>
               </a:spcAft>
+              <a:buClr>
+                <a:srgbClr val="212121"/>
+              </a:buClr>
               <a:buSzPts val="1800"/>
               <a:buChar char="●"/>
             </a:pPr>
             <a:r>
-              <a:rPr lang="en"/>
-              <a:t>See </a:t>
-            </a:r>
+              <a:rPr lang="en">
+                <a:solidFill>
+                  <a:srgbClr val="212121"/>
+                </a:solidFill>
+              </a:rPr>
+              <a:t>You must register through your university’s exam registration system</a:t>
+            </a:r>
+            <a:endParaRPr>
+              <a:solidFill>
+                <a:srgbClr val="212121"/>
+              </a:solidFill>
+            </a:endParaRPr>
+          </a:p>
+          <a:p>
+            <a:pPr indent="-317500" lvl="1" marL="914400" rtl="0" algn="l">
+              <a:spcBef>
+                <a:spcPts val="0"/>
+              </a:spcBef>
+              <a:spcAft>
+                <a:spcPts val="0"/>
+              </a:spcAft>
+              <a:buSzPts val="1400"/>
+              <a:buChar char="○"/>
+            </a:pPr>
             <a:r>
               <a:rPr b="1" lang="en"/>
-              <a:t>Schedule</a:t>
-            </a:r>
-            <a:r>
-              <a:rPr lang="en"/>
-              <a:t> tab on Course organization doc</a:t>
-            </a:r>
-            <a:endParaRPr/>
+              <a:t>Your degree program may have split the course into two (VL + UE)</a:t>
+            </a:r>
+            <a:endParaRPr b="1"/>
+          </a:p>
+          <a:p>
+            <a:pPr indent="-317500" lvl="1" marL="914400" rtl="0" algn="l">
+              <a:spcBef>
+                <a:spcPts val="0"/>
+              </a:spcBef>
+              <a:spcAft>
+                <a:spcPts val="0"/>
+              </a:spcAft>
+              <a:buSzPts val="1400"/>
+              <a:buChar char="○"/>
+            </a:pPr>
+            <a:r>
+              <a:rPr b="1" lang="en"/>
+              <a:t>Please check asap that the course is available in your degree program!</a:t>
+            </a:r>
+            <a:endParaRPr b="1">
+              <a:solidFill>
+                <a:srgbClr val="212121"/>
+              </a:solidFill>
+            </a:endParaRPr>
           </a:p>
           <a:p>
             <a:pPr indent="0" lvl="0" marL="0" rtl="0" algn="l">
@@ -7474,7 +8178,12 @@
               <a:buNone/>
             </a:pPr>
             <a:r>
-              <a:t/>
+              <a:rPr lang="en"/>
+              <a:t>Otherwise</a:t>
+            </a:r>
+            <a:r>
+              <a:rPr lang="en"/>
+              <a:t>: No grade</a:t>
             </a:r>
             <a:endParaRPr/>
           </a:p>
@@ -7482,47 +8191,7 @@
       </p:sp>
       <p:sp>
         <p:nvSpPr>
-          <p:cNvPr id="140" name="Google Shape;140;p22"/>
-          <p:cNvSpPr txBox="1"/>
-          <p:nvPr>
-            <p:ph type="title"/>
-          </p:nvPr>
-        </p:nvSpPr>
-        <p:spPr>
-          <a:xfrm>
-            <a:off x="0" y="0"/>
-            <a:ext cx="9144000" cy="685800"/>
-          </a:xfrm>
-          <a:prstGeom prst="rect">
-            <a:avLst/>
-          </a:prstGeom>
-        </p:spPr>
-        <p:txBody>
-          <a:bodyPr anchorCtr="0" anchor="ctr" bIns="91425" lIns="274300" spcFirstLastPara="1" rIns="91425" wrap="square" tIns="91425">
-            <a:noAutofit/>
-          </a:bodyPr>
-          <a:lstStyle/>
-          <a:p>
-            <a:pPr indent="0" lvl="0" marL="0" rtl="0" algn="l">
-              <a:spcBef>
-                <a:spcPts val="0"/>
-              </a:spcBef>
-              <a:spcAft>
-                <a:spcPts val="0"/>
-              </a:spcAft>
-              <a:buNone/>
-            </a:pPr>
-            <a:r>
-              <a:rPr lang="en"/>
-              <a:t>Course Organization</a:t>
-            </a:r>
-            <a:endParaRPr/>
-          </a:p>
-        </p:txBody>
-      </p:sp>
-      <p:sp>
-        <p:nvSpPr>
-          <p:cNvPr id="141" name="Google Shape;141;p22"/>
+          <p:cNvPr id="154" name="Google Shape;154;p22"/>
           <p:cNvSpPr txBox="1"/>
           <p:nvPr>
             <p:ph idx="12" type="sldNum"/>
@@ -7530,8 +8199,8 @@
         </p:nvSpPr>
         <p:spPr>
           <a:xfrm>
-            <a:off x="7315209" y="4229101"/>
-            <a:ext cx="1828800" cy="914400"/>
+            <a:off x="7315202" y="4416550"/>
+            <a:ext cx="1828800" cy="731400"/>
           </a:xfrm>
           <a:prstGeom prst="rect">
             <a:avLst/>
@@ -7566,23 +8235,72 @@
               <a:spcAft>
                 <a:spcPts val="0"/>
               </a:spcAft>
-              <a:buClr>
-                <a:schemeClr val="dk1"/>
-              </a:buClr>
-              <a:buSzPts val="1100"/>
-              <a:buFont typeface="Arial"/>
-              <a:buNone/>
-            </a:pPr>
-            <a:r>
-              <a:rPr b="0" lang="en" sz="1000" u="sng">
+              <a:buNone/>
+            </a:pPr>
+            <a:r>
+              <a:rPr b="0" lang="en" sz="900" u="sng">
                 <a:solidFill>
                   <a:schemeClr val="hlink"/>
                 </a:solidFill>
-                <a:hlinkClick r:id="rId4"/>
+                <a:hlinkClick r:id="rId3"/>
               </a:rPr>
-              <a:t>https://profriehle.com</a:t>
-            </a:r>
-            <a:endParaRPr b="0" sz="1000"/>
+              <a:t>https://oss.cs.fau.de</a:t>
+            </a:r>
+            <a:r>
+              <a:rPr b="0" lang="en" sz="900">
+                <a:solidFill>
+                  <a:schemeClr val="dk2"/>
+                </a:solidFill>
+              </a:rPr>
+              <a:t> </a:t>
+            </a:r>
+            <a:endParaRPr b="0" sz="900">
+              <a:solidFill>
+                <a:schemeClr val="dk2"/>
+              </a:solidFill>
+            </a:endParaRPr>
+          </a:p>
+        </p:txBody>
+      </p:sp>
+      <p:sp>
+        <p:nvSpPr>
+          <p:cNvPr id="155" name="Google Shape;155;p22"/>
+          <p:cNvSpPr txBox="1"/>
+          <p:nvPr/>
+        </p:nvSpPr>
+        <p:spPr>
+          <a:xfrm>
+            <a:off x="0" y="4233672"/>
+            <a:ext cx="7315200" cy="914400"/>
+          </a:xfrm>
+          <a:prstGeom prst="rect">
+            <a:avLst/>
+          </a:prstGeom>
+          <a:noFill/>
+          <a:ln>
+            <a:noFill/>
+          </a:ln>
+        </p:spPr>
+        <p:txBody>
+          <a:bodyPr anchorCtr="0" anchor="b" bIns="91425" lIns="91425" spcFirstLastPara="1" rIns="91425" wrap="square" tIns="91425">
+            <a:noAutofit/>
+          </a:bodyPr>
+          <a:lstStyle/>
+          <a:p>
+            <a:pPr indent="0" lvl="0" marL="0" rtl="0" algn="l">
+              <a:spcBef>
+                <a:spcPts val="0"/>
+              </a:spcBef>
+              <a:spcAft>
+                <a:spcPts val="0"/>
+              </a:spcAft>
+              <a:buNone/>
+            </a:pPr>
+            <a:r>
+              <a:rPr lang="en"/>
+              <a:t>[1] German: Prüfungsanmeldung</a:t>
+            </a:r>
+            <a:endParaRPr/>
           </a:p>
         </p:txBody>
       </p:sp>
@@ -7595,585 +8313,6 @@
 </file>
 
 <file path=ppt/slides/slide16.xml><?xml version="1.0" encoding="utf-8"?>
-<p:sld xmlns:a="http://schemas.openxmlformats.org/drawingml/2006/main" xmlns:r="http://schemas.openxmlformats.org/officeDocument/2006/relationships" xmlns:mc="http://schemas.openxmlformats.org/markup-compatibility/2006" xmlns:mv="urn:schemas-microsoft-com:mac:vml" xmlns:p="http://schemas.openxmlformats.org/presentationml/2006/main" xmlns:c="http://schemas.openxmlformats.org/drawingml/2006/chart" xmlns:dgm="http://schemas.openxmlformats.org/drawingml/2006/diagram" xmlns:o="urn:schemas-microsoft-com:office:office" xmlns:v="urn:schemas-microsoft-com:vml" xmlns:pvml="urn:schemas-microsoft-com:office:powerpoint" xmlns:com="http://schemas.openxmlformats.org/drawingml/2006/compatibility" xmlns:p14="http://schemas.microsoft.com/office/powerpoint/2010/main" xmlns:p15="http://schemas.microsoft.com/office/powerpoint/2012/main" xmlns:ahyp="http://schemas.microsoft.com/office/drawing/2018/hyperlinkcolor">
-  <p:cSld>
-    <p:spTree>
-      <p:nvGrpSpPr>
-        <p:cNvPr id="145" name="Shape 145"/>
-        <p:cNvGrpSpPr/>
-        <p:nvPr/>
-      </p:nvGrpSpPr>
-      <p:grpSpPr>
-        <a:xfrm>
-          <a:off x="0" y="0"/>
-          <a:ext cx="0" cy="0"/>
-          <a:chOff x="0" y="0"/>
-          <a:chExt cx="0" cy="0"/>
-        </a:xfrm>
-      </p:grpSpPr>
-      <p:sp>
-        <p:nvSpPr>
-          <p:cNvPr id="146" name="Google Shape;146;p23"/>
-          <p:cNvSpPr txBox="1"/>
-          <p:nvPr>
-            <p:ph type="title"/>
-          </p:nvPr>
-        </p:nvSpPr>
-        <p:spPr>
-          <a:xfrm>
-            <a:off x="0" y="0"/>
-            <a:ext cx="9144000" cy="685800"/>
-          </a:xfrm>
-          <a:prstGeom prst="rect">
-            <a:avLst/>
-          </a:prstGeom>
-        </p:spPr>
-        <p:txBody>
-          <a:bodyPr anchorCtr="0" anchor="ctr" bIns="91425" lIns="274300" spcFirstLastPara="1" rIns="91425" wrap="square" tIns="91425">
-            <a:noAutofit/>
-          </a:bodyPr>
-          <a:lstStyle/>
-          <a:p>
-            <a:pPr indent="0" lvl="0" marL="0" rtl="0" algn="l">
-              <a:spcBef>
-                <a:spcPts val="0"/>
-              </a:spcBef>
-              <a:spcAft>
-                <a:spcPts val="0"/>
-              </a:spcAft>
-              <a:buNone/>
-            </a:pPr>
-            <a:r>
-              <a:rPr lang="en"/>
-              <a:t>Work Rhythm</a:t>
-            </a:r>
-            <a:endParaRPr/>
-          </a:p>
-        </p:txBody>
-      </p:sp>
-      <p:sp>
-        <p:nvSpPr>
-          <p:cNvPr id="147" name="Google Shape;147;p23"/>
-          <p:cNvSpPr txBox="1"/>
-          <p:nvPr>
-            <p:ph idx="12" type="sldNum"/>
-          </p:nvPr>
-        </p:nvSpPr>
-        <p:spPr>
-          <a:xfrm>
-            <a:off x="7315209" y="4229101"/>
-            <a:ext cx="1828800" cy="914400"/>
-          </a:xfrm>
-          <a:prstGeom prst="rect">
-            <a:avLst/>
-          </a:prstGeom>
-        </p:spPr>
-        <p:txBody>
-          <a:bodyPr anchorCtr="0" anchor="b" bIns="91425" lIns="91425" spcFirstLastPara="1" rIns="91425" wrap="square" tIns="91425">
-            <a:noAutofit/>
-          </a:bodyPr>
-          <a:lstStyle/>
-          <a:p>
-            <a:pPr indent="0" lvl="0" marL="0" rtl="0" algn="r">
-              <a:spcBef>
-                <a:spcPts val="0"/>
-              </a:spcBef>
-              <a:spcAft>
-                <a:spcPts val="0"/>
-              </a:spcAft>
-              <a:buNone/>
-            </a:pPr>
-            <a:fld id="{00000000-1234-1234-1234-123412341234}" type="slidenum">
-              <a:rPr lang="en"/>
-              <a:t>‹#›</a:t>
-            </a:fld>
-            <a:endParaRPr/>
-          </a:p>
-          <a:p>
-            <a:pPr indent="0" lvl="0" marL="0" rtl="0" algn="r">
-              <a:spcBef>
-                <a:spcPts val="0"/>
-              </a:spcBef>
-              <a:spcAft>
-                <a:spcPts val="0"/>
-              </a:spcAft>
-              <a:buClr>
-                <a:schemeClr val="dk1"/>
-              </a:buClr>
-              <a:buSzPts val="1100"/>
-              <a:buFont typeface="Arial"/>
-              <a:buNone/>
-            </a:pPr>
-            <a:r>
-              <a:rPr b="0" lang="en" sz="1000" u="sng">
-                <a:solidFill>
-                  <a:schemeClr val="hlink"/>
-                </a:solidFill>
-                <a:hlinkClick r:id="rId3"/>
-              </a:rPr>
-              <a:t>https://profriehle.com</a:t>
-            </a:r>
-            <a:endParaRPr b="0" sz="1000"/>
-          </a:p>
-        </p:txBody>
-      </p:sp>
-      <p:sp>
-        <p:nvSpPr>
-          <p:cNvPr id="148" name="Google Shape;148;p23"/>
-          <p:cNvSpPr txBox="1"/>
-          <p:nvPr>
-            <p:ph idx="1" type="body"/>
-          </p:nvPr>
-        </p:nvSpPr>
-        <p:spPr>
-          <a:xfrm>
-            <a:off x="274320" y="914400"/>
-            <a:ext cx="8595300" cy="4114800"/>
-          </a:xfrm>
-          <a:prstGeom prst="rect">
-            <a:avLst/>
-          </a:prstGeom>
-        </p:spPr>
-        <p:txBody>
-          <a:bodyPr anchorCtr="0" anchor="t" bIns="0" lIns="0" spcFirstLastPara="1" rIns="0" wrap="square" tIns="0">
-            <a:noAutofit/>
-          </a:bodyPr>
-          <a:lstStyle/>
-          <a:p>
-            <a:pPr indent="0" lvl="0" marL="0" rtl="0" algn="l">
-              <a:spcBef>
-                <a:spcPts val="0"/>
-              </a:spcBef>
-              <a:spcAft>
-                <a:spcPts val="0"/>
-              </a:spcAft>
-              <a:buNone/>
-            </a:pPr>
-            <a:r>
-              <a:rPr b="1" lang="en"/>
-              <a:t>Class session</a:t>
-            </a:r>
-            <a:endParaRPr b="1"/>
-          </a:p>
-          <a:p>
-            <a:pPr indent="-342900" lvl="0" marL="457200" rtl="0" algn="l">
-              <a:spcBef>
-                <a:spcPts val="1200"/>
-              </a:spcBef>
-              <a:spcAft>
-                <a:spcPts val="0"/>
-              </a:spcAft>
-              <a:buSzPts val="1800"/>
-              <a:buChar char="●"/>
-            </a:pPr>
-            <a:r>
-              <a:rPr lang="en"/>
-              <a:t>Review of last week (quiz)</a:t>
-            </a:r>
-            <a:endParaRPr/>
-          </a:p>
-          <a:p>
-            <a:pPr indent="-342900" lvl="0" marL="457200" rtl="0" algn="l">
-              <a:spcBef>
-                <a:spcPts val="0"/>
-              </a:spcBef>
-              <a:spcAft>
-                <a:spcPts val="0"/>
-              </a:spcAft>
-              <a:buSzPts val="1800"/>
-              <a:buChar char="●"/>
-            </a:pPr>
-            <a:r>
-              <a:rPr lang="en"/>
-              <a:t>Presentation of this week’s topic</a:t>
-            </a:r>
-            <a:endParaRPr/>
-          </a:p>
-          <a:p>
-            <a:pPr indent="0" lvl="0" marL="0" rtl="0" algn="l">
-              <a:spcBef>
-                <a:spcPts val="1200"/>
-              </a:spcBef>
-              <a:spcAft>
-                <a:spcPts val="0"/>
-              </a:spcAft>
-              <a:buNone/>
-            </a:pPr>
-            <a:r>
-              <a:rPr b="1" lang="en"/>
-              <a:t>Homework review</a:t>
-            </a:r>
-            <a:endParaRPr b="1"/>
-          </a:p>
-          <a:p>
-            <a:pPr indent="-342900" lvl="0" marL="457200" rtl="0" algn="l">
-              <a:spcBef>
-                <a:spcPts val="1200"/>
-              </a:spcBef>
-              <a:spcAft>
-                <a:spcPts val="0"/>
-              </a:spcAft>
-              <a:buSzPts val="1800"/>
-              <a:buChar char="●"/>
-            </a:pPr>
-            <a:r>
-              <a:rPr lang="en" strike="sngStrike"/>
-              <a:t>Discussion of articles</a:t>
-            </a:r>
-            <a:endParaRPr strike="sngStrike"/>
-          </a:p>
-          <a:p>
-            <a:pPr indent="-342900" lvl="0" marL="457200" rtl="0" algn="l">
-              <a:spcBef>
-                <a:spcPts val="0"/>
-              </a:spcBef>
-              <a:spcAft>
-                <a:spcPts val="0"/>
-              </a:spcAft>
-              <a:buSzPts val="1800"/>
-              <a:buChar char="●"/>
-            </a:pPr>
-            <a:r>
-              <a:rPr lang="en"/>
-              <a:t>Discussion of homework</a:t>
-            </a:r>
-            <a:endParaRPr/>
-          </a:p>
-          <a:p>
-            <a:pPr indent="0" lvl="0" marL="0" rtl="0" algn="l">
-              <a:spcBef>
-                <a:spcPts val="1200"/>
-              </a:spcBef>
-              <a:spcAft>
-                <a:spcPts val="0"/>
-              </a:spcAft>
-              <a:buNone/>
-            </a:pPr>
-            <a:r>
-              <a:rPr b="1" lang="en"/>
-              <a:t>Homework</a:t>
-            </a:r>
-            <a:endParaRPr b="1"/>
-          </a:p>
-          <a:p>
-            <a:pPr indent="-342900" lvl="0" marL="457200" rtl="0" algn="l">
-              <a:spcBef>
-                <a:spcPts val="1200"/>
-              </a:spcBef>
-              <a:spcAft>
-                <a:spcPts val="0"/>
-              </a:spcAft>
-              <a:buSzPts val="1800"/>
-              <a:buChar char="●"/>
-            </a:pPr>
-            <a:r>
-              <a:rPr lang="en"/>
-              <a:t>See Course organization doc</a:t>
-            </a:r>
-            <a:endParaRPr/>
-          </a:p>
-          <a:p>
-            <a:pPr indent="-342900" lvl="0" marL="457200" rtl="0" algn="l">
-              <a:spcBef>
-                <a:spcPts val="0"/>
-              </a:spcBef>
-              <a:spcAft>
-                <a:spcPts val="0"/>
-              </a:spcAft>
-              <a:buSzPts val="1800"/>
-              <a:buChar char="●"/>
-            </a:pPr>
-            <a:r>
-              <a:rPr lang="en"/>
-              <a:t>Self-organized</a:t>
-            </a:r>
-            <a:endParaRPr/>
-          </a:p>
-          <a:p>
-            <a:pPr indent="0" lvl="0" marL="0" rtl="0" algn="l">
-              <a:spcBef>
-                <a:spcPts val="1200"/>
-              </a:spcBef>
-              <a:spcAft>
-                <a:spcPts val="1200"/>
-              </a:spcAft>
-              <a:buNone/>
-            </a:pPr>
-            <a:r>
-              <a:t/>
-            </a:r>
-            <a:endParaRPr/>
-          </a:p>
-        </p:txBody>
-      </p:sp>
-    </p:spTree>
-  </p:cSld>
-  <p:clrMapOvr>
-    <a:masterClrMapping/>
-  </p:clrMapOvr>
-</p:sld>
-</file>
-
-<file path=ppt/slides/slide17.xml><?xml version="1.0" encoding="utf-8"?>
-<p:sld xmlns:a="http://schemas.openxmlformats.org/drawingml/2006/main" xmlns:r="http://schemas.openxmlformats.org/officeDocument/2006/relationships" xmlns:mc="http://schemas.openxmlformats.org/markup-compatibility/2006" xmlns:mv="urn:schemas-microsoft-com:mac:vml" xmlns:p="http://schemas.openxmlformats.org/presentationml/2006/main" xmlns:c="http://schemas.openxmlformats.org/drawingml/2006/chart" xmlns:dgm="http://schemas.openxmlformats.org/drawingml/2006/diagram" xmlns:o="urn:schemas-microsoft-com:office:office" xmlns:v="urn:schemas-microsoft-com:vml" xmlns:pvml="urn:schemas-microsoft-com:office:powerpoint" xmlns:com="http://schemas.openxmlformats.org/drawingml/2006/compatibility" xmlns:p14="http://schemas.microsoft.com/office/powerpoint/2010/main" xmlns:p15="http://schemas.microsoft.com/office/powerpoint/2012/main" xmlns:ahyp="http://schemas.microsoft.com/office/drawing/2018/hyperlinkcolor">
-  <p:cSld>
-    <p:spTree>
-      <p:nvGrpSpPr>
-        <p:cNvPr id="152" name="Shape 152"/>
-        <p:cNvGrpSpPr/>
-        <p:nvPr/>
-      </p:nvGrpSpPr>
-      <p:grpSpPr>
-        <a:xfrm>
-          <a:off x="0" y="0"/>
-          <a:ext cx="0" cy="0"/>
-          <a:chOff x="0" y="0"/>
-          <a:chExt cx="0" cy="0"/>
-        </a:xfrm>
-      </p:grpSpPr>
-      <p:sp>
-        <p:nvSpPr>
-          <p:cNvPr id="153" name="Google Shape;153;p24"/>
-          <p:cNvSpPr txBox="1"/>
-          <p:nvPr>
-            <p:ph type="title"/>
-          </p:nvPr>
-        </p:nvSpPr>
-        <p:spPr>
-          <a:xfrm>
-            <a:off x="0" y="0"/>
-            <a:ext cx="9144000" cy="685800"/>
-          </a:xfrm>
-          <a:prstGeom prst="rect">
-            <a:avLst/>
-          </a:prstGeom>
-        </p:spPr>
-        <p:txBody>
-          <a:bodyPr anchorCtr="0" anchor="ctr" bIns="91425" lIns="274300" spcFirstLastPara="1" rIns="91425" wrap="square" tIns="91425">
-            <a:noAutofit/>
-          </a:bodyPr>
-          <a:lstStyle/>
-          <a:p>
-            <a:pPr indent="0" lvl="0" marL="0" rtl="0" algn="l">
-              <a:spcBef>
-                <a:spcPts val="0"/>
-              </a:spcBef>
-              <a:spcAft>
-                <a:spcPts val="0"/>
-              </a:spcAft>
-              <a:buNone/>
-            </a:pPr>
-            <a:r>
-              <a:rPr lang="en"/>
-              <a:t>Course Communication</a:t>
-            </a:r>
-            <a:endParaRPr/>
-          </a:p>
-        </p:txBody>
-      </p:sp>
-      <p:sp>
-        <p:nvSpPr>
-          <p:cNvPr id="154" name="Google Shape;154;p24"/>
-          <p:cNvSpPr txBox="1"/>
-          <p:nvPr>
-            <p:ph idx="1" type="body"/>
-          </p:nvPr>
-        </p:nvSpPr>
-        <p:spPr>
-          <a:xfrm>
-            <a:off x="274320" y="914400"/>
-            <a:ext cx="8595300" cy="4114800"/>
-          </a:xfrm>
-          <a:prstGeom prst="rect">
-            <a:avLst/>
-          </a:prstGeom>
-        </p:spPr>
-        <p:txBody>
-          <a:bodyPr anchorCtr="0" anchor="t" bIns="0" lIns="0" spcFirstLastPara="1" rIns="0" wrap="square" tIns="0">
-            <a:noAutofit/>
-          </a:bodyPr>
-          <a:lstStyle/>
-          <a:p>
-            <a:pPr indent="0" lvl="0" marL="0" rtl="0" algn="l">
-              <a:spcBef>
-                <a:spcPts val="0"/>
-              </a:spcBef>
-              <a:spcAft>
-                <a:spcPts val="0"/>
-              </a:spcAft>
-              <a:buClr>
-                <a:schemeClr val="dk1"/>
-              </a:buClr>
-              <a:buSzPts val="1100"/>
-              <a:buFont typeface="Arial"/>
-              <a:buNone/>
-            </a:pPr>
-            <a:r>
-              <a:rPr lang="en"/>
-              <a:t>Announcements by email</a:t>
-            </a:r>
-            <a:endParaRPr/>
-          </a:p>
-          <a:p>
-            <a:pPr indent="-342900" lvl="0" marL="457200" rtl="0" algn="l">
-              <a:spcBef>
-                <a:spcPts val="1200"/>
-              </a:spcBef>
-              <a:spcAft>
-                <a:spcPts val="0"/>
-              </a:spcAft>
-              <a:buSzPts val="1800"/>
-              <a:buChar char="●"/>
-            </a:pPr>
-            <a:r>
-              <a:rPr lang="en"/>
-              <a:t>Through course management system</a:t>
-            </a:r>
-            <a:endParaRPr/>
-          </a:p>
-          <a:p>
-            <a:pPr indent="0" lvl="0" marL="0" rtl="0" algn="l">
-              <a:spcBef>
-                <a:spcPts val="1200"/>
-              </a:spcBef>
-              <a:spcAft>
-                <a:spcPts val="0"/>
-              </a:spcAft>
-              <a:buNone/>
-            </a:pPr>
-            <a:r>
-              <a:rPr lang="en"/>
-              <a:t>Questions to teaching team</a:t>
-            </a:r>
-            <a:endParaRPr/>
-          </a:p>
-          <a:p>
-            <a:pPr indent="-342900" lvl="0" marL="457200" rtl="0" algn="l">
-              <a:spcBef>
-                <a:spcPts val="1200"/>
-              </a:spcBef>
-              <a:spcAft>
-                <a:spcPts val="0"/>
-              </a:spcAft>
-              <a:buSzPts val="1800"/>
-              <a:buChar char="●"/>
-            </a:pPr>
-            <a:r>
-              <a:rPr lang="en"/>
-              <a:t>Please ask your question in the course forum</a:t>
-            </a:r>
-            <a:endParaRPr/>
-          </a:p>
-          <a:p>
-            <a:pPr indent="-342900" lvl="0" marL="457200" rtl="0" algn="l">
-              <a:spcBef>
-                <a:spcPts val="0"/>
-              </a:spcBef>
-              <a:spcAft>
-                <a:spcPts val="0"/>
-              </a:spcAft>
-              <a:buSzPts val="1800"/>
-              <a:buChar char="●"/>
-            </a:pPr>
-            <a:r>
-              <a:rPr lang="en"/>
-              <a:t>For private questions, use the teaching team email alias</a:t>
-            </a:r>
-            <a:endParaRPr/>
-          </a:p>
-          <a:p>
-            <a:pPr indent="0" lvl="0" marL="0" rtl="0" algn="l">
-              <a:spcBef>
-                <a:spcPts val="1200"/>
-              </a:spcBef>
-              <a:spcAft>
-                <a:spcPts val="1200"/>
-              </a:spcAft>
-              <a:buNone/>
-            </a:pPr>
-            <a:r>
-              <a:rPr lang="en"/>
-              <a:t>Non-urgent questions will be answered in class</a:t>
-            </a:r>
-            <a:endParaRPr/>
-          </a:p>
-        </p:txBody>
-      </p:sp>
-      <p:sp>
-        <p:nvSpPr>
-          <p:cNvPr id="155" name="Google Shape;155;p24"/>
-          <p:cNvSpPr txBox="1"/>
-          <p:nvPr>
-            <p:ph idx="12" type="sldNum"/>
-          </p:nvPr>
-        </p:nvSpPr>
-        <p:spPr>
-          <a:xfrm>
-            <a:off x="7315209" y="4229101"/>
-            <a:ext cx="1828800" cy="914400"/>
-          </a:xfrm>
-          <a:prstGeom prst="rect">
-            <a:avLst/>
-          </a:prstGeom>
-        </p:spPr>
-        <p:txBody>
-          <a:bodyPr anchorCtr="0" anchor="b" bIns="91425" lIns="91425" spcFirstLastPara="1" rIns="91425" wrap="square" tIns="91425">
-            <a:noAutofit/>
-          </a:bodyPr>
-          <a:lstStyle/>
-          <a:p>
-            <a:pPr indent="0" lvl="0" marL="0" rtl="0" algn="r">
-              <a:spcBef>
-                <a:spcPts val="0"/>
-              </a:spcBef>
-              <a:spcAft>
-                <a:spcPts val="0"/>
-              </a:spcAft>
-              <a:buNone/>
-            </a:pPr>
-            <a:fld id="{00000000-1234-1234-1234-123412341234}" type="slidenum">
-              <a:rPr lang="en"/>
-              <a:t>‹#›</a:t>
-            </a:fld>
-            <a:endParaRPr/>
-          </a:p>
-          <a:p>
-            <a:pPr indent="0" lvl="0" marL="0" rtl="0" algn="r">
-              <a:spcBef>
-                <a:spcPts val="0"/>
-              </a:spcBef>
-              <a:spcAft>
-                <a:spcPts val="0"/>
-              </a:spcAft>
-              <a:buClr>
-                <a:schemeClr val="dk1"/>
-              </a:buClr>
-              <a:buSzPts val="1100"/>
-              <a:buFont typeface="Arial"/>
-              <a:buNone/>
-            </a:pPr>
-            <a:r>
-              <a:rPr b="0" lang="en" sz="1000" u="sng">
-                <a:solidFill>
-                  <a:schemeClr val="hlink"/>
-                </a:solidFill>
-                <a:hlinkClick r:id="rId3"/>
-              </a:rPr>
-              <a:t>https://profriehle.com</a:t>
-            </a:r>
-            <a:endParaRPr b="0" sz="1000"/>
-          </a:p>
-        </p:txBody>
-      </p:sp>
-    </p:spTree>
-  </p:cSld>
-  <p:clrMapOvr>
-    <a:masterClrMapping/>
-  </p:clrMapOvr>
-</p:sld>
-</file>
-
-<file path=ppt/slides/slide18.xml><?xml version="1.0" encoding="utf-8"?>
 <p:sld xmlns:a="http://schemas.openxmlformats.org/drawingml/2006/main" xmlns:r="http://schemas.openxmlformats.org/officeDocument/2006/relationships" xmlns:mc="http://schemas.openxmlformats.org/markup-compatibility/2006" xmlns:mv="urn:schemas-microsoft-com:mac:vml" xmlns:p="http://schemas.openxmlformats.org/presentationml/2006/main" xmlns:c="http://schemas.openxmlformats.org/drawingml/2006/chart" xmlns:dgm="http://schemas.openxmlformats.org/drawingml/2006/diagram" xmlns:o="urn:schemas-microsoft-com:office:office" xmlns:v="urn:schemas-microsoft-com:vml" xmlns:pvml="urn:schemas-microsoft-com:office:powerpoint" xmlns:com="http://schemas.openxmlformats.org/drawingml/2006/compatibility" xmlns:p14="http://schemas.microsoft.com/office/powerpoint/2010/main" xmlns:p15="http://schemas.microsoft.com/office/powerpoint/2012/main" xmlns:ahyp="http://schemas.microsoft.com/office/drawing/2018/hyperlinkcolor">
   <p:cSld>
     <p:spTree>
@@ -8192,39 +8331,39 @@
       </p:grpSpPr>
       <p:sp>
         <p:nvSpPr>
-          <p:cNvPr id="160" name="Google Shape;160;p25"/>
+          <p:cNvPr id="160" name="Google Shape;160;p23"/>
           <p:cNvSpPr txBox="1"/>
           <p:nvPr>
-            <p:ph type="ctrTitle"/>
+            <p:ph type="title"/>
           </p:nvPr>
         </p:nvSpPr>
         <p:spPr>
           <a:xfrm>
             <a:off x="0" y="0"/>
-            <a:ext cx="9144000" cy="2388900"/>
+            <a:ext cx="9144000" cy="685800"/>
           </a:xfrm>
           <a:prstGeom prst="rect">
             <a:avLst/>
           </a:prstGeom>
         </p:spPr>
         <p:txBody>
-          <a:bodyPr anchorCtr="0" anchor="b" bIns="274300" lIns="91425" spcFirstLastPara="1" rIns="91425" wrap="square" tIns="91425">
+          <a:bodyPr anchorCtr="0" anchor="ctr" bIns="91425" lIns="274300" spcFirstLastPara="1" rIns="91425" wrap="square" tIns="91425">
             <a:noAutofit/>
           </a:bodyPr>
           <a:lstStyle/>
           <a:p>
-            <a:pPr indent="0" lvl="0" marL="0" rtl="0" algn="ctr">
-              <a:spcBef>
-                <a:spcPts val="0"/>
-              </a:spcBef>
-              <a:spcAft>
-                <a:spcPts val="0"/>
-              </a:spcAft>
-              <a:buNone/>
-            </a:pPr>
-            <a:r>
-              <a:rPr lang="en"/>
-              <a:t>Thank you! Any questions?</a:t>
+            <a:pPr indent="0" lvl="0" marL="0" rtl="0" algn="l">
+              <a:spcBef>
+                <a:spcPts val="0"/>
+              </a:spcBef>
+              <a:spcAft>
+                <a:spcPts val="0"/>
+              </a:spcAft>
+              <a:buNone/>
+            </a:pPr>
+            <a:r>
+              <a:rPr lang="en"/>
+              <a:t>Expectation Management (Winter 2025/26)</a:t>
             </a:r>
             <a:endParaRPr/>
           </a:p>
@@ -8232,39 +8371,232 @@
       </p:sp>
       <p:sp>
         <p:nvSpPr>
-          <p:cNvPr id="161" name="Google Shape;161;p25"/>
+          <p:cNvPr id="161" name="Google Shape;161;p23"/>
           <p:cNvSpPr txBox="1"/>
           <p:nvPr>
-            <p:ph idx="1" type="subTitle"/>
+            <p:ph idx="12" type="sldNum"/>
           </p:nvPr>
         </p:nvSpPr>
         <p:spPr>
           <a:xfrm>
-            <a:off x="0" y="2569475"/>
-            <a:ext cx="9144000" cy="2574000"/>
+            <a:off x="7315202" y="4416550"/>
+            <a:ext cx="1828800" cy="731400"/>
           </a:xfrm>
           <a:prstGeom prst="rect">
             <a:avLst/>
           </a:prstGeom>
         </p:spPr>
         <p:txBody>
-          <a:bodyPr anchorCtr="0" anchor="t" bIns="91425" lIns="91425" spcFirstLastPara="1" rIns="91425" wrap="square" tIns="274300">
+          <a:bodyPr anchorCtr="0" anchor="b" bIns="91425" lIns="91425" spcFirstLastPara="1" rIns="91425" wrap="square" tIns="91425">
             <a:noAutofit/>
           </a:bodyPr>
           <a:lstStyle/>
           <a:p>
-            <a:pPr indent="0" lvl="0" marL="0" rtl="0" algn="ctr">
-              <a:lnSpc>
-                <a:spcPct val="150000"/>
-              </a:lnSpc>
-              <a:spcBef>
-                <a:spcPts val="0"/>
-              </a:spcBef>
-              <a:spcAft>
-                <a:spcPts val="0"/>
-              </a:spcAft>
-              <a:buNone/>
-            </a:pPr>
+            <a:pPr indent="0" lvl="0" marL="0" rtl="0" algn="r">
+              <a:spcBef>
+                <a:spcPts val="0"/>
+              </a:spcBef>
+              <a:spcAft>
+                <a:spcPts val="0"/>
+              </a:spcAft>
+              <a:buNone/>
+            </a:pPr>
+            <a:fld id="{00000000-1234-1234-1234-123412341234}" type="slidenum">
+              <a:rPr lang="en"/>
+              <a:t>‹#›</a:t>
+            </a:fld>
+            <a:endParaRPr/>
+          </a:p>
+          <a:p>
+            <a:pPr indent="0" lvl="0" marL="0" rtl="0" algn="r">
+              <a:spcBef>
+                <a:spcPts val="0"/>
+              </a:spcBef>
+              <a:spcAft>
+                <a:spcPts val="0"/>
+              </a:spcAft>
+              <a:buNone/>
+            </a:pPr>
+            <a:r>
+              <a:rPr b="0" lang="en" sz="900" u="sng">
+                <a:solidFill>
+                  <a:schemeClr val="hlink"/>
+                </a:solidFill>
+                <a:hlinkClick r:id="rId3"/>
+              </a:rPr>
+              <a:t>https://oss.cs.fau.de</a:t>
+            </a:r>
+            <a:r>
+              <a:rPr b="0" lang="en" sz="900">
+                <a:solidFill>
+                  <a:schemeClr val="dk2"/>
+                </a:solidFill>
+              </a:rPr>
+              <a:t> </a:t>
+            </a:r>
+            <a:endParaRPr b="0" sz="900">
+              <a:solidFill>
+                <a:schemeClr val="dk2"/>
+              </a:solidFill>
+            </a:endParaRPr>
+          </a:p>
+        </p:txBody>
+      </p:sp>
+      <p:sp>
+        <p:nvSpPr>
+          <p:cNvPr id="162" name="Google Shape;162;p23"/>
+          <p:cNvSpPr txBox="1"/>
+          <p:nvPr>
+            <p:ph idx="1" type="body"/>
+          </p:nvPr>
+        </p:nvSpPr>
+        <p:spPr>
+          <a:xfrm>
+            <a:off x="274320" y="914400"/>
+            <a:ext cx="8595300" cy="4114800"/>
+          </a:xfrm>
+          <a:prstGeom prst="rect">
+            <a:avLst/>
+          </a:prstGeom>
+        </p:spPr>
+        <p:txBody>
+          <a:bodyPr anchorCtr="0" anchor="t" bIns="0" lIns="0" spcFirstLastPara="1" rIns="0" wrap="square" tIns="0">
+            <a:noAutofit/>
+          </a:bodyPr>
+          <a:lstStyle/>
+          <a:p>
+            <a:pPr indent="0" lvl="0" marL="0" rtl="0" algn="l">
+              <a:spcBef>
+                <a:spcPts val="0"/>
+              </a:spcBef>
+              <a:spcAft>
+                <a:spcPts val="0"/>
+              </a:spcAft>
+              <a:buNone/>
+            </a:pPr>
+            <a:r>
+              <a:rPr lang="en"/>
+              <a:t>We did not finish ADAP preparations; this instance is experimental</a:t>
+            </a:r>
+            <a:endParaRPr/>
+          </a:p>
+          <a:p>
+            <a:pPr indent="0" lvl="0" marL="0" rtl="0" algn="l">
+              <a:spcBef>
+                <a:spcPts val="1200"/>
+              </a:spcBef>
+              <a:spcAft>
+                <a:spcPts val="0"/>
+              </a:spcAft>
+              <a:buNone/>
+            </a:pPr>
+            <a:r>
+              <a:rPr lang="en"/>
+              <a:t>You will not receive any homework feedback during the course</a:t>
+            </a:r>
+            <a:endParaRPr/>
+          </a:p>
+          <a:p>
+            <a:pPr indent="0" lvl="0" marL="0" rtl="0" algn="l">
+              <a:spcBef>
+                <a:spcPts val="1200"/>
+              </a:spcBef>
+              <a:spcAft>
+                <a:spcPts val="1200"/>
+              </a:spcAft>
+              <a:buNone/>
+            </a:pPr>
+            <a:r>
+              <a:rPr lang="en"/>
+              <a:t>Please take note of these restrictions; we recommend you try next year</a:t>
+            </a:r>
+            <a:endParaRPr/>
+          </a:p>
+        </p:txBody>
+      </p:sp>
+    </p:spTree>
+  </p:cSld>
+  <p:clrMapOvr>
+    <a:masterClrMapping/>
+  </p:clrMapOvr>
+</p:sld>
+</file>
+
+<file path=ppt/slides/slide17.xml><?xml version="1.0" encoding="utf-8"?>
+<p:sld xmlns:a="http://schemas.openxmlformats.org/drawingml/2006/main" xmlns:r="http://schemas.openxmlformats.org/officeDocument/2006/relationships" xmlns:mc="http://schemas.openxmlformats.org/markup-compatibility/2006" xmlns:mv="urn:schemas-microsoft-com:mac:vml" xmlns:p="http://schemas.openxmlformats.org/presentationml/2006/main" xmlns:c="http://schemas.openxmlformats.org/drawingml/2006/chart" xmlns:dgm="http://schemas.openxmlformats.org/drawingml/2006/diagram" xmlns:o="urn:schemas-microsoft-com:office:office" xmlns:v="urn:schemas-microsoft-com:vml" xmlns:pvml="urn:schemas-microsoft-com:office:powerpoint" xmlns:com="http://schemas.openxmlformats.org/drawingml/2006/compatibility" xmlns:p14="http://schemas.microsoft.com/office/powerpoint/2010/main" xmlns:p15="http://schemas.microsoft.com/office/powerpoint/2012/main" xmlns:ahyp="http://schemas.microsoft.com/office/drawing/2018/hyperlinkcolor">
+  <p:cSld>
+    <p:spTree>
+      <p:nvGrpSpPr>
+        <p:cNvPr id="166" name="Shape 166"/>
+        <p:cNvGrpSpPr/>
+        <p:nvPr/>
+      </p:nvGrpSpPr>
+      <p:grpSpPr>
+        <a:xfrm>
+          <a:off x="0" y="0"/>
+          <a:ext cx="0" cy="0"/>
+          <a:chOff x="0" y="0"/>
+          <a:chExt cx="0" cy="0"/>
+        </a:xfrm>
+      </p:grpSpPr>
+      <p:sp>
+        <p:nvSpPr>
+          <p:cNvPr id="167" name="Google Shape;167;p24"/>
+          <p:cNvSpPr txBox="1"/>
+          <p:nvPr>
+            <p:ph idx="1" type="body"/>
+          </p:nvPr>
+        </p:nvSpPr>
+        <p:spPr>
+          <a:xfrm>
+            <a:off x="274320" y="914400"/>
+            <a:ext cx="8595300" cy="4114800"/>
+          </a:xfrm>
+          <a:prstGeom prst="rect">
+            <a:avLst/>
+          </a:prstGeom>
+        </p:spPr>
+        <p:txBody>
+          <a:bodyPr anchorCtr="0" anchor="t" bIns="0" lIns="0" spcFirstLastPara="1" rIns="0" wrap="square" tIns="0">
+            <a:noAutofit/>
+          </a:bodyPr>
+          <a:lstStyle/>
+          <a:p>
+            <a:pPr indent="0" lvl="0" marL="0" rtl="0" algn="l">
+              <a:spcBef>
+                <a:spcPts val="0"/>
+              </a:spcBef>
+              <a:spcAft>
+                <a:spcPts val="0"/>
+              </a:spcAft>
+              <a:buClr>
+                <a:schemeClr val="dk1"/>
+              </a:buClr>
+              <a:buSzPts val="1100"/>
+              <a:buFont typeface="Arial"/>
+              <a:buNone/>
+            </a:pPr>
+            <a:r>
+              <a:rPr b="1" lang="en"/>
+              <a:t>Course organization</a:t>
+            </a:r>
+            <a:endParaRPr b="1"/>
+          </a:p>
+          <a:p>
+            <a:pPr indent="-342900" lvl="0" marL="457200" rtl="0" algn="l">
+              <a:spcBef>
+                <a:spcPts val="1200"/>
+              </a:spcBef>
+              <a:spcAft>
+                <a:spcPts val="0"/>
+              </a:spcAft>
+              <a:buSzPts val="1800"/>
+              <a:buChar char="●"/>
+            </a:pPr>
+            <a:r>
+              <a:rPr lang="en"/>
+              <a:t>See </a:t>
+            </a:r>
             <a:r>
               <a:rPr lang="en" u="sng">
                 <a:solidFill>
@@ -8272,22 +8604,167 @@
                 </a:solidFill>
                 <a:hlinkClick r:id="rId3"/>
               </a:rPr>
-              <a:t>dirk.riehle@fau.de</a:t>
-            </a:r>
-            <a:r>
-              <a:rPr lang="en"/>
-              <a:t> </a:t>
-            </a:r>
-            <a:r>
-              <a:rPr lang="en" sz="2400"/>
-              <a:t>–</a:t>
-            </a:r>
-            <a:r>
-              <a:rPr lang="en"/>
-              <a:t> </a:t>
-            </a:r>
-            <a:r>
-              <a:rPr lang="en" u="sng">
+              <a:t>https://adap.uni1.de</a:t>
+            </a:r>
+            <a:r>
+              <a:rPr lang="en"/>
+              <a:t>   </a:t>
+            </a:r>
+            <a:endParaRPr/>
+          </a:p>
+          <a:p>
+            <a:pPr indent="0" lvl="0" marL="0" rtl="0" algn="l">
+              <a:spcBef>
+                <a:spcPts val="1200"/>
+              </a:spcBef>
+              <a:spcAft>
+                <a:spcPts val="0"/>
+              </a:spcAft>
+              <a:buClr>
+                <a:schemeClr val="dk1"/>
+              </a:buClr>
+              <a:buSzPts val="1100"/>
+              <a:buFont typeface="Arial"/>
+              <a:buNone/>
+            </a:pPr>
+            <a:r>
+              <a:rPr b="1" lang="en"/>
+              <a:t>Course schedule</a:t>
+            </a:r>
+            <a:endParaRPr b="1"/>
+          </a:p>
+          <a:p>
+            <a:pPr indent="-342900" lvl="0" marL="457200" rtl="0" algn="l">
+              <a:spcBef>
+                <a:spcPts val="1200"/>
+              </a:spcBef>
+              <a:spcAft>
+                <a:spcPts val="0"/>
+              </a:spcAft>
+              <a:buSzPts val="1800"/>
+              <a:buChar char="●"/>
+            </a:pPr>
+            <a:r>
+              <a:rPr lang="en"/>
+              <a:t>See </a:t>
+            </a:r>
+            <a:r>
+              <a:rPr b="1" lang="en"/>
+              <a:t>Schedule</a:t>
+            </a:r>
+            <a:r>
+              <a:rPr lang="en"/>
+              <a:t> tab on Course organization doc</a:t>
+            </a:r>
+            <a:endParaRPr/>
+          </a:p>
+          <a:p>
+            <a:pPr indent="0" lvl="0" marL="0" rtl="0" algn="l">
+              <a:spcBef>
+                <a:spcPts val="1200"/>
+              </a:spcBef>
+              <a:spcAft>
+                <a:spcPts val="1200"/>
+              </a:spcAft>
+              <a:buNone/>
+            </a:pPr>
+            <a:r>
+              <a:t/>
+            </a:r>
+            <a:endParaRPr/>
+          </a:p>
+        </p:txBody>
+      </p:sp>
+      <p:sp>
+        <p:nvSpPr>
+          <p:cNvPr id="168" name="Google Shape;168;p24"/>
+          <p:cNvSpPr txBox="1"/>
+          <p:nvPr>
+            <p:ph type="title"/>
+          </p:nvPr>
+        </p:nvSpPr>
+        <p:spPr>
+          <a:xfrm>
+            <a:off x="0" y="0"/>
+            <a:ext cx="9144000" cy="685800"/>
+          </a:xfrm>
+          <a:prstGeom prst="rect">
+            <a:avLst/>
+          </a:prstGeom>
+        </p:spPr>
+        <p:txBody>
+          <a:bodyPr anchorCtr="0" anchor="ctr" bIns="91425" lIns="274300" spcFirstLastPara="1" rIns="91425" wrap="square" tIns="91425">
+            <a:noAutofit/>
+          </a:bodyPr>
+          <a:lstStyle/>
+          <a:p>
+            <a:pPr indent="0" lvl="0" marL="0" rtl="0" algn="l">
+              <a:spcBef>
+                <a:spcPts val="0"/>
+              </a:spcBef>
+              <a:spcAft>
+                <a:spcPts val="0"/>
+              </a:spcAft>
+              <a:buNone/>
+            </a:pPr>
+            <a:r>
+              <a:rPr lang="en"/>
+              <a:t>Course Organization</a:t>
+            </a:r>
+            <a:endParaRPr/>
+          </a:p>
+        </p:txBody>
+      </p:sp>
+      <p:sp>
+        <p:nvSpPr>
+          <p:cNvPr id="169" name="Google Shape;169;p24"/>
+          <p:cNvSpPr txBox="1"/>
+          <p:nvPr>
+            <p:ph idx="12" type="sldNum"/>
+          </p:nvPr>
+        </p:nvSpPr>
+        <p:spPr>
+          <a:xfrm>
+            <a:off x="7315202" y="4416550"/>
+            <a:ext cx="1828800" cy="731400"/>
+          </a:xfrm>
+          <a:prstGeom prst="rect">
+            <a:avLst/>
+          </a:prstGeom>
+        </p:spPr>
+        <p:txBody>
+          <a:bodyPr anchorCtr="0" anchor="b" bIns="91425" lIns="91425" spcFirstLastPara="1" rIns="91425" wrap="square" tIns="91425">
+            <a:noAutofit/>
+          </a:bodyPr>
+          <a:lstStyle/>
+          <a:p>
+            <a:pPr indent="0" lvl="0" marL="0" rtl="0" algn="r">
+              <a:spcBef>
+                <a:spcPts val="0"/>
+              </a:spcBef>
+              <a:spcAft>
+                <a:spcPts val="0"/>
+              </a:spcAft>
+              <a:buNone/>
+            </a:pPr>
+            <a:fld id="{00000000-1234-1234-1234-123412341234}" type="slidenum">
+              <a:rPr lang="en"/>
+              <a:t>‹#›</a:t>
+            </a:fld>
+            <a:endParaRPr/>
+          </a:p>
+          <a:p>
+            <a:pPr indent="0" lvl="0" marL="0" rtl="0" algn="r">
+              <a:spcBef>
+                <a:spcPts val="0"/>
+              </a:spcBef>
+              <a:spcAft>
+                <a:spcPts val="0"/>
+              </a:spcAft>
+              <a:buNone/>
+            </a:pPr>
+            <a:r>
+              <a:rPr b="0" lang="en" sz="900" u="sng">
                 <a:solidFill>
                   <a:schemeClr val="hlink"/>
                 </a:solidFill>
@@ -8295,57 +8772,346 @@
               </a:rPr>
               <a:t>https://oss.cs.fau.de</a:t>
             </a:r>
-            <a:endParaRPr/>
-          </a:p>
-          <a:p>
-            <a:pPr indent="0" lvl="0" marL="0" rtl="0" algn="ctr">
-              <a:lnSpc>
-                <a:spcPct val="150000"/>
-              </a:lnSpc>
-              <a:spcBef>
-                <a:spcPts val="0"/>
-              </a:spcBef>
-              <a:spcAft>
-                <a:spcPts val="0"/>
-              </a:spcAft>
-              <a:buNone/>
-            </a:pPr>
-            <a:r>
-              <a:rPr lang="en" sz="2400" u="sng">
+            <a:r>
+              <a:rPr b="0" lang="en" sz="900">
+                <a:solidFill>
+                  <a:schemeClr val="dk2"/>
+                </a:solidFill>
+              </a:rPr>
+              <a:t> </a:t>
+            </a:r>
+            <a:endParaRPr b="0" sz="900">
+              <a:solidFill>
+                <a:schemeClr val="dk2"/>
+              </a:solidFill>
+            </a:endParaRPr>
+          </a:p>
+        </p:txBody>
+      </p:sp>
+    </p:spTree>
+  </p:cSld>
+  <p:clrMapOvr>
+    <a:masterClrMapping/>
+  </p:clrMapOvr>
+</p:sld>
+</file>
+
+<file path=ppt/slides/slide18.xml><?xml version="1.0" encoding="utf-8"?>
+<p:sld xmlns:a="http://schemas.openxmlformats.org/drawingml/2006/main" xmlns:r="http://schemas.openxmlformats.org/officeDocument/2006/relationships" xmlns:mc="http://schemas.openxmlformats.org/markup-compatibility/2006" xmlns:mv="urn:schemas-microsoft-com:mac:vml" xmlns:p="http://schemas.openxmlformats.org/presentationml/2006/main" xmlns:c="http://schemas.openxmlformats.org/drawingml/2006/chart" xmlns:dgm="http://schemas.openxmlformats.org/drawingml/2006/diagram" xmlns:o="urn:schemas-microsoft-com:office:office" xmlns:v="urn:schemas-microsoft-com:vml" xmlns:pvml="urn:schemas-microsoft-com:office:powerpoint" xmlns:com="http://schemas.openxmlformats.org/drawingml/2006/compatibility" xmlns:p14="http://schemas.microsoft.com/office/powerpoint/2010/main" xmlns:p15="http://schemas.microsoft.com/office/powerpoint/2012/main" xmlns:ahyp="http://schemas.microsoft.com/office/drawing/2018/hyperlinkcolor">
+  <p:cSld>
+    <p:spTree>
+      <p:nvGrpSpPr>
+        <p:cNvPr id="173" name="Shape 173"/>
+        <p:cNvGrpSpPr/>
+        <p:nvPr/>
+      </p:nvGrpSpPr>
+      <p:grpSpPr>
+        <a:xfrm>
+          <a:off x="0" y="0"/>
+          <a:ext cx="0" cy="0"/>
+          <a:chOff x="0" y="0"/>
+          <a:chExt cx="0" cy="0"/>
+        </a:xfrm>
+      </p:grpSpPr>
+      <p:sp>
+        <p:nvSpPr>
+          <p:cNvPr id="174" name="Google Shape;174;p25"/>
+          <p:cNvSpPr txBox="1"/>
+          <p:nvPr>
+            <p:ph type="title"/>
+          </p:nvPr>
+        </p:nvSpPr>
+        <p:spPr>
+          <a:xfrm>
+            <a:off x="0" y="0"/>
+            <a:ext cx="9144000" cy="685800"/>
+          </a:xfrm>
+          <a:prstGeom prst="rect">
+            <a:avLst/>
+          </a:prstGeom>
+        </p:spPr>
+        <p:txBody>
+          <a:bodyPr anchorCtr="0" anchor="ctr" bIns="91425" lIns="274300" spcFirstLastPara="1" rIns="91425" wrap="square" tIns="91425">
+            <a:noAutofit/>
+          </a:bodyPr>
+          <a:lstStyle/>
+          <a:p>
+            <a:pPr indent="0" lvl="0" marL="0" rtl="0" algn="l">
+              <a:spcBef>
+                <a:spcPts val="0"/>
+              </a:spcBef>
+              <a:spcAft>
+                <a:spcPts val="0"/>
+              </a:spcAft>
+              <a:buNone/>
+            </a:pPr>
+            <a:r>
+              <a:rPr lang="en"/>
+              <a:t>Work Rhythm</a:t>
+            </a:r>
+            <a:endParaRPr/>
+          </a:p>
+        </p:txBody>
+      </p:sp>
+      <p:sp>
+        <p:nvSpPr>
+          <p:cNvPr id="175" name="Google Shape;175;p25"/>
+          <p:cNvSpPr txBox="1"/>
+          <p:nvPr>
+            <p:ph idx="12" type="sldNum"/>
+          </p:nvPr>
+        </p:nvSpPr>
+        <p:spPr>
+          <a:xfrm>
+            <a:off x="7315202" y="4416550"/>
+            <a:ext cx="1828800" cy="731400"/>
+          </a:xfrm>
+          <a:prstGeom prst="rect">
+            <a:avLst/>
+          </a:prstGeom>
+        </p:spPr>
+        <p:txBody>
+          <a:bodyPr anchorCtr="0" anchor="b" bIns="91425" lIns="91425" spcFirstLastPara="1" rIns="91425" wrap="square" tIns="91425">
+            <a:noAutofit/>
+          </a:bodyPr>
+          <a:lstStyle/>
+          <a:p>
+            <a:pPr indent="0" lvl="0" marL="0" rtl="0" algn="r">
+              <a:spcBef>
+                <a:spcPts val="0"/>
+              </a:spcBef>
+              <a:spcAft>
+                <a:spcPts val="0"/>
+              </a:spcAft>
+              <a:buNone/>
+            </a:pPr>
+            <a:fld id="{00000000-1234-1234-1234-123412341234}" type="slidenum">
+              <a:rPr lang="en"/>
+              <a:t>‹#›</a:t>
+            </a:fld>
+            <a:endParaRPr/>
+          </a:p>
+          <a:p>
+            <a:pPr indent="0" lvl="0" marL="0" rtl="0" algn="r">
+              <a:spcBef>
+                <a:spcPts val="0"/>
+              </a:spcBef>
+              <a:spcAft>
+                <a:spcPts val="0"/>
+              </a:spcAft>
+              <a:buNone/>
+            </a:pPr>
+            <a:r>
+              <a:rPr b="0" lang="en" sz="900" u="sng">
                 <a:solidFill>
                   <a:schemeClr val="hlink"/>
                 </a:solidFill>
-                <a:hlinkClick r:id="rId5"/>
+                <a:hlinkClick r:id="rId3"/>
               </a:rPr>
-              <a:t>dirk@riehle.org</a:t>
-            </a:r>
-            <a:r>
-              <a:rPr lang="en" sz="2400"/>
-              <a:t> – </a:t>
-            </a:r>
-            <a:r>
-              <a:rPr lang="en" sz="2400" u="sng">
+              <a:t>https://oss.cs.fau.de</a:t>
+            </a:r>
+            <a:r>
+              <a:rPr b="0" lang="en" sz="900">
                 <a:solidFill>
-                  <a:schemeClr val="hlink"/>
+                  <a:schemeClr val="dk2"/>
                 </a:solidFill>
-                <a:hlinkClick r:id="rId6"/>
               </a:rPr>
-              <a:t>https://dirkriehle.com</a:t>
-            </a:r>
-            <a:r>
-              <a:rPr lang="en" sz="2400"/>
-              <a:t> – </a:t>
-            </a:r>
-            <a:r>
-              <a:rPr lang="en" sz="2400" u="sng">
-                <a:solidFill>
-                  <a:schemeClr val="hlink"/>
-                </a:solidFill>
-                <a:hlinkClick r:id="rId7"/>
-              </a:rPr>
-              <a:t>@dirkriehle</a:t>
-            </a:r>
-            <a:endParaRPr sz="2400"/>
+              <a:t> </a:t>
+            </a:r>
+            <a:endParaRPr b="0" sz="900">
+              <a:solidFill>
+                <a:schemeClr val="dk2"/>
+              </a:solidFill>
+            </a:endParaRPr>
+          </a:p>
+        </p:txBody>
+      </p:sp>
+      <p:sp>
+        <p:nvSpPr>
+          <p:cNvPr id="176" name="Google Shape;176;p25"/>
+          <p:cNvSpPr txBox="1"/>
+          <p:nvPr>
+            <p:ph idx="1" type="body"/>
+          </p:nvPr>
+        </p:nvSpPr>
+        <p:spPr>
+          <a:xfrm>
+            <a:off x="274320" y="914400"/>
+            <a:ext cx="8595300" cy="4114800"/>
+          </a:xfrm>
+          <a:prstGeom prst="rect">
+            <a:avLst/>
+          </a:prstGeom>
+        </p:spPr>
+        <p:txBody>
+          <a:bodyPr anchorCtr="0" anchor="t" bIns="0" lIns="0" spcFirstLastPara="1" rIns="0" wrap="square" tIns="0">
+            <a:noAutofit/>
+          </a:bodyPr>
+          <a:lstStyle/>
+          <a:p>
+            <a:pPr indent="0" lvl="0" marL="0" rtl="0" algn="l">
+              <a:spcBef>
+                <a:spcPts val="0"/>
+              </a:spcBef>
+              <a:spcAft>
+                <a:spcPts val="0"/>
+              </a:spcAft>
+              <a:buNone/>
+            </a:pPr>
+            <a:r>
+              <a:rPr b="1" lang="en"/>
+              <a:t>Class session</a:t>
+            </a:r>
+            <a:endParaRPr b="1"/>
+          </a:p>
+          <a:p>
+            <a:pPr indent="-342900" lvl="0" marL="457200" rtl="0" algn="l">
+              <a:spcBef>
+                <a:spcPts val="1200"/>
+              </a:spcBef>
+              <a:spcAft>
+                <a:spcPts val="0"/>
+              </a:spcAft>
+              <a:buSzPts val="1800"/>
+              <a:buChar char="●"/>
+            </a:pPr>
+            <a:r>
+              <a:rPr lang="en"/>
+              <a:t>Review of last week (quiz)</a:t>
+            </a:r>
+            <a:endParaRPr/>
+          </a:p>
+          <a:p>
+            <a:pPr indent="-342900" lvl="0" marL="457200" rtl="0" algn="l">
+              <a:spcBef>
+                <a:spcPts val="0"/>
+              </a:spcBef>
+              <a:spcAft>
+                <a:spcPts val="0"/>
+              </a:spcAft>
+              <a:buSzPts val="1800"/>
+              <a:buChar char="●"/>
+            </a:pPr>
+            <a:r>
+              <a:rPr lang="en"/>
+              <a:t>Presentation of this week’s topic</a:t>
+            </a:r>
+            <a:endParaRPr/>
+          </a:p>
+          <a:p>
+            <a:pPr indent="0" lvl="0" marL="0" rtl="0" algn="l">
+              <a:spcBef>
+                <a:spcPts val="1200"/>
+              </a:spcBef>
+              <a:spcAft>
+                <a:spcPts val="0"/>
+              </a:spcAft>
+              <a:buNone/>
+            </a:pPr>
+            <a:r>
+              <a:rPr b="1" lang="en"/>
+              <a:t>Homework review</a:t>
+            </a:r>
+            <a:endParaRPr b="1"/>
+          </a:p>
+          <a:p>
+            <a:pPr indent="-342900" lvl="0" marL="457200" rtl="0" algn="l">
+              <a:spcBef>
+                <a:spcPts val="1200"/>
+              </a:spcBef>
+              <a:spcAft>
+                <a:spcPts val="0"/>
+              </a:spcAft>
+              <a:buSzPts val="1800"/>
+              <a:buChar char="●"/>
+            </a:pPr>
+            <a:r>
+              <a:rPr lang="en" strike="sngStrike"/>
+              <a:t>Discussion of articles</a:t>
+            </a:r>
+            <a:endParaRPr strike="sngStrike"/>
+          </a:p>
+          <a:p>
+            <a:pPr indent="-342900" lvl="0" marL="457200" rtl="0" algn="l">
+              <a:spcBef>
+                <a:spcPts val="0"/>
+              </a:spcBef>
+              <a:spcAft>
+                <a:spcPts val="0"/>
+              </a:spcAft>
+              <a:buSzPts val="1800"/>
+              <a:buChar char="●"/>
+            </a:pPr>
+            <a:r>
+              <a:rPr lang="en"/>
+              <a:t>Discussion of homework</a:t>
+            </a:r>
+            <a:endParaRPr/>
+          </a:p>
+          <a:p>
+            <a:pPr indent="0" lvl="0" marL="0" rtl="0" algn="l">
+              <a:spcBef>
+                <a:spcPts val="1200"/>
+              </a:spcBef>
+              <a:spcAft>
+                <a:spcPts val="0"/>
+              </a:spcAft>
+              <a:buNone/>
+            </a:pPr>
+            <a:r>
+              <a:rPr b="1" lang="en"/>
+              <a:t>Homework</a:t>
+            </a:r>
+            <a:endParaRPr b="1"/>
+          </a:p>
+          <a:p>
+            <a:pPr indent="-342900" lvl="0" marL="457200" rtl="0" algn="l">
+              <a:spcBef>
+                <a:spcPts val="1200"/>
+              </a:spcBef>
+              <a:spcAft>
+                <a:spcPts val="0"/>
+              </a:spcAft>
+              <a:buSzPts val="1800"/>
+              <a:buChar char="●"/>
+            </a:pPr>
+            <a:r>
+              <a:rPr lang="en"/>
+              <a:t>See Course organization doc</a:t>
+            </a:r>
+            <a:endParaRPr/>
+          </a:p>
+          <a:p>
+            <a:pPr indent="-342900" lvl="0" marL="457200" rtl="0" algn="l">
+              <a:spcBef>
+                <a:spcPts val="0"/>
+              </a:spcBef>
+              <a:spcAft>
+                <a:spcPts val="0"/>
+              </a:spcAft>
+              <a:buSzPts val="1800"/>
+              <a:buChar char="●"/>
+            </a:pPr>
+            <a:r>
+              <a:rPr lang="en"/>
+              <a:t>Self-organized</a:t>
+            </a:r>
+            <a:endParaRPr/>
+          </a:p>
+          <a:p>
+            <a:pPr indent="0" lvl="0" marL="0" rtl="0" algn="l">
+              <a:spcBef>
+                <a:spcPts val="1200"/>
+              </a:spcBef>
+              <a:spcAft>
+                <a:spcPts val="1200"/>
+              </a:spcAft>
+              <a:buNone/>
+            </a:pPr>
+            <a:r>
+              <a:t/>
+            </a:r>
+            <a:endParaRPr/>
           </a:p>
         </p:txBody>
       </p:sp>
@@ -8362,7 +9128,7 @@
   <p:cSld>
     <p:spTree>
       <p:nvGrpSpPr>
-        <p:cNvPr id="165" name="Shape 165"/>
+        <p:cNvPr id="180" name="Shape 180"/>
         <p:cNvGrpSpPr/>
         <p:nvPr/>
       </p:nvGrpSpPr>
@@ -8376,7 +9142,7 @@
       </p:grpSpPr>
       <p:sp>
         <p:nvSpPr>
-          <p:cNvPr id="166" name="Google Shape;166;p26"/>
+          <p:cNvPr id="181" name="Google Shape;181;p26"/>
           <p:cNvSpPr txBox="1"/>
           <p:nvPr>
             <p:ph type="title"/>
@@ -8408,7 +9174,7 @@
             </a:pPr>
             <a:r>
               <a:rPr lang="en"/>
-              <a:t>Legal Notices</a:t>
+              <a:t>Course Communication</a:t>
             </a:r>
             <a:endParaRPr/>
           </a:p>
@@ -8416,7 +9182,135 @@
       </p:sp>
       <p:sp>
         <p:nvSpPr>
-          <p:cNvPr id="167" name="Google Shape;167;p26"/>
+          <p:cNvPr id="182" name="Google Shape;182;p26"/>
+          <p:cNvSpPr txBox="1"/>
+          <p:nvPr>
+            <p:ph idx="1" type="body"/>
+          </p:nvPr>
+        </p:nvSpPr>
+        <p:spPr>
+          <a:xfrm>
+            <a:off x="274320" y="914400"/>
+            <a:ext cx="8595300" cy="4114800"/>
+          </a:xfrm>
+          <a:prstGeom prst="rect">
+            <a:avLst/>
+          </a:prstGeom>
+        </p:spPr>
+        <p:txBody>
+          <a:bodyPr anchorCtr="0" anchor="t" bIns="0" lIns="0" spcFirstLastPara="1" rIns="0" wrap="square" tIns="0">
+            <a:noAutofit/>
+          </a:bodyPr>
+          <a:lstStyle/>
+          <a:p>
+            <a:pPr indent="0" lvl="0" marL="0" rtl="0" algn="l">
+              <a:spcBef>
+                <a:spcPts val="0"/>
+              </a:spcBef>
+              <a:spcAft>
+                <a:spcPts val="0"/>
+              </a:spcAft>
+              <a:buClr>
+                <a:schemeClr val="dk1"/>
+              </a:buClr>
+              <a:buSzPts val="1100"/>
+              <a:buFont typeface="Arial"/>
+              <a:buNone/>
+            </a:pPr>
+            <a:r>
+              <a:rPr lang="en"/>
+              <a:t>Announcements by email</a:t>
+            </a:r>
+            <a:endParaRPr/>
+          </a:p>
+          <a:p>
+            <a:pPr indent="-342900" lvl="0" marL="457200" rtl="0" algn="l">
+              <a:spcBef>
+                <a:spcPts val="1200"/>
+              </a:spcBef>
+              <a:spcAft>
+                <a:spcPts val="0"/>
+              </a:spcAft>
+              <a:buSzPts val="1800"/>
+              <a:buChar char="●"/>
+            </a:pPr>
+            <a:r>
+              <a:rPr lang="en"/>
+              <a:t>Through course management system</a:t>
+            </a:r>
+            <a:endParaRPr/>
+          </a:p>
+          <a:p>
+            <a:pPr indent="0" lvl="0" marL="0" rtl="0" algn="l">
+              <a:spcBef>
+                <a:spcPts val="1200"/>
+              </a:spcBef>
+              <a:spcAft>
+                <a:spcPts val="0"/>
+              </a:spcAft>
+              <a:buNone/>
+            </a:pPr>
+            <a:r>
+              <a:rPr lang="en"/>
+              <a:t>Questions to teaching team</a:t>
+            </a:r>
+            <a:endParaRPr/>
+          </a:p>
+          <a:p>
+            <a:pPr indent="-342900" lvl="0" marL="457200" rtl="0" algn="l">
+              <a:spcBef>
+                <a:spcPts val="1200"/>
+              </a:spcBef>
+              <a:spcAft>
+                <a:spcPts val="0"/>
+              </a:spcAft>
+              <a:buSzPts val="1800"/>
+              <a:buChar char="●"/>
+            </a:pPr>
+            <a:r>
+              <a:rPr lang="en"/>
+              <a:t>Please ask your question in the course forum</a:t>
+            </a:r>
+            <a:endParaRPr/>
+          </a:p>
+          <a:p>
+            <a:pPr indent="-342900" lvl="0" marL="457200" rtl="0" algn="l">
+              <a:spcBef>
+                <a:spcPts val="0"/>
+              </a:spcBef>
+              <a:spcAft>
+                <a:spcPts val="0"/>
+              </a:spcAft>
+              <a:buSzPts val="1800"/>
+              <a:buChar char="●"/>
+            </a:pPr>
+            <a:r>
+              <a:rPr lang="en"/>
+              <a:t>For private questions, use the teaching team email alias</a:t>
+            </a:r>
+            <a:endParaRPr/>
+          </a:p>
+          <a:p>
+            <a:pPr indent="0" lvl="0" marL="0" rtl="0" algn="l">
+              <a:spcBef>
+                <a:spcPts val="1200"/>
+              </a:spcBef>
+              <a:spcAft>
+                <a:spcPts val="1200"/>
+              </a:spcAft>
+              <a:buNone/>
+            </a:pPr>
+            <a:r>
+              <a:rPr lang="en"/>
+              <a:t>Non-urgent questions will be answered in class</a:t>
+            </a:r>
+            <a:endParaRPr/>
+          </a:p>
+        </p:txBody>
+      </p:sp>
+      <p:sp>
+        <p:nvSpPr>
+          <p:cNvPr id="183" name="Google Shape;183;p26"/>
           <p:cNvSpPr txBox="1"/>
           <p:nvPr>
             <p:ph idx="12" type="sldNum"/>
@@ -8424,8 +9318,8 @@
         </p:nvSpPr>
         <p:spPr>
           <a:xfrm>
-            <a:off x="7315209" y="4229101"/>
-            <a:ext cx="1828800" cy="914400"/>
+            <a:off x="7315202" y="4416550"/>
+            <a:ext cx="1828800" cy="731400"/>
           </a:xfrm>
           <a:prstGeom prst="rect">
             <a:avLst/>
@@ -8460,141 +9354,30 @@
               <a:spcAft>
                 <a:spcPts val="0"/>
               </a:spcAft>
-              <a:buClr>
-                <a:schemeClr val="dk1"/>
-              </a:buClr>
-              <a:buSzPts val="1100"/>
-              <a:buFont typeface="Arial"/>
-              <a:buNone/>
-            </a:pPr>
-            <a:r>
-              <a:rPr b="0" lang="en" sz="1000" u="sng">
+              <a:buNone/>
+            </a:pPr>
+            <a:r>
+              <a:rPr b="0" lang="en" sz="900" u="sng">
                 <a:solidFill>
                   <a:schemeClr val="hlink"/>
                 </a:solidFill>
                 <a:hlinkClick r:id="rId3"/>
               </a:rPr>
-              <a:t>https://profriehle.com</a:t>
-            </a:r>
-            <a:endParaRPr b="0" sz="1000"/>
-          </a:p>
-        </p:txBody>
-      </p:sp>
-      <p:sp>
-        <p:nvSpPr>
-          <p:cNvPr id="168" name="Google Shape;168;p26"/>
-          <p:cNvSpPr txBox="1"/>
-          <p:nvPr>
-            <p:ph idx="1" type="body"/>
-          </p:nvPr>
-        </p:nvSpPr>
-        <p:spPr>
-          <a:xfrm>
-            <a:off x="274320" y="914400"/>
-            <a:ext cx="8595300" cy="4114800"/>
-          </a:xfrm>
-          <a:prstGeom prst="rect">
-            <a:avLst/>
-          </a:prstGeom>
-        </p:spPr>
-        <p:txBody>
-          <a:bodyPr anchorCtr="0" anchor="t" bIns="0" lIns="0" spcFirstLastPara="1" rIns="0" wrap="square" tIns="0">
-            <a:noAutofit/>
-          </a:bodyPr>
-          <a:lstStyle/>
-          <a:p>
-            <a:pPr indent="0" lvl="0" marL="0" rtl="0" algn="l">
-              <a:spcBef>
-                <a:spcPts val="0"/>
-              </a:spcBef>
-              <a:spcAft>
-                <a:spcPts val="0"/>
-              </a:spcAft>
-              <a:buNone/>
-            </a:pPr>
-            <a:r>
-              <a:rPr lang="en"/>
-              <a:t>License</a:t>
-            </a:r>
-            <a:endParaRPr/>
-          </a:p>
-          <a:p>
-            <a:pPr indent="-342900" lvl="0" marL="457200" rtl="0" algn="l">
-              <a:spcBef>
-                <a:spcPts val="1200"/>
-              </a:spcBef>
-              <a:spcAft>
-                <a:spcPts val="0"/>
-              </a:spcAft>
-              <a:buSzPts val="1800"/>
-              <a:buChar char="●"/>
-            </a:pPr>
-            <a:r>
-              <a:rPr lang="en"/>
-              <a:t>Licensed under the </a:t>
-            </a:r>
-            <a:r>
-              <a:rPr lang="en" u="sng">
+              <a:t>https://oss.cs.fau.de</a:t>
+            </a:r>
+            <a:r>
+              <a:rPr b="0" lang="en" sz="900">
                 <a:solidFill>
-                  <a:schemeClr val="hlink"/>
+                  <a:schemeClr val="dk2"/>
                 </a:solidFill>
-                <a:hlinkClick r:id="rId4"/>
               </a:rPr>
-              <a:t>CC BY 4.0 International</a:t>
-            </a:r>
-            <a:r>
-              <a:rPr lang="en"/>
-              <a:t> license</a:t>
-            </a:r>
-            <a:endParaRPr/>
-          </a:p>
-          <a:p>
-            <a:pPr indent="0" lvl="0" marL="0" rtl="0" algn="l">
-              <a:spcBef>
-                <a:spcPts val="1200"/>
-              </a:spcBef>
-              <a:spcAft>
-                <a:spcPts val="0"/>
-              </a:spcAft>
-              <a:buNone/>
-            </a:pPr>
-            <a:r>
-              <a:rPr lang="en"/>
-              <a:t>Copyright</a:t>
-            </a:r>
-            <a:endParaRPr/>
-          </a:p>
-          <a:p>
-            <a:pPr indent="-342900" lvl="0" marL="457200" rtl="0" algn="l">
-              <a:spcBef>
-                <a:spcPts val="1200"/>
-              </a:spcBef>
-              <a:spcAft>
-                <a:spcPts val="0"/>
-              </a:spcAft>
-              <a:buSzPts val="1800"/>
-              <a:buChar char="●"/>
-            </a:pPr>
-            <a:r>
-              <a:rPr lang="en"/>
-              <a:t>© 2012, 2018, 2024 Dirk Riehle, some rights reserved</a:t>
-            </a:r>
-            <a:endParaRPr/>
-          </a:p>
-          <a:p>
-            <a:pPr indent="0" lvl="0" marL="0" rtl="0" algn="l">
-              <a:spcBef>
-                <a:spcPts val="1200"/>
-              </a:spcBef>
-              <a:spcAft>
-                <a:spcPts val="1200"/>
-              </a:spcAft>
-              <a:buNone/>
-            </a:pPr>
-            <a:r>
-              <a:t/>
-            </a:r>
-            <a:endParaRPr/>
+              <a:t> </a:t>
+            </a:r>
+            <a:endParaRPr b="0" sz="900">
+              <a:solidFill>
+                <a:schemeClr val="dk2"/>
+              </a:solidFill>
+            </a:endParaRPr>
           </a:p>
         </p:txBody>
       </p:sp>
@@ -8611,7 +9394,7 @@
   <p:cSld>
     <p:spTree>
       <p:nvGrpSpPr>
-        <p:cNvPr id="41" name="Shape 41"/>
+        <p:cNvPr id="56" name="Shape 56"/>
         <p:cNvGrpSpPr/>
         <p:nvPr/>
       </p:nvGrpSpPr>
@@ -8625,7 +9408,7 @@
       </p:grpSpPr>
       <p:sp>
         <p:nvSpPr>
-          <p:cNvPr id="42" name="Google Shape;42;p9"/>
+          <p:cNvPr id="57" name="Google Shape;57;p9"/>
           <p:cNvSpPr txBox="1"/>
           <p:nvPr>
             <p:ph type="title"/>
@@ -8665,7 +9448,7 @@
       </p:sp>
       <p:sp>
         <p:nvSpPr>
-          <p:cNvPr id="43" name="Google Shape;43;p9"/>
+          <p:cNvPr id="58" name="Google Shape;58;p9"/>
           <p:cNvSpPr txBox="1"/>
           <p:nvPr>
             <p:ph idx="1" type="body"/>
@@ -8738,7 +9521,7 @@
       </p:sp>
       <p:sp>
         <p:nvSpPr>
-          <p:cNvPr id="44" name="Google Shape;44;p9"/>
+          <p:cNvPr id="59" name="Google Shape;59;p9"/>
           <p:cNvSpPr txBox="1"/>
           <p:nvPr>
             <p:ph idx="12" type="sldNum"/>
@@ -8746,8 +9529,8 @@
         </p:nvSpPr>
         <p:spPr>
           <a:xfrm>
-            <a:off x="7315209" y="4229101"/>
-            <a:ext cx="1828800" cy="914400"/>
+            <a:off x="7315202" y="4416550"/>
+            <a:ext cx="1828800" cy="731400"/>
           </a:xfrm>
           <a:prstGeom prst="rect">
             <a:avLst/>
@@ -8782,23 +9565,470 @@
               <a:spcAft>
                 <a:spcPts val="0"/>
               </a:spcAft>
-              <a:buClr>
-                <a:schemeClr val="dk1"/>
-              </a:buClr>
-              <a:buSzPts val="1100"/>
-              <a:buFont typeface="Arial"/>
-              <a:buNone/>
-            </a:pPr>
-            <a:r>
-              <a:rPr b="0" lang="en" sz="1000" u="sng">
+              <a:buNone/>
+            </a:pPr>
+            <a:r>
+              <a:rPr b="0" lang="en" sz="900" u="sng">
                 <a:solidFill>
                   <a:schemeClr val="hlink"/>
                 </a:solidFill>
                 <a:hlinkClick r:id="rId3"/>
               </a:rPr>
-              <a:t>https://profriehle.com</a:t>
-            </a:r>
-            <a:endParaRPr b="0" sz="1000"/>
+              <a:t>https://oss.cs.fau.de</a:t>
+            </a:r>
+            <a:r>
+              <a:rPr b="0" lang="en" sz="900">
+                <a:solidFill>
+                  <a:schemeClr val="dk2"/>
+                </a:solidFill>
+              </a:rPr>
+              <a:t> </a:t>
+            </a:r>
+            <a:endParaRPr b="0" sz="900">
+              <a:solidFill>
+                <a:schemeClr val="dk2"/>
+              </a:solidFill>
+            </a:endParaRPr>
+          </a:p>
+        </p:txBody>
+      </p:sp>
+    </p:spTree>
+  </p:cSld>
+  <p:clrMapOvr>
+    <a:masterClrMapping/>
+  </p:clrMapOvr>
+</p:sld>
+</file>
+
+<file path=ppt/slides/slide20.xml><?xml version="1.0" encoding="utf-8"?>
+<p:sld xmlns:a="http://schemas.openxmlformats.org/drawingml/2006/main" xmlns:r="http://schemas.openxmlformats.org/officeDocument/2006/relationships" xmlns:mc="http://schemas.openxmlformats.org/markup-compatibility/2006" xmlns:mv="urn:schemas-microsoft-com:mac:vml" xmlns:p="http://schemas.openxmlformats.org/presentationml/2006/main" xmlns:c="http://schemas.openxmlformats.org/drawingml/2006/chart" xmlns:dgm="http://schemas.openxmlformats.org/drawingml/2006/diagram" xmlns:o="urn:schemas-microsoft-com:office:office" xmlns:v="urn:schemas-microsoft-com:vml" xmlns:pvml="urn:schemas-microsoft-com:office:powerpoint" xmlns:com="http://schemas.openxmlformats.org/drawingml/2006/compatibility" xmlns:p14="http://schemas.microsoft.com/office/powerpoint/2010/main" xmlns:p15="http://schemas.microsoft.com/office/powerpoint/2012/main" xmlns:ahyp="http://schemas.microsoft.com/office/drawing/2018/hyperlinkcolor">
+  <p:cSld>
+    <p:spTree>
+      <p:nvGrpSpPr>
+        <p:cNvPr id="187" name="Shape 187"/>
+        <p:cNvGrpSpPr/>
+        <p:nvPr/>
+      </p:nvGrpSpPr>
+      <p:grpSpPr>
+        <a:xfrm>
+          <a:off x="0" y="0"/>
+          <a:ext cx="0" cy="0"/>
+          <a:chOff x="0" y="0"/>
+          <a:chExt cx="0" cy="0"/>
+        </a:xfrm>
+      </p:grpSpPr>
+      <p:sp>
+        <p:nvSpPr>
+          <p:cNvPr id="188" name="Google Shape;188;p27"/>
+          <p:cNvSpPr txBox="1"/>
+          <p:nvPr>
+            <p:ph type="ctrTitle"/>
+          </p:nvPr>
+        </p:nvSpPr>
+        <p:spPr>
+          <a:xfrm>
+            <a:off x="0" y="0"/>
+            <a:ext cx="9144000" cy="2388900"/>
+          </a:xfrm>
+          <a:prstGeom prst="rect">
+            <a:avLst/>
+          </a:prstGeom>
+        </p:spPr>
+        <p:txBody>
+          <a:bodyPr anchorCtr="0" anchor="b" bIns="274300" lIns="91425" spcFirstLastPara="1" rIns="91425" wrap="square" tIns="91425">
+            <a:noAutofit/>
+          </a:bodyPr>
+          <a:lstStyle/>
+          <a:p>
+            <a:pPr indent="0" lvl="0" marL="0" rtl="0" algn="ctr">
+              <a:spcBef>
+                <a:spcPts val="0"/>
+              </a:spcBef>
+              <a:spcAft>
+                <a:spcPts val="0"/>
+              </a:spcAft>
+              <a:buNone/>
+            </a:pPr>
+            <a:r>
+              <a:rPr lang="en"/>
+              <a:t>Thank you! Any questions?</a:t>
+            </a:r>
+            <a:endParaRPr/>
+          </a:p>
+        </p:txBody>
+      </p:sp>
+      <p:sp>
+        <p:nvSpPr>
+          <p:cNvPr id="189" name="Google Shape;189;p27"/>
+          <p:cNvSpPr txBox="1"/>
+          <p:nvPr>
+            <p:ph idx="1" type="subTitle"/>
+          </p:nvPr>
+        </p:nvSpPr>
+        <p:spPr>
+          <a:xfrm>
+            <a:off x="0" y="2569475"/>
+            <a:ext cx="9144000" cy="2574000"/>
+          </a:xfrm>
+          <a:prstGeom prst="rect">
+            <a:avLst/>
+          </a:prstGeom>
+        </p:spPr>
+        <p:txBody>
+          <a:bodyPr anchorCtr="0" anchor="t" bIns="91425" lIns="91425" spcFirstLastPara="1" rIns="91425" wrap="square" tIns="274300">
+            <a:noAutofit/>
+          </a:bodyPr>
+          <a:lstStyle/>
+          <a:p>
+            <a:pPr indent="0" lvl="0" marL="0" rtl="0" algn="ctr">
+              <a:lnSpc>
+                <a:spcPct val="150000"/>
+              </a:lnSpc>
+              <a:spcBef>
+                <a:spcPts val="0"/>
+              </a:spcBef>
+              <a:spcAft>
+                <a:spcPts val="0"/>
+              </a:spcAft>
+              <a:buNone/>
+            </a:pPr>
+            <a:r>
+              <a:rPr lang="en" u="sng">
+                <a:solidFill>
+                  <a:schemeClr val="hlink"/>
+                </a:solidFill>
+                <a:hlinkClick r:id="rId3"/>
+              </a:rPr>
+              <a:t>dirk.riehle@fau.de</a:t>
+            </a:r>
+            <a:r>
+              <a:rPr lang="en"/>
+              <a:t> </a:t>
+            </a:r>
+            <a:r>
+              <a:rPr lang="en" sz="2400"/>
+              <a:t>–</a:t>
+            </a:r>
+            <a:r>
+              <a:rPr lang="en"/>
+              <a:t> </a:t>
+            </a:r>
+            <a:r>
+              <a:rPr lang="en" u="sng">
+                <a:solidFill>
+                  <a:schemeClr val="hlink"/>
+                </a:solidFill>
+                <a:hlinkClick r:id="rId4"/>
+              </a:rPr>
+              <a:t>https://oss.cs.fau.de</a:t>
+            </a:r>
+            <a:endParaRPr/>
+          </a:p>
+          <a:p>
+            <a:pPr indent="0" lvl="0" marL="0" rtl="0" algn="ctr">
+              <a:lnSpc>
+                <a:spcPct val="150000"/>
+              </a:lnSpc>
+              <a:spcBef>
+                <a:spcPts val="0"/>
+              </a:spcBef>
+              <a:spcAft>
+                <a:spcPts val="0"/>
+              </a:spcAft>
+              <a:buNone/>
+            </a:pPr>
+            <a:r>
+              <a:rPr lang="en" sz="2400" u="sng">
+                <a:solidFill>
+                  <a:schemeClr val="hlink"/>
+                </a:solidFill>
+                <a:hlinkClick r:id="rId5"/>
+              </a:rPr>
+              <a:t>dirk@riehle.org</a:t>
+            </a:r>
+            <a:r>
+              <a:rPr lang="en" sz="2400"/>
+              <a:t> – </a:t>
+            </a:r>
+            <a:r>
+              <a:rPr lang="en" sz="2400" u="sng">
+                <a:solidFill>
+                  <a:schemeClr val="hlink"/>
+                </a:solidFill>
+                <a:hlinkClick r:id="rId6"/>
+              </a:rPr>
+              <a:t>https://dirkriehle.com</a:t>
+            </a:r>
+            <a:r>
+              <a:rPr lang="en" sz="2400"/>
+              <a:t> – </a:t>
+            </a:r>
+            <a:r>
+              <a:rPr lang="en" sz="2400" u="sng">
+                <a:solidFill>
+                  <a:schemeClr val="hlink"/>
+                </a:solidFill>
+                <a:hlinkClick r:id="rId7"/>
+              </a:rPr>
+              <a:t>@dirkriehle</a:t>
+            </a:r>
+            <a:endParaRPr sz="2400"/>
+          </a:p>
+        </p:txBody>
+      </p:sp>
+    </p:spTree>
+  </p:cSld>
+  <p:clrMapOvr>
+    <a:masterClrMapping/>
+  </p:clrMapOvr>
+</p:sld>
+</file>
+
+<file path=ppt/slides/slide21.xml><?xml version="1.0" encoding="utf-8"?>
+<p:sld xmlns:a="http://schemas.openxmlformats.org/drawingml/2006/main" xmlns:r="http://schemas.openxmlformats.org/officeDocument/2006/relationships" xmlns:mc="http://schemas.openxmlformats.org/markup-compatibility/2006" xmlns:mv="urn:schemas-microsoft-com:mac:vml" xmlns:p="http://schemas.openxmlformats.org/presentationml/2006/main" xmlns:c="http://schemas.openxmlformats.org/drawingml/2006/chart" xmlns:dgm="http://schemas.openxmlformats.org/drawingml/2006/diagram" xmlns:o="urn:schemas-microsoft-com:office:office" xmlns:v="urn:schemas-microsoft-com:vml" xmlns:pvml="urn:schemas-microsoft-com:office:powerpoint" xmlns:com="http://schemas.openxmlformats.org/drawingml/2006/compatibility" xmlns:p14="http://schemas.microsoft.com/office/powerpoint/2010/main" xmlns:p15="http://schemas.microsoft.com/office/powerpoint/2012/main" xmlns:ahyp="http://schemas.microsoft.com/office/drawing/2018/hyperlinkcolor">
+  <p:cSld>
+    <p:spTree>
+      <p:nvGrpSpPr>
+        <p:cNvPr id="193" name="Shape 193"/>
+        <p:cNvGrpSpPr/>
+        <p:nvPr/>
+      </p:nvGrpSpPr>
+      <p:grpSpPr>
+        <a:xfrm>
+          <a:off x="0" y="0"/>
+          <a:ext cx="0" cy="0"/>
+          <a:chOff x="0" y="0"/>
+          <a:chExt cx="0" cy="0"/>
+        </a:xfrm>
+      </p:grpSpPr>
+      <p:sp>
+        <p:nvSpPr>
+          <p:cNvPr id="194" name="Google Shape;194;p28"/>
+          <p:cNvSpPr txBox="1"/>
+          <p:nvPr>
+            <p:ph type="title"/>
+          </p:nvPr>
+        </p:nvSpPr>
+        <p:spPr>
+          <a:xfrm>
+            <a:off x="0" y="0"/>
+            <a:ext cx="9144000" cy="685800"/>
+          </a:xfrm>
+          <a:prstGeom prst="rect">
+            <a:avLst/>
+          </a:prstGeom>
+        </p:spPr>
+        <p:txBody>
+          <a:bodyPr anchorCtr="0" anchor="ctr" bIns="91425" lIns="274300" spcFirstLastPara="1" rIns="91425" wrap="square" tIns="91425">
+            <a:noAutofit/>
+          </a:bodyPr>
+          <a:lstStyle/>
+          <a:p>
+            <a:pPr indent="0" lvl="0" marL="0" rtl="0" algn="l">
+              <a:spcBef>
+                <a:spcPts val="0"/>
+              </a:spcBef>
+              <a:spcAft>
+                <a:spcPts val="0"/>
+              </a:spcAft>
+              <a:buNone/>
+            </a:pPr>
+            <a:r>
+              <a:rPr lang="en"/>
+              <a:t>Legal Notices</a:t>
+            </a:r>
+            <a:endParaRPr/>
+          </a:p>
+        </p:txBody>
+      </p:sp>
+      <p:sp>
+        <p:nvSpPr>
+          <p:cNvPr id="195" name="Google Shape;195;p28"/>
+          <p:cNvSpPr txBox="1"/>
+          <p:nvPr>
+            <p:ph idx="12" type="sldNum"/>
+          </p:nvPr>
+        </p:nvSpPr>
+        <p:spPr>
+          <a:xfrm>
+            <a:off x="7315202" y="4416550"/>
+            <a:ext cx="1828800" cy="731400"/>
+          </a:xfrm>
+          <a:prstGeom prst="rect">
+            <a:avLst/>
+          </a:prstGeom>
+        </p:spPr>
+        <p:txBody>
+          <a:bodyPr anchorCtr="0" anchor="b" bIns="91425" lIns="91425" spcFirstLastPara="1" rIns="91425" wrap="square" tIns="91425">
+            <a:noAutofit/>
+          </a:bodyPr>
+          <a:lstStyle/>
+          <a:p>
+            <a:pPr indent="0" lvl="0" marL="0" rtl="0" algn="r">
+              <a:spcBef>
+                <a:spcPts val="0"/>
+              </a:spcBef>
+              <a:spcAft>
+                <a:spcPts val="0"/>
+              </a:spcAft>
+              <a:buNone/>
+            </a:pPr>
+            <a:fld id="{00000000-1234-1234-1234-123412341234}" type="slidenum">
+              <a:rPr lang="en"/>
+              <a:t>‹#›</a:t>
+            </a:fld>
+            <a:endParaRPr/>
+          </a:p>
+          <a:p>
+            <a:pPr indent="0" lvl="0" marL="0" rtl="0" algn="r">
+              <a:spcBef>
+                <a:spcPts val="0"/>
+              </a:spcBef>
+              <a:spcAft>
+                <a:spcPts val="0"/>
+              </a:spcAft>
+              <a:buNone/>
+            </a:pPr>
+            <a:r>
+              <a:rPr b="0" lang="en" sz="900" u="sng">
+                <a:solidFill>
+                  <a:schemeClr val="hlink"/>
+                </a:solidFill>
+                <a:hlinkClick r:id="rId3"/>
+              </a:rPr>
+              <a:t>https://oss.cs.fau.de</a:t>
+            </a:r>
+            <a:r>
+              <a:rPr b="0" lang="en" sz="900">
+                <a:solidFill>
+                  <a:schemeClr val="dk2"/>
+                </a:solidFill>
+              </a:rPr>
+              <a:t> </a:t>
+            </a:r>
+            <a:endParaRPr b="0" sz="900">
+              <a:solidFill>
+                <a:schemeClr val="dk2"/>
+              </a:solidFill>
+            </a:endParaRPr>
+          </a:p>
+        </p:txBody>
+      </p:sp>
+      <p:sp>
+        <p:nvSpPr>
+          <p:cNvPr id="196" name="Google Shape;196;p28"/>
+          <p:cNvSpPr txBox="1"/>
+          <p:nvPr>
+            <p:ph idx="1" type="body"/>
+          </p:nvPr>
+        </p:nvSpPr>
+        <p:spPr>
+          <a:xfrm>
+            <a:off x="274320" y="914400"/>
+            <a:ext cx="8595300" cy="4114800"/>
+          </a:xfrm>
+          <a:prstGeom prst="rect">
+            <a:avLst/>
+          </a:prstGeom>
+        </p:spPr>
+        <p:txBody>
+          <a:bodyPr anchorCtr="0" anchor="t" bIns="0" lIns="0" spcFirstLastPara="1" rIns="0" wrap="square" tIns="0">
+            <a:noAutofit/>
+          </a:bodyPr>
+          <a:lstStyle/>
+          <a:p>
+            <a:pPr indent="0" lvl="0" marL="0" rtl="0" algn="l">
+              <a:spcBef>
+                <a:spcPts val="0"/>
+              </a:spcBef>
+              <a:spcAft>
+                <a:spcPts val="0"/>
+              </a:spcAft>
+              <a:buNone/>
+            </a:pPr>
+            <a:r>
+              <a:rPr lang="en"/>
+              <a:t>License</a:t>
+            </a:r>
+            <a:endParaRPr/>
+          </a:p>
+          <a:p>
+            <a:pPr indent="-342900" lvl="0" marL="457200" rtl="0" algn="l">
+              <a:spcBef>
+                <a:spcPts val="1200"/>
+              </a:spcBef>
+              <a:spcAft>
+                <a:spcPts val="0"/>
+              </a:spcAft>
+              <a:buSzPts val="1800"/>
+              <a:buChar char="●"/>
+            </a:pPr>
+            <a:r>
+              <a:rPr lang="en"/>
+              <a:t>Licensed under the </a:t>
+            </a:r>
+            <a:r>
+              <a:rPr lang="en" u="sng">
+                <a:solidFill>
+                  <a:schemeClr val="hlink"/>
+                </a:solidFill>
+                <a:hlinkClick r:id="rId4"/>
+              </a:rPr>
+              <a:t>CC BY 4.0 International</a:t>
+            </a:r>
+            <a:r>
+              <a:rPr lang="en"/>
+              <a:t> license</a:t>
+            </a:r>
+            <a:endParaRPr/>
+          </a:p>
+          <a:p>
+            <a:pPr indent="0" lvl="0" marL="0" rtl="0" algn="l">
+              <a:spcBef>
+                <a:spcPts val="1200"/>
+              </a:spcBef>
+              <a:spcAft>
+                <a:spcPts val="0"/>
+              </a:spcAft>
+              <a:buNone/>
+            </a:pPr>
+            <a:r>
+              <a:rPr lang="en"/>
+              <a:t>Copyright</a:t>
+            </a:r>
+            <a:endParaRPr/>
+          </a:p>
+          <a:p>
+            <a:pPr indent="-342900" lvl="0" marL="457200" rtl="0" algn="l">
+              <a:spcBef>
+                <a:spcPts val="1200"/>
+              </a:spcBef>
+              <a:spcAft>
+                <a:spcPts val="0"/>
+              </a:spcAft>
+              <a:buSzPts val="1800"/>
+              <a:buChar char="●"/>
+            </a:pPr>
+            <a:r>
+              <a:rPr lang="en"/>
+              <a:t>© 2012, 2018, 2024 Dirk Riehle, some rights reserved</a:t>
+            </a:r>
+            <a:endParaRPr/>
+          </a:p>
+          <a:p>
+            <a:pPr indent="0" lvl="0" marL="0" rtl="0" algn="l">
+              <a:spcBef>
+                <a:spcPts val="1200"/>
+              </a:spcBef>
+              <a:spcAft>
+                <a:spcPts val="1200"/>
+              </a:spcAft>
+              <a:buNone/>
+            </a:pPr>
+            <a:r>
+              <a:t/>
+            </a:r>
+            <a:endParaRPr/>
           </a:p>
         </p:txBody>
       </p:sp>
@@ -8815,7 +10045,7 @@
   <p:cSld>
     <p:spTree>
       <p:nvGrpSpPr>
-        <p:cNvPr id="48" name="Shape 48"/>
+        <p:cNvPr id="63" name="Shape 63"/>
         <p:cNvGrpSpPr/>
         <p:nvPr/>
       </p:nvGrpSpPr>
@@ -8829,7 +10059,7 @@
       </p:grpSpPr>
       <p:sp>
         <p:nvSpPr>
-          <p:cNvPr id="49" name="Google Shape;49;p10"/>
+          <p:cNvPr id="64" name="Google Shape;64;p10"/>
           <p:cNvSpPr txBox="1"/>
           <p:nvPr>
             <p:ph type="title"/>
@@ -8869,7 +10099,7 @@
       </p:sp>
       <p:sp>
         <p:nvSpPr>
-          <p:cNvPr id="50" name="Google Shape;50;p10"/>
+          <p:cNvPr id="65" name="Google Shape;65;p10"/>
           <p:cNvSpPr txBox="1"/>
           <p:nvPr>
             <p:ph idx="1" type="body"/>
@@ -8975,7 +10205,7 @@
       </p:sp>
       <p:sp>
         <p:nvSpPr>
-          <p:cNvPr id="51" name="Google Shape;51;p10"/>
+          <p:cNvPr id="66" name="Google Shape;66;p10"/>
           <p:cNvSpPr txBox="1"/>
           <p:nvPr>
             <p:ph idx="12" type="sldNum"/>
@@ -8983,8 +10213,8 @@
         </p:nvSpPr>
         <p:spPr>
           <a:xfrm>
-            <a:off x="7315209" y="4229101"/>
-            <a:ext cx="1828800" cy="914400"/>
+            <a:off x="7315202" y="4416550"/>
+            <a:ext cx="1828800" cy="731400"/>
           </a:xfrm>
           <a:prstGeom prst="rect">
             <a:avLst/>
@@ -9019,23 +10249,30 @@
               <a:spcAft>
                 <a:spcPts val="0"/>
               </a:spcAft>
-              <a:buClr>
-                <a:schemeClr val="dk1"/>
-              </a:buClr>
-              <a:buSzPts val="1100"/>
-              <a:buFont typeface="Arial"/>
-              <a:buNone/>
-            </a:pPr>
-            <a:r>
-              <a:rPr b="0" lang="en" sz="1000" u="sng">
+              <a:buNone/>
+            </a:pPr>
+            <a:r>
+              <a:rPr b="0" lang="en" sz="900" u="sng">
                 <a:solidFill>
                   <a:schemeClr val="hlink"/>
                 </a:solidFill>
                 <a:hlinkClick r:id="rId3"/>
               </a:rPr>
-              <a:t>https://profriehle.com</a:t>
-            </a:r>
-            <a:endParaRPr b="0" sz="1000"/>
+              <a:t>https://oss.cs.fau.de</a:t>
+            </a:r>
+            <a:r>
+              <a:rPr b="0" lang="en" sz="900">
+                <a:solidFill>
+                  <a:schemeClr val="dk2"/>
+                </a:solidFill>
+              </a:rPr>
+              <a:t> </a:t>
+            </a:r>
+            <a:endParaRPr b="0" sz="900">
+              <a:solidFill>
+                <a:schemeClr val="dk2"/>
+              </a:solidFill>
+            </a:endParaRPr>
           </a:p>
         </p:txBody>
       </p:sp>
@@ -9052,7 +10289,7 @@
   <p:cSld>
     <p:spTree>
       <p:nvGrpSpPr>
-        <p:cNvPr id="55" name="Shape 55"/>
+        <p:cNvPr id="70" name="Shape 70"/>
         <p:cNvGrpSpPr/>
         <p:nvPr/>
       </p:nvGrpSpPr>
@@ -9066,7 +10303,7 @@
       </p:grpSpPr>
       <p:sp>
         <p:nvSpPr>
-          <p:cNvPr id="56" name="Google Shape;56;p11"/>
+          <p:cNvPr id="71" name="Google Shape;71;p11"/>
           <p:cNvSpPr txBox="1"/>
           <p:nvPr>
             <p:ph type="title"/>
@@ -9106,7 +10343,7 @@
       </p:sp>
       <p:sp>
         <p:nvSpPr>
-          <p:cNvPr id="57" name="Google Shape;57;p11"/>
+          <p:cNvPr id="72" name="Google Shape;72;p11"/>
           <p:cNvSpPr txBox="1"/>
           <p:nvPr>
             <p:ph idx="12" type="sldNum"/>
@@ -9114,8 +10351,8 @@
         </p:nvSpPr>
         <p:spPr>
           <a:xfrm>
-            <a:off x="7315209" y="4229101"/>
-            <a:ext cx="1828800" cy="914400"/>
+            <a:off x="7315202" y="4416550"/>
+            <a:ext cx="1828800" cy="731400"/>
           </a:xfrm>
           <a:prstGeom prst="rect">
             <a:avLst/>
@@ -9150,29 +10387,36 @@
               <a:spcAft>
                 <a:spcPts val="0"/>
               </a:spcAft>
-              <a:buClr>
-                <a:schemeClr val="dk1"/>
-              </a:buClr>
-              <a:buSzPts val="1100"/>
-              <a:buFont typeface="Arial"/>
-              <a:buNone/>
-            </a:pPr>
-            <a:r>
-              <a:rPr b="0" lang="en" sz="1000" u="sng">
+              <a:buNone/>
+            </a:pPr>
+            <a:r>
+              <a:rPr b="0" lang="en" sz="900" u="sng">
                 <a:solidFill>
                   <a:schemeClr val="hlink"/>
                 </a:solidFill>
                 <a:hlinkClick r:id="rId3"/>
               </a:rPr>
-              <a:t>https://profriehle.com</a:t>
-            </a:r>
-            <a:endParaRPr b="0" sz="1000"/>
+              <a:t>https://oss.cs.fau.de</a:t>
+            </a:r>
+            <a:r>
+              <a:rPr b="0" lang="en" sz="900">
+                <a:solidFill>
+                  <a:schemeClr val="dk2"/>
+                </a:solidFill>
+              </a:rPr>
+              <a:t> </a:t>
+            </a:r>
+            <a:endParaRPr>
+              <a:solidFill>
+                <a:schemeClr val="dk2"/>
+              </a:solidFill>
+            </a:endParaRPr>
           </a:p>
         </p:txBody>
       </p:sp>
       <p:pic>
         <p:nvPicPr>
-          <p:cNvPr id="58" name="Google Shape;58;p11"/>
+          <p:cNvPr id="73" name="Google Shape;73;p11"/>
           <p:cNvPicPr preferRelativeResize="0"/>
           <p:nvPr/>
         </p:nvPicPr>
@@ -9211,7 +10455,7 @@
   <p:cSld>
     <p:spTree>
       <p:nvGrpSpPr>
-        <p:cNvPr id="62" name="Shape 62"/>
+        <p:cNvPr id="77" name="Shape 77"/>
         <p:cNvGrpSpPr/>
         <p:nvPr/>
       </p:nvGrpSpPr>
@@ -9225,7 +10469,7 @@
       </p:grpSpPr>
       <p:sp>
         <p:nvSpPr>
-          <p:cNvPr id="63" name="Google Shape;63;p12"/>
+          <p:cNvPr id="78" name="Google Shape;78;p12"/>
           <p:cNvSpPr txBox="1"/>
           <p:nvPr>
             <p:ph type="title"/>
@@ -9265,7 +10509,7 @@
       </p:sp>
       <p:sp>
         <p:nvSpPr>
-          <p:cNvPr id="64" name="Google Shape;64;p12"/>
+          <p:cNvPr id="79" name="Google Shape;79;p12"/>
           <p:cNvSpPr txBox="1"/>
           <p:nvPr>
             <p:ph idx="12" type="sldNum"/>
@@ -9273,8 +10517,8 @@
         </p:nvSpPr>
         <p:spPr>
           <a:xfrm>
-            <a:off x="7315209" y="4229101"/>
-            <a:ext cx="1828800" cy="914400"/>
+            <a:off x="7315202" y="4416550"/>
+            <a:ext cx="1828800" cy="731400"/>
           </a:xfrm>
           <a:prstGeom prst="rect">
             <a:avLst/>
@@ -9309,29 +10553,36 @@
               <a:spcAft>
                 <a:spcPts val="0"/>
               </a:spcAft>
-              <a:buClr>
-                <a:schemeClr val="dk1"/>
-              </a:buClr>
-              <a:buSzPts val="1100"/>
-              <a:buFont typeface="Arial"/>
-              <a:buNone/>
-            </a:pPr>
-            <a:r>
-              <a:rPr b="0" lang="en" sz="1000" u="sng">
+              <a:buNone/>
+            </a:pPr>
+            <a:r>
+              <a:rPr b="0" lang="en" sz="900" u="sng">
                 <a:solidFill>
                   <a:schemeClr val="hlink"/>
                 </a:solidFill>
                 <a:hlinkClick r:id="rId3"/>
               </a:rPr>
-              <a:t>https://profriehle.com</a:t>
-            </a:r>
-            <a:endParaRPr b="0" sz="1000"/>
+              <a:t>https://oss.cs.fau.de</a:t>
+            </a:r>
+            <a:r>
+              <a:rPr b="0" lang="en" sz="900">
+                <a:solidFill>
+                  <a:schemeClr val="dk2"/>
+                </a:solidFill>
+              </a:rPr>
+              <a:t> </a:t>
+            </a:r>
+            <a:endParaRPr b="0" sz="900">
+              <a:solidFill>
+                <a:schemeClr val="dk2"/>
+              </a:solidFill>
+            </a:endParaRPr>
           </a:p>
         </p:txBody>
       </p:sp>
       <p:sp>
         <p:nvSpPr>
-          <p:cNvPr id="65" name="Google Shape;65;p12"/>
+          <p:cNvPr id="80" name="Google Shape;80;p12"/>
           <p:cNvSpPr txBox="1"/>
           <p:nvPr/>
         </p:nvSpPr>
@@ -9377,7 +10628,7 @@
       </p:sp>
       <p:sp>
         <p:nvSpPr>
-          <p:cNvPr id="66" name="Google Shape;66;p12"/>
+          <p:cNvPr id="81" name="Google Shape;81;p12"/>
           <p:cNvSpPr txBox="1"/>
           <p:nvPr>
             <p:ph idx="1" type="body"/>
@@ -9480,7 +10731,7 @@
             </a:pPr>
             <a:r>
               <a:rPr lang="en"/>
-              <a:t>In the computer science degree program</a:t>
+              <a:t>In the Informatik degree program</a:t>
             </a:r>
             <a:endParaRPr/>
           </a:p>
@@ -9513,10 +10764,18 @@
               <a:buChar char="○"/>
             </a:pPr>
             <a:r>
-              <a:rPr lang="en"/>
+              <a:rPr b="1" lang="en">
+                <a:highlight>
+                  <a:schemeClr val="accent4"/>
+                </a:highlight>
+              </a:rPr>
               <a:t>Theorie</a:t>
             </a:r>
-            <a:endParaRPr/>
+            <a:endParaRPr b="1">
+              <a:highlight>
+                <a:schemeClr val="accent4"/>
+              </a:highlight>
+            </a:endParaRPr>
           </a:p>
           <a:p>
             <a:pPr indent="-317500" lvl="1" marL="914400" rtl="0" algn="l">
@@ -9582,7 +10841,7 @@
   <p:cSld>
     <p:spTree>
       <p:nvGrpSpPr>
-        <p:cNvPr id="70" name="Shape 70"/>
+        <p:cNvPr id="85" name="Shape 85"/>
         <p:cNvGrpSpPr/>
         <p:nvPr/>
       </p:nvGrpSpPr>
@@ -9596,7 +10855,7 @@
       </p:grpSpPr>
       <p:sp>
         <p:nvSpPr>
-          <p:cNvPr id="71" name="Google Shape;71;p13"/>
+          <p:cNvPr id="86" name="Google Shape;86;p13"/>
           <p:cNvSpPr txBox="1"/>
           <p:nvPr>
             <p:ph type="title"/>
@@ -9628,11 +10887,11 @@
             </a:pPr>
             <a:r>
               <a:rPr lang="en"/>
-              <a:t>ADAP</a:t>
-            </a:r>
-            <a:r>
-              <a:rPr lang="en"/>
-              <a:t>-VUE Grading [1]</a:t>
+              <a:t>ADAP-VUE</a:t>
+            </a:r>
+            <a:r>
+              <a:rPr lang="en"/>
+              <a:t> Grading [1]</a:t>
             </a:r>
             <a:endParaRPr/>
           </a:p>
@@ -9640,7 +10899,7 @@
       </p:sp>
       <p:sp>
         <p:nvSpPr>
-          <p:cNvPr id="72" name="Google Shape;72;p13"/>
+          <p:cNvPr id="87" name="Google Shape;87;p13"/>
           <p:cNvSpPr txBox="1"/>
           <p:nvPr>
             <p:ph idx="12" type="sldNum"/>
@@ -9648,8 +10907,8 @@
         </p:nvSpPr>
         <p:spPr>
           <a:xfrm>
-            <a:off x="7315209" y="4229101"/>
-            <a:ext cx="1828800" cy="914400"/>
+            <a:off x="7315202" y="4416550"/>
+            <a:ext cx="1828800" cy="731400"/>
           </a:xfrm>
           <a:prstGeom prst="rect">
             <a:avLst/>
@@ -9684,29 +10943,36 @@
               <a:spcAft>
                 <a:spcPts val="0"/>
               </a:spcAft>
-              <a:buClr>
-                <a:schemeClr val="dk1"/>
-              </a:buClr>
-              <a:buSzPts val="1100"/>
-              <a:buFont typeface="Arial"/>
-              <a:buNone/>
-            </a:pPr>
-            <a:r>
-              <a:rPr b="0" lang="en" sz="1000" u="sng">
+              <a:buNone/>
+            </a:pPr>
+            <a:r>
+              <a:rPr b="0" lang="en" sz="900" u="sng">
                 <a:solidFill>
                   <a:schemeClr val="hlink"/>
                 </a:solidFill>
                 <a:hlinkClick r:id="rId3"/>
               </a:rPr>
-              <a:t>https://profriehle.com</a:t>
-            </a:r>
-            <a:endParaRPr b="0" sz="1000"/>
+              <a:t>https://oss.cs.fau.de</a:t>
+            </a:r>
+            <a:r>
+              <a:rPr b="0" lang="en" sz="900">
+                <a:solidFill>
+                  <a:schemeClr val="dk2"/>
+                </a:solidFill>
+              </a:rPr>
+              <a:t> </a:t>
+            </a:r>
+            <a:endParaRPr b="0" sz="900">
+              <a:solidFill>
+                <a:schemeClr val="dk2"/>
+              </a:solidFill>
+            </a:endParaRPr>
           </a:p>
         </p:txBody>
       </p:sp>
       <p:sp>
         <p:nvSpPr>
-          <p:cNvPr id="73" name="Google Shape;73;p13"/>
+          <p:cNvPr id="88" name="Google Shape;88;p13"/>
           <p:cNvSpPr txBox="1"/>
           <p:nvPr>
             <p:ph idx="1" type="body"/>
@@ -9743,11 +11009,7 @@
             </a:pPr>
             <a:r>
               <a:rPr lang="en"/>
-              <a:t>Semester</a:t>
-            </a:r>
-            <a:r>
-              <a:rPr lang="en"/>
-              <a:t> contributions = 50% of total grade</a:t>
+              <a:t>Semester contributions = 50% of total grade</a:t>
             </a:r>
             <a:endParaRPr/>
           </a:p>
@@ -9816,61 +11078,6 @@
             <a:r>
               <a:rPr lang="en"/>
               <a:t>Graded using [0..10] using tool and grading rubric</a:t>
-            </a:r>
-            <a:endParaRPr/>
-          </a:p>
-          <a:p>
-            <a:pPr indent="0" lvl="0" marL="0" rtl="0" algn="l">
-              <a:spcBef>
-                <a:spcPts val="1200"/>
-              </a:spcBef>
-              <a:spcAft>
-                <a:spcPts val="0"/>
-              </a:spcAft>
-              <a:buClr>
-                <a:schemeClr val="dk1"/>
-              </a:buClr>
-              <a:buSzPts val="1100"/>
-              <a:buFont typeface="Arial"/>
-              <a:buNone/>
-            </a:pPr>
-            <a:r>
-              <a:rPr lang="en"/>
-              <a:t>Oral exam = 50% of total grade</a:t>
-            </a:r>
-            <a:endParaRPr/>
-          </a:p>
-          <a:p>
-            <a:pPr indent="-342900" lvl="0" marL="457200" rtl="0" algn="l">
-              <a:spcBef>
-                <a:spcPts val="1200"/>
-              </a:spcBef>
-              <a:spcAft>
-                <a:spcPts val="0"/>
-              </a:spcAft>
-              <a:buSzPts val="1800"/>
-              <a:buChar char="●"/>
-            </a:pPr>
-            <a:r>
-              <a:rPr lang="en"/>
-              <a:t>If both you and we agree on not having an oral exam, it can be dropped</a:t>
-            </a:r>
-            <a:endParaRPr/>
-          </a:p>
-          <a:p>
-            <a:pPr indent="-317500" lvl="1" marL="914400" rtl="0" algn="l">
-              <a:spcBef>
-                <a:spcPts val="0"/>
-              </a:spcBef>
-              <a:spcAft>
-                <a:spcPts val="0"/>
-              </a:spcAft>
-              <a:buSzPts val="1400"/>
-              <a:buChar char="○"/>
-            </a:pPr>
-            <a:r>
-              <a:rPr lang="en"/>
-              <a:t>If you insist on an oral exam, please tell us within two weeks after the last session</a:t>
             </a:r>
             <a:endParaRPr/>
           </a:p>
@@ -9893,7 +11100,7 @@
       </p:sp>
       <p:sp>
         <p:nvSpPr>
-          <p:cNvPr id="74" name="Google Shape;74;p13"/>
+          <p:cNvPr id="89" name="Google Shape;89;p13"/>
           <p:cNvSpPr txBox="1"/>
           <p:nvPr/>
         </p:nvSpPr>
@@ -9955,621 +11162,6 @@
 </file>
 
 <file path=ppt/slides/slide7.xml><?xml version="1.0" encoding="utf-8"?>
-<p:sld xmlns:a="http://schemas.openxmlformats.org/drawingml/2006/main" xmlns:r="http://schemas.openxmlformats.org/officeDocument/2006/relationships" xmlns:mc="http://schemas.openxmlformats.org/markup-compatibility/2006" xmlns:mv="urn:schemas-microsoft-com:mac:vml" xmlns:p="http://schemas.openxmlformats.org/presentationml/2006/main" xmlns:c="http://schemas.openxmlformats.org/drawingml/2006/chart" xmlns:dgm="http://schemas.openxmlformats.org/drawingml/2006/diagram" xmlns:o="urn:schemas-microsoft-com:office:office" xmlns:v="urn:schemas-microsoft-com:vml" xmlns:pvml="urn:schemas-microsoft-com:office:powerpoint" xmlns:com="http://schemas.openxmlformats.org/drawingml/2006/compatibility" xmlns:p14="http://schemas.microsoft.com/office/powerpoint/2010/main" xmlns:p15="http://schemas.microsoft.com/office/powerpoint/2012/main" xmlns:ahyp="http://schemas.microsoft.com/office/drawing/2018/hyperlinkcolor">
-  <p:cSld>
-    <p:spTree>
-      <p:nvGrpSpPr>
-        <p:cNvPr id="78" name="Shape 78"/>
-        <p:cNvGrpSpPr/>
-        <p:nvPr/>
-      </p:nvGrpSpPr>
-      <p:grpSpPr>
-        <a:xfrm>
-          <a:off x="0" y="0"/>
-          <a:ext cx="0" cy="0"/>
-          <a:chOff x="0" y="0"/>
-          <a:chExt cx="0" cy="0"/>
-        </a:xfrm>
-      </p:grpSpPr>
-      <p:sp>
-        <p:nvSpPr>
-          <p:cNvPr id="79" name="Google Shape;79;p14"/>
-          <p:cNvSpPr txBox="1"/>
-          <p:nvPr>
-            <p:ph type="title"/>
-          </p:nvPr>
-        </p:nvSpPr>
-        <p:spPr>
-          <a:xfrm>
-            <a:off x="0" y="0"/>
-            <a:ext cx="9144000" cy="685800"/>
-          </a:xfrm>
-          <a:prstGeom prst="rect">
-            <a:avLst/>
-          </a:prstGeom>
-        </p:spPr>
-        <p:txBody>
-          <a:bodyPr anchorCtr="0" anchor="ctr" bIns="91425" lIns="274300" spcFirstLastPara="1" rIns="91425" wrap="square" tIns="91425">
-            <a:noAutofit/>
-          </a:bodyPr>
-          <a:lstStyle/>
-          <a:p>
-            <a:pPr indent="0" lvl="0" marL="0" rtl="0" algn="l">
-              <a:spcBef>
-                <a:spcPts val="0"/>
-              </a:spcBef>
-              <a:spcAft>
-                <a:spcPts val="0"/>
-              </a:spcAft>
-              <a:buNone/>
-            </a:pPr>
-            <a:r>
-              <a:rPr lang="en"/>
-              <a:t>Class Quizzes</a:t>
-            </a:r>
-            <a:endParaRPr/>
-          </a:p>
-        </p:txBody>
-      </p:sp>
-      <p:sp>
-        <p:nvSpPr>
-          <p:cNvPr id="80" name="Google Shape;80;p14"/>
-          <p:cNvSpPr txBox="1"/>
-          <p:nvPr>
-            <p:ph idx="1" type="body"/>
-          </p:nvPr>
-        </p:nvSpPr>
-        <p:spPr>
-          <a:xfrm>
-            <a:off x="274320" y="914400"/>
-            <a:ext cx="8595300" cy="4114800"/>
-          </a:xfrm>
-          <a:prstGeom prst="rect">
-            <a:avLst/>
-          </a:prstGeom>
-        </p:spPr>
-        <p:txBody>
-          <a:bodyPr anchorCtr="0" anchor="t" bIns="0" lIns="0" spcFirstLastPara="1" rIns="0" wrap="square" tIns="0">
-            <a:noAutofit/>
-          </a:bodyPr>
-          <a:lstStyle/>
-          <a:p>
-            <a:pPr indent="0" lvl="0" marL="0" rtl="0" algn="l">
-              <a:spcBef>
-                <a:spcPts val="0"/>
-              </a:spcBef>
-              <a:spcAft>
-                <a:spcPts val="0"/>
-              </a:spcAft>
-              <a:buClr>
-                <a:schemeClr val="dk1"/>
-              </a:buClr>
-              <a:buSzPts val="1100"/>
-              <a:buFont typeface="Arial"/>
-              <a:buNone/>
-            </a:pPr>
-            <a:r>
-              <a:rPr lang="en"/>
-              <a:t>Each class session starts with a class quiz</a:t>
-            </a:r>
-            <a:endParaRPr/>
-          </a:p>
-          <a:p>
-            <a:pPr indent="-342900" lvl="0" marL="457200" rtl="0" algn="l">
-              <a:spcBef>
-                <a:spcPts val="1200"/>
-              </a:spcBef>
-              <a:spcAft>
-                <a:spcPts val="0"/>
-              </a:spcAft>
-              <a:buSzPts val="1800"/>
-              <a:buChar char="●"/>
-            </a:pPr>
-            <a:r>
-              <a:rPr lang="en"/>
-              <a:t>A quiz will test your understanding of last session’s topic</a:t>
-            </a:r>
-            <a:endParaRPr/>
-          </a:p>
-          <a:p>
-            <a:pPr indent="-342900" lvl="0" marL="457200" rtl="0" algn="l">
-              <a:spcBef>
-                <a:spcPts val="0"/>
-              </a:spcBef>
-              <a:spcAft>
-                <a:spcPts val="0"/>
-              </a:spcAft>
-              <a:buSzPts val="1800"/>
-              <a:buChar char="●"/>
-            </a:pPr>
-            <a:r>
-              <a:rPr lang="en"/>
-              <a:t>A quiz typically has 5 questions and will last 10 minutes</a:t>
-            </a:r>
-            <a:endParaRPr/>
-          </a:p>
-          <a:p>
-            <a:pPr indent="-342900" lvl="0" marL="457200" rtl="0" algn="l">
-              <a:spcBef>
-                <a:spcPts val="0"/>
-              </a:spcBef>
-              <a:spcAft>
-                <a:spcPts val="0"/>
-              </a:spcAft>
-              <a:buSzPts val="1800"/>
-              <a:buChar char="●"/>
-            </a:pPr>
-            <a:r>
-              <a:rPr lang="en"/>
-              <a:t>The overall quiz is graded using [0..10] scheme (10 points in total)</a:t>
-            </a:r>
-            <a:endParaRPr/>
-          </a:p>
-          <a:p>
-            <a:pPr indent="0" lvl="0" marL="0" rtl="0" algn="l">
-              <a:spcBef>
-                <a:spcPts val="1200"/>
-              </a:spcBef>
-              <a:spcAft>
-                <a:spcPts val="0"/>
-              </a:spcAft>
-              <a:buClr>
-                <a:schemeClr val="dk1"/>
-              </a:buClr>
-              <a:buSzPts val="1100"/>
-              <a:buFont typeface="Arial"/>
-              <a:buNone/>
-            </a:pPr>
-            <a:r>
-              <a:rPr lang="en"/>
-              <a:t>A class quiz will open precisely when class starts</a:t>
-            </a:r>
-            <a:endParaRPr/>
-          </a:p>
-          <a:p>
-            <a:pPr indent="-342900" lvl="0" marL="457200" rtl="0" algn="l">
-              <a:spcBef>
-                <a:spcPts val="1200"/>
-              </a:spcBef>
-              <a:spcAft>
-                <a:spcPts val="0"/>
-              </a:spcAft>
-              <a:buSzPts val="1800"/>
-              <a:buChar char="●"/>
-            </a:pPr>
-            <a:r>
-              <a:rPr lang="en"/>
-              <a:t>The quiz is administered automatically</a:t>
-            </a:r>
-            <a:endParaRPr/>
-          </a:p>
-          <a:p>
-            <a:pPr indent="-342900" lvl="0" marL="457200" rtl="0" algn="l">
-              <a:spcBef>
-                <a:spcPts val="0"/>
-              </a:spcBef>
-              <a:spcAft>
-                <a:spcPts val="0"/>
-              </a:spcAft>
-              <a:buSzPts val="1800"/>
-              <a:buChar char="●"/>
-            </a:pPr>
-            <a:r>
-              <a:rPr lang="en"/>
-              <a:t>It is your job to have reliable Internet access etc.</a:t>
-            </a:r>
-            <a:endParaRPr/>
-          </a:p>
-          <a:p>
-            <a:pPr indent="-342900" lvl="0" marL="457200" rtl="0" algn="l">
-              <a:spcBef>
-                <a:spcPts val="0"/>
-              </a:spcBef>
-              <a:spcAft>
-                <a:spcPts val="0"/>
-              </a:spcAft>
-              <a:buSzPts val="1800"/>
-              <a:buChar char="●"/>
-            </a:pPr>
-            <a:r>
-              <a:rPr lang="en"/>
-              <a:t>There is no way to make up for a missed quiz</a:t>
-            </a:r>
-            <a:endParaRPr/>
-          </a:p>
-          <a:p>
-            <a:pPr indent="0" lvl="0" marL="0" rtl="0" algn="l">
-              <a:spcBef>
-                <a:spcPts val="1200"/>
-              </a:spcBef>
-              <a:spcAft>
-                <a:spcPts val="1200"/>
-              </a:spcAft>
-              <a:buClr>
-                <a:schemeClr val="dk1"/>
-              </a:buClr>
-              <a:buSzPts val="1100"/>
-              <a:buFont typeface="Arial"/>
-              <a:buNone/>
-            </a:pPr>
-            <a:r>
-              <a:rPr lang="en"/>
-              <a:t>Please sign up on </a:t>
-            </a:r>
-            <a:r>
-              <a:rPr lang="en" u="sng">
-                <a:solidFill>
-                  <a:schemeClr val="hlink"/>
-                </a:solidFill>
-                <a:hlinkClick r:id="rId3"/>
-              </a:rPr>
-              <a:t>https://myc.uni1.de</a:t>
-            </a:r>
-            <a:r>
-              <a:rPr lang="en"/>
-              <a:t> for the quizzes [1]</a:t>
-            </a:r>
-            <a:endParaRPr/>
-          </a:p>
-        </p:txBody>
-      </p:sp>
-      <p:sp>
-        <p:nvSpPr>
-          <p:cNvPr id="81" name="Google Shape;81;p14"/>
-          <p:cNvSpPr txBox="1"/>
-          <p:nvPr>
-            <p:ph idx="12" type="sldNum"/>
-          </p:nvPr>
-        </p:nvSpPr>
-        <p:spPr>
-          <a:xfrm>
-            <a:off x="7315209" y="4229101"/>
-            <a:ext cx="1828800" cy="914400"/>
-          </a:xfrm>
-          <a:prstGeom prst="rect">
-            <a:avLst/>
-          </a:prstGeom>
-        </p:spPr>
-        <p:txBody>
-          <a:bodyPr anchorCtr="0" anchor="b" bIns="91425" lIns="91425" spcFirstLastPara="1" rIns="91425" wrap="square" tIns="91425">
-            <a:noAutofit/>
-          </a:bodyPr>
-          <a:lstStyle/>
-          <a:p>
-            <a:pPr indent="0" lvl="0" marL="0" rtl="0" algn="r">
-              <a:spcBef>
-                <a:spcPts val="0"/>
-              </a:spcBef>
-              <a:spcAft>
-                <a:spcPts val="0"/>
-              </a:spcAft>
-              <a:buNone/>
-            </a:pPr>
-            <a:fld id="{00000000-1234-1234-1234-123412341234}" type="slidenum">
-              <a:rPr lang="en"/>
-              <a:t>‹#›</a:t>
-            </a:fld>
-            <a:endParaRPr/>
-          </a:p>
-          <a:p>
-            <a:pPr indent="0" lvl="0" marL="0" rtl="0" algn="r">
-              <a:spcBef>
-                <a:spcPts val="0"/>
-              </a:spcBef>
-              <a:spcAft>
-                <a:spcPts val="0"/>
-              </a:spcAft>
-              <a:buClr>
-                <a:schemeClr val="dk1"/>
-              </a:buClr>
-              <a:buSzPts val="1100"/>
-              <a:buFont typeface="Arial"/>
-              <a:buNone/>
-            </a:pPr>
-            <a:r>
-              <a:rPr b="0" lang="en" sz="1000" u="sng">
-                <a:solidFill>
-                  <a:schemeClr val="hlink"/>
-                </a:solidFill>
-                <a:hlinkClick r:id="rId4"/>
-              </a:rPr>
-              <a:t>https://profriehle.com</a:t>
-            </a:r>
-            <a:endParaRPr b="0" sz="1000"/>
-          </a:p>
-        </p:txBody>
-      </p:sp>
-      <p:sp>
-        <p:nvSpPr>
-          <p:cNvPr id="82" name="Google Shape;82;p14"/>
-          <p:cNvSpPr txBox="1"/>
-          <p:nvPr/>
-        </p:nvSpPr>
-        <p:spPr>
-          <a:xfrm>
-            <a:off x="0" y="4233672"/>
-            <a:ext cx="7315200" cy="914400"/>
-          </a:xfrm>
-          <a:prstGeom prst="rect">
-            <a:avLst/>
-          </a:prstGeom>
-          <a:noFill/>
-          <a:ln>
-            <a:noFill/>
-          </a:ln>
-        </p:spPr>
-        <p:txBody>
-          <a:bodyPr anchorCtr="0" anchor="b" bIns="91425" lIns="91425" spcFirstLastPara="1" rIns="91425" wrap="square" tIns="91425">
-            <a:noAutofit/>
-          </a:bodyPr>
-          <a:lstStyle/>
-          <a:p>
-            <a:pPr indent="0" lvl="0" marL="0" rtl="0" algn="l">
-              <a:spcBef>
-                <a:spcPts val="0"/>
-              </a:spcBef>
-              <a:spcAft>
-                <a:spcPts val="0"/>
-              </a:spcAft>
-              <a:buNone/>
-            </a:pPr>
-            <a:r>
-              <a:rPr lang="en"/>
-              <a:t>[1] </a:t>
-            </a:r>
-            <a:r>
-              <a:rPr lang="en"/>
-              <a:t>GMail, YMail, Proton work, FAU.de works sometimes, GMX.de does not</a:t>
-            </a:r>
-            <a:endParaRPr/>
-          </a:p>
-        </p:txBody>
-      </p:sp>
-    </p:spTree>
-  </p:cSld>
-  <p:clrMapOvr>
-    <a:masterClrMapping/>
-  </p:clrMapOvr>
-</p:sld>
-</file>
-
-<file path=ppt/slides/slide8.xml><?xml version="1.0" encoding="utf-8"?>
-<p:sld xmlns:a="http://schemas.openxmlformats.org/drawingml/2006/main" xmlns:r="http://schemas.openxmlformats.org/officeDocument/2006/relationships" xmlns:mc="http://schemas.openxmlformats.org/markup-compatibility/2006" xmlns:mv="urn:schemas-microsoft-com:mac:vml" xmlns:p="http://schemas.openxmlformats.org/presentationml/2006/main" xmlns:c="http://schemas.openxmlformats.org/drawingml/2006/chart" xmlns:dgm="http://schemas.openxmlformats.org/drawingml/2006/diagram" xmlns:o="urn:schemas-microsoft-com:office:office" xmlns:v="urn:schemas-microsoft-com:vml" xmlns:pvml="urn:schemas-microsoft-com:office:powerpoint" xmlns:com="http://schemas.openxmlformats.org/drawingml/2006/compatibility" xmlns:p14="http://schemas.microsoft.com/office/powerpoint/2010/main" xmlns:p15="http://schemas.microsoft.com/office/powerpoint/2012/main" xmlns:ahyp="http://schemas.microsoft.com/office/drawing/2018/hyperlinkcolor">
-  <p:cSld>
-    <p:spTree>
-      <p:nvGrpSpPr>
-        <p:cNvPr id="86" name="Shape 86"/>
-        <p:cNvGrpSpPr/>
-        <p:nvPr/>
-      </p:nvGrpSpPr>
-      <p:grpSpPr>
-        <a:xfrm>
-          <a:off x="0" y="0"/>
-          <a:ext cx="0" cy="0"/>
-          <a:chOff x="0" y="0"/>
-          <a:chExt cx="0" cy="0"/>
-        </a:xfrm>
-      </p:grpSpPr>
-      <p:sp>
-        <p:nvSpPr>
-          <p:cNvPr id="87" name="Google Shape;87;p15"/>
-          <p:cNvSpPr txBox="1"/>
-          <p:nvPr>
-            <p:ph type="title"/>
-          </p:nvPr>
-        </p:nvSpPr>
-        <p:spPr>
-          <a:xfrm>
-            <a:off x="0" y="0"/>
-            <a:ext cx="9144000" cy="685800"/>
-          </a:xfrm>
-          <a:prstGeom prst="rect">
-            <a:avLst/>
-          </a:prstGeom>
-        </p:spPr>
-        <p:txBody>
-          <a:bodyPr anchorCtr="0" anchor="ctr" bIns="91425" lIns="274300" spcFirstLastPara="1" rIns="91425" wrap="square" tIns="91425">
-            <a:noAutofit/>
-          </a:bodyPr>
-          <a:lstStyle/>
-          <a:p>
-            <a:pPr indent="0" lvl="0" marL="0" rtl="0" algn="l">
-              <a:spcBef>
-                <a:spcPts val="0"/>
-              </a:spcBef>
-              <a:spcAft>
-                <a:spcPts val="0"/>
-              </a:spcAft>
-              <a:buNone/>
-            </a:pPr>
-            <a:r>
-              <a:rPr lang="en"/>
-              <a:t>Homework Grading</a:t>
-            </a:r>
-            <a:endParaRPr/>
-          </a:p>
-        </p:txBody>
-      </p:sp>
-      <p:sp>
-        <p:nvSpPr>
-          <p:cNvPr id="88" name="Google Shape;88;p15"/>
-          <p:cNvSpPr txBox="1"/>
-          <p:nvPr>
-            <p:ph idx="1" type="body"/>
-          </p:nvPr>
-        </p:nvSpPr>
-        <p:spPr>
-          <a:xfrm>
-            <a:off x="274320" y="914400"/>
-            <a:ext cx="8595300" cy="4114800"/>
-          </a:xfrm>
-          <a:prstGeom prst="rect">
-            <a:avLst/>
-          </a:prstGeom>
-        </p:spPr>
-        <p:txBody>
-          <a:bodyPr anchorCtr="0" anchor="t" bIns="0" lIns="0" spcFirstLastPara="1" rIns="0" wrap="square" tIns="0">
-            <a:noAutofit/>
-          </a:bodyPr>
-          <a:lstStyle/>
-          <a:p>
-            <a:pPr indent="0" lvl="0" marL="0" rtl="0" algn="l">
-              <a:spcBef>
-                <a:spcPts val="0"/>
-              </a:spcBef>
-              <a:spcAft>
-                <a:spcPts val="0"/>
-              </a:spcAft>
-              <a:buNone/>
-            </a:pPr>
-            <a:r>
-              <a:rPr lang="en"/>
-              <a:t>All homework submissions will be weighted equally</a:t>
-            </a:r>
-            <a:endParaRPr/>
-          </a:p>
-          <a:p>
-            <a:pPr indent="-342900" lvl="0" marL="457200" rtl="0" algn="l">
-              <a:spcBef>
-                <a:spcPts val="1200"/>
-              </a:spcBef>
-              <a:spcAft>
-                <a:spcPts val="0"/>
-              </a:spcAft>
-              <a:buSzPts val="1800"/>
-              <a:buChar char="●"/>
-            </a:pPr>
-            <a:r>
-              <a:rPr lang="en"/>
-              <a:t>Each homework will be graded on a [0..10] scale</a:t>
-            </a:r>
-            <a:endParaRPr/>
-          </a:p>
-          <a:p>
-            <a:pPr indent="-342900" lvl="0" marL="457200" rtl="0" algn="l">
-              <a:spcBef>
-                <a:spcPts val="0"/>
-              </a:spcBef>
-              <a:spcAft>
-                <a:spcPts val="0"/>
-              </a:spcAft>
-              <a:buSzPts val="1800"/>
-              <a:buChar char="●"/>
-            </a:pPr>
-            <a:r>
-              <a:rPr lang="en"/>
-              <a:t>There will be 12 homework submissions</a:t>
-            </a:r>
-            <a:endParaRPr/>
-          </a:p>
-          <a:p>
-            <a:pPr indent="0" lvl="0" marL="0" rtl="0" algn="l">
-              <a:spcBef>
-                <a:spcPts val="1200"/>
-              </a:spcBef>
-              <a:spcAft>
-                <a:spcPts val="0"/>
-              </a:spcAft>
-              <a:buNone/>
-            </a:pPr>
-            <a:r>
-              <a:rPr lang="en"/>
-              <a:t>Miss four or more homework assignments and you fail the course</a:t>
-            </a:r>
-            <a:endParaRPr/>
-          </a:p>
-          <a:p>
-            <a:pPr indent="0" lvl="0" marL="0" rtl="0" algn="l">
-              <a:spcBef>
-                <a:spcPts val="1200"/>
-              </a:spcBef>
-              <a:spcAft>
-                <a:spcPts val="1200"/>
-              </a:spcAft>
-              <a:buNone/>
-            </a:pPr>
-            <a:r>
-              <a:t/>
-            </a:r>
-            <a:endParaRPr/>
-          </a:p>
-        </p:txBody>
-      </p:sp>
-      <p:sp>
-        <p:nvSpPr>
-          <p:cNvPr id="89" name="Google Shape;89;p15"/>
-          <p:cNvSpPr txBox="1"/>
-          <p:nvPr>
-            <p:ph idx="12" type="sldNum"/>
-          </p:nvPr>
-        </p:nvSpPr>
-        <p:spPr>
-          <a:xfrm>
-            <a:off x="7315209" y="4229101"/>
-            <a:ext cx="1828800" cy="914400"/>
-          </a:xfrm>
-          <a:prstGeom prst="rect">
-            <a:avLst/>
-          </a:prstGeom>
-        </p:spPr>
-        <p:txBody>
-          <a:bodyPr anchorCtr="0" anchor="b" bIns="91425" lIns="91425" spcFirstLastPara="1" rIns="91425" wrap="square" tIns="91425">
-            <a:noAutofit/>
-          </a:bodyPr>
-          <a:lstStyle/>
-          <a:p>
-            <a:pPr indent="0" lvl="0" marL="0" rtl="0" algn="r">
-              <a:spcBef>
-                <a:spcPts val="0"/>
-              </a:spcBef>
-              <a:spcAft>
-                <a:spcPts val="0"/>
-              </a:spcAft>
-              <a:buNone/>
-            </a:pPr>
-            <a:fld id="{00000000-1234-1234-1234-123412341234}" type="slidenum">
-              <a:rPr lang="en"/>
-              <a:t>‹#›</a:t>
-            </a:fld>
-            <a:endParaRPr/>
-          </a:p>
-          <a:p>
-            <a:pPr indent="0" lvl="0" marL="0" rtl="0" algn="r">
-              <a:spcBef>
-                <a:spcPts val="0"/>
-              </a:spcBef>
-              <a:spcAft>
-                <a:spcPts val="0"/>
-              </a:spcAft>
-              <a:buClr>
-                <a:schemeClr val="dk1"/>
-              </a:buClr>
-              <a:buSzPts val="1100"/>
-              <a:buFont typeface="Arial"/>
-              <a:buNone/>
-            </a:pPr>
-            <a:r>
-              <a:rPr b="0" lang="en" sz="1000" u="sng">
-                <a:solidFill>
-                  <a:schemeClr val="hlink"/>
-                </a:solidFill>
-                <a:hlinkClick r:id="rId3"/>
-              </a:rPr>
-              <a:t>https://profriehle.com</a:t>
-            </a:r>
-            <a:endParaRPr b="0" sz="1000"/>
-          </a:p>
-        </p:txBody>
-      </p:sp>
-    </p:spTree>
-  </p:cSld>
-  <p:clrMapOvr>
-    <a:masterClrMapping/>
-  </p:clrMapOvr>
-</p:sld>
-</file>
-
-<file path=ppt/slides/slide9.xml><?xml version="1.0" encoding="utf-8"?>
 <p:sld xmlns:a="http://schemas.openxmlformats.org/drawingml/2006/main" xmlns:r="http://schemas.openxmlformats.org/officeDocument/2006/relationships" xmlns:mc="http://schemas.openxmlformats.org/markup-compatibility/2006" xmlns:mv="urn:schemas-microsoft-com:mac:vml" xmlns:p="http://schemas.openxmlformats.org/presentationml/2006/main" xmlns:c="http://schemas.openxmlformats.org/drawingml/2006/chart" xmlns:dgm="http://schemas.openxmlformats.org/drawingml/2006/diagram" xmlns:o="urn:schemas-microsoft-com:office:office" xmlns:v="urn:schemas-microsoft-com:vml" xmlns:pvml="urn:schemas-microsoft-com:office:powerpoint" xmlns:com="http://schemas.openxmlformats.org/drawingml/2006/compatibility" xmlns:p14="http://schemas.microsoft.com/office/powerpoint/2010/main" xmlns:p15="http://schemas.microsoft.com/office/powerpoint/2012/main" xmlns:ahyp="http://schemas.microsoft.com/office/drawing/2018/hyperlinkcolor">
   <p:cSld>
     <p:spTree>
@@ -10588,7 +11180,7 @@
       </p:grpSpPr>
       <p:sp>
         <p:nvSpPr>
-          <p:cNvPr id="94" name="Google Shape;94;p16"/>
+          <p:cNvPr id="94" name="Google Shape;94;p14"/>
           <p:cNvSpPr txBox="1"/>
           <p:nvPr>
             <p:ph type="title"/>
@@ -10604,7 +11196,7 @@
           </a:prstGeom>
         </p:spPr>
         <p:txBody>
-          <a:bodyPr anchorCtr="0" anchor="ctr" bIns="0" lIns="274300" spcFirstLastPara="1" rIns="0" wrap="square" tIns="0">
+          <a:bodyPr anchorCtr="0" anchor="ctr" bIns="91425" lIns="274300" spcFirstLastPara="1" rIns="91425" wrap="square" tIns="91425">
             <a:noAutofit/>
           </a:bodyPr>
           <a:lstStyle/>
@@ -10620,93 +11212,7 @@
             </a:pPr>
             <a:r>
               <a:rPr lang="en"/>
-              <a:t>No Oral or Written Exam [1] [2]</a:t>
-            </a:r>
-            <a:endParaRPr/>
-          </a:p>
-        </p:txBody>
-      </p:sp>
-      <p:pic>
-        <p:nvPicPr>
-          <p:cNvPr id="95" name="Google Shape;95;p16"/>
-          <p:cNvPicPr preferRelativeResize="0"/>
-          <p:nvPr/>
-        </p:nvPicPr>
-        <p:blipFill>
-          <a:blip r:embed="rId3">
-            <a:alphaModFix/>
-          </a:blip>
-          <a:stretch>
-            <a:fillRect/>
-          </a:stretch>
-        </p:blipFill>
-        <p:spPr>
-          <a:xfrm>
-            <a:off x="2743200" y="914400"/>
-            <a:ext cx="3657601" cy="3649471"/>
-          </a:xfrm>
-          <a:prstGeom prst="rect">
-            <a:avLst/>
-          </a:prstGeom>
-          <a:noFill/>
-          <a:ln>
-            <a:noFill/>
-          </a:ln>
-        </p:spPr>
-      </p:pic>
-      <p:sp>
-        <p:nvSpPr>
-          <p:cNvPr id="96" name="Google Shape;96;p16"/>
-          <p:cNvSpPr txBox="1"/>
-          <p:nvPr/>
-        </p:nvSpPr>
-        <p:spPr>
-          <a:xfrm>
-            <a:off x="0" y="4233675"/>
-            <a:ext cx="7315200" cy="914400"/>
-          </a:xfrm>
-          <a:prstGeom prst="rect">
-            <a:avLst/>
-          </a:prstGeom>
-          <a:noFill/>
-          <a:ln>
-            <a:noFill/>
-          </a:ln>
-        </p:spPr>
-        <p:txBody>
-          <a:bodyPr anchorCtr="0" anchor="b" bIns="91425" lIns="91425" spcFirstLastPara="1" rIns="91425" wrap="square" tIns="91425">
-            <a:noAutofit/>
-          </a:bodyPr>
-          <a:lstStyle/>
-          <a:p>
-            <a:pPr indent="0" lvl="0" marL="0" rtl="0" algn="l">
-              <a:spcBef>
-                <a:spcPts val="0"/>
-              </a:spcBef>
-              <a:spcAft>
-                <a:spcPts val="0"/>
-              </a:spcAft>
-              <a:buNone/>
-            </a:pPr>
-            <a:r>
-              <a:rPr lang="en"/>
-              <a:t>[1] If both you and we don’t want to</a:t>
-            </a:r>
-            <a:endParaRPr/>
-          </a:p>
-          <a:p>
-            <a:pPr indent="0" lvl="0" marL="0" rtl="0" algn="l">
-              <a:spcBef>
-                <a:spcPts val="0"/>
-              </a:spcBef>
-              <a:spcAft>
-                <a:spcPts val="0"/>
-              </a:spcAft>
-              <a:buNone/>
-            </a:pPr>
-            <a:r>
-              <a:rPr lang="en"/>
-              <a:t>[2] You still have to register for the course</a:t>
+              <a:t>Course Management System</a:t>
             </a:r>
             <a:endParaRPr/>
           </a:p>
@@ -10714,7 +11220,113 @@
       </p:sp>
       <p:sp>
         <p:nvSpPr>
-          <p:cNvPr id="97" name="Google Shape;97;p16"/>
+          <p:cNvPr id="95" name="Google Shape;95;p14"/>
+          <p:cNvSpPr txBox="1"/>
+          <p:nvPr>
+            <p:ph idx="1" type="body"/>
+          </p:nvPr>
+        </p:nvSpPr>
+        <p:spPr>
+          <a:xfrm>
+            <a:off x="274320" y="914400"/>
+            <a:ext cx="8595300" cy="4114800"/>
+          </a:xfrm>
+          <a:prstGeom prst="rect">
+            <a:avLst/>
+          </a:prstGeom>
+        </p:spPr>
+        <p:txBody>
+          <a:bodyPr anchorCtr="0" anchor="t" bIns="0" lIns="0" spcFirstLastPara="1" rIns="0" wrap="square" tIns="0">
+            <a:noAutofit/>
+          </a:bodyPr>
+          <a:lstStyle/>
+          <a:p>
+            <a:pPr indent="0" lvl="0" marL="0" rtl="0" algn="l">
+              <a:spcBef>
+                <a:spcPts val="0"/>
+              </a:spcBef>
+              <a:spcAft>
+                <a:spcPts val="0"/>
+              </a:spcAft>
+              <a:buNone/>
+            </a:pPr>
+            <a:r>
+              <a:rPr lang="en"/>
+              <a:t>Please sign up on </a:t>
+            </a:r>
+            <a:r>
+              <a:rPr lang="en" u="sng">
+                <a:solidFill>
+                  <a:schemeClr val="hlink"/>
+                </a:solidFill>
+                <a:hlinkClick r:id="rId3"/>
+              </a:rPr>
+              <a:t>https://myc.uni1.de</a:t>
+            </a:r>
+            <a:r>
+              <a:rPr lang="en"/>
+              <a:t> for the course</a:t>
+            </a:r>
+            <a:endParaRPr/>
+          </a:p>
+          <a:p>
+            <a:pPr indent="0" lvl="0" marL="0" rtl="0" algn="l">
+              <a:spcBef>
+                <a:spcPts val="1200"/>
+              </a:spcBef>
+              <a:spcAft>
+                <a:spcPts val="0"/>
+              </a:spcAft>
+              <a:buClr>
+                <a:schemeClr val="dk1"/>
+              </a:buClr>
+              <a:buSzPts val="1100"/>
+              <a:buFont typeface="Arial"/>
+              <a:buNone/>
+            </a:pPr>
+            <a:r>
+              <a:rPr lang="en"/>
+              <a:t>Make sure your first and last name match your university credentials</a:t>
+            </a:r>
+            <a:endParaRPr/>
+          </a:p>
+          <a:p>
+            <a:pPr indent="0" lvl="0" marL="0" rtl="0" algn="l">
+              <a:spcBef>
+                <a:spcPts val="1200"/>
+              </a:spcBef>
+              <a:spcAft>
+                <a:spcPts val="0"/>
+              </a:spcAft>
+              <a:buNone/>
+            </a:pPr>
+            <a:r>
+              <a:rPr b="1" lang="en"/>
+              <a:t>You must use your university email address for your account</a:t>
+            </a:r>
+            <a:endParaRPr b="1"/>
+          </a:p>
+          <a:p>
+            <a:pPr indent="0" lvl="0" marL="0" rtl="0" algn="l">
+              <a:spcBef>
+                <a:spcPts val="1200"/>
+              </a:spcBef>
+              <a:spcAft>
+                <a:spcPts val="1200"/>
+              </a:spcAft>
+              <a:buNone/>
+            </a:pPr>
+            <a:r>
+              <a:rPr lang="en"/>
+              <a:t>All accounts with non-university email addresses will be removed</a:t>
+            </a:r>
+            <a:endParaRPr/>
+          </a:p>
+        </p:txBody>
+      </p:sp>
+      <p:sp>
+        <p:nvSpPr>
+          <p:cNvPr id="96" name="Google Shape;96;p14"/>
           <p:cNvSpPr txBox="1"/>
           <p:nvPr>
             <p:ph idx="12" type="sldNum"/>
@@ -10722,8 +11334,8 @@
         </p:nvSpPr>
         <p:spPr>
           <a:xfrm>
-            <a:off x="7315209" y="4229101"/>
-            <a:ext cx="1828800" cy="914400"/>
+            <a:off x="7315202" y="4416550"/>
+            <a:ext cx="1828800" cy="731400"/>
           </a:xfrm>
           <a:prstGeom prst="rect">
             <a:avLst/>
@@ -10758,6 +11370,88 @@
               <a:spcAft>
                 <a:spcPts val="0"/>
               </a:spcAft>
+              <a:buNone/>
+            </a:pPr>
+            <a:r>
+              <a:rPr b="0" lang="en" sz="900" u="sng">
+                <a:solidFill>
+                  <a:schemeClr val="hlink"/>
+                </a:solidFill>
+                <a:hlinkClick r:id="rId4"/>
+              </a:rPr>
+              <a:t>https://oss.cs.fau.de</a:t>
+            </a:r>
+            <a:r>
+              <a:rPr b="0" lang="en" sz="900">
+                <a:solidFill>
+                  <a:schemeClr val="dk2"/>
+                </a:solidFill>
+              </a:rPr>
+              <a:t> </a:t>
+            </a:r>
+            <a:endParaRPr b="0" sz="900">
+              <a:solidFill>
+                <a:schemeClr val="dk2"/>
+              </a:solidFill>
+            </a:endParaRPr>
+          </a:p>
+        </p:txBody>
+      </p:sp>
+    </p:spTree>
+  </p:cSld>
+  <p:clrMapOvr>
+    <a:masterClrMapping/>
+  </p:clrMapOvr>
+</p:sld>
+</file>
+
+<file path=ppt/slides/slide8.xml><?xml version="1.0" encoding="utf-8"?>
+<p:sld xmlns:a="http://schemas.openxmlformats.org/drawingml/2006/main" xmlns:r="http://schemas.openxmlformats.org/officeDocument/2006/relationships" xmlns:mc="http://schemas.openxmlformats.org/markup-compatibility/2006" xmlns:mv="urn:schemas-microsoft-com:mac:vml" xmlns:p="http://schemas.openxmlformats.org/presentationml/2006/main" xmlns:c="http://schemas.openxmlformats.org/drawingml/2006/chart" xmlns:dgm="http://schemas.openxmlformats.org/drawingml/2006/diagram" xmlns:o="urn:schemas-microsoft-com:office:office" xmlns:v="urn:schemas-microsoft-com:vml" xmlns:pvml="urn:schemas-microsoft-com:office:powerpoint" xmlns:com="http://schemas.openxmlformats.org/drawingml/2006/compatibility" xmlns:p14="http://schemas.microsoft.com/office/powerpoint/2010/main" xmlns:p15="http://schemas.microsoft.com/office/powerpoint/2012/main" xmlns:ahyp="http://schemas.microsoft.com/office/drawing/2018/hyperlinkcolor">
+  <p:cSld>
+    <p:spTree>
+      <p:nvGrpSpPr>
+        <p:cNvPr id="100" name="Shape 100"/>
+        <p:cNvGrpSpPr/>
+        <p:nvPr/>
+      </p:nvGrpSpPr>
+      <p:grpSpPr>
+        <a:xfrm>
+          <a:off x="0" y="0"/>
+          <a:ext cx="0" cy="0"/>
+          <a:chOff x="0" y="0"/>
+          <a:chExt cx="0" cy="0"/>
+        </a:xfrm>
+      </p:grpSpPr>
+      <p:sp>
+        <p:nvSpPr>
+          <p:cNvPr id="101" name="Google Shape;101;p15"/>
+          <p:cNvSpPr txBox="1"/>
+          <p:nvPr>
+            <p:ph idx="1" type="body"/>
+          </p:nvPr>
+        </p:nvSpPr>
+        <p:spPr>
+          <a:xfrm>
+            <a:off x="274320" y="914400"/>
+            <a:ext cx="8595300" cy="4114800"/>
+          </a:xfrm>
+          <a:prstGeom prst="rect">
+            <a:avLst/>
+          </a:prstGeom>
+        </p:spPr>
+        <p:txBody>
+          <a:bodyPr anchorCtr="0" anchor="t" bIns="0" lIns="0" spcFirstLastPara="1" rIns="0" wrap="square" tIns="0">
+            <a:noAutofit/>
+          </a:bodyPr>
+          <a:lstStyle/>
+          <a:p>
+            <a:pPr indent="0" lvl="0" marL="0" rtl="0" algn="l">
+              <a:spcBef>
+                <a:spcPts val="0"/>
+              </a:spcBef>
+              <a:spcAft>
+                <a:spcPts val="0"/>
+              </a:spcAft>
               <a:buClr>
                 <a:schemeClr val="dk1"/>
               </a:buClr>
@@ -10766,15 +11460,456 @@
               <a:buNone/>
             </a:pPr>
             <a:r>
-              <a:rPr b="0" lang="en" sz="1000" u="sng">
+              <a:rPr lang="en"/>
+              <a:t>Each class session starts with a class quiz</a:t>
+            </a:r>
+            <a:endParaRPr/>
+          </a:p>
+          <a:p>
+            <a:pPr indent="-342900" lvl="0" marL="457200" rtl="0" algn="l">
+              <a:spcBef>
+                <a:spcPts val="1200"/>
+              </a:spcBef>
+              <a:spcAft>
+                <a:spcPts val="0"/>
+              </a:spcAft>
+              <a:buSzPts val="1800"/>
+              <a:buChar char="●"/>
+            </a:pPr>
+            <a:r>
+              <a:rPr lang="en"/>
+              <a:t>The quiz will open precisely when class starts</a:t>
+            </a:r>
+            <a:endParaRPr/>
+          </a:p>
+          <a:p>
+            <a:pPr indent="-342900" lvl="0" marL="457200" rtl="0" algn="l">
+              <a:spcBef>
+                <a:spcPts val="0"/>
+              </a:spcBef>
+              <a:spcAft>
+                <a:spcPts val="0"/>
+              </a:spcAft>
+              <a:buSzPts val="1800"/>
+              <a:buChar char="●"/>
+            </a:pPr>
+            <a:r>
+              <a:rPr lang="en"/>
+              <a:t>The quiz is administered automatically</a:t>
+            </a:r>
+            <a:endParaRPr/>
+          </a:p>
+          <a:p>
+            <a:pPr indent="-342900" lvl="0" marL="457200" rtl="0" algn="l">
+              <a:spcBef>
+                <a:spcPts val="0"/>
+              </a:spcBef>
+              <a:spcAft>
+                <a:spcPts val="0"/>
+              </a:spcAft>
+              <a:buSzPts val="1800"/>
+              <a:buChar char="●"/>
+            </a:pPr>
+            <a:r>
+              <a:rPr lang="en"/>
+              <a:t>It is your job to have reliable Internet access etc.</a:t>
+            </a:r>
+            <a:endParaRPr/>
+          </a:p>
+          <a:p>
+            <a:pPr indent="-342900" lvl="0" marL="457200" rtl="0" algn="l">
+              <a:spcBef>
+                <a:spcPts val="0"/>
+              </a:spcBef>
+              <a:spcAft>
+                <a:spcPts val="0"/>
+              </a:spcAft>
+              <a:buSzPts val="1800"/>
+              <a:buChar char="●"/>
+            </a:pPr>
+            <a:r>
+              <a:rPr lang="en"/>
+              <a:t>There is no way to make up for a missed quiz</a:t>
+            </a:r>
+            <a:endParaRPr/>
+          </a:p>
+          <a:p>
+            <a:pPr indent="0" lvl="0" marL="0" rtl="0" algn="l">
+              <a:spcBef>
+                <a:spcPts val="1200"/>
+              </a:spcBef>
+              <a:spcAft>
+                <a:spcPts val="1200"/>
+              </a:spcAft>
+              <a:buClr>
+                <a:schemeClr val="dk1"/>
+              </a:buClr>
+              <a:buSzPts val="1100"/>
+              <a:buFont typeface="Arial"/>
+              <a:buNone/>
+            </a:pPr>
+            <a:r>
+              <a:t/>
+            </a:r>
+            <a:endParaRPr/>
+          </a:p>
+        </p:txBody>
+      </p:sp>
+      <p:sp>
+        <p:nvSpPr>
+          <p:cNvPr id="102" name="Google Shape;102;p15"/>
+          <p:cNvSpPr txBox="1"/>
+          <p:nvPr>
+            <p:ph type="title"/>
+          </p:nvPr>
+        </p:nvSpPr>
+        <p:spPr>
+          <a:xfrm>
+            <a:off x="0" y="0"/>
+            <a:ext cx="9144000" cy="685800"/>
+          </a:xfrm>
+          <a:prstGeom prst="rect">
+            <a:avLst/>
+          </a:prstGeom>
+        </p:spPr>
+        <p:txBody>
+          <a:bodyPr anchorCtr="0" anchor="ctr" bIns="91425" lIns="274300" spcFirstLastPara="1" rIns="91425" wrap="square" tIns="91425">
+            <a:noAutofit/>
+          </a:bodyPr>
+          <a:lstStyle/>
+          <a:p>
+            <a:pPr indent="0" lvl="0" marL="0" rtl="0" algn="l">
+              <a:spcBef>
+                <a:spcPts val="0"/>
+              </a:spcBef>
+              <a:spcAft>
+                <a:spcPts val="0"/>
+              </a:spcAft>
+              <a:buNone/>
+            </a:pPr>
+            <a:r>
+              <a:rPr lang="en"/>
+              <a:t>Class Quizzes</a:t>
+            </a:r>
+            <a:endParaRPr/>
+          </a:p>
+        </p:txBody>
+      </p:sp>
+      <p:sp>
+        <p:nvSpPr>
+          <p:cNvPr id="103" name="Google Shape;103;p15"/>
+          <p:cNvSpPr txBox="1"/>
+          <p:nvPr>
+            <p:ph idx="12" type="sldNum"/>
+          </p:nvPr>
+        </p:nvSpPr>
+        <p:spPr>
+          <a:xfrm>
+            <a:off x="7315202" y="4416550"/>
+            <a:ext cx="1828800" cy="731400"/>
+          </a:xfrm>
+          <a:prstGeom prst="rect">
+            <a:avLst/>
+          </a:prstGeom>
+        </p:spPr>
+        <p:txBody>
+          <a:bodyPr anchorCtr="0" anchor="b" bIns="91425" lIns="91425" spcFirstLastPara="1" rIns="91425" wrap="square" tIns="91425">
+            <a:noAutofit/>
+          </a:bodyPr>
+          <a:lstStyle/>
+          <a:p>
+            <a:pPr indent="0" lvl="0" marL="0" rtl="0" algn="r">
+              <a:spcBef>
+                <a:spcPts val="0"/>
+              </a:spcBef>
+              <a:spcAft>
+                <a:spcPts val="0"/>
+              </a:spcAft>
+              <a:buNone/>
+            </a:pPr>
+            <a:fld id="{00000000-1234-1234-1234-123412341234}" type="slidenum">
+              <a:rPr lang="en"/>
+              <a:t>‹#›</a:t>
+            </a:fld>
+            <a:endParaRPr/>
+          </a:p>
+          <a:p>
+            <a:pPr indent="0" lvl="0" marL="0" rtl="0" algn="r">
+              <a:spcBef>
+                <a:spcPts val="0"/>
+              </a:spcBef>
+              <a:spcAft>
+                <a:spcPts val="0"/>
+              </a:spcAft>
+              <a:buNone/>
+            </a:pPr>
+            <a:r>
+              <a:rPr b="0" lang="en" sz="900" u="sng">
                 <a:solidFill>
                   <a:schemeClr val="hlink"/>
                 </a:solidFill>
-                <a:hlinkClick r:id="rId4"/>
+                <a:hlinkClick r:id="rId3"/>
               </a:rPr>
-              <a:t>https://profriehle.com</a:t>
-            </a:r>
-            <a:endParaRPr b="0" sz="1000"/>
+              <a:t>https://oss.cs.fau.de</a:t>
+            </a:r>
+            <a:r>
+              <a:rPr b="0" lang="en" sz="900">
+                <a:solidFill>
+                  <a:schemeClr val="dk2"/>
+                </a:solidFill>
+              </a:rPr>
+              <a:t> </a:t>
+            </a:r>
+            <a:endParaRPr b="0" sz="900">
+              <a:solidFill>
+                <a:schemeClr val="dk2"/>
+              </a:solidFill>
+            </a:endParaRPr>
+          </a:p>
+        </p:txBody>
+      </p:sp>
+    </p:spTree>
+  </p:cSld>
+  <p:clrMapOvr>
+    <a:masterClrMapping/>
+  </p:clrMapOvr>
+</p:sld>
+</file>
+
+<file path=ppt/slides/slide9.xml><?xml version="1.0" encoding="utf-8"?>
+<p:sld xmlns:a="http://schemas.openxmlformats.org/drawingml/2006/main" xmlns:r="http://schemas.openxmlformats.org/officeDocument/2006/relationships" xmlns:mc="http://schemas.openxmlformats.org/markup-compatibility/2006" xmlns:mv="urn:schemas-microsoft-com:mac:vml" xmlns:p="http://schemas.openxmlformats.org/presentationml/2006/main" xmlns:c="http://schemas.openxmlformats.org/drawingml/2006/chart" xmlns:dgm="http://schemas.openxmlformats.org/drawingml/2006/diagram" xmlns:o="urn:schemas-microsoft-com:office:office" xmlns:v="urn:schemas-microsoft-com:vml" xmlns:pvml="urn:schemas-microsoft-com:office:powerpoint" xmlns:com="http://schemas.openxmlformats.org/drawingml/2006/compatibility" xmlns:p14="http://schemas.microsoft.com/office/powerpoint/2010/main" xmlns:p15="http://schemas.microsoft.com/office/powerpoint/2012/main" xmlns:ahyp="http://schemas.microsoft.com/office/drawing/2018/hyperlinkcolor">
+  <p:cSld>
+    <p:spTree>
+      <p:nvGrpSpPr>
+        <p:cNvPr id="107" name="Shape 107"/>
+        <p:cNvGrpSpPr/>
+        <p:nvPr/>
+      </p:nvGrpSpPr>
+      <p:grpSpPr>
+        <a:xfrm>
+          <a:off x="0" y="0"/>
+          <a:ext cx="0" cy="0"/>
+          <a:chOff x="0" y="0"/>
+          <a:chExt cx="0" cy="0"/>
+        </a:xfrm>
+      </p:grpSpPr>
+      <p:sp>
+        <p:nvSpPr>
+          <p:cNvPr id="108" name="Google Shape;108;p16"/>
+          <p:cNvSpPr txBox="1"/>
+          <p:nvPr>
+            <p:ph type="title"/>
+          </p:nvPr>
+        </p:nvSpPr>
+        <p:spPr>
+          <a:xfrm>
+            <a:off x="0" y="0"/>
+            <a:ext cx="9144000" cy="685800"/>
+          </a:xfrm>
+          <a:prstGeom prst="rect">
+            <a:avLst/>
+          </a:prstGeom>
+        </p:spPr>
+        <p:txBody>
+          <a:bodyPr anchorCtr="0" anchor="ctr" bIns="91425" lIns="274300" spcFirstLastPara="1" rIns="91425" wrap="square" tIns="91425">
+            <a:noAutofit/>
+          </a:bodyPr>
+          <a:lstStyle/>
+          <a:p>
+            <a:pPr indent="0" lvl="0" marL="0" rtl="0" algn="l">
+              <a:spcBef>
+                <a:spcPts val="0"/>
+              </a:spcBef>
+              <a:spcAft>
+                <a:spcPts val="0"/>
+              </a:spcAft>
+              <a:buNone/>
+            </a:pPr>
+            <a:r>
+              <a:rPr lang="en"/>
+              <a:t>Quiz Grading</a:t>
+            </a:r>
+            <a:endParaRPr/>
+          </a:p>
+        </p:txBody>
+      </p:sp>
+      <p:sp>
+        <p:nvSpPr>
+          <p:cNvPr id="109" name="Google Shape;109;p16"/>
+          <p:cNvSpPr txBox="1"/>
+          <p:nvPr>
+            <p:ph idx="1" type="body"/>
+          </p:nvPr>
+        </p:nvSpPr>
+        <p:spPr>
+          <a:xfrm>
+            <a:off x="274320" y="914400"/>
+            <a:ext cx="8595300" cy="4114800"/>
+          </a:xfrm>
+          <a:prstGeom prst="rect">
+            <a:avLst/>
+          </a:prstGeom>
+        </p:spPr>
+        <p:txBody>
+          <a:bodyPr anchorCtr="0" anchor="t" bIns="0" lIns="0" spcFirstLastPara="1" rIns="0" wrap="square" tIns="0">
+            <a:noAutofit/>
+          </a:bodyPr>
+          <a:lstStyle/>
+          <a:p>
+            <a:pPr indent="0" lvl="0" marL="0" rtl="0" algn="l">
+              <a:spcBef>
+                <a:spcPts val="0"/>
+              </a:spcBef>
+              <a:spcAft>
+                <a:spcPts val="0"/>
+              </a:spcAft>
+              <a:buNone/>
+            </a:pPr>
+            <a:r>
+              <a:rPr lang="en"/>
+              <a:t>All quizzes are weighted equally</a:t>
+            </a:r>
+            <a:endParaRPr/>
+          </a:p>
+          <a:p>
+            <a:pPr indent="-342900" lvl="0" marL="457200" rtl="0" algn="l">
+              <a:spcBef>
+                <a:spcPts val="1200"/>
+              </a:spcBef>
+              <a:spcAft>
+                <a:spcPts val="0"/>
+              </a:spcAft>
+              <a:buSzPts val="1800"/>
+              <a:buChar char="●"/>
+            </a:pPr>
+            <a:r>
+              <a:rPr lang="en"/>
+              <a:t>A quiz will test your understanding of last session’s topic</a:t>
+            </a:r>
+            <a:endParaRPr/>
+          </a:p>
+          <a:p>
+            <a:pPr indent="-342900" lvl="0" marL="457200" rtl="0" algn="l">
+              <a:spcBef>
+                <a:spcPts val="0"/>
+              </a:spcBef>
+              <a:spcAft>
+                <a:spcPts val="0"/>
+              </a:spcAft>
+              <a:buSzPts val="1800"/>
+              <a:buChar char="●"/>
+            </a:pPr>
+            <a:r>
+              <a:rPr lang="en"/>
+              <a:t>A quiz typically has 5 questions and will last 10 minutes</a:t>
+            </a:r>
+            <a:endParaRPr/>
+          </a:p>
+          <a:p>
+            <a:pPr indent="-342900" lvl="0" marL="457200" rtl="0" algn="l">
+              <a:spcBef>
+                <a:spcPts val="0"/>
+              </a:spcBef>
+              <a:spcAft>
+                <a:spcPts val="0"/>
+              </a:spcAft>
+              <a:buSzPts val="1800"/>
+              <a:buChar char="●"/>
+            </a:pPr>
+            <a:r>
+              <a:rPr lang="en"/>
+              <a:t>The overall quiz is graded using [0..10] scheme (10 points in total)</a:t>
+            </a:r>
+            <a:endParaRPr/>
+          </a:p>
+          <a:p>
+            <a:pPr indent="0" lvl="0" marL="0" rtl="0" algn="l">
+              <a:spcBef>
+                <a:spcPts val="1200"/>
+              </a:spcBef>
+              <a:spcAft>
+                <a:spcPts val="1200"/>
+              </a:spcAft>
+              <a:buNone/>
+            </a:pPr>
+            <a:r>
+              <a:rPr lang="en"/>
+              <a:t>Miss four or more quizzes and you fail the course</a:t>
+            </a:r>
+            <a:endParaRPr/>
+          </a:p>
+        </p:txBody>
+      </p:sp>
+      <p:sp>
+        <p:nvSpPr>
+          <p:cNvPr id="110" name="Google Shape;110;p16"/>
+          <p:cNvSpPr txBox="1"/>
+          <p:nvPr>
+            <p:ph idx="12" type="sldNum"/>
+          </p:nvPr>
+        </p:nvSpPr>
+        <p:spPr>
+          <a:xfrm>
+            <a:off x="7315202" y="4416550"/>
+            <a:ext cx="1828800" cy="731400"/>
+          </a:xfrm>
+          <a:prstGeom prst="rect">
+            <a:avLst/>
+          </a:prstGeom>
+        </p:spPr>
+        <p:txBody>
+          <a:bodyPr anchorCtr="0" anchor="b" bIns="91425" lIns="91425" spcFirstLastPara="1" rIns="91425" wrap="square" tIns="91425">
+            <a:noAutofit/>
+          </a:bodyPr>
+          <a:lstStyle/>
+          <a:p>
+            <a:pPr indent="0" lvl="0" marL="0" rtl="0" algn="r">
+              <a:spcBef>
+                <a:spcPts val="0"/>
+              </a:spcBef>
+              <a:spcAft>
+                <a:spcPts val="0"/>
+              </a:spcAft>
+              <a:buNone/>
+            </a:pPr>
+            <a:fld id="{00000000-1234-1234-1234-123412341234}" type="slidenum">
+              <a:rPr lang="en"/>
+              <a:t>‹#›</a:t>
+            </a:fld>
+            <a:endParaRPr/>
+          </a:p>
+          <a:p>
+            <a:pPr indent="0" lvl="0" marL="0" rtl="0" algn="r">
+              <a:spcBef>
+                <a:spcPts val="0"/>
+              </a:spcBef>
+              <a:spcAft>
+                <a:spcPts val="0"/>
+              </a:spcAft>
+              <a:buNone/>
+            </a:pPr>
+            <a:r>
+              <a:rPr b="0" lang="en" sz="900" u="sng">
+                <a:solidFill>
+                  <a:schemeClr val="hlink"/>
+                </a:solidFill>
+                <a:hlinkClick r:id="rId3"/>
+              </a:rPr>
+              <a:t>https://oss.cs.fau.de</a:t>
+            </a:r>
+            <a:r>
+              <a:rPr b="0" lang="en" sz="900">
+                <a:solidFill>
+                  <a:schemeClr val="dk2"/>
+                </a:solidFill>
+              </a:rPr>
+              <a:t> </a:t>
+            </a:r>
+            <a:endParaRPr b="0" sz="900">
+              <a:solidFill>
+                <a:schemeClr val="dk2"/>
+              </a:solidFill>
+            </a:endParaRPr>
           </a:p>
         </p:txBody>
       </p:sp>
@@ -10787,7 +11922,7 @@
 </file>
 
 <file path=ppt/theme/theme1.xml><?xml version="1.0" encoding="utf-8"?>
-<a:theme xmlns:a="http://schemas.openxmlformats.org/drawingml/2006/main" xmlns:r="http://schemas.openxmlformats.org/officeDocument/2006/relationships" name="ADAP Slides Template">
+<a:theme xmlns:a="http://schemas.openxmlformats.org/drawingml/2006/main" xmlns:r="http://schemas.openxmlformats.org/officeDocument/2006/relationships" name="POSS Slides Template">
   <a:themeElements>
     <a:clrScheme name="Simple Light">
       <a:dk1>
@@ -10809,19 +11944,19 @@
         <a:srgbClr val="4169E1"/>
       </a:accent2>
       <a:accent3>
-        <a:srgbClr val="D50D01"/>
+        <a:srgbClr val="4CAF50"/>
       </a:accent3>
       <a:accent4>
         <a:srgbClr val="FEB612"/>
       </a:accent4>
       <a:accent5>
-        <a:srgbClr val="4CAF50"/>
+        <a:srgbClr val="F36838"/>
       </a:accent5>
       <a:accent6>
         <a:srgbClr val="8E44AD"/>
       </a:accent6>
       <a:hlink>
-        <a:srgbClr val="34A3C5"/>
+        <a:srgbClr val="1E90FF"/>
       </a:hlink>
       <a:folHlink>
         <a:srgbClr val="0097A7"/>

--- a/Lecture slides/ADAP A01 - Introduction.pptx
+++ b/Lecture slides/ADAP A01 - Introduction.pptx
@@ -794,7 +794,7 @@
   <p:cSld>
     <p:spTree>
       <p:nvGrpSpPr>
-        <p:cNvPr id="111" name="Shape 111"/>
+        <p:cNvPr id="112" name="Shape 112"/>
         <p:cNvGrpSpPr/>
         <p:nvPr/>
       </p:nvGrpSpPr>
@@ -808,7 +808,7 @@
       </p:grpSpPr>
       <p:sp>
         <p:nvSpPr>
-          <p:cNvPr id="112" name="Google Shape;112;g2cc48c0d17f_0_0:notes"/>
+          <p:cNvPr id="113" name="Google Shape;113;g2cc48c0d17f_0_0:notes"/>
           <p:cNvSpPr/>
           <p:nvPr>
             <p:ph idx="2" type="sldImg"/>
@@ -843,7 +843,7 @@
       </p:sp>
       <p:sp>
         <p:nvSpPr>
-          <p:cNvPr id="113" name="Google Shape;113;g2cc48c0d17f_0_0:notes"/>
+          <p:cNvPr id="114" name="Google Shape;114;g2cc48c0d17f_0_0:notes"/>
           <p:cNvSpPr txBox="1"/>
           <p:nvPr>
             <p:ph idx="1" type="body"/>
@@ -893,7 +893,7 @@
   <p:cSld>
     <p:spTree>
       <p:nvGrpSpPr>
-        <p:cNvPr id="118" name="Shape 118"/>
+        <p:cNvPr id="119" name="Shape 119"/>
         <p:cNvGrpSpPr/>
         <p:nvPr/>
       </p:nvGrpSpPr>
@@ -907,7 +907,7 @@
       </p:grpSpPr>
       <p:sp>
         <p:nvSpPr>
-          <p:cNvPr id="119" name="Google Shape;119;g2395919313b_0_100:notes"/>
+          <p:cNvPr id="120" name="Google Shape;120;g2395919313b_0_100:notes"/>
           <p:cNvSpPr/>
           <p:nvPr>
             <p:ph idx="2" type="sldImg"/>
@@ -942,7 +942,7 @@
       </p:sp>
       <p:sp>
         <p:nvSpPr>
-          <p:cNvPr id="120" name="Google Shape;120;g2395919313b_0_100:notes"/>
+          <p:cNvPr id="121" name="Google Shape;121;g2395919313b_0_100:notes"/>
           <p:cNvSpPr txBox="1"/>
           <p:nvPr>
             <p:ph idx="1" type="body"/>
@@ -992,7 +992,7 @@
   <p:cSld>
     <p:spTree>
       <p:nvGrpSpPr>
-        <p:cNvPr id="126" name="Shape 126"/>
+        <p:cNvPr id="127" name="Shape 127"/>
         <p:cNvGrpSpPr/>
         <p:nvPr/>
       </p:nvGrpSpPr>
@@ -1006,7 +1006,7 @@
       </p:grpSpPr>
       <p:sp>
         <p:nvSpPr>
-          <p:cNvPr id="127" name="Google Shape;127;g108fe332759_2_43:notes"/>
+          <p:cNvPr id="128" name="Google Shape;128;g108fe332759_2_43:notes"/>
           <p:cNvSpPr/>
           <p:nvPr>
             <p:ph idx="2" type="sldImg"/>
@@ -1041,7 +1041,7 @@
       </p:sp>
       <p:sp>
         <p:nvSpPr>
-          <p:cNvPr id="128" name="Google Shape;128;g108fe332759_2_43:notes"/>
+          <p:cNvPr id="129" name="Google Shape;129;g108fe332759_2_43:notes"/>
           <p:cNvSpPr txBox="1"/>
           <p:nvPr>
             <p:ph idx="1" type="body"/>
@@ -1091,7 +1091,7 @@
   <p:cSld>
     <p:spTree>
       <p:nvGrpSpPr>
-        <p:cNvPr id="134" name="Shape 134"/>
+        <p:cNvPr id="135" name="Shape 135"/>
         <p:cNvGrpSpPr/>
         <p:nvPr/>
       </p:nvGrpSpPr>
@@ -1105,7 +1105,7 @@
       </p:grpSpPr>
       <p:sp>
         <p:nvSpPr>
-          <p:cNvPr id="135" name="Google Shape;135;g2cc48c0d17f_0_12:notes"/>
+          <p:cNvPr id="136" name="Google Shape;136;g2cc48c0d17f_0_12:notes"/>
           <p:cNvSpPr/>
           <p:nvPr>
             <p:ph idx="2" type="sldImg"/>
@@ -1140,7 +1140,7 @@
       </p:sp>
       <p:sp>
         <p:nvSpPr>
-          <p:cNvPr id="136" name="Google Shape;136;g2cc48c0d17f_0_12:notes"/>
+          <p:cNvPr id="137" name="Google Shape;137;g2cc48c0d17f_0_12:notes"/>
           <p:cNvSpPr txBox="1"/>
           <p:nvPr>
             <p:ph idx="1" type="body"/>
@@ -1190,7 +1190,7 @@
   <p:cSld>
     <p:spTree>
       <p:nvGrpSpPr>
-        <p:cNvPr id="141" name="Shape 141"/>
+        <p:cNvPr id="142" name="Shape 142"/>
         <p:cNvGrpSpPr/>
         <p:nvPr/>
       </p:nvGrpSpPr>
@@ -1204,7 +1204,7 @@
       </p:grpSpPr>
       <p:sp>
         <p:nvSpPr>
-          <p:cNvPr id="142" name="Google Shape;142;g2cc48c0d17f_0_6:notes"/>
+          <p:cNvPr id="143" name="Google Shape;143;g2cc48c0d17f_0_6:notes"/>
           <p:cNvSpPr/>
           <p:nvPr>
             <p:ph idx="2" type="sldImg"/>
@@ -1239,7 +1239,7 @@
       </p:sp>
       <p:sp>
         <p:nvSpPr>
-          <p:cNvPr id="143" name="Google Shape;143;g2cc48c0d17f_0_6:notes"/>
+          <p:cNvPr id="144" name="Google Shape;144;g2cc48c0d17f_0_6:notes"/>
           <p:cNvSpPr txBox="1"/>
           <p:nvPr>
             <p:ph idx="1" type="body"/>
@@ -1289,7 +1289,7 @@
   <p:cSld>
     <p:spTree>
       <p:nvGrpSpPr>
-        <p:cNvPr id="148" name="Shape 148"/>
+        <p:cNvPr id="149" name="Shape 149"/>
         <p:cNvGrpSpPr/>
         <p:nvPr/>
       </p:nvGrpSpPr>
@@ -1303,7 +1303,7 @@
       </p:grpSpPr>
       <p:sp>
         <p:nvSpPr>
-          <p:cNvPr id="149" name="Google Shape;149;g2395919313b_0_94:notes"/>
+          <p:cNvPr id="150" name="Google Shape;150;g2395919313b_0_94:notes"/>
           <p:cNvSpPr/>
           <p:nvPr>
             <p:ph idx="2" type="sldImg"/>
@@ -1338,7 +1338,7 @@
       </p:sp>
       <p:sp>
         <p:nvSpPr>
-          <p:cNvPr id="150" name="Google Shape;150;g2395919313b_0_94:notes"/>
+          <p:cNvPr id="151" name="Google Shape;151;g2395919313b_0_94:notes"/>
           <p:cNvSpPr txBox="1"/>
           <p:nvPr>
             <p:ph idx="1" type="body"/>
@@ -1388,7 +1388,7 @@
   <p:cSld>
     <p:spTree>
       <p:nvGrpSpPr>
-        <p:cNvPr id="156" name="Shape 156"/>
+        <p:cNvPr id="157" name="Shape 157"/>
         <p:cNvGrpSpPr/>
         <p:nvPr/>
       </p:nvGrpSpPr>
@@ -1402,7 +1402,7 @@
       </p:grpSpPr>
       <p:sp>
         <p:nvSpPr>
-          <p:cNvPr id="157" name="Google Shape;157;g30a7ab4b1dc_0_0:notes"/>
+          <p:cNvPr id="158" name="Google Shape;158;g30a7ab4b1dc_0_0:notes"/>
           <p:cNvSpPr/>
           <p:nvPr>
             <p:ph idx="2" type="sldImg"/>
@@ -1437,7 +1437,7 @@
       </p:sp>
       <p:sp>
         <p:nvSpPr>
-          <p:cNvPr id="158" name="Google Shape;158;g30a7ab4b1dc_0_0:notes"/>
+          <p:cNvPr id="159" name="Google Shape;159;g30a7ab4b1dc_0_0:notes"/>
           <p:cNvSpPr txBox="1"/>
           <p:nvPr>
             <p:ph idx="1" type="body"/>
@@ -1487,7 +1487,7 @@
   <p:cSld>
     <p:spTree>
       <p:nvGrpSpPr>
-        <p:cNvPr id="163" name="Shape 163"/>
+        <p:cNvPr id="164" name="Shape 164"/>
         <p:cNvGrpSpPr/>
         <p:nvPr/>
       </p:nvGrpSpPr>
@@ -1501,7 +1501,7 @@
       </p:grpSpPr>
       <p:sp>
         <p:nvSpPr>
-          <p:cNvPr id="164" name="Google Shape;164;g108fe332759_2_49:notes"/>
+          <p:cNvPr id="165" name="Google Shape;165;g108fe332759_2_49:notes"/>
           <p:cNvSpPr/>
           <p:nvPr>
             <p:ph idx="2" type="sldImg"/>
@@ -1536,7 +1536,7 @@
       </p:sp>
       <p:sp>
         <p:nvSpPr>
-          <p:cNvPr id="165" name="Google Shape;165;g108fe332759_2_49:notes"/>
+          <p:cNvPr id="166" name="Google Shape;166;g108fe332759_2_49:notes"/>
           <p:cNvSpPr txBox="1"/>
           <p:nvPr>
             <p:ph idx="1" type="body"/>
@@ -1586,7 +1586,7 @@
   <p:cSld>
     <p:spTree>
       <p:nvGrpSpPr>
-        <p:cNvPr id="170" name="Shape 170"/>
+        <p:cNvPr id="171" name="Shape 171"/>
         <p:cNvGrpSpPr/>
         <p:nvPr/>
       </p:nvGrpSpPr>
@@ -1600,7 +1600,7 @@
       </p:grpSpPr>
       <p:sp>
         <p:nvSpPr>
-          <p:cNvPr id="171" name="Google Shape;171;g108fe332759_2_61:notes"/>
+          <p:cNvPr id="172" name="Google Shape;172;g108fe332759_2_61:notes"/>
           <p:cNvSpPr/>
           <p:nvPr>
             <p:ph idx="2" type="sldImg"/>
@@ -1635,7 +1635,7 @@
       </p:sp>
       <p:sp>
         <p:nvSpPr>
-          <p:cNvPr id="172" name="Google Shape;172;g108fe332759_2_61:notes"/>
+          <p:cNvPr id="173" name="Google Shape;173;g108fe332759_2_61:notes"/>
           <p:cNvSpPr txBox="1"/>
           <p:nvPr>
             <p:ph idx="1" type="body"/>
@@ -1685,7 +1685,7 @@
   <p:cSld>
     <p:spTree>
       <p:nvGrpSpPr>
-        <p:cNvPr id="177" name="Shape 177"/>
+        <p:cNvPr id="178" name="Shape 178"/>
         <p:cNvGrpSpPr/>
         <p:nvPr/>
       </p:nvGrpSpPr>
@@ -1699,7 +1699,7 @@
       </p:grpSpPr>
       <p:sp>
         <p:nvSpPr>
-          <p:cNvPr id="178" name="Google Shape;178;g2395919313b_0_107:notes"/>
+          <p:cNvPr id="179" name="Google Shape;179;g2395919313b_0_107:notes"/>
           <p:cNvSpPr/>
           <p:nvPr>
             <p:ph idx="2" type="sldImg"/>
@@ -1734,7 +1734,7 @@
       </p:sp>
       <p:sp>
         <p:nvSpPr>
-          <p:cNvPr id="179" name="Google Shape;179;g2395919313b_0_107:notes"/>
+          <p:cNvPr id="180" name="Google Shape;180;g2395919313b_0_107:notes"/>
           <p:cNvSpPr txBox="1"/>
           <p:nvPr>
             <p:ph idx="1" type="body"/>
@@ -1784,7 +1784,7 @@
   <p:cSld>
     <p:spTree>
       <p:nvGrpSpPr>
-        <p:cNvPr id="53" name="Shape 53"/>
+        <p:cNvPr id="54" name="Shape 54"/>
         <p:cNvGrpSpPr/>
         <p:nvPr/>
       </p:nvGrpSpPr>
@@ -1798,7 +1798,7 @@
       </p:grpSpPr>
       <p:sp>
         <p:nvSpPr>
-          <p:cNvPr id="54" name="Google Shape;54;g108fe332759_2_0:notes"/>
+          <p:cNvPr id="55" name="Google Shape;55;g108fe332759_2_0:notes"/>
           <p:cNvSpPr/>
           <p:nvPr>
             <p:ph idx="2" type="sldImg"/>
@@ -1833,7 +1833,7 @@
       </p:sp>
       <p:sp>
         <p:nvSpPr>
-          <p:cNvPr id="55" name="Google Shape;55;g108fe332759_2_0:notes"/>
+          <p:cNvPr id="56" name="Google Shape;56;g108fe332759_2_0:notes"/>
           <p:cNvSpPr txBox="1"/>
           <p:nvPr>
             <p:ph idx="1" type="body"/>
@@ -1883,7 +1883,7 @@
   <p:cSld>
     <p:spTree>
       <p:nvGrpSpPr>
-        <p:cNvPr id="184" name="Shape 184"/>
+        <p:cNvPr id="185" name="Shape 185"/>
         <p:cNvGrpSpPr/>
         <p:nvPr/>
       </p:nvGrpSpPr>
@@ -1897,7 +1897,7 @@
       </p:grpSpPr>
       <p:sp>
         <p:nvSpPr>
-          <p:cNvPr id="185" name="Google Shape;185;g2e7ced0a8d6_0_76:notes"/>
+          <p:cNvPr id="186" name="Google Shape;186;g2e7ced0a8d6_0_76:notes"/>
           <p:cNvSpPr/>
           <p:nvPr>
             <p:ph idx="2" type="sldImg"/>
@@ -1932,7 +1932,7 @@
       </p:sp>
       <p:sp>
         <p:nvSpPr>
-          <p:cNvPr id="186" name="Google Shape;186;g2e7ced0a8d6_0_76:notes"/>
+          <p:cNvPr id="187" name="Google Shape;187;g2e7ced0a8d6_0_76:notes"/>
           <p:cNvSpPr txBox="1"/>
           <p:nvPr>
             <p:ph idx="1" type="body"/>
@@ -1982,7 +1982,7 @@
   <p:cSld>
     <p:spTree>
       <p:nvGrpSpPr>
-        <p:cNvPr id="190" name="Shape 190"/>
+        <p:cNvPr id="191" name="Shape 191"/>
         <p:cNvGrpSpPr/>
         <p:nvPr/>
       </p:nvGrpSpPr>
@@ -1996,7 +1996,7 @@
       </p:grpSpPr>
       <p:sp>
         <p:nvSpPr>
-          <p:cNvPr id="191" name="Google Shape;191;g2e7ced0a8d6_0_81:notes"/>
+          <p:cNvPr id="192" name="Google Shape;192;g2e7ced0a8d6_0_81:notes"/>
           <p:cNvSpPr/>
           <p:nvPr>
             <p:ph idx="2" type="sldImg"/>
@@ -2031,7 +2031,7 @@
       </p:sp>
       <p:sp>
         <p:nvSpPr>
-          <p:cNvPr id="192" name="Google Shape;192;g2e7ced0a8d6_0_81:notes"/>
+          <p:cNvPr id="193" name="Google Shape;193;g2e7ced0a8d6_0_81:notes"/>
           <p:cNvSpPr txBox="1"/>
           <p:nvPr>
             <p:ph idx="1" type="body"/>
@@ -2081,7 +2081,7 @@
   <p:cSld>
     <p:spTree>
       <p:nvGrpSpPr>
-        <p:cNvPr id="60" name="Shape 60"/>
+        <p:cNvPr id="61" name="Shape 61"/>
         <p:cNvGrpSpPr/>
         <p:nvPr/>
       </p:nvGrpSpPr>
@@ -2095,7 +2095,7 @@
       </p:grpSpPr>
       <p:sp>
         <p:nvSpPr>
-          <p:cNvPr id="61" name="Google Shape;61;g108fe332759_2_6:notes"/>
+          <p:cNvPr id="62" name="Google Shape;62;g108fe332759_2_6:notes"/>
           <p:cNvSpPr/>
           <p:nvPr>
             <p:ph idx="2" type="sldImg"/>
@@ -2130,7 +2130,7 @@
       </p:sp>
       <p:sp>
         <p:nvSpPr>
-          <p:cNvPr id="62" name="Google Shape;62;g108fe332759_2_6:notes"/>
+          <p:cNvPr id="63" name="Google Shape;63;g108fe332759_2_6:notes"/>
           <p:cNvSpPr txBox="1"/>
           <p:nvPr>
             <p:ph idx="1" type="body"/>
@@ -2180,7 +2180,7 @@
   <p:cSld>
     <p:spTree>
       <p:nvGrpSpPr>
-        <p:cNvPr id="67" name="Shape 67"/>
+        <p:cNvPr id="68" name="Shape 68"/>
         <p:cNvGrpSpPr/>
         <p:nvPr/>
       </p:nvGrpSpPr>
@@ -2194,7 +2194,7 @@
       </p:grpSpPr>
       <p:sp>
         <p:nvSpPr>
-          <p:cNvPr id="68" name="Google Shape;68;g2395919313b_0_76:notes"/>
+          <p:cNvPr id="69" name="Google Shape;69;g2395919313b_0_76:notes"/>
           <p:cNvSpPr/>
           <p:nvPr>
             <p:ph idx="2" type="sldImg"/>
@@ -2229,7 +2229,7 @@
       </p:sp>
       <p:sp>
         <p:nvSpPr>
-          <p:cNvPr id="69" name="Google Shape;69;g2395919313b_0_76:notes"/>
+          <p:cNvPr id="70" name="Google Shape;70;g2395919313b_0_76:notes"/>
           <p:cNvSpPr txBox="1"/>
           <p:nvPr>
             <p:ph idx="1" type="body"/>
@@ -2279,7 +2279,7 @@
   <p:cSld>
     <p:spTree>
       <p:nvGrpSpPr>
-        <p:cNvPr id="74" name="Shape 74"/>
+        <p:cNvPr id="75" name="Shape 75"/>
         <p:cNvGrpSpPr/>
         <p:nvPr/>
       </p:nvGrpSpPr>
@@ -2293,7 +2293,7 @@
       </p:grpSpPr>
       <p:sp>
         <p:nvSpPr>
-          <p:cNvPr id="75" name="Google Shape;75;g2cc7df650fd_0_0:notes"/>
+          <p:cNvPr id="76" name="Google Shape;76;g2cc7df650fd_0_0:notes"/>
           <p:cNvSpPr/>
           <p:nvPr>
             <p:ph idx="2" type="sldImg"/>
@@ -2328,7 +2328,7 @@
       </p:sp>
       <p:sp>
         <p:nvSpPr>
-          <p:cNvPr id="76" name="Google Shape;76;g2cc7df650fd_0_0:notes"/>
+          <p:cNvPr id="77" name="Google Shape;77;g2cc7df650fd_0_0:notes"/>
           <p:cNvSpPr txBox="1"/>
           <p:nvPr>
             <p:ph idx="1" type="body"/>
@@ -2378,7 +2378,7 @@
   <p:cSld>
     <p:spTree>
       <p:nvGrpSpPr>
-        <p:cNvPr id="82" name="Shape 82"/>
+        <p:cNvPr id="83" name="Shape 83"/>
         <p:cNvGrpSpPr/>
         <p:nvPr/>
       </p:nvGrpSpPr>
@@ -2392,7 +2392,7 @@
       </p:grpSpPr>
       <p:sp>
         <p:nvSpPr>
-          <p:cNvPr id="83" name="Google Shape;83;g108fe332759_2_24:notes"/>
+          <p:cNvPr id="84" name="Google Shape;84;g108fe332759_2_24:notes"/>
           <p:cNvSpPr/>
           <p:nvPr>
             <p:ph idx="2" type="sldImg"/>
@@ -2427,7 +2427,7 @@
       </p:sp>
       <p:sp>
         <p:nvSpPr>
-          <p:cNvPr id="84" name="Google Shape;84;g108fe332759_2_24:notes"/>
+          <p:cNvPr id="85" name="Google Shape;85;g108fe332759_2_24:notes"/>
           <p:cNvSpPr txBox="1"/>
           <p:nvPr>
             <p:ph idx="1" type="body"/>
@@ -2477,7 +2477,7 @@
   <p:cSld>
     <p:spTree>
       <p:nvGrpSpPr>
-        <p:cNvPr id="90" name="Shape 90"/>
+        <p:cNvPr id="91" name="Shape 91"/>
         <p:cNvGrpSpPr/>
         <p:nvPr/>
       </p:nvGrpSpPr>
@@ -2491,7 +2491,7 @@
       </p:grpSpPr>
       <p:sp>
         <p:nvSpPr>
-          <p:cNvPr id="91" name="Google Shape;91;g36e50f01cd3_0_0:notes"/>
+          <p:cNvPr id="92" name="Google Shape;92;g36e50f01cd3_0_0:notes"/>
           <p:cNvSpPr/>
           <p:nvPr>
             <p:ph idx="2" type="sldImg"/>
@@ -2526,7 +2526,7 @@
       </p:sp>
       <p:sp>
         <p:nvSpPr>
-          <p:cNvPr id="92" name="Google Shape;92;g36e50f01cd3_0_0:notes"/>
+          <p:cNvPr id="93" name="Google Shape;93;g36e50f01cd3_0_0:notes"/>
           <p:cNvSpPr txBox="1"/>
           <p:nvPr>
             <p:ph idx="1" type="body"/>
@@ -2576,7 +2576,7 @@
   <p:cSld>
     <p:spTree>
       <p:nvGrpSpPr>
-        <p:cNvPr id="97" name="Shape 97"/>
+        <p:cNvPr id="98" name="Shape 98"/>
         <p:cNvGrpSpPr/>
         <p:nvPr/>
       </p:nvGrpSpPr>
@@ -2590,7 +2590,7 @@
       </p:grpSpPr>
       <p:sp>
         <p:nvSpPr>
-          <p:cNvPr id="98" name="Google Shape;98;g2395919313b_0_82:notes"/>
+          <p:cNvPr id="99" name="Google Shape;99;g2395919313b_0_82:notes"/>
           <p:cNvSpPr/>
           <p:nvPr>
             <p:ph idx="2" type="sldImg"/>
@@ -2625,7 +2625,7 @@
       </p:sp>
       <p:sp>
         <p:nvSpPr>
-          <p:cNvPr id="99" name="Google Shape;99;g2395919313b_0_82:notes"/>
+          <p:cNvPr id="100" name="Google Shape;100;g2395919313b_0_82:notes"/>
           <p:cNvSpPr txBox="1"/>
           <p:nvPr>
             <p:ph idx="1" type="body"/>
@@ -2675,7 +2675,7 @@
   <p:cSld>
     <p:spTree>
       <p:nvGrpSpPr>
-        <p:cNvPr id="104" name="Shape 104"/>
+        <p:cNvPr id="105" name="Shape 105"/>
         <p:cNvGrpSpPr/>
         <p:nvPr/>
       </p:nvGrpSpPr>
@@ -2689,7 +2689,7 @@
       </p:grpSpPr>
       <p:sp>
         <p:nvSpPr>
-          <p:cNvPr id="105" name="Google Shape;105;g31d3edfe9df_0_0:notes"/>
+          <p:cNvPr id="106" name="Google Shape;106;g31d3edfe9df_0_0:notes"/>
           <p:cNvSpPr/>
           <p:nvPr>
             <p:ph idx="2" type="sldImg"/>
@@ -2724,7 +2724,7 @@
       </p:sp>
       <p:sp>
         <p:nvSpPr>
-          <p:cNvPr id="106" name="Google Shape;106;g31d3edfe9df_0_0:notes"/>
+          <p:cNvPr id="107" name="Google Shape;107;g31d3edfe9df_0_0:notes"/>
           <p:cNvSpPr txBox="1"/>
           <p:nvPr>
             <p:ph idx="1" type="body"/>
@@ -6569,14 +6569,7 @@
             </a:pPr>
             <a:r>
               <a:rPr lang="en"/>
-              <a:t>Introduction to Advanced</a:t>
-            </a:r>
-            <a:br>
-              <a:rPr lang="en"/>
-            </a:br>
-            <a:r>
-              <a:rPr lang="en"/>
-              <a:t>Design and Programming</a:t>
+              <a:t>Introduction to ADAP [1]</a:t>
             </a:r>
             <a:endParaRPr/>
           </a:p>
@@ -6675,6 +6668,48 @@
               <a:t>CC BY 4.0 International</a:t>
             </a:r>
             <a:endParaRPr sz="1800"/>
+          </a:p>
+        </p:txBody>
+      </p:sp>
+      <p:sp>
+        <p:nvSpPr>
+          <p:cNvPr id="53" name="Google Shape;53;p8"/>
+          <p:cNvSpPr txBox="1"/>
+          <p:nvPr/>
+        </p:nvSpPr>
+        <p:spPr>
+          <a:xfrm>
+            <a:off x="0" y="4690872"/>
+            <a:ext cx="9144000" cy="457200"/>
+          </a:xfrm>
+          <a:prstGeom prst="rect">
+            <a:avLst/>
+          </a:prstGeom>
+          <a:noFill/>
+          <a:ln>
+            <a:noFill/>
+          </a:ln>
+        </p:spPr>
+        <p:txBody>
+          <a:bodyPr anchorCtr="0" anchor="b" bIns="91425" lIns="91425" spcFirstLastPara="1" rIns="91425" wrap="square" tIns="91425">
+            <a:noAutofit/>
+          </a:bodyPr>
+          <a:lstStyle/>
+          <a:p>
+            <a:pPr indent="0" lvl="0" marL="0" rtl="0" algn="l">
+              <a:spcBef>
+                <a:spcPts val="0"/>
+              </a:spcBef>
+              <a:spcAft>
+                <a:spcPts val="0"/>
+              </a:spcAft>
+              <a:buNone/>
+            </a:pPr>
+            <a:r>
+              <a:rPr lang="en"/>
+              <a:t>[1] Advanced Design and Programming</a:t>
+            </a:r>
+            <a:endParaRPr/>
           </a:p>
         </p:txBody>
       </p:sp>
@@ -6691,7 +6726,7 @@
   <p:cSld>
     <p:spTree>
       <p:nvGrpSpPr>
-        <p:cNvPr id="114" name="Shape 114"/>
+        <p:cNvPr id="115" name="Shape 115"/>
         <p:cNvGrpSpPr/>
         <p:nvPr/>
       </p:nvGrpSpPr>
@@ -6705,7 +6740,7 @@
       </p:grpSpPr>
       <p:sp>
         <p:nvSpPr>
-          <p:cNvPr id="115" name="Google Shape;115;p17"/>
+          <p:cNvPr id="116" name="Google Shape;116;p17"/>
           <p:cNvSpPr txBox="1"/>
           <p:nvPr>
             <p:ph type="title"/>
@@ -6745,7 +6780,7 @@
       </p:sp>
       <p:sp>
         <p:nvSpPr>
-          <p:cNvPr id="116" name="Google Shape;116;p17"/>
+          <p:cNvPr id="117" name="Google Shape;117;p17"/>
           <p:cNvSpPr txBox="1"/>
           <p:nvPr>
             <p:ph idx="1" type="body"/>
@@ -6850,7 +6885,7 @@
       </p:sp>
       <p:sp>
         <p:nvSpPr>
-          <p:cNvPr id="117" name="Google Shape;117;p17"/>
+          <p:cNvPr id="118" name="Google Shape;118;p17"/>
           <p:cNvSpPr txBox="1"/>
           <p:nvPr>
             <p:ph idx="12" type="sldNum"/>
@@ -6934,7 +6969,7 @@
   <p:cSld>
     <p:spTree>
       <p:nvGrpSpPr>
-        <p:cNvPr id="121" name="Shape 121"/>
+        <p:cNvPr id="122" name="Shape 122"/>
         <p:cNvGrpSpPr/>
         <p:nvPr/>
       </p:nvGrpSpPr>
@@ -6948,7 +6983,7 @@
       </p:grpSpPr>
       <p:sp>
         <p:nvSpPr>
-          <p:cNvPr id="122" name="Google Shape;122;p18"/>
+          <p:cNvPr id="123" name="Google Shape;123;p18"/>
           <p:cNvSpPr txBox="1"/>
           <p:nvPr>
             <p:ph type="title"/>
@@ -6988,7 +7023,7 @@
       </p:sp>
       <p:pic>
         <p:nvPicPr>
-          <p:cNvPr id="123" name="Google Shape;123;p18"/>
+          <p:cNvPr id="124" name="Google Shape;124;p18"/>
           <p:cNvPicPr preferRelativeResize="0"/>
           <p:nvPr/>
         </p:nvPicPr>
@@ -7016,7 +7051,7 @@
       </p:pic>
       <p:sp>
         <p:nvSpPr>
-          <p:cNvPr id="124" name="Google Shape;124;p18"/>
+          <p:cNvPr id="125" name="Google Shape;125;p18"/>
           <p:cNvSpPr txBox="1"/>
           <p:nvPr/>
         </p:nvSpPr>
@@ -7074,7 +7109,7 @@
       </p:sp>
       <p:sp>
         <p:nvSpPr>
-          <p:cNvPr id="125" name="Google Shape;125;p18"/>
+          <p:cNvPr id="126" name="Google Shape;126;p18"/>
           <p:cNvSpPr txBox="1"/>
           <p:nvPr>
             <p:ph idx="12" type="sldNum"/>
@@ -7158,7 +7193,7 @@
   <p:cSld>
     <p:spTree>
       <p:nvGrpSpPr>
-        <p:cNvPr id="129" name="Shape 129"/>
+        <p:cNvPr id="130" name="Shape 130"/>
         <p:cNvGrpSpPr/>
         <p:nvPr/>
       </p:nvGrpSpPr>
@@ -7172,7 +7207,7 @@
       </p:grpSpPr>
       <p:sp>
         <p:nvSpPr>
-          <p:cNvPr id="130" name="Google Shape;130;p19"/>
+          <p:cNvPr id="131" name="Google Shape;131;p19"/>
           <p:cNvSpPr txBox="1"/>
           <p:nvPr>
             <p:ph type="title"/>
@@ -7212,7 +7247,7 @@
       </p:sp>
       <p:sp>
         <p:nvSpPr>
-          <p:cNvPr id="131" name="Google Shape;131;p19"/>
+          <p:cNvPr id="132" name="Google Shape;132;p19"/>
           <p:cNvSpPr txBox="1"/>
           <p:nvPr>
             <p:ph idx="12" type="sldNum"/>
@@ -7285,7 +7320,7 @@
       </p:sp>
       <p:sp>
         <p:nvSpPr>
-          <p:cNvPr id="132" name="Google Shape;132;p19"/>
+          <p:cNvPr id="133" name="Google Shape;133;p19"/>
           <p:cNvSpPr txBox="1"/>
           <p:nvPr/>
         </p:nvSpPr>
@@ -7340,7 +7375,7 @@
       </p:sp>
       <p:sp>
         <p:nvSpPr>
-          <p:cNvPr id="133" name="Google Shape;133;p19"/>
+          <p:cNvPr id="134" name="Google Shape;134;p19"/>
           <p:cNvSpPr txBox="1"/>
           <p:nvPr>
             <p:ph idx="1" type="body"/>
@@ -7500,7 +7535,7 @@
   <p:cSld>
     <p:spTree>
       <p:nvGrpSpPr>
-        <p:cNvPr id="137" name="Shape 137"/>
+        <p:cNvPr id="138" name="Shape 138"/>
         <p:cNvGrpSpPr/>
         <p:nvPr/>
       </p:nvGrpSpPr>
@@ -7514,7 +7549,7 @@
       </p:grpSpPr>
       <p:sp>
         <p:nvSpPr>
-          <p:cNvPr id="138" name="Google Shape;138;p20"/>
+          <p:cNvPr id="139" name="Google Shape;139;p20"/>
           <p:cNvSpPr txBox="1"/>
           <p:nvPr>
             <p:ph type="title"/>
@@ -7554,7 +7589,7 @@
       </p:sp>
       <p:sp>
         <p:nvSpPr>
-          <p:cNvPr id="139" name="Google Shape;139;p20"/>
+          <p:cNvPr id="140" name="Google Shape;140;p20"/>
           <p:cNvSpPr txBox="1"/>
           <p:nvPr>
             <p:ph idx="1" type="body"/>
@@ -7610,7 +7645,7 @@
       </p:sp>
       <p:sp>
         <p:nvSpPr>
-          <p:cNvPr id="140" name="Google Shape;140;p20"/>
+          <p:cNvPr id="141" name="Google Shape;141;p20"/>
           <p:cNvSpPr txBox="1"/>
           <p:nvPr>
             <p:ph idx="12" type="sldNum"/>
@@ -7694,7 +7729,7 @@
   <p:cSld>
     <p:spTree>
       <p:nvGrpSpPr>
-        <p:cNvPr id="144" name="Shape 144"/>
+        <p:cNvPr id="145" name="Shape 145"/>
         <p:cNvGrpSpPr/>
         <p:nvPr/>
       </p:nvGrpSpPr>
@@ -7708,7 +7743,7 @@
       </p:grpSpPr>
       <p:sp>
         <p:nvSpPr>
-          <p:cNvPr id="145" name="Google Shape;145;p21"/>
+          <p:cNvPr id="146" name="Google Shape;146;p21"/>
           <p:cNvSpPr txBox="1"/>
           <p:nvPr>
             <p:ph type="title"/>
@@ -7748,7 +7783,7 @@
       </p:sp>
       <p:sp>
         <p:nvSpPr>
-          <p:cNvPr id="146" name="Google Shape;146;p21"/>
+          <p:cNvPr id="147" name="Google Shape;147;p21"/>
           <p:cNvSpPr txBox="1"/>
           <p:nvPr>
             <p:ph idx="12" type="sldNum"/>
@@ -7821,7 +7856,7 @@
       </p:sp>
       <p:sp>
         <p:nvSpPr>
-          <p:cNvPr id="147" name="Google Shape;147;p21"/>
+          <p:cNvPr id="148" name="Google Shape;148;p21"/>
           <p:cNvSpPr txBox="1"/>
           <p:nvPr>
             <p:ph idx="1" type="body"/>
@@ -7981,7 +8016,7 @@
   <p:cSld>
     <p:spTree>
       <p:nvGrpSpPr>
-        <p:cNvPr id="151" name="Shape 151"/>
+        <p:cNvPr id="152" name="Shape 152"/>
         <p:cNvGrpSpPr/>
         <p:nvPr/>
       </p:nvGrpSpPr>
@@ -7995,7 +8030,7 @@
       </p:grpSpPr>
       <p:sp>
         <p:nvSpPr>
-          <p:cNvPr id="152" name="Google Shape;152;p22"/>
+          <p:cNvPr id="153" name="Google Shape;153;p22"/>
           <p:cNvSpPr txBox="1"/>
           <p:nvPr>
             <p:ph type="title"/>
@@ -8032,158 +8067,6 @@
             <a:r>
               <a:rPr lang="en"/>
               <a:t> [1]</a:t>
-            </a:r>
-            <a:endParaRPr/>
-          </a:p>
-        </p:txBody>
-      </p:sp>
-      <p:sp>
-        <p:nvSpPr>
-          <p:cNvPr id="153" name="Google Shape;153;p22"/>
-          <p:cNvSpPr txBox="1"/>
-          <p:nvPr>
-            <p:ph idx="1" type="body"/>
-          </p:nvPr>
-        </p:nvSpPr>
-        <p:spPr>
-          <a:xfrm>
-            <a:off x="274320" y="914400"/>
-            <a:ext cx="8595300" cy="4114800"/>
-          </a:xfrm>
-          <a:prstGeom prst="rect">
-            <a:avLst/>
-          </a:prstGeom>
-        </p:spPr>
-        <p:txBody>
-          <a:bodyPr anchorCtr="0" anchor="t" bIns="0" lIns="0" spcFirstLastPara="1" rIns="0" wrap="square" tIns="0">
-            <a:noAutofit/>
-          </a:bodyPr>
-          <a:lstStyle/>
-          <a:p>
-            <a:pPr indent="0" lvl="0" marL="0" rtl="0" algn="l">
-              <a:spcBef>
-                <a:spcPts val="0"/>
-              </a:spcBef>
-              <a:spcAft>
-                <a:spcPts val="0"/>
-              </a:spcAft>
-              <a:buClr>
-                <a:schemeClr val="dk1"/>
-              </a:buClr>
-              <a:buSzPts val="1100"/>
-              <a:buFont typeface="Arial"/>
-              <a:buNone/>
-            </a:pPr>
-            <a:r>
-              <a:rPr lang="en"/>
-              <a:t>Course registration and exam registration are two separate steps</a:t>
-            </a:r>
-            <a:endParaRPr/>
-          </a:p>
-          <a:p>
-            <a:pPr indent="0" lvl="0" marL="0" rtl="0" algn="l">
-              <a:spcBef>
-                <a:spcPts val="1200"/>
-              </a:spcBef>
-              <a:spcAft>
-                <a:spcPts val="0"/>
-              </a:spcAft>
-              <a:buClr>
-                <a:schemeClr val="dk1"/>
-              </a:buClr>
-              <a:buSzPts val="1100"/>
-              <a:buFont typeface="Arial"/>
-              <a:buNone/>
-            </a:pPr>
-            <a:r>
-              <a:rPr lang="en"/>
-              <a:t>If you want to receive a grade</a:t>
-            </a:r>
-            <a:endParaRPr/>
-          </a:p>
-          <a:p>
-            <a:pPr indent="-342900" lvl="0" marL="457200" rtl="0" algn="l">
-              <a:spcBef>
-                <a:spcPts val="1200"/>
-              </a:spcBef>
-              <a:spcAft>
-                <a:spcPts val="0"/>
-              </a:spcAft>
-              <a:buClr>
-                <a:srgbClr val="212121"/>
-              </a:buClr>
-              <a:buSzPts val="1800"/>
-              <a:buChar char="●"/>
-            </a:pPr>
-            <a:r>
-              <a:rPr lang="en">
-                <a:solidFill>
-                  <a:srgbClr val="212121"/>
-                </a:solidFill>
-              </a:rPr>
-              <a:t>You must register through your university’s exam registration system</a:t>
-            </a:r>
-            <a:endParaRPr>
-              <a:solidFill>
-                <a:srgbClr val="212121"/>
-              </a:solidFill>
-            </a:endParaRPr>
-          </a:p>
-          <a:p>
-            <a:pPr indent="-317500" lvl="1" marL="914400" rtl="0" algn="l">
-              <a:spcBef>
-                <a:spcPts val="0"/>
-              </a:spcBef>
-              <a:spcAft>
-                <a:spcPts val="0"/>
-              </a:spcAft>
-              <a:buSzPts val="1400"/>
-              <a:buChar char="○"/>
-            </a:pPr>
-            <a:r>
-              <a:rPr b="1" lang="en"/>
-              <a:t>Your degree program may have split the course into two (VL + UE)</a:t>
-            </a:r>
-            <a:endParaRPr b="1"/>
-          </a:p>
-          <a:p>
-            <a:pPr indent="-317500" lvl="1" marL="914400" rtl="0" algn="l">
-              <a:spcBef>
-                <a:spcPts val="0"/>
-              </a:spcBef>
-              <a:spcAft>
-                <a:spcPts val="0"/>
-              </a:spcAft>
-              <a:buSzPts val="1400"/>
-              <a:buChar char="○"/>
-            </a:pPr>
-            <a:r>
-              <a:rPr b="1" lang="en"/>
-              <a:t>Please check asap that the course is available in your degree program!</a:t>
-            </a:r>
-            <a:endParaRPr b="1">
-              <a:solidFill>
-                <a:srgbClr val="212121"/>
-              </a:solidFill>
-            </a:endParaRPr>
-          </a:p>
-          <a:p>
-            <a:pPr indent="0" lvl="0" marL="0" rtl="0" algn="l">
-              <a:spcBef>
-                <a:spcPts val="1200"/>
-              </a:spcBef>
-              <a:spcAft>
-                <a:spcPts val="1200"/>
-              </a:spcAft>
-              <a:buNone/>
-            </a:pPr>
-            <a:r>
-              <a:rPr lang="en"/>
-              <a:t>Otherwise</a:t>
-            </a:r>
-            <a:r>
-              <a:rPr lang="en"/>
-              <a:t>: No grade</a:t>
             </a:r>
             <a:endParaRPr/>
           </a:p>
@@ -8194,6 +8077,158 @@
           <p:cNvPr id="154" name="Google Shape;154;p22"/>
           <p:cNvSpPr txBox="1"/>
           <p:nvPr>
+            <p:ph idx="1" type="body"/>
+          </p:nvPr>
+        </p:nvSpPr>
+        <p:spPr>
+          <a:xfrm>
+            <a:off x="274320" y="914400"/>
+            <a:ext cx="8595300" cy="4114800"/>
+          </a:xfrm>
+          <a:prstGeom prst="rect">
+            <a:avLst/>
+          </a:prstGeom>
+        </p:spPr>
+        <p:txBody>
+          <a:bodyPr anchorCtr="0" anchor="t" bIns="0" lIns="0" spcFirstLastPara="1" rIns="0" wrap="square" tIns="0">
+            <a:noAutofit/>
+          </a:bodyPr>
+          <a:lstStyle/>
+          <a:p>
+            <a:pPr indent="0" lvl="0" marL="0" rtl="0" algn="l">
+              <a:spcBef>
+                <a:spcPts val="0"/>
+              </a:spcBef>
+              <a:spcAft>
+                <a:spcPts val="0"/>
+              </a:spcAft>
+              <a:buClr>
+                <a:schemeClr val="dk1"/>
+              </a:buClr>
+              <a:buSzPts val="1100"/>
+              <a:buFont typeface="Arial"/>
+              <a:buNone/>
+            </a:pPr>
+            <a:r>
+              <a:rPr lang="en"/>
+              <a:t>Course management and exam registration are two separate steps</a:t>
+            </a:r>
+            <a:endParaRPr/>
+          </a:p>
+          <a:p>
+            <a:pPr indent="0" lvl="0" marL="0" rtl="0" algn="l">
+              <a:spcBef>
+                <a:spcPts val="1200"/>
+              </a:spcBef>
+              <a:spcAft>
+                <a:spcPts val="0"/>
+              </a:spcAft>
+              <a:buClr>
+                <a:schemeClr val="dk1"/>
+              </a:buClr>
+              <a:buSzPts val="1100"/>
+              <a:buFont typeface="Arial"/>
+              <a:buNone/>
+            </a:pPr>
+            <a:r>
+              <a:rPr lang="en"/>
+              <a:t>If you want to receive a grade</a:t>
+            </a:r>
+            <a:endParaRPr/>
+          </a:p>
+          <a:p>
+            <a:pPr indent="-342900" lvl="0" marL="457200" rtl="0" algn="l">
+              <a:spcBef>
+                <a:spcPts val="1200"/>
+              </a:spcBef>
+              <a:spcAft>
+                <a:spcPts val="0"/>
+              </a:spcAft>
+              <a:buClr>
+                <a:srgbClr val="212121"/>
+              </a:buClr>
+              <a:buSzPts val="1800"/>
+              <a:buChar char="●"/>
+            </a:pPr>
+            <a:r>
+              <a:rPr lang="en">
+                <a:solidFill>
+                  <a:srgbClr val="212121"/>
+                </a:solidFill>
+              </a:rPr>
+              <a:t>You must register through your university’s exam registration system</a:t>
+            </a:r>
+            <a:endParaRPr>
+              <a:solidFill>
+                <a:srgbClr val="212121"/>
+              </a:solidFill>
+            </a:endParaRPr>
+          </a:p>
+          <a:p>
+            <a:pPr indent="-317500" lvl="1" marL="914400" rtl="0" algn="l">
+              <a:spcBef>
+                <a:spcPts val="0"/>
+              </a:spcBef>
+              <a:spcAft>
+                <a:spcPts val="0"/>
+              </a:spcAft>
+              <a:buSzPts val="1400"/>
+              <a:buChar char="○"/>
+            </a:pPr>
+            <a:r>
+              <a:rPr b="1" lang="en"/>
+              <a:t>Your degree program may have split the course into two (VL + UE)</a:t>
+            </a:r>
+            <a:endParaRPr b="1"/>
+          </a:p>
+          <a:p>
+            <a:pPr indent="-317500" lvl="1" marL="914400" rtl="0" algn="l">
+              <a:spcBef>
+                <a:spcPts val="0"/>
+              </a:spcBef>
+              <a:spcAft>
+                <a:spcPts val="0"/>
+              </a:spcAft>
+              <a:buSzPts val="1400"/>
+              <a:buChar char="○"/>
+            </a:pPr>
+            <a:r>
+              <a:rPr b="1" lang="en"/>
+              <a:t>Please check asap that the course is available in your degree program!</a:t>
+            </a:r>
+            <a:endParaRPr b="1">
+              <a:solidFill>
+                <a:srgbClr val="212121"/>
+              </a:solidFill>
+            </a:endParaRPr>
+          </a:p>
+          <a:p>
+            <a:pPr indent="0" lvl="0" marL="0" rtl="0" algn="l">
+              <a:spcBef>
+                <a:spcPts val="1200"/>
+              </a:spcBef>
+              <a:spcAft>
+                <a:spcPts val="1200"/>
+              </a:spcAft>
+              <a:buNone/>
+            </a:pPr>
+            <a:r>
+              <a:rPr lang="en"/>
+              <a:t>Otherwise</a:t>
+            </a:r>
+            <a:r>
+              <a:rPr lang="en"/>
+              <a:t>: No grade</a:t>
+            </a:r>
+            <a:endParaRPr/>
+          </a:p>
+        </p:txBody>
+      </p:sp>
+      <p:sp>
+        <p:nvSpPr>
+          <p:cNvPr id="155" name="Google Shape;155;p22"/>
+          <p:cNvSpPr txBox="1"/>
+          <p:nvPr>
             <p:ph idx="12" type="sldNum"/>
           </p:nvPr>
         </p:nvSpPr>
@@ -8264,7 +8299,7 @@
       </p:sp>
       <p:sp>
         <p:nvSpPr>
-          <p:cNvPr id="155" name="Google Shape;155;p22"/>
+          <p:cNvPr id="156" name="Google Shape;156;p22"/>
           <p:cNvSpPr txBox="1"/>
           <p:nvPr/>
         </p:nvSpPr>
@@ -8317,7 +8352,7 @@
   <p:cSld>
     <p:spTree>
       <p:nvGrpSpPr>
-        <p:cNvPr id="159" name="Shape 159"/>
+        <p:cNvPr id="160" name="Shape 160"/>
         <p:cNvGrpSpPr/>
         <p:nvPr/>
       </p:nvGrpSpPr>
@@ -8331,7 +8366,7 @@
       </p:grpSpPr>
       <p:sp>
         <p:nvSpPr>
-          <p:cNvPr id="160" name="Google Shape;160;p23"/>
+          <p:cNvPr id="161" name="Google Shape;161;p23"/>
           <p:cNvSpPr txBox="1"/>
           <p:nvPr>
             <p:ph type="title"/>
@@ -8371,7 +8406,7 @@
       </p:sp>
       <p:sp>
         <p:nvSpPr>
-          <p:cNvPr id="161" name="Google Shape;161;p23"/>
+          <p:cNvPr id="162" name="Google Shape;162;p23"/>
           <p:cNvSpPr txBox="1"/>
           <p:nvPr>
             <p:ph idx="12" type="sldNum"/>
@@ -8444,7 +8479,7 @@
       </p:sp>
       <p:sp>
         <p:nvSpPr>
-          <p:cNvPr id="162" name="Google Shape;162;p23"/>
+          <p:cNvPr id="163" name="Google Shape;163;p23"/>
           <p:cNvSpPr txBox="1"/>
           <p:nvPr>
             <p:ph idx="1" type="body"/>
@@ -8527,7 +8562,7 @@
   <p:cSld>
     <p:spTree>
       <p:nvGrpSpPr>
-        <p:cNvPr id="166" name="Shape 166"/>
+        <p:cNvPr id="167" name="Shape 167"/>
         <p:cNvGrpSpPr/>
         <p:nvPr/>
       </p:nvGrpSpPr>
@@ -8541,7 +8576,7 @@
       </p:grpSpPr>
       <p:sp>
         <p:nvSpPr>
-          <p:cNvPr id="167" name="Google Shape;167;p24"/>
+          <p:cNvPr id="168" name="Google Shape;168;p24"/>
           <p:cNvSpPr txBox="1"/>
           <p:nvPr>
             <p:ph idx="1" type="body"/>
@@ -8677,7 +8712,7 @@
       </p:sp>
       <p:sp>
         <p:nvSpPr>
-          <p:cNvPr id="168" name="Google Shape;168;p24"/>
+          <p:cNvPr id="169" name="Google Shape;169;p24"/>
           <p:cNvSpPr txBox="1"/>
           <p:nvPr>
             <p:ph type="title"/>
@@ -8717,7 +8752,7 @@
       </p:sp>
       <p:sp>
         <p:nvSpPr>
-          <p:cNvPr id="169" name="Google Shape;169;p24"/>
+          <p:cNvPr id="170" name="Google Shape;170;p24"/>
           <p:cNvSpPr txBox="1"/>
           <p:nvPr>
             <p:ph idx="12" type="sldNum"/>
@@ -8801,7 +8836,7 @@
   <p:cSld>
     <p:spTree>
       <p:nvGrpSpPr>
-        <p:cNvPr id="173" name="Shape 173"/>
+        <p:cNvPr id="174" name="Shape 174"/>
         <p:cNvGrpSpPr/>
         <p:nvPr/>
       </p:nvGrpSpPr>
@@ -8815,7 +8850,7 @@
       </p:grpSpPr>
       <p:sp>
         <p:nvSpPr>
-          <p:cNvPr id="174" name="Google Shape;174;p25"/>
+          <p:cNvPr id="175" name="Google Shape;175;p25"/>
           <p:cNvSpPr txBox="1"/>
           <p:nvPr>
             <p:ph type="title"/>
@@ -8855,7 +8890,7 @@
       </p:sp>
       <p:sp>
         <p:nvSpPr>
-          <p:cNvPr id="175" name="Google Shape;175;p25"/>
+          <p:cNvPr id="176" name="Google Shape;176;p25"/>
           <p:cNvSpPr txBox="1"/>
           <p:nvPr>
             <p:ph idx="12" type="sldNum"/>
@@ -8928,7 +8963,7 @@
       </p:sp>
       <p:sp>
         <p:nvSpPr>
-          <p:cNvPr id="176" name="Google Shape;176;p25"/>
+          <p:cNvPr id="177" name="Google Shape;177;p25"/>
           <p:cNvSpPr txBox="1"/>
           <p:nvPr>
             <p:ph idx="1" type="body"/>
@@ -9128,7 +9163,7 @@
   <p:cSld>
     <p:spTree>
       <p:nvGrpSpPr>
-        <p:cNvPr id="180" name="Shape 180"/>
+        <p:cNvPr id="181" name="Shape 181"/>
         <p:cNvGrpSpPr/>
         <p:nvPr/>
       </p:nvGrpSpPr>
@@ -9142,7 +9177,7 @@
       </p:grpSpPr>
       <p:sp>
         <p:nvSpPr>
-          <p:cNvPr id="181" name="Google Shape;181;p26"/>
+          <p:cNvPr id="182" name="Google Shape;182;p26"/>
           <p:cNvSpPr txBox="1"/>
           <p:nvPr>
             <p:ph type="title"/>
@@ -9182,7 +9217,7 @@
       </p:sp>
       <p:sp>
         <p:nvSpPr>
-          <p:cNvPr id="182" name="Google Shape;182;p26"/>
+          <p:cNvPr id="183" name="Google Shape;183;p26"/>
           <p:cNvSpPr txBox="1"/>
           <p:nvPr>
             <p:ph idx="1" type="body"/>
@@ -9310,7 +9345,7 @@
       </p:sp>
       <p:sp>
         <p:nvSpPr>
-          <p:cNvPr id="183" name="Google Shape;183;p26"/>
+          <p:cNvPr id="184" name="Google Shape;184;p26"/>
           <p:cNvSpPr txBox="1"/>
           <p:nvPr>
             <p:ph idx="12" type="sldNum"/>
@@ -9394,7 +9429,7 @@
   <p:cSld>
     <p:spTree>
       <p:nvGrpSpPr>
-        <p:cNvPr id="56" name="Shape 56"/>
+        <p:cNvPr id="57" name="Shape 57"/>
         <p:cNvGrpSpPr/>
         <p:nvPr/>
       </p:nvGrpSpPr>
@@ -9408,7 +9443,7 @@
       </p:grpSpPr>
       <p:sp>
         <p:nvSpPr>
-          <p:cNvPr id="57" name="Google Shape;57;p9"/>
+          <p:cNvPr id="58" name="Google Shape;58;p9"/>
           <p:cNvSpPr txBox="1"/>
           <p:nvPr>
             <p:ph type="title"/>
@@ -9448,7 +9483,7 @@
       </p:sp>
       <p:sp>
         <p:nvSpPr>
-          <p:cNvPr id="58" name="Google Shape;58;p9"/>
+          <p:cNvPr id="59" name="Google Shape;59;p9"/>
           <p:cNvSpPr txBox="1"/>
           <p:nvPr>
             <p:ph idx="1" type="body"/>
@@ -9521,7 +9556,7 @@
       </p:sp>
       <p:sp>
         <p:nvSpPr>
-          <p:cNvPr id="59" name="Google Shape;59;p9"/>
+          <p:cNvPr id="60" name="Google Shape;60;p9"/>
           <p:cNvSpPr txBox="1"/>
           <p:nvPr>
             <p:ph idx="12" type="sldNum"/>
@@ -9605,7 +9640,7 @@
   <p:cSld>
     <p:spTree>
       <p:nvGrpSpPr>
-        <p:cNvPr id="187" name="Shape 187"/>
+        <p:cNvPr id="188" name="Shape 188"/>
         <p:cNvGrpSpPr/>
         <p:nvPr/>
       </p:nvGrpSpPr>
@@ -9619,7 +9654,7 @@
       </p:grpSpPr>
       <p:sp>
         <p:nvSpPr>
-          <p:cNvPr id="188" name="Google Shape;188;p27"/>
+          <p:cNvPr id="189" name="Google Shape;189;p27"/>
           <p:cNvSpPr txBox="1"/>
           <p:nvPr>
             <p:ph type="ctrTitle"/>
@@ -9659,7 +9694,7 @@
       </p:sp>
       <p:sp>
         <p:nvSpPr>
-          <p:cNvPr id="189" name="Google Shape;189;p27"/>
+          <p:cNvPr id="190" name="Google Shape;190;p27"/>
           <p:cNvSpPr txBox="1"/>
           <p:nvPr>
             <p:ph idx="1" type="subTitle"/>
@@ -9789,7 +9824,7 @@
   <p:cSld>
     <p:spTree>
       <p:nvGrpSpPr>
-        <p:cNvPr id="193" name="Shape 193"/>
+        <p:cNvPr id="194" name="Shape 194"/>
         <p:cNvGrpSpPr/>
         <p:nvPr/>
       </p:nvGrpSpPr>
@@ -9803,7 +9838,7 @@
       </p:grpSpPr>
       <p:sp>
         <p:nvSpPr>
-          <p:cNvPr id="194" name="Google Shape;194;p28"/>
+          <p:cNvPr id="195" name="Google Shape;195;p28"/>
           <p:cNvSpPr txBox="1"/>
           <p:nvPr>
             <p:ph type="title"/>
@@ -9843,7 +9878,7 @@
       </p:sp>
       <p:sp>
         <p:nvSpPr>
-          <p:cNvPr id="195" name="Google Shape;195;p28"/>
+          <p:cNvPr id="196" name="Google Shape;196;p28"/>
           <p:cNvSpPr txBox="1"/>
           <p:nvPr>
             <p:ph idx="12" type="sldNum"/>
@@ -9916,7 +9951,7 @@
       </p:sp>
       <p:sp>
         <p:nvSpPr>
-          <p:cNvPr id="196" name="Google Shape;196;p28"/>
+          <p:cNvPr id="197" name="Google Shape;197;p28"/>
           <p:cNvSpPr txBox="1"/>
           <p:nvPr>
             <p:ph idx="1" type="body"/>
@@ -10045,7 +10080,7 @@
   <p:cSld>
     <p:spTree>
       <p:nvGrpSpPr>
-        <p:cNvPr id="63" name="Shape 63"/>
+        <p:cNvPr id="64" name="Shape 64"/>
         <p:cNvGrpSpPr/>
         <p:nvPr/>
       </p:nvGrpSpPr>
@@ -10059,7 +10094,7 @@
       </p:grpSpPr>
       <p:sp>
         <p:nvSpPr>
-          <p:cNvPr id="64" name="Google Shape;64;p10"/>
+          <p:cNvPr id="65" name="Google Shape;65;p10"/>
           <p:cNvSpPr txBox="1"/>
           <p:nvPr>
             <p:ph type="title"/>
@@ -10099,7 +10134,7 @@
       </p:sp>
       <p:sp>
         <p:nvSpPr>
-          <p:cNvPr id="65" name="Google Shape;65;p10"/>
+          <p:cNvPr id="66" name="Google Shape;66;p10"/>
           <p:cNvSpPr txBox="1"/>
           <p:nvPr>
             <p:ph idx="1" type="body"/>
@@ -10205,7 +10240,7 @@
       </p:sp>
       <p:sp>
         <p:nvSpPr>
-          <p:cNvPr id="66" name="Google Shape;66;p10"/>
+          <p:cNvPr id="67" name="Google Shape;67;p10"/>
           <p:cNvSpPr txBox="1"/>
           <p:nvPr>
             <p:ph idx="12" type="sldNum"/>
@@ -10289,7 +10324,7 @@
   <p:cSld>
     <p:spTree>
       <p:nvGrpSpPr>
-        <p:cNvPr id="70" name="Shape 70"/>
+        <p:cNvPr id="71" name="Shape 71"/>
         <p:cNvGrpSpPr/>
         <p:nvPr/>
       </p:nvGrpSpPr>
@@ -10303,7 +10338,7 @@
       </p:grpSpPr>
       <p:sp>
         <p:nvSpPr>
-          <p:cNvPr id="71" name="Google Shape;71;p11"/>
+          <p:cNvPr id="72" name="Google Shape;72;p11"/>
           <p:cNvSpPr txBox="1"/>
           <p:nvPr>
             <p:ph type="title"/>
@@ -10343,7 +10378,7 @@
       </p:sp>
       <p:sp>
         <p:nvSpPr>
-          <p:cNvPr id="72" name="Google Shape;72;p11"/>
+          <p:cNvPr id="73" name="Google Shape;73;p11"/>
           <p:cNvSpPr txBox="1"/>
           <p:nvPr>
             <p:ph idx="12" type="sldNum"/>
@@ -10416,7 +10451,7 @@
       </p:sp>
       <p:pic>
         <p:nvPicPr>
-          <p:cNvPr id="73" name="Google Shape;73;p11"/>
+          <p:cNvPr id="74" name="Google Shape;74;p11"/>
           <p:cNvPicPr preferRelativeResize="0"/>
           <p:nvPr/>
         </p:nvPicPr>
@@ -10431,7 +10466,7 @@
         <p:spPr>
           <a:xfrm>
             <a:off x="274320" y="914400"/>
-            <a:ext cx="8595358" cy="3613749"/>
+            <a:ext cx="8595360" cy="3502840"/>
           </a:xfrm>
           <a:prstGeom prst="rect">
             <a:avLst/>
@@ -10455,7 +10490,7 @@
   <p:cSld>
     <p:spTree>
       <p:nvGrpSpPr>
-        <p:cNvPr id="77" name="Shape 77"/>
+        <p:cNvPr id="78" name="Shape 78"/>
         <p:cNvGrpSpPr/>
         <p:nvPr/>
       </p:nvGrpSpPr>
@@ -10469,7 +10504,7 @@
       </p:grpSpPr>
       <p:sp>
         <p:nvSpPr>
-          <p:cNvPr id="78" name="Google Shape;78;p12"/>
+          <p:cNvPr id="79" name="Google Shape;79;p12"/>
           <p:cNvSpPr txBox="1"/>
           <p:nvPr>
             <p:ph type="title"/>
@@ -10509,7 +10544,7 @@
       </p:sp>
       <p:sp>
         <p:nvSpPr>
-          <p:cNvPr id="79" name="Google Shape;79;p12"/>
+          <p:cNvPr id="80" name="Google Shape;80;p12"/>
           <p:cNvSpPr txBox="1"/>
           <p:nvPr>
             <p:ph idx="12" type="sldNum"/>
@@ -10582,7 +10617,7 @@
       </p:sp>
       <p:sp>
         <p:nvSpPr>
-          <p:cNvPr id="80" name="Google Shape;80;p12"/>
+          <p:cNvPr id="81" name="Google Shape;81;p12"/>
           <p:cNvSpPr txBox="1"/>
           <p:nvPr/>
         </p:nvSpPr>
@@ -10628,7 +10663,7 @@
       </p:sp>
       <p:sp>
         <p:nvSpPr>
-          <p:cNvPr id="81" name="Google Shape;81;p12"/>
+          <p:cNvPr id="82" name="Google Shape;82;p12"/>
           <p:cNvSpPr txBox="1"/>
           <p:nvPr>
             <p:ph idx="1" type="body"/>
@@ -10764,18 +10799,10 @@
               <a:buChar char="○"/>
             </a:pPr>
             <a:r>
-              <a:rPr b="1" lang="en">
-                <a:highlight>
-                  <a:schemeClr val="accent4"/>
-                </a:highlight>
-              </a:rPr>
+              <a:rPr lang="en"/>
               <a:t>Theorie</a:t>
             </a:r>
-            <a:endParaRPr b="1">
-              <a:highlight>
-                <a:schemeClr val="accent4"/>
-              </a:highlight>
-            </a:endParaRPr>
+            <a:endParaRPr/>
           </a:p>
           <a:p>
             <a:pPr indent="-317500" lvl="1" marL="914400" rtl="0" algn="l">
@@ -10841,7 +10868,7 @@
   <p:cSld>
     <p:spTree>
       <p:nvGrpSpPr>
-        <p:cNvPr id="85" name="Shape 85"/>
+        <p:cNvPr id="86" name="Shape 86"/>
         <p:cNvGrpSpPr/>
         <p:nvPr/>
       </p:nvGrpSpPr>
@@ -10855,7 +10882,7 @@
       </p:grpSpPr>
       <p:sp>
         <p:nvSpPr>
-          <p:cNvPr id="86" name="Google Shape;86;p13"/>
+          <p:cNvPr id="87" name="Google Shape;87;p13"/>
           <p:cNvSpPr txBox="1"/>
           <p:nvPr>
             <p:ph type="title"/>
@@ -10899,7 +10926,7 @@
       </p:sp>
       <p:sp>
         <p:nvSpPr>
-          <p:cNvPr id="87" name="Google Shape;87;p13"/>
+          <p:cNvPr id="88" name="Google Shape;88;p13"/>
           <p:cNvSpPr txBox="1"/>
           <p:nvPr>
             <p:ph idx="12" type="sldNum"/>
@@ -10972,7 +10999,7 @@
       </p:sp>
       <p:sp>
         <p:nvSpPr>
-          <p:cNvPr id="88" name="Google Shape;88;p13"/>
+          <p:cNvPr id="89" name="Google Shape;89;p13"/>
           <p:cNvSpPr txBox="1"/>
           <p:nvPr>
             <p:ph idx="1" type="body"/>
@@ -10993,36 +11020,15 @@
           </a:bodyPr>
           <a:lstStyle/>
           <a:p>
-            <a:pPr indent="0" lvl="0" marL="0" rtl="0" algn="l">
-              <a:spcBef>
-                <a:spcPts val="0"/>
-              </a:spcBef>
-              <a:spcAft>
-                <a:spcPts val="0"/>
-              </a:spcAft>
-              <a:buClr>
-                <a:schemeClr val="dk1"/>
-              </a:buClr>
-              <a:buSzPts val="1100"/>
-              <a:buFont typeface="Arial"/>
-              <a:buNone/>
-            </a:pPr>
-            <a:r>
-              <a:rPr lang="en"/>
-              <a:t>Semester contributions = 50% of total grade</a:t>
-            </a:r>
-            <a:endParaRPr/>
-          </a:p>
-          <a:p>
             <a:pPr indent="-342900" lvl="0" marL="457200" rtl="0" algn="l">
               <a:spcBef>
-                <a:spcPts val="1200"/>
+                <a:spcPts val="0"/>
               </a:spcBef>
               <a:spcAft>
                 <a:spcPts val="0"/>
               </a:spcAft>
               <a:buSzPts val="1800"/>
-              <a:buChar char="●"/>
+              <a:buAutoNum type="arabicPeriod"/>
             </a:pPr>
             <a:r>
               <a:rPr lang="en"/>
@@ -11056,7 +11062,7 @@
                 <a:spcPts val="0"/>
               </a:spcAft>
               <a:buSzPts val="1800"/>
-              <a:buChar char="●"/>
+              <a:buAutoNum type="arabicPeriod"/>
             </a:pPr>
             <a:r>
               <a:rPr lang="en"/>
@@ -11100,7 +11106,7 @@
       </p:sp>
       <p:sp>
         <p:nvSpPr>
-          <p:cNvPr id="89" name="Google Shape;89;p13"/>
+          <p:cNvPr id="90" name="Google Shape;90;p13"/>
           <p:cNvSpPr txBox="1"/>
           <p:nvPr/>
         </p:nvSpPr>
@@ -11166,7 +11172,7 @@
   <p:cSld>
     <p:spTree>
       <p:nvGrpSpPr>
-        <p:cNvPr id="93" name="Shape 93"/>
+        <p:cNvPr id="94" name="Shape 94"/>
         <p:cNvGrpSpPr/>
         <p:nvPr/>
       </p:nvGrpSpPr>
@@ -11180,7 +11186,7 @@
       </p:grpSpPr>
       <p:sp>
         <p:nvSpPr>
-          <p:cNvPr id="94" name="Google Shape;94;p14"/>
+          <p:cNvPr id="95" name="Google Shape;95;p14"/>
           <p:cNvSpPr txBox="1"/>
           <p:nvPr>
             <p:ph type="title"/>
@@ -11220,7 +11226,7 @@
       </p:sp>
       <p:sp>
         <p:nvSpPr>
-          <p:cNvPr id="95" name="Google Shape;95;p14"/>
+          <p:cNvPr id="96" name="Google Shape;96;p14"/>
           <p:cNvSpPr txBox="1"/>
           <p:nvPr>
             <p:ph idx="1" type="body"/>
@@ -11326,7 +11332,7 @@
       </p:sp>
       <p:sp>
         <p:nvSpPr>
-          <p:cNvPr id="96" name="Google Shape;96;p14"/>
+          <p:cNvPr id="97" name="Google Shape;97;p14"/>
           <p:cNvSpPr txBox="1"/>
           <p:nvPr>
             <p:ph idx="12" type="sldNum"/>
@@ -11410,7 +11416,7 @@
   <p:cSld>
     <p:spTree>
       <p:nvGrpSpPr>
-        <p:cNvPr id="100" name="Shape 100"/>
+        <p:cNvPr id="101" name="Shape 101"/>
         <p:cNvGrpSpPr/>
         <p:nvPr/>
       </p:nvGrpSpPr>
@@ -11424,7 +11430,7 @@
       </p:grpSpPr>
       <p:sp>
         <p:nvSpPr>
-          <p:cNvPr id="101" name="Google Shape;101;p15"/>
+          <p:cNvPr id="102" name="Google Shape;102;p15"/>
           <p:cNvSpPr txBox="1"/>
           <p:nvPr>
             <p:ph idx="1" type="body"/>
@@ -11557,7 +11563,7 @@
       </p:sp>
       <p:sp>
         <p:nvSpPr>
-          <p:cNvPr id="102" name="Google Shape;102;p15"/>
+          <p:cNvPr id="103" name="Google Shape;103;p15"/>
           <p:cNvSpPr txBox="1"/>
           <p:nvPr>
             <p:ph type="title"/>
@@ -11597,7 +11603,7 @@
       </p:sp>
       <p:sp>
         <p:nvSpPr>
-          <p:cNvPr id="103" name="Google Shape;103;p15"/>
+          <p:cNvPr id="104" name="Google Shape;104;p15"/>
           <p:cNvSpPr txBox="1"/>
           <p:nvPr>
             <p:ph idx="12" type="sldNum"/>
@@ -11681,7 +11687,7 @@
   <p:cSld>
     <p:spTree>
       <p:nvGrpSpPr>
-        <p:cNvPr id="107" name="Shape 107"/>
+        <p:cNvPr id="108" name="Shape 108"/>
         <p:cNvGrpSpPr/>
         <p:nvPr/>
       </p:nvGrpSpPr>
@@ -11695,7 +11701,7 @@
       </p:grpSpPr>
       <p:sp>
         <p:nvSpPr>
-          <p:cNvPr id="108" name="Google Shape;108;p16"/>
+          <p:cNvPr id="109" name="Google Shape;109;p16"/>
           <p:cNvSpPr txBox="1"/>
           <p:nvPr>
             <p:ph type="title"/>
@@ -11735,7 +11741,7 @@
       </p:sp>
       <p:sp>
         <p:nvSpPr>
-          <p:cNvPr id="109" name="Google Shape;109;p16"/>
+          <p:cNvPr id="110" name="Google Shape;110;p16"/>
           <p:cNvSpPr txBox="1"/>
           <p:nvPr>
             <p:ph idx="1" type="body"/>
@@ -11842,7 +11848,7 @@
       </p:sp>
       <p:sp>
         <p:nvSpPr>
-          <p:cNvPr id="110" name="Google Shape;110;p16"/>
+          <p:cNvPr id="111" name="Google Shape;111;p16"/>
           <p:cNvSpPr txBox="1"/>
           <p:nvPr>
             <p:ph idx="12" type="sldNum"/>
@@ -11922,6 +11928,285 @@
 </file>
 
 <file path=ppt/theme/theme1.xml><?xml version="1.0" encoding="utf-8"?>
+<a:theme xmlns:a="http://schemas.openxmlformats.org/drawingml/2006/main" xmlns:r="http://schemas.openxmlformats.org/officeDocument/2006/relationships">
+  <a:themeElements>
+    <a:clrScheme name="Default">
+      <a:dk1>
+        <a:srgbClr val="000000"/>
+      </a:dk1>
+      <a:lt1>
+        <a:srgbClr val="FFFFFF"/>
+      </a:lt1>
+      <a:dk2>
+        <a:srgbClr val="158158"/>
+      </a:dk2>
+      <a:lt2>
+        <a:srgbClr val="F3F3F3"/>
+      </a:lt2>
+      <a:accent1>
+        <a:srgbClr val="058DC7"/>
+      </a:accent1>
+      <a:accent2>
+        <a:srgbClr val="50B432"/>
+      </a:accent2>
+      <a:accent3>
+        <a:srgbClr val="ED561B"/>
+      </a:accent3>
+      <a:accent4>
+        <a:srgbClr val="EDEF00"/>
+      </a:accent4>
+      <a:accent5>
+        <a:srgbClr val="24CBE5"/>
+      </a:accent5>
+      <a:accent6>
+        <a:srgbClr val="64E572"/>
+      </a:accent6>
+      <a:hlink>
+        <a:srgbClr val="2200CC"/>
+      </a:hlink>
+      <a:folHlink>
+        <a:srgbClr val="551A8B"/>
+      </a:folHlink>
+    </a:clrScheme>
+    <a:fontScheme name="Office">
+      <a:majorFont>
+        <a:latin typeface="Arial"/>
+        <a:ea typeface=""/>
+        <a:cs typeface=""/>
+        <a:font script="Jpan" typeface="ＭＳ Ｐゴシック"/>
+        <a:font script="Hang" typeface="맑은 고딕"/>
+        <a:font script="Hans" typeface="宋体"/>
+        <a:font script="Hant" typeface="新細明體"/>
+        <a:font script="Arab" typeface="Times New Roman"/>
+        <a:font script="Hebr" typeface="Times New Roman"/>
+        <a:font script="Thai" typeface="Angsana New"/>
+        <a:font script="Ethi" typeface="Nyala"/>
+        <a:font script="Beng" typeface="Vrinda"/>
+        <a:font script="Gujr" typeface="Shruti"/>
+        <a:font script="Khmr" typeface="MoolBoran"/>
+        <a:font script="Knda" typeface="Tunga"/>
+        <a:font script="Guru" typeface="Raavi"/>
+        <a:font script="Cans" typeface="Euphemia"/>
+        <a:font script="Cher" typeface="Plantagenet Cherokee"/>
+        <a:font script="Yiii" typeface="Microsoft Yi Baiti"/>
+        <a:font script="Tibt" typeface="Microsoft Himalaya"/>
+        <a:font script="Thaa" typeface="MV Boli"/>
+        <a:font script="Deva" typeface="Mangal"/>
+        <a:font script="Telu" typeface="Gautami"/>
+        <a:font script="Taml" typeface="Latha"/>
+        <a:font script="Syrc" typeface="Estrangelo Edessa"/>
+        <a:font script="Orya" typeface="Kalinga"/>
+        <a:font script="Mlym" typeface="Kartika"/>
+        <a:font script="Laoo" typeface="DokChampa"/>
+        <a:font script="Sinh" typeface="Iskoola Pota"/>
+        <a:font script="Mong" typeface="Mongolian Baiti"/>
+        <a:font script="Viet" typeface="Times New Roman"/>
+        <a:font script="Uigh" typeface="Microsoft Uighur"/>
+        <a:font script="Geor" typeface="Sylfaen"/>
+      </a:majorFont>
+      <a:minorFont>
+        <a:latin typeface="Arial"/>
+        <a:ea typeface=""/>
+        <a:cs typeface=""/>
+        <a:font script="Jpan" typeface="ＭＳ Ｐゴシック"/>
+        <a:font script="Hang" typeface="맑은 고딕"/>
+        <a:font script="Hans" typeface="宋体"/>
+        <a:font script="Hant" typeface="新細明體"/>
+        <a:font script="Arab" typeface="Arial"/>
+        <a:font script="Hebr" typeface="Arial"/>
+        <a:font script="Thai" typeface="Cordia New"/>
+        <a:font script="Ethi" typeface="Nyala"/>
+        <a:font script="Beng" typeface="Vrinda"/>
+        <a:font script="Gujr" typeface="Shruti"/>
+        <a:font script="Khmr" typeface="DaunPenh"/>
+        <a:font script="Knda" typeface="Tunga"/>
+        <a:font script="Guru" typeface="Raavi"/>
+        <a:font script="Cans" typeface="Euphemia"/>
+        <a:font script="Cher" typeface="Plantagenet Cherokee"/>
+        <a:font script="Yiii" typeface="Microsoft Yi Baiti"/>
+        <a:font script="Tibt" typeface="Microsoft Himalaya"/>
+        <a:font script="Thaa" typeface="MV Boli"/>
+        <a:font script="Deva" typeface="Mangal"/>
+        <a:font script="Telu" typeface="Gautami"/>
+        <a:font script="Taml" typeface="Latha"/>
+        <a:font script="Syrc" typeface="Estrangelo Edessa"/>
+        <a:font script="Orya" typeface="Kalinga"/>
+        <a:font script="Mlym" typeface="Kartika"/>
+        <a:font script="Laoo" typeface="DokChampa"/>
+        <a:font script="Sinh" typeface="Iskoola Pota"/>
+        <a:font script="Mong" typeface="Mongolian Baiti"/>
+        <a:font script="Viet" typeface="Arial"/>
+        <a:font script="Uigh" typeface="Microsoft Uighur"/>
+        <a:font script="Geor" typeface="Sylfaen"/>
+      </a:minorFont>
+    </a:fontScheme>
+    <a:fmtScheme name="Office">
+      <a:fillStyleLst>
+        <a:solidFill>
+          <a:schemeClr val="phClr"/>
+        </a:solidFill>
+        <a:gradFill rotWithShape="1">
+          <a:gsLst>
+            <a:gs pos="0">
+              <a:schemeClr val="phClr">
+                <a:tint val="50000"/>
+                <a:satMod val="300000"/>
+              </a:schemeClr>
+            </a:gs>
+            <a:gs pos="35000">
+              <a:schemeClr val="phClr">
+                <a:tint val="37000"/>
+                <a:satMod val="300000"/>
+              </a:schemeClr>
+            </a:gs>
+            <a:gs pos="100000">
+              <a:schemeClr val="phClr">
+                <a:tint val="15000"/>
+                <a:satMod val="350000"/>
+              </a:schemeClr>
+            </a:gs>
+          </a:gsLst>
+          <a:lin ang="16200000" scaled="1"/>
+        </a:gradFill>
+        <a:gradFill rotWithShape="1">
+          <a:gsLst>
+            <a:gs pos="0">
+              <a:schemeClr val="phClr">
+                <a:tint val="100000"/>
+                <a:shade val="100000"/>
+                <a:satMod val="130000"/>
+              </a:schemeClr>
+            </a:gs>
+            <a:gs pos="100000">
+              <a:schemeClr val="phClr">
+                <a:tint val="50000"/>
+                <a:shade val="100000"/>
+                <a:satMod val="350000"/>
+              </a:schemeClr>
+            </a:gs>
+          </a:gsLst>
+          <a:lin ang="16200000" scaled="0"/>
+        </a:gradFill>
+      </a:fillStyleLst>
+      <a:lnStyleLst>
+        <a:ln w="9525" cap="flat" cmpd="sng" algn="ctr">
+          <a:solidFill>
+            <a:schemeClr val="phClr">
+              <a:shade val="95000"/>
+              <a:satMod val="105000"/>
+            </a:schemeClr>
+          </a:solidFill>
+          <a:prstDash val="solid"/>
+        </a:ln>
+        <a:ln w="25400" cap="flat" cmpd="sng" algn="ctr">
+          <a:solidFill>
+            <a:schemeClr val="phClr"/>
+          </a:solidFill>
+          <a:prstDash val="solid"/>
+        </a:ln>
+        <a:ln w="38100" cap="flat" cmpd="sng" algn="ctr">
+          <a:solidFill>
+            <a:schemeClr val="phClr"/>
+          </a:solidFill>
+          <a:prstDash val="solid"/>
+        </a:ln>
+      </a:lnStyleLst>
+      <a:effectStyleLst>
+        <a:effectStyle>
+          <a:effectLst>
+            <a:outerShdw blurRad="40000" dist="20000" dir="5400000" rotWithShape="0">
+              <a:srgbClr val="000000">
+                <a:alpha val="38000"/>
+              </a:srgbClr>
+            </a:outerShdw>
+          </a:effectLst>
+        </a:effectStyle>
+        <a:effectStyle>
+          <a:effectLst>
+            <a:outerShdw blurRad="40000" dist="23000" dir="5400000" rotWithShape="0">
+              <a:srgbClr val="000000">
+                <a:alpha val="35000"/>
+              </a:srgbClr>
+            </a:outerShdw>
+          </a:effectLst>
+        </a:effectStyle>
+        <a:effectStyle>
+          <a:effectLst>
+            <a:outerShdw blurRad="40000" dist="23000" dir="5400000" rotWithShape="0">
+              <a:srgbClr val="000000">
+                <a:alpha val="35000"/>
+              </a:srgbClr>
+            </a:outerShdw>
+          </a:effectLst>
+          <a:scene3d>
+            <a:camera prst="orthographicFront">
+              <a:rot lat="0" lon="0" rev="0"/>
+            </a:camera>
+            <a:lightRig rig="threePt" dir="t">
+              <a:rot lat="0" lon="0" rev="1200000"/>
+            </a:lightRig>
+          </a:scene3d>
+          <a:sp3d>
+            <a:bevelT w="63500" h="25400"/>
+          </a:sp3d>
+        </a:effectStyle>
+      </a:effectStyleLst>
+      <a:bgFillStyleLst>
+        <a:solidFill>
+          <a:schemeClr val="phClr"/>
+        </a:solidFill>
+        <a:gradFill rotWithShape="1">
+          <a:gsLst>
+            <a:gs pos="0">
+              <a:schemeClr val="phClr">
+                <a:tint val="40000"/>
+                <a:satMod val="350000"/>
+              </a:schemeClr>
+            </a:gs>
+            <a:gs pos="40000">
+              <a:schemeClr val="phClr">
+                <a:tint val="45000"/>
+                <a:shade val="99000"/>
+                <a:satMod val="350000"/>
+              </a:schemeClr>
+            </a:gs>
+            <a:gs pos="100000">
+              <a:schemeClr val="phClr">
+                <a:shade val="20000"/>
+                <a:satMod val="255000"/>
+              </a:schemeClr>
+            </a:gs>
+          </a:gsLst>
+          <a:path path="circle">
+            <a:fillToRect l="50000" t="-80000" r="50000" b="180000"/>
+          </a:path>
+        </a:gradFill>
+        <a:gradFill rotWithShape="1">
+          <a:gsLst>
+            <a:gs pos="0">
+              <a:schemeClr val="phClr">
+                <a:tint val="80000"/>
+                <a:satMod val="300000"/>
+              </a:schemeClr>
+            </a:gs>
+            <a:gs pos="100000">
+              <a:schemeClr val="phClr">
+                <a:shade val="30000"/>
+                <a:satMod val="200000"/>
+              </a:schemeClr>
+            </a:gs>
+          </a:gsLst>
+          <a:path path="circle">
+            <a:fillToRect l="50000" t="50000" r="50000" b="50000"/>
+          </a:path>
+        </a:gradFill>
+      </a:bgFillStyleLst>
+    </a:fmtScheme>
+  </a:themeElements>
+</a:theme>
+</file>
+
+<file path=ppt/theme/theme2.xml><?xml version="1.0" encoding="utf-8"?>
 <a:theme xmlns:a="http://schemas.openxmlformats.org/drawingml/2006/main" xmlns:r="http://schemas.openxmlformats.org/officeDocument/2006/relationships" name="POSS Slides Template">
   <a:themeElements>
     <a:clrScheme name="Simple Light">
@@ -12198,283 +12483,4 @@
     </a:fmtScheme>
   </a:themeElements>
 </a:theme>
-</file>
-
-<file path=ppt/theme/theme2.xml><?xml version="1.0" encoding="utf-8"?>
-<a:theme xmlns:a="http://schemas.openxmlformats.org/drawingml/2006/main" xmlns:r="http://schemas.openxmlformats.org/officeDocument/2006/relationships">
-  <a:themeElements>
-    <a:clrScheme name="Default">
-      <a:dk1>
-        <a:srgbClr val="000000"/>
-      </a:dk1>
-      <a:lt1>
-        <a:srgbClr val="FFFFFF"/>
-      </a:lt1>
-      <a:dk2>
-        <a:srgbClr val="158158"/>
-      </a:dk2>
-      <a:lt2>
-        <a:srgbClr val="F3F3F3"/>
-      </a:lt2>
-      <a:accent1>
-        <a:srgbClr val="058DC7"/>
-      </a:accent1>
-      <a:accent2>
-        <a:srgbClr val="50B432"/>
-      </a:accent2>
-      <a:accent3>
-        <a:srgbClr val="ED561B"/>
-      </a:accent3>
-      <a:accent4>
-        <a:srgbClr val="EDEF00"/>
-      </a:accent4>
-      <a:accent5>
-        <a:srgbClr val="24CBE5"/>
-      </a:accent5>
-      <a:accent6>
-        <a:srgbClr val="64E572"/>
-      </a:accent6>
-      <a:hlink>
-        <a:srgbClr val="2200CC"/>
-      </a:hlink>
-      <a:folHlink>
-        <a:srgbClr val="551A8B"/>
-      </a:folHlink>
-    </a:clrScheme>
-    <a:fontScheme name="Office">
-      <a:majorFont>
-        <a:latin typeface="Arial"/>
-        <a:ea typeface=""/>
-        <a:cs typeface=""/>
-        <a:font script="Jpan" typeface="ＭＳ Ｐゴシック"/>
-        <a:font script="Hang" typeface="맑은 고딕"/>
-        <a:font script="Hans" typeface="宋体"/>
-        <a:font script="Hant" typeface="新細明體"/>
-        <a:font script="Arab" typeface="Times New Roman"/>
-        <a:font script="Hebr" typeface="Times New Roman"/>
-        <a:font script="Thai" typeface="Angsana New"/>
-        <a:font script="Ethi" typeface="Nyala"/>
-        <a:font script="Beng" typeface="Vrinda"/>
-        <a:font script="Gujr" typeface="Shruti"/>
-        <a:font script="Khmr" typeface="MoolBoran"/>
-        <a:font script="Knda" typeface="Tunga"/>
-        <a:font script="Guru" typeface="Raavi"/>
-        <a:font script="Cans" typeface="Euphemia"/>
-        <a:font script="Cher" typeface="Plantagenet Cherokee"/>
-        <a:font script="Yiii" typeface="Microsoft Yi Baiti"/>
-        <a:font script="Tibt" typeface="Microsoft Himalaya"/>
-        <a:font script="Thaa" typeface="MV Boli"/>
-        <a:font script="Deva" typeface="Mangal"/>
-        <a:font script="Telu" typeface="Gautami"/>
-        <a:font script="Taml" typeface="Latha"/>
-        <a:font script="Syrc" typeface="Estrangelo Edessa"/>
-        <a:font script="Orya" typeface="Kalinga"/>
-        <a:font script="Mlym" typeface="Kartika"/>
-        <a:font script="Laoo" typeface="DokChampa"/>
-        <a:font script="Sinh" typeface="Iskoola Pota"/>
-        <a:font script="Mong" typeface="Mongolian Baiti"/>
-        <a:font script="Viet" typeface="Times New Roman"/>
-        <a:font script="Uigh" typeface="Microsoft Uighur"/>
-        <a:font script="Geor" typeface="Sylfaen"/>
-      </a:majorFont>
-      <a:minorFont>
-        <a:latin typeface="Arial"/>
-        <a:ea typeface=""/>
-        <a:cs typeface=""/>
-        <a:font script="Jpan" typeface="ＭＳ Ｐゴシック"/>
-        <a:font script="Hang" typeface="맑은 고딕"/>
-        <a:font script="Hans" typeface="宋体"/>
-        <a:font script="Hant" typeface="新細明體"/>
-        <a:font script="Arab" typeface="Arial"/>
-        <a:font script="Hebr" typeface="Arial"/>
-        <a:font script="Thai" typeface="Cordia New"/>
-        <a:font script="Ethi" typeface="Nyala"/>
-        <a:font script="Beng" typeface="Vrinda"/>
-        <a:font script="Gujr" typeface="Shruti"/>
-        <a:font script="Khmr" typeface="DaunPenh"/>
-        <a:font script="Knda" typeface="Tunga"/>
-        <a:font script="Guru" typeface="Raavi"/>
-        <a:font script="Cans" typeface="Euphemia"/>
-        <a:font script="Cher" typeface="Plantagenet Cherokee"/>
-        <a:font script="Yiii" typeface="Microsoft Yi Baiti"/>
-        <a:font script="Tibt" typeface="Microsoft Himalaya"/>
-        <a:font script="Thaa" typeface="MV Boli"/>
-        <a:font script="Deva" typeface="Mangal"/>
-        <a:font script="Telu" typeface="Gautami"/>
-        <a:font script="Taml" typeface="Latha"/>
-        <a:font script="Syrc" typeface="Estrangelo Edessa"/>
-        <a:font script="Orya" typeface="Kalinga"/>
-        <a:font script="Mlym" typeface="Kartika"/>
-        <a:font script="Laoo" typeface="DokChampa"/>
-        <a:font script="Sinh" typeface="Iskoola Pota"/>
-        <a:font script="Mong" typeface="Mongolian Baiti"/>
-        <a:font script="Viet" typeface="Arial"/>
-        <a:font script="Uigh" typeface="Microsoft Uighur"/>
-        <a:font script="Geor" typeface="Sylfaen"/>
-      </a:minorFont>
-    </a:fontScheme>
-    <a:fmtScheme name="Office">
-      <a:fillStyleLst>
-        <a:solidFill>
-          <a:schemeClr val="phClr"/>
-        </a:solidFill>
-        <a:gradFill rotWithShape="1">
-          <a:gsLst>
-            <a:gs pos="0">
-              <a:schemeClr val="phClr">
-                <a:tint val="50000"/>
-                <a:satMod val="300000"/>
-              </a:schemeClr>
-            </a:gs>
-            <a:gs pos="35000">
-              <a:schemeClr val="phClr">
-                <a:tint val="37000"/>
-                <a:satMod val="300000"/>
-              </a:schemeClr>
-            </a:gs>
-            <a:gs pos="100000">
-              <a:schemeClr val="phClr">
-                <a:tint val="15000"/>
-                <a:satMod val="350000"/>
-              </a:schemeClr>
-            </a:gs>
-          </a:gsLst>
-          <a:lin ang="16200000" scaled="1"/>
-        </a:gradFill>
-        <a:gradFill rotWithShape="1">
-          <a:gsLst>
-            <a:gs pos="0">
-              <a:schemeClr val="phClr">
-                <a:tint val="100000"/>
-                <a:shade val="100000"/>
-                <a:satMod val="130000"/>
-              </a:schemeClr>
-            </a:gs>
-            <a:gs pos="100000">
-              <a:schemeClr val="phClr">
-                <a:tint val="50000"/>
-                <a:shade val="100000"/>
-                <a:satMod val="350000"/>
-              </a:schemeClr>
-            </a:gs>
-          </a:gsLst>
-          <a:lin ang="16200000" scaled="0"/>
-        </a:gradFill>
-      </a:fillStyleLst>
-      <a:lnStyleLst>
-        <a:ln w="9525" cap="flat" cmpd="sng" algn="ctr">
-          <a:solidFill>
-            <a:schemeClr val="phClr">
-              <a:shade val="95000"/>
-              <a:satMod val="105000"/>
-            </a:schemeClr>
-          </a:solidFill>
-          <a:prstDash val="solid"/>
-        </a:ln>
-        <a:ln w="25400" cap="flat" cmpd="sng" algn="ctr">
-          <a:solidFill>
-            <a:schemeClr val="phClr"/>
-          </a:solidFill>
-          <a:prstDash val="solid"/>
-        </a:ln>
-        <a:ln w="38100" cap="flat" cmpd="sng" algn="ctr">
-          <a:solidFill>
-            <a:schemeClr val="phClr"/>
-          </a:solidFill>
-          <a:prstDash val="solid"/>
-        </a:ln>
-      </a:lnStyleLst>
-      <a:effectStyleLst>
-        <a:effectStyle>
-          <a:effectLst>
-            <a:outerShdw blurRad="40000" dist="20000" dir="5400000" rotWithShape="0">
-              <a:srgbClr val="000000">
-                <a:alpha val="38000"/>
-              </a:srgbClr>
-            </a:outerShdw>
-          </a:effectLst>
-        </a:effectStyle>
-        <a:effectStyle>
-          <a:effectLst>
-            <a:outerShdw blurRad="40000" dist="23000" dir="5400000" rotWithShape="0">
-              <a:srgbClr val="000000">
-                <a:alpha val="35000"/>
-              </a:srgbClr>
-            </a:outerShdw>
-          </a:effectLst>
-        </a:effectStyle>
-        <a:effectStyle>
-          <a:effectLst>
-            <a:outerShdw blurRad="40000" dist="23000" dir="5400000" rotWithShape="0">
-              <a:srgbClr val="000000">
-                <a:alpha val="35000"/>
-              </a:srgbClr>
-            </a:outerShdw>
-          </a:effectLst>
-          <a:scene3d>
-            <a:camera prst="orthographicFront">
-              <a:rot lat="0" lon="0" rev="0"/>
-            </a:camera>
-            <a:lightRig rig="threePt" dir="t">
-              <a:rot lat="0" lon="0" rev="1200000"/>
-            </a:lightRig>
-          </a:scene3d>
-          <a:sp3d>
-            <a:bevelT w="63500" h="25400"/>
-          </a:sp3d>
-        </a:effectStyle>
-      </a:effectStyleLst>
-      <a:bgFillStyleLst>
-        <a:solidFill>
-          <a:schemeClr val="phClr"/>
-        </a:solidFill>
-        <a:gradFill rotWithShape="1">
-          <a:gsLst>
-            <a:gs pos="0">
-              <a:schemeClr val="phClr">
-                <a:tint val="40000"/>
-                <a:satMod val="350000"/>
-              </a:schemeClr>
-            </a:gs>
-            <a:gs pos="40000">
-              <a:schemeClr val="phClr">
-                <a:tint val="45000"/>
-                <a:shade val="99000"/>
-                <a:satMod val="350000"/>
-              </a:schemeClr>
-            </a:gs>
-            <a:gs pos="100000">
-              <a:schemeClr val="phClr">
-                <a:shade val="20000"/>
-                <a:satMod val="255000"/>
-              </a:schemeClr>
-            </a:gs>
-          </a:gsLst>
-          <a:path path="circle">
-            <a:fillToRect l="50000" t="-80000" r="50000" b="180000"/>
-          </a:path>
-        </a:gradFill>
-        <a:gradFill rotWithShape="1">
-          <a:gsLst>
-            <a:gs pos="0">
-              <a:schemeClr val="phClr">
-                <a:tint val="80000"/>
-                <a:satMod val="300000"/>
-              </a:schemeClr>
-            </a:gs>
-            <a:gs pos="100000">
-              <a:schemeClr val="phClr">
-                <a:shade val="30000"/>
-                <a:satMod val="200000"/>
-              </a:schemeClr>
-            </a:gs>
-          </a:gsLst>
-          <a:path path="circle">
-            <a:fillToRect l="50000" t="50000" r="50000" b="50000"/>
-          </a:path>
-        </a:gradFill>
-      </a:bgFillStyleLst>
-    </a:fmtScheme>
-  </a:themeElements>
-</a:theme>
 </file>
--- a/Lecture slides/ADAP A01 - Introduction.pptx
+++ b/Lecture slides/ADAP A01 - Introduction.pptx
@@ -2,33 +2,33 @@
 <file path=ppt/presentation.xml><?xml version="1.0" encoding="utf-8"?>
 <p:presentation xmlns:a="http://schemas.openxmlformats.org/drawingml/2006/main" xmlns:r="http://schemas.openxmlformats.org/officeDocument/2006/relationships" xmlns:mc="http://schemas.openxmlformats.org/markup-compatibility/2006" xmlns:mv="urn:schemas-microsoft-com:mac:vml" xmlns:p="http://schemas.openxmlformats.org/presentationml/2006/main" xmlns:c="http://schemas.openxmlformats.org/drawingml/2006/chart" xmlns:dgm="http://schemas.openxmlformats.org/drawingml/2006/diagram" xmlns:o="urn:schemas-microsoft-com:office:office" xmlns:v="urn:schemas-microsoft-com:vml" xmlns:pvml="urn:schemas-microsoft-com:office:powerpoint" xmlns:com="http://schemas.openxmlformats.org/drawingml/2006/compatibility" xmlns:p14="http://schemas.microsoft.com/office/powerpoint/2010/main" xmlns:p15="http://schemas.microsoft.com/office/powerpoint/2012/main" xmlns:ahyp="http://schemas.microsoft.com/office/drawing/2018/hyperlinkcolor" autoCompressPictures="0" strictFirstAndLastChars="0" saveSubsetFonts="1" showSpecialPlsOnTitleSld="0">
   <p:sldMasterIdLst>
-    <p:sldMasterId id="2147483654" r:id="rId3"/>
+    <p:sldMasterId id="2147483654" r:id="rId4"/>
   </p:sldMasterIdLst>
   <p:notesMasterIdLst>
-    <p:notesMasterId r:id="rId4"/>
+    <p:notesMasterId r:id="rId5"/>
   </p:notesMasterIdLst>
   <p:sldIdLst>
-    <p:sldId id="256" r:id="rId5"/>
-    <p:sldId id="257" r:id="rId6"/>
-    <p:sldId id="258" r:id="rId7"/>
-    <p:sldId id="259" r:id="rId8"/>
-    <p:sldId id="260" r:id="rId9"/>
-    <p:sldId id="261" r:id="rId10"/>
-    <p:sldId id="262" r:id="rId11"/>
-    <p:sldId id="263" r:id="rId12"/>
-    <p:sldId id="264" r:id="rId13"/>
-    <p:sldId id="265" r:id="rId14"/>
-    <p:sldId id="266" r:id="rId15"/>
-    <p:sldId id="267" r:id="rId16"/>
-    <p:sldId id="268" r:id="rId17"/>
-    <p:sldId id="269" r:id="rId18"/>
-    <p:sldId id="270" r:id="rId19"/>
-    <p:sldId id="271" r:id="rId20"/>
-    <p:sldId id="272" r:id="rId21"/>
-    <p:sldId id="273" r:id="rId22"/>
-    <p:sldId id="274" r:id="rId23"/>
-    <p:sldId id="275" r:id="rId24"/>
-    <p:sldId id="276" r:id="rId25"/>
+    <p:sldId id="256" r:id="rId6"/>
+    <p:sldId id="257" r:id="rId7"/>
+    <p:sldId id="258" r:id="rId8"/>
+    <p:sldId id="259" r:id="rId9"/>
+    <p:sldId id="260" r:id="rId10"/>
+    <p:sldId id="261" r:id="rId11"/>
+    <p:sldId id="262" r:id="rId12"/>
+    <p:sldId id="263" r:id="rId13"/>
+    <p:sldId id="264" r:id="rId14"/>
+    <p:sldId id="265" r:id="rId15"/>
+    <p:sldId id="266" r:id="rId16"/>
+    <p:sldId id="267" r:id="rId17"/>
+    <p:sldId id="268" r:id="rId18"/>
+    <p:sldId id="269" r:id="rId19"/>
+    <p:sldId id="270" r:id="rId20"/>
+    <p:sldId id="271" r:id="rId21"/>
+    <p:sldId id="272" r:id="rId22"/>
+    <p:sldId id="273" r:id="rId23"/>
+    <p:sldId id="274" r:id="rId24"/>
+    <p:sldId id="275" r:id="rId25"/>
+    <p:sldId id="276" r:id="rId26"/>
   </p:sldIdLst>
   <p:sldSz cy="5143500" cx="9144000"/>
   <p:notesSz cx="6858000" cy="9144000"/>
@@ -2194,7 +2194,7 @@
       </p:grpSpPr>
       <p:sp>
         <p:nvSpPr>
-          <p:cNvPr id="69" name="Google Shape;69;g2395919313b_0_76:notes"/>
+          <p:cNvPr id="69" name="Google Shape;69;g38c883704b8_0_48:notes"/>
           <p:cNvSpPr/>
           <p:nvPr>
             <p:ph idx="2" type="sldImg"/>
@@ -2229,7 +2229,7 @@
       </p:sp>
       <p:sp>
         <p:nvSpPr>
-          <p:cNvPr id="70" name="Google Shape;70;g2395919313b_0_76:notes"/>
+          <p:cNvPr id="70" name="Google Shape;70;g38c883704b8_0_48:notes"/>
           <p:cNvSpPr txBox="1"/>
           <p:nvPr>
             <p:ph idx="1" type="body"/>
@@ -8612,10 +8612,10 @@
               <a:buNone/>
             </a:pPr>
             <a:r>
-              <a:rPr b="1" lang="en"/>
-              <a:t>Course organization</a:t>
-            </a:r>
-            <a:endParaRPr b="1"/>
+              <a:rPr lang="en"/>
+              <a:t>Course organization a.k.a. information index</a:t>
+            </a:r>
+            <a:endParaRPr/>
           </a:p>
           <a:p>
             <a:pPr indent="-342900" lvl="0" marL="457200" rtl="0" algn="l">
@@ -8663,10 +8663,10 @@
               <a:buNone/>
             </a:pPr>
             <a:r>
-              <a:rPr b="1" lang="en"/>
+              <a:rPr lang="en"/>
               <a:t>Course schedule</a:t>
             </a:r>
-            <a:endParaRPr b="1"/>
+            <a:endParaRPr/>
           </a:p>
           <a:p>
             <a:pPr indent="-342900" lvl="0" marL="457200" rtl="0" algn="l">
@@ -8681,15 +8681,7 @@
             </a:pPr>
             <a:r>
               <a:rPr lang="en"/>
-              <a:t>See </a:t>
-            </a:r>
-            <a:r>
-              <a:rPr b="1" lang="en"/>
-              <a:t>Schedule</a:t>
-            </a:r>
-            <a:r>
-              <a:rPr lang="en"/>
-              <a:t> tab on Course organization doc</a:t>
+              <a:t>See Schedule tab on Course organization doc</a:t>
             </a:r>
             <a:endParaRPr/>
           </a:p>
@@ -8699,14 +8691,34 @@
                 <a:spcPts val="1200"/>
               </a:spcBef>
               <a:spcAft>
+                <a:spcPts val="0"/>
+              </a:spcAft>
+              <a:buClr>
+                <a:schemeClr val="dk1"/>
+              </a:buClr>
+              <a:buSzPts val="1100"/>
+              <a:buFont typeface="Arial"/>
+              <a:buNone/>
+            </a:pPr>
+            <a:r>
+              <a:t/>
+            </a:r>
+            <a:endParaRPr/>
+          </a:p>
+          <a:p>
+            <a:pPr indent="0" lvl="0" marL="0" rtl="0" algn="l">
+              <a:spcBef>
                 <a:spcPts val="1200"/>
+              </a:spcBef>
+              <a:spcAft>
+                <a:spcPts val="1200"/>
               </a:spcAft>
               <a:buNone/>
             </a:pPr>
             <a:r>
               <a:t/>
             </a:r>
-            <a:endParaRPr/>
+            <a:endParaRPr b="1"/>
           </a:p>
         </p:txBody>
       </p:sp>
@@ -10236,6 +10248,39 @@
             </a:r>
             <a:endParaRPr/>
           </a:p>
+          <a:p>
+            <a:pPr indent="0" lvl="0" marL="0" rtl="0" algn="l">
+              <a:spcBef>
+                <a:spcPts val="1200"/>
+              </a:spcBef>
+              <a:spcAft>
+                <a:spcPts val="0"/>
+              </a:spcAft>
+              <a:buNone/>
+            </a:pPr>
+            <a:r>
+              <a:rPr lang="en"/>
+              <a:t>German language skills for class</a:t>
+            </a:r>
+            <a:endParaRPr/>
+          </a:p>
+          <a:p>
+            <a:pPr indent="-342900" lvl="0" marL="457200" rtl="0" algn="l">
+              <a:spcBef>
+                <a:spcPts val="1200"/>
+              </a:spcBef>
+              <a:spcAft>
+                <a:spcPts val="0"/>
+              </a:spcAft>
+              <a:buSzPts val="1800"/>
+              <a:buChar char="●"/>
+            </a:pPr>
+            <a:r>
+              <a:rPr lang="en"/>
+              <a:t>English language skills for design and programming</a:t>
+            </a:r>
+            <a:endParaRPr/>
+          </a:p>
         </p:txBody>
       </p:sp>
       <p:sp>
@@ -10449,34 +10494,4661 @@
           </a:p>
         </p:txBody>
       </p:sp>
-      <p:pic>
-        <p:nvPicPr>
+      <p:graphicFrame>
+        <p:nvGraphicFramePr>
           <p:cNvPr id="74" name="Google Shape;74;p11"/>
-          <p:cNvPicPr preferRelativeResize="0"/>
+          <p:cNvGraphicFramePr/>
           <p:nvPr/>
-        </p:nvPicPr>
-        <p:blipFill>
-          <a:blip r:embed="rId4">
-            <a:alphaModFix/>
-          </a:blip>
-          <a:stretch>
-            <a:fillRect/>
-          </a:stretch>
-        </p:blipFill>
-        <p:spPr>
-          <a:xfrm>
-            <a:off x="274320" y="914400"/>
-            <a:ext cx="8595360" cy="3502840"/>
-          </a:xfrm>
-          <a:prstGeom prst="rect">
-            <a:avLst/>
-          </a:prstGeom>
-          <a:noFill/>
-          <a:ln>
-            <a:noFill/>
-          </a:ln>
-        </p:spPr>
-      </p:pic>
+        </p:nvGraphicFramePr>
+        <p:xfrm>
+          <a:off x="274320" y="914400"/>
+          <a:ext cx="3000000" cy="3000000"/>
+        </p:xfrm>
+        <a:graphic>
+          <a:graphicData uri="http://schemas.openxmlformats.org/drawingml/2006/table">
+            <a:tbl>
+              <a:tblPr>
+                <a:noFill/>
+                <a:tableStyleId>{F1FBBAE8-8C2A-40BD-8D39-94A6FA426410}</a:tableStyleId>
+              </a:tblPr>
+              <a:tblGrid>
+                <a:gridCol w="859550"/>
+                <a:gridCol w="859550"/>
+                <a:gridCol w="859550"/>
+                <a:gridCol w="859550"/>
+                <a:gridCol w="859550"/>
+                <a:gridCol w="859550"/>
+                <a:gridCol w="859550"/>
+                <a:gridCol w="859550"/>
+                <a:gridCol w="859550"/>
+                <a:gridCol w="859550"/>
+              </a:tblGrid>
+              <a:tr h="457200">
+                <a:tc gridSpan="6">
+                  <a:txBody>
+                    <a:bodyPr/>
+                    <a:lstStyle/>
+                    <a:p>
+                      <a:pPr indent="0" lvl="0" marL="0" rtl="0" algn="ctr">
+                        <a:spcBef>
+                          <a:spcPts val="0"/>
+                        </a:spcBef>
+                        <a:spcAft>
+                          <a:spcPts val="0"/>
+                        </a:spcAft>
+                        <a:buNone/>
+                      </a:pPr>
+                      <a:r>
+                        <a:rPr b="1" lang="en">
+                          <a:solidFill>
+                            <a:schemeClr val="lt1"/>
+                          </a:solidFill>
+                        </a:rPr>
+                        <a:t>Bachelor’s</a:t>
+                      </a:r>
+                      <a:endParaRPr b="1">
+                        <a:solidFill>
+                          <a:schemeClr val="lt1"/>
+                        </a:solidFill>
+                      </a:endParaRPr>
+                    </a:p>
+                  </a:txBody>
+                  <a:tcPr marT="91425" marB="91425" marR="91425" marL="91425" anchor="ctr">
+                    <a:lnL cap="flat" cmpd="sng" w="38100">
+                      <a:solidFill>
+                        <a:schemeClr val="lt1"/>
+                      </a:solidFill>
+                      <a:prstDash val="solid"/>
+                      <a:round/>
+                      <a:headEnd len="sm" w="sm" type="none"/>
+                      <a:tailEnd len="sm" w="sm" type="none"/>
+                    </a:lnL>
+                    <a:lnR cap="flat" cmpd="sng" w="38100">
+                      <a:solidFill>
+                        <a:schemeClr val="lt1"/>
+                      </a:solidFill>
+                      <a:prstDash val="solid"/>
+                      <a:round/>
+                      <a:headEnd len="sm" w="sm" type="none"/>
+                      <a:tailEnd len="sm" w="sm" type="none"/>
+                    </a:lnR>
+                    <a:lnT cap="flat" cmpd="sng" w="38100">
+                      <a:solidFill>
+                        <a:schemeClr val="lt1"/>
+                      </a:solidFill>
+                      <a:prstDash val="solid"/>
+                      <a:round/>
+                      <a:headEnd len="sm" w="sm" type="none"/>
+                      <a:tailEnd len="sm" w="sm" type="none"/>
+                    </a:lnT>
+                    <a:lnB cap="flat" cmpd="sng" w="38100">
+                      <a:solidFill>
+                        <a:schemeClr val="lt1"/>
+                      </a:solidFill>
+                      <a:prstDash val="solid"/>
+                      <a:round/>
+                      <a:headEnd len="sm" w="sm" type="none"/>
+                      <a:tailEnd len="sm" w="sm" type="none"/>
+                    </a:lnB>
+                    <a:solidFill>
+                      <a:schemeClr val="dk2"/>
+                    </a:solidFill>
+                  </a:tcPr>
+                </a:tc>
+                <a:tc hMerge="1"/>
+                <a:tc hMerge="1"/>
+                <a:tc hMerge="1"/>
+                <a:tc hMerge="1"/>
+                <a:tc hMerge="1"/>
+                <a:tc gridSpan="4">
+                  <a:txBody>
+                    <a:bodyPr/>
+                    <a:lstStyle/>
+                    <a:p>
+                      <a:pPr indent="0" lvl="0" marL="0" rtl="0" algn="ctr">
+                        <a:spcBef>
+                          <a:spcPts val="0"/>
+                        </a:spcBef>
+                        <a:spcAft>
+                          <a:spcPts val="0"/>
+                        </a:spcAft>
+                        <a:buNone/>
+                      </a:pPr>
+                      <a:r>
+                        <a:rPr b="1" lang="en">
+                          <a:solidFill>
+                            <a:schemeClr val="lt1"/>
+                          </a:solidFill>
+                        </a:rPr>
+                        <a:t>Master’s</a:t>
+                      </a:r>
+                      <a:endParaRPr b="1">
+                        <a:solidFill>
+                          <a:schemeClr val="lt1"/>
+                        </a:solidFill>
+                      </a:endParaRPr>
+                    </a:p>
+                  </a:txBody>
+                  <a:tcPr marT="91425" marB="91425" marR="91425" marL="91425" anchor="ctr">
+                    <a:lnL cap="flat" cmpd="sng" w="38100">
+                      <a:solidFill>
+                        <a:schemeClr val="lt1"/>
+                      </a:solidFill>
+                      <a:prstDash val="solid"/>
+                      <a:round/>
+                      <a:headEnd len="sm" w="sm" type="none"/>
+                      <a:tailEnd len="sm" w="sm" type="none"/>
+                    </a:lnL>
+                    <a:lnR cap="flat" cmpd="sng" w="38100">
+                      <a:solidFill>
+                        <a:schemeClr val="lt1"/>
+                      </a:solidFill>
+                      <a:prstDash val="solid"/>
+                      <a:round/>
+                      <a:headEnd len="sm" w="sm" type="none"/>
+                      <a:tailEnd len="sm" w="sm" type="none"/>
+                    </a:lnR>
+                    <a:lnT cap="flat" cmpd="sng" w="38100">
+                      <a:solidFill>
+                        <a:schemeClr val="lt1"/>
+                      </a:solidFill>
+                      <a:prstDash val="solid"/>
+                      <a:round/>
+                      <a:headEnd len="sm" w="sm" type="none"/>
+                      <a:tailEnd len="sm" w="sm" type="none"/>
+                    </a:lnT>
+                    <a:lnB cap="flat" cmpd="sng" w="38100">
+                      <a:solidFill>
+                        <a:schemeClr val="lt1"/>
+                      </a:solidFill>
+                      <a:prstDash val="solid"/>
+                      <a:round/>
+                      <a:headEnd len="sm" w="sm" type="none"/>
+                      <a:tailEnd len="sm" w="sm" type="none"/>
+                    </a:lnB>
+                    <a:solidFill>
+                      <a:schemeClr val="dk2"/>
+                    </a:solidFill>
+                  </a:tcPr>
+                </a:tc>
+                <a:tc hMerge="1"/>
+                <a:tc hMerge="1"/>
+                <a:tc hMerge="1"/>
+              </a:tr>
+              <a:tr h="457200">
+                <a:tc>
+                  <a:txBody>
+                    <a:bodyPr/>
+                    <a:lstStyle/>
+                    <a:p>
+                      <a:pPr indent="0" lvl="0" marL="0" rtl="0" algn="ctr">
+                        <a:spcBef>
+                          <a:spcPts val="0"/>
+                        </a:spcBef>
+                        <a:spcAft>
+                          <a:spcPts val="0"/>
+                        </a:spcAft>
+                        <a:buNone/>
+                      </a:pPr>
+                      <a:r>
+                        <a:rPr b="1" lang="en">
+                          <a:solidFill>
+                            <a:schemeClr val="lt1"/>
+                          </a:solidFill>
+                        </a:rPr>
+                        <a:t>1</a:t>
+                      </a:r>
+                      <a:endParaRPr b="1">
+                        <a:solidFill>
+                          <a:schemeClr val="lt1"/>
+                        </a:solidFill>
+                      </a:endParaRPr>
+                    </a:p>
+                  </a:txBody>
+                  <a:tcPr marT="91425" marB="91425" marR="91425" marL="91425" anchor="ctr">
+                    <a:lnL cap="flat" cmpd="sng" w="38100">
+                      <a:solidFill>
+                        <a:schemeClr val="lt1"/>
+                      </a:solidFill>
+                      <a:prstDash val="solid"/>
+                      <a:round/>
+                      <a:headEnd len="sm" w="sm" type="none"/>
+                      <a:tailEnd len="sm" w="sm" type="none"/>
+                    </a:lnL>
+                    <a:lnR cap="flat" cmpd="sng" w="38100">
+                      <a:solidFill>
+                        <a:schemeClr val="lt1"/>
+                      </a:solidFill>
+                      <a:prstDash val="solid"/>
+                      <a:round/>
+                      <a:headEnd len="sm" w="sm" type="none"/>
+                      <a:tailEnd len="sm" w="sm" type="none"/>
+                    </a:lnR>
+                    <a:lnT cap="flat" cmpd="sng" w="38100">
+                      <a:solidFill>
+                        <a:schemeClr val="lt1"/>
+                      </a:solidFill>
+                      <a:prstDash val="solid"/>
+                      <a:round/>
+                      <a:headEnd len="sm" w="sm" type="none"/>
+                      <a:tailEnd len="sm" w="sm" type="none"/>
+                    </a:lnT>
+                    <a:lnB cap="flat" cmpd="sng" w="38100">
+                      <a:solidFill>
+                        <a:schemeClr val="lt1"/>
+                      </a:solidFill>
+                      <a:prstDash val="solid"/>
+                      <a:round/>
+                      <a:headEnd len="sm" w="sm" type="none"/>
+                      <a:tailEnd len="sm" w="sm" type="none"/>
+                    </a:lnB>
+                    <a:solidFill>
+                      <a:schemeClr val="lt2"/>
+                    </a:solidFill>
+                  </a:tcPr>
+                </a:tc>
+                <a:tc>
+                  <a:txBody>
+                    <a:bodyPr/>
+                    <a:lstStyle/>
+                    <a:p>
+                      <a:pPr indent="0" lvl="0" marL="0" rtl="0" algn="ctr">
+                        <a:spcBef>
+                          <a:spcPts val="0"/>
+                        </a:spcBef>
+                        <a:spcAft>
+                          <a:spcPts val="0"/>
+                        </a:spcAft>
+                        <a:buNone/>
+                      </a:pPr>
+                      <a:r>
+                        <a:rPr b="1" lang="en">
+                          <a:solidFill>
+                            <a:schemeClr val="lt1"/>
+                          </a:solidFill>
+                        </a:rPr>
+                        <a:t>2</a:t>
+                      </a:r>
+                      <a:endParaRPr b="1">
+                        <a:solidFill>
+                          <a:schemeClr val="lt1"/>
+                        </a:solidFill>
+                      </a:endParaRPr>
+                    </a:p>
+                  </a:txBody>
+                  <a:tcPr marT="91425" marB="91425" marR="91425" marL="91425" anchor="ctr">
+                    <a:lnL cap="flat" cmpd="sng" w="38100">
+                      <a:solidFill>
+                        <a:schemeClr val="lt1"/>
+                      </a:solidFill>
+                      <a:prstDash val="solid"/>
+                      <a:round/>
+                      <a:headEnd len="sm" w="sm" type="none"/>
+                      <a:tailEnd len="sm" w="sm" type="none"/>
+                    </a:lnL>
+                    <a:lnR cap="flat" cmpd="sng" w="38100">
+                      <a:solidFill>
+                        <a:schemeClr val="lt1"/>
+                      </a:solidFill>
+                      <a:prstDash val="solid"/>
+                      <a:round/>
+                      <a:headEnd len="sm" w="sm" type="none"/>
+                      <a:tailEnd len="sm" w="sm" type="none"/>
+                    </a:lnR>
+                    <a:lnT cap="flat" cmpd="sng" w="38100">
+                      <a:solidFill>
+                        <a:schemeClr val="lt1"/>
+                      </a:solidFill>
+                      <a:prstDash val="solid"/>
+                      <a:round/>
+                      <a:headEnd len="sm" w="sm" type="none"/>
+                      <a:tailEnd len="sm" w="sm" type="none"/>
+                    </a:lnT>
+                    <a:lnB cap="flat" cmpd="sng" w="38100">
+                      <a:solidFill>
+                        <a:schemeClr val="lt1"/>
+                      </a:solidFill>
+                      <a:prstDash val="solid"/>
+                      <a:round/>
+                      <a:headEnd len="sm" w="sm" type="none"/>
+                      <a:tailEnd len="sm" w="sm" type="none"/>
+                    </a:lnB>
+                    <a:solidFill>
+                      <a:schemeClr val="lt2"/>
+                    </a:solidFill>
+                  </a:tcPr>
+                </a:tc>
+                <a:tc>
+                  <a:txBody>
+                    <a:bodyPr/>
+                    <a:lstStyle/>
+                    <a:p>
+                      <a:pPr indent="0" lvl="0" marL="0" rtl="0" algn="ctr">
+                        <a:spcBef>
+                          <a:spcPts val="0"/>
+                        </a:spcBef>
+                        <a:spcAft>
+                          <a:spcPts val="0"/>
+                        </a:spcAft>
+                        <a:buNone/>
+                      </a:pPr>
+                      <a:r>
+                        <a:rPr b="1" lang="en">
+                          <a:solidFill>
+                            <a:schemeClr val="lt1"/>
+                          </a:solidFill>
+                        </a:rPr>
+                        <a:t>3</a:t>
+                      </a:r>
+                      <a:endParaRPr b="1">
+                        <a:solidFill>
+                          <a:schemeClr val="lt1"/>
+                        </a:solidFill>
+                      </a:endParaRPr>
+                    </a:p>
+                  </a:txBody>
+                  <a:tcPr marT="91425" marB="91425" marR="91425" marL="91425" anchor="ctr">
+                    <a:lnL cap="flat" cmpd="sng" w="38100">
+                      <a:solidFill>
+                        <a:schemeClr val="lt1"/>
+                      </a:solidFill>
+                      <a:prstDash val="solid"/>
+                      <a:round/>
+                      <a:headEnd len="sm" w="sm" type="none"/>
+                      <a:tailEnd len="sm" w="sm" type="none"/>
+                    </a:lnL>
+                    <a:lnR cap="flat" cmpd="sng" w="38100">
+                      <a:solidFill>
+                        <a:schemeClr val="lt1"/>
+                      </a:solidFill>
+                      <a:prstDash val="solid"/>
+                      <a:round/>
+                      <a:headEnd len="sm" w="sm" type="none"/>
+                      <a:tailEnd len="sm" w="sm" type="none"/>
+                    </a:lnR>
+                    <a:lnT cap="flat" cmpd="sng" w="38100">
+                      <a:solidFill>
+                        <a:schemeClr val="lt1"/>
+                      </a:solidFill>
+                      <a:prstDash val="solid"/>
+                      <a:round/>
+                      <a:headEnd len="sm" w="sm" type="none"/>
+                      <a:tailEnd len="sm" w="sm" type="none"/>
+                    </a:lnT>
+                    <a:lnB cap="flat" cmpd="sng" w="38100">
+                      <a:solidFill>
+                        <a:schemeClr val="lt1"/>
+                      </a:solidFill>
+                      <a:prstDash val="solid"/>
+                      <a:round/>
+                      <a:headEnd len="sm" w="sm" type="none"/>
+                      <a:tailEnd len="sm" w="sm" type="none"/>
+                    </a:lnB>
+                    <a:solidFill>
+                      <a:schemeClr val="lt2"/>
+                    </a:solidFill>
+                  </a:tcPr>
+                </a:tc>
+                <a:tc>
+                  <a:txBody>
+                    <a:bodyPr/>
+                    <a:lstStyle/>
+                    <a:p>
+                      <a:pPr indent="0" lvl="0" marL="0" rtl="0" algn="ctr">
+                        <a:spcBef>
+                          <a:spcPts val="0"/>
+                        </a:spcBef>
+                        <a:spcAft>
+                          <a:spcPts val="0"/>
+                        </a:spcAft>
+                        <a:buNone/>
+                      </a:pPr>
+                      <a:r>
+                        <a:rPr b="1" lang="en">
+                          <a:solidFill>
+                            <a:schemeClr val="lt1"/>
+                          </a:solidFill>
+                        </a:rPr>
+                        <a:t>4</a:t>
+                      </a:r>
+                      <a:endParaRPr b="1">
+                        <a:solidFill>
+                          <a:schemeClr val="lt1"/>
+                        </a:solidFill>
+                      </a:endParaRPr>
+                    </a:p>
+                  </a:txBody>
+                  <a:tcPr marT="91425" marB="91425" marR="91425" marL="91425" anchor="ctr">
+                    <a:lnL cap="flat" cmpd="sng" w="38100">
+                      <a:solidFill>
+                        <a:schemeClr val="lt1"/>
+                      </a:solidFill>
+                      <a:prstDash val="solid"/>
+                      <a:round/>
+                      <a:headEnd len="sm" w="sm" type="none"/>
+                      <a:tailEnd len="sm" w="sm" type="none"/>
+                    </a:lnL>
+                    <a:lnR cap="flat" cmpd="sng" w="38100">
+                      <a:solidFill>
+                        <a:schemeClr val="lt1"/>
+                      </a:solidFill>
+                      <a:prstDash val="solid"/>
+                      <a:round/>
+                      <a:headEnd len="sm" w="sm" type="none"/>
+                      <a:tailEnd len="sm" w="sm" type="none"/>
+                    </a:lnR>
+                    <a:lnT cap="flat" cmpd="sng" w="38100">
+                      <a:solidFill>
+                        <a:schemeClr val="lt1"/>
+                      </a:solidFill>
+                      <a:prstDash val="solid"/>
+                      <a:round/>
+                      <a:headEnd len="sm" w="sm" type="none"/>
+                      <a:tailEnd len="sm" w="sm" type="none"/>
+                    </a:lnT>
+                    <a:lnB cap="flat" cmpd="sng" w="38100">
+                      <a:solidFill>
+                        <a:schemeClr val="lt1"/>
+                      </a:solidFill>
+                      <a:prstDash val="solid"/>
+                      <a:round/>
+                      <a:headEnd len="sm" w="sm" type="none"/>
+                      <a:tailEnd len="sm" w="sm" type="none"/>
+                    </a:lnB>
+                    <a:solidFill>
+                      <a:schemeClr val="lt2"/>
+                    </a:solidFill>
+                  </a:tcPr>
+                </a:tc>
+                <a:tc>
+                  <a:txBody>
+                    <a:bodyPr/>
+                    <a:lstStyle/>
+                    <a:p>
+                      <a:pPr indent="0" lvl="0" marL="0" rtl="0" algn="ctr">
+                        <a:spcBef>
+                          <a:spcPts val="0"/>
+                        </a:spcBef>
+                        <a:spcAft>
+                          <a:spcPts val="0"/>
+                        </a:spcAft>
+                        <a:buNone/>
+                      </a:pPr>
+                      <a:r>
+                        <a:rPr b="1" lang="en">
+                          <a:solidFill>
+                            <a:schemeClr val="lt1"/>
+                          </a:solidFill>
+                        </a:rPr>
+                        <a:t>5</a:t>
+                      </a:r>
+                      <a:endParaRPr b="1">
+                        <a:solidFill>
+                          <a:schemeClr val="lt1"/>
+                        </a:solidFill>
+                      </a:endParaRPr>
+                    </a:p>
+                  </a:txBody>
+                  <a:tcPr marT="91425" marB="91425" marR="91425" marL="91425" anchor="ctr">
+                    <a:lnL cap="flat" cmpd="sng" w="38100">
+                      <a:solidFill>
+                        <a:schemeClr val="lt1"/>
+                      </a:solidFill>
+                      <a:prstDash val="solid"/>
+                      <a:round/>
+                      <a:headEnd len="sm" w="sm" type="none"/>
+                      <a:tailEnd len="sm" w="sm" type="none"/>
+                    </a:lnL>
+                    <a:lnR cap="flat" cmpd="sng" w="38100">
+                      <a:solidFill>
+                        <a:schemeClr val="lt1"/>
+                      </a:solidFill>
+                      <a:prstDash val="solid"/>
+                      <a:round/>
+                      <a:headEnd len="sm" w="sm" type="none"/>
+                      <a:tailEnd len="sm" w="sm" type="none"/>
+                    </a:lnR>
+                    <a:lnT cap="flat" cmpd="sng" w="38100">
+                      <a:solidFill>
+                        <a:schemeClr val="lt1"/>
+                      </a:solidFill>
+                      <a:prstDash val="solid"/>
+                      <a:round/>
+                      <a:headEnd len="sm" w="sm" type="none"/>
+                      <a:tailEnd len="sm" w="sm" type="none"/>
+                    </a:lnT>
+                    <a:lnB cap="flat" cmpd="sng" w="38100">
+                      <a:solidFill>
+                        <a:schemeClr val="lt1"/>
+                      </a:solidFill>
+                      <a:prstDash val="solid"/>
+                      <a:round/>
+                      <a:headEnd len="sm" w="sm" type="none"/>
+                      <a:tailEnd len="sm" w="sm" type="none"/>
+                    </a:lnB>
+                    <a:solidFill>
+                      <a:schemeClr val="lt2"/>
+                    </a:solidFill>
+                  </a:tcPr>
+                </a:tc>
+                <a:tc>
+                  <a:txBody>
+                    <a:bodyPr/>
+                    <a:lstStyle/>
+                    <a:p>
+                      <a:pPr indent="0" lvl="0" marL="0" rtl="0" algn="ctr">
+                        <a:spcBef>
+                          <a:spcPts val="0"/>
+                        </a:spcBef>
+                        <a:spcAft>
+                          <a:spcPts val="0"/>
+                        </a:spcAft>
+                        <a:buNone/>
+                      </a:pPr>
+                      <a:r>
+                        <a:rPr b="1" lang="en">
+                          <a:solidFill>
+                            <a:schemeClr val="lt1"/>
+                          </a:solidFill>
+                        </a:rPr>
+                        <a:t>6</a:t>
+                      </a:r>
+                      <a:endParaRPr b="1">
+                        <a:solidFill>
+                          <a:schemeClr val="lt1"/>
+                        </a:solidFill>
+                      </a:endParaRPr>
+                    </a:p>
+                  </a:txBody>
+                  <a:tcPr marT="91425" marB="91425" marR="91425" marL="91425" anchor="ctr">
+                    <a:lnL cap="flat" cmpd="sng" w="38100">
+                      <a:solidFill>
+                        <a:schemeClr val="lt1"/>
+                      </a:solidFill>
+                      <a:prstDash val="solid"/>
+                      <a:round/>
+                      <a:headEnd len="sm" w="sm" type="none"/>
+                      <a:tailEnd len="sm" w="sm" type="none"/>
+                    </a:lnL>
+                    <a:lnR cap="flat" cmpd="sng" w="38100">
+                      <a:solidFill>
+                        <a:schemeClr val="lt1"/>
+                      </a:solidFill>
+                      <a:prstDash val="solid"/>
+                      <a:round/>
+                      <a:headEnd len="sm" w="sm" type="none"/>
+                      <a:tailEnd len="sm" w="sm" type="none"/>
+                    </a:lnR>
+                    <a:lnT cap="flat" cmpd="sng" w="38100">
+                      <a:solidFill>
+                        <a:schemeClr val="lt1"/>
+                      </a:solidFill>
+                      <a:prstDash val="solid"/>
+                      <a:round/>
+                      <a:headEnd len="sm" w="sm" type="none"/>
+                      <a:tailEnd len="sm" w="sm" type="none"/>
+                    </a:lnT>
+                    <a:lnB cap="flat" cmpd="sng" w="38100">
+                      <a:solidFill>
+                        <a:schemeClr val="lt1"/>
+                      </a:solidFill>
+                      <a:prstDash val="solid"/>
+                      <a:round/>
+                      <a:headEnd len="sm" w="sm" type="none"/>
+                      <a:tailEnd len="sm" w="sm" type="none"/>
+                    </a:lnB>
+                    <a:solidFill>
+                      <a:schemeClr val="lt2"/>
+                    </a:solidFill>
+                  </a:tcPr>
+                </a:tc>
+                <a:tc>
+                  <a:txBody>
+                    <a:bodyPr/>
+                    <a:lstStyle/>
+                    <a:p>
+                      <a:pPr indent="0" lvl="0" marL="0" rtl="0" algn="ctr">
+                        <a:spcBef>
+                          <a:spcPts val="0"/>
+                        </a:spcBef>
+                        <a:spcAft>
+                          <a:spcPts val="0"/>
+                        </a:spcAft>
+                        <a:buNone/>
+                      </a:pPr>
+                      <a:r>
+                        <a:rPr b="1" lang="en">
+                          <a:solidFill>
+                            <a:schemeClr val="lt1"/>
+                          </a:solidFill>
+                        </a:rPr>
+                        <a:t>1</a:t>
+                      </a:r>
+                      <a:endParaRPr b="1">
+                        <a:solidFill>
+                          <a:schemeClr val="lt1"/>
+                        </a:solidFill>
+                      </a:endParaRPr>
+                    </a:p>
+                  </a:txBody>
+                  <a:tcPr marT="91425" marB="91425" marR="91425" marL="91425" anchor="ctr">
+                    <a:lnL cap="flat" cmpd="sng" w="38100">
+                      <a:solidFill>
+                        <a:schemeClr val="lt1"/>
+                      </a:solidFill>
+                      <a:prstDash val="solid"/>
+                      <a:round/>
+                      <a:headEnd len="sm" w="sm" type="none"/>
+                      <a:tailEnd len="sm" w="sm" type="none"/>
+                    </a:lnL>
+                    <a:lnR cap="flat" cmpd="sng" w="38100">
+                      <a:solidFill>
+                        <a:schemeClr val="lt1"/>
+                      </a:solidFill>
+                      <a:prstDash val="solid"/>
+                      <a:round/>
+                      <a:headEnd len="sm" w="sm" type="none"/>
+                      <a:tailEnd len="sm" w="sm" type="none"/>
+                    </a:lnR>
+                    <a:lnT cap="flat" cmpd="sng" w="38100">
+                      <a:solidFill>
+                        <a:schemeClr val="lt1"/>
+                      </a:solidFill>
+                      <a:prstDash val="solid"/>
+                      <a:round/>
+                      <a:headEnd len="sm" w="sm" type="none"/>
+                      <a:tailEnd len="sm" w="sm" type="none"/>
+                    </a:lnT>
+                    <a:lnB cap="flat" cmpd="sng" w="38100">
+                      <a:solidFill>
+                        <a:schemeClr val="lt1"/>
+                      </a:solidFill>
+                      <a:prstDash val="solid"/>
+                      <a:round/>
+                      <a:headEnd len="sm" w="sm" type="none"/>
+                      <a:tailEnd len="sm" w="sm" type="none"/>
+                    </a:lnB>
+                    <a:solidFill>
+                      <a:schemeClr val="lt2"/>
+                    </a:solidFill>
+                  </a:tcPr>
+                </a:tc>
+                <a:tc>
+                  <a:txBody>
+                    <a:bodyPr/>
+                    <a:lstStyle/>
+                    <a:p>
+                      <a:pPr indent="0" lvl="0" marL="0" rtl="0" algn="ctr">
+                        <a:spcBef>
+                          <a:spcPts val="0"/>
+                        </a:spcBef>
+                        <a:spcAft>
+                          <a:spcPts val="0"/>
+                        </a:spcAft>
+                        <a:buNone/>
+                      </a:pPr>
+                      <a:r>
+                        <a:rPr b="1" lang="en">
+                          <a:solidFill>
+                            <a:schemeClr val="lt1"/>
+                          </a:solidFill>
+                        </a:rPr>
+                        <a:t>2</a:t>
+                      </a:r>
+                      <a:endParaRPr b="1">
+                        <a:solidFill>
+                          <a:schemeClr val="lt1"/>
+                        </a:solidFill>
+                      </a:endParaRPr>
+                    </a:p>
+                  </a:txBody>
+                  <a:tcPr marT="91425" marB="91425" marR="91425" marL="91425" anchor="ctr">
+                    <a:lnL cap="flat" cmpd="sng" w="38100">
+                      <a:solidFill>
+                        <a:schemeClr val="lt1"/>
+                      </a:solidFill>
+                      <a:prstDash val="solid"/>
+                      <a:round/>
+                      <a:headEnd len="sm" w="sm" type="none"/>
+                      <a:tailEnd len="sm" w="sm" type="none"/>
+                    </a:lnL>
+                    <a:lnR cap="flat" cmpd="sng" w="38100">
+                      <a:solidFill>
+                        <a:schemeClr val="lt1"/>
+                      </a:solidFill>
+                      <a:prstDash val="solid"/>
+                      <a:round/>
+                      <a:headEnd len="sm" w="sm" type="none"/>
+                      <a:tailEnd len="sm" w="sm" type="none"/>
+                    </a:lnR>
+                    <a:lnT cap="flat" cmpd="sng" w="38100">
+                      <a:solidFill>
+                        <a:schemeClr val="lt1"/>
+                      </a:solidFill>
+                      <a:prstDash val="solid"/>
+                      <a:round/>
+                      <a:headEnd len="sm" w="sm" type="none"/>
+                      <a:tailEnd len="sm" w="sm" type="none"/>
+                    </a:lnT>
+                    <a:lnB cap="flat" cmpd="sng" w="38100">
+                      <a:solidFill>
+                        <a:schemeClr val="lt1"/>
+                      </a:solidFill>
+                      <a:prstDash val="solid"/>
+                      <a:round/>
+                      <a:headEnd len="sm" w="sm" type="none"/>
+                      <a:tailEnd len="sm" w="sm" type="none"/>
+                    </a:lnB>
+                    <a:solidFill>
+                      <a:schemeClr val="lt2"/>
+                    </a:solidFill>
+                  </a:tcPr>
+                </a:tc>
+                <a:tc>
+                  <a:txBody>
+                    <a:bodyPr/>
+                    <a:lstStyle/>
+                    <a:p>
+                      <a:pPr indent="0" lvl="0" marL="0" rtl="0" algn="ctr">
+                        <a:spcBef>
+                          <a:spcPts val="0"/>
+                        </a:spcBef>
+                        <a:spcAft>
+                          <a:spcPts val="0"/>
+                        </a:spcAft>
+                        <a:buNone/>
+                      </a:pPr>
+                      <a:r>
+                        <a:rPr b="1" lang="en">
+                          <a:solidFill>
+                            <a:schemeClr val="lt1"/>
+                          </a:solidFill>
+                        </a:rPr>
+                        <a:t>3</a:t>
+                      </a:r>
+                      <a:endParaRPr b="1">
+                        <a:solidFill>
+                          <a:schemeClr val="lt1"/>
+                        </a:solidFill>
+                      </a:endParaRPr>
+                    </a:p>
+                  </a:txBody>
+                  <a:tcPr marT="91425" marB="91425" marR="91425" marL="91425" anchor="ctr">
+                    <a:lnL cap="flat" cmpd="sng" w="38100">
+                      <a:solidFill>
+                        <a:schemeClr val="lt1"/>
+                      </a:solidFill>
+                      <a:prstDash val="solid"/>
+                      <a:round/>
+                      <a:headEnd len="sm" w="sm" type="none"/>
+                      <a:tailEnd len="sm" w="sm" type="none"/>
+                    </a:lnL>
+                    <a:lnR cap="flat" cmpd="sng" w="38100">
+                      <a:solidFill>
+                        <a:schemeClr val="lt1"/>
+                      </a:solidFill>
+                      <a:prstDash val="solid"/>
+                      <a:round/>
+                      <a:headEnd len="sm" w="sm" type="none"/>
+                      <a:tailEnd len="sm" w="sm" type="none"/>
+                    </a:lnR>
+                    <a:lnT cap="flat" cmpd="sng" w="38100">
+                      <a:solidFill>
+                        <a:schemeClr val="lt1"/>
+                      </a:solidFill>
+                      <a:prstDash val="solid"/>
+                      <a:round/>
+                      <a:headEnd len="sm" w="sm" type="none"/>
+                      <a:tailEnd len="sm" w="sm" type="none"/>
+                    </a:lnT>
+                    <a:lnB cap="flat" cmpd="sng" w="38100">
+                      <a:solidFill>
+                        <a:schemeClr val="lt1"/>
+                      </a:solidFill>
+                      <a:prstDash val="solid"/>
+                      <a:round/>
+                      <a:headEnd len="sm" w="sm" type="none"/>
+                      <a:tailEnd len="sm" w="sm" type="none"/>
+                    </a:lnB>
+                    <a:solidFill>
+                      <a:schemeClr val="lt2"/>
+                    </a:solidFill>
+                  </a:tcPr>
+                </a:tc>
+                <a:tc>
+                  <a:txBody>
+                    <a:bodyPr/>
+                    <a:lstStyle/>
+                    <a:p>
+                      <a:pPr indent="0" lvl="0" marL="0" rtl="0" algn="ctr">
+                        <a:spcBef>
+                          <a:spcPts val="0"/>
+                        </a:spcBef>
+                        <a:spcAft>
+                          <a:spcPts val="0"/>
+                        </a:spcAft>
+                        <a:buNone/>
+                      </a:pPr>
+                      <a:r>
+                        <a:rPr b="1" lang="en">
+                          <a:solidFill>
+                            <a:schemeClr val="lt1"/>
+                          </a:solidFill>
+                        </a:rPr>
+                        <a:t>4</a:t>
+                      </a:r>
+                      <a:endParaRPr b="1">
+                        <a:solidFill>
+                          <a:schemeClr val="lt1"/>
+                        </a:solidFill>
+                      </a:endParaRPr>
+                    </a:p>
+                  </a:txBody>
+                  <a:tcPr marT="91425" marB="91425" marR="91425" marL="91425" anchor="ctr">
+                    <a:lnL cap="flat" cmpd="sng" w="38100">
+                      <a:solidFill>
+                        <a:schemeClr val="lt1"/>
+                      </a:solidFill>
+                      <a:prstDash val="solid"/>
+                      <a:round/>
+                      <a:headEnd len="sm" w="sm" type="none"/>
+                      <a:tailEnd len="sm" w="sm" type="none"/>
+                    </a:lnL>
+                    <a:lnR cap="flat" cmpd="sng" w="38100">
+                      <a:solidFill>
+                        <a:schemeClr val="lt1"/>
+                      </a:solidFill>
+                      <a:prstDash val="solid"/>
+                      <a:round/>
+                      <a:headEnd len="sm" w="sm" type="none"/>
+                      <a:tailEnd len="sm" w="sm" type="none"/>
+                    </a:lnR>
+                    <a:lnT cap="flat" cmpd="sng" w="38100">
+                      <a:solidFill>
+                        <a:schemeClr val="lt1"/>
+                      </a:solidFill>
+                      <a:prstDash val="solid"/>
+                      <a:round/>
+                      <a:headEnd len="sm" w="sm" type="none"/>
+                      <a:tailEnd len="sm" w="sm" type="none"/>
+                    </a:lnT>
+                    <a:lnB cap="flat" cmpd="sng" w="38100">
+                      <a:solidFill>
+                        <a:schemeClr val="lt1"/>
+                      </a:solidFill>
+                      <a:prstDash val="solid"/>
+                      <a:round/>
+                      <a:headEnd len="sm" w="sm" type="none"/>
+                      <a:tailEnd len="sm" w="sm" type="none"/>
+                    </a:lnB>
+                    <a:solidFill>
+                      <a:schemeClr val="lt2"/>
+                    </a:solidFill>
+                  </a:tcPr>
+                </a:tc>
+              </a:tr>
+              <a:tr h="457200">
+                <a:tc>
+                  <a:txBody>
+                    <a:bodyPr/>
+                    <a:lstStyle/>
+                    <a:p>
+                      <a:pPr indent="0" lvl="0" marL="0" rtl="0" algn="ctr">
+                        <a:spcBef>
+                          <a:spcPts val="0"/>
+                        </a:spcBef>
+                        <a:spcAft>
+                          <a:spcPts val="0"/>
+                        </a:spcAft>
+                        <a:buNone/>
+                      </a:pPr>
+                      <a:r>
+                        <a:t/>
+                      </a:r>
+                      <a:endParaRPr b="1">
+                        <a:solidFill>
+                          <a:schemeClr val="lt1"/>
+                        </a:solidFill>
+                      </a:endParaRPr>
+                    </a:p>
+                  </a:txBody>
+                  <a:tcPr marT="91425" marB="91425" marR="91425" marL="91425" anchor="ctr">
+                    <a:lnL cap="flat" cmpd="sng" w="38100">
+                      <a:solidFill>
+                        <a:schemeClr val="lt1"/>
+                      </a:solidFill>
+                      <a:prstDash val="solid"/>
+                      <a:round/>
+                      <a:headEnd len="sm" w="sm" type="none"/>
+                      <a:tailEnd len="sm" w="sm" type="none"/>
+                    </a:lnL>
+                    <a:lnR cap="flat" cmpd="sng" w="38100">
+                      <a:solidFill>
+                        <a:schemeClr val="lt1"/>
+                      </a:solidFill>
+                      <a:prstDash val="solid"/>
+                      <a:round/>
+                      <a:headEnd len="sm" w="sm" type="none"/>
+                      <a:tailEnd len="sm" w="sm" type="none"/>
+                    </a:lnR>
+                    <a:lnT cap="flat" cmpd="sng" w="38100">
+                      <a:solidFill>
+                        <a:schemeClr val="lt1"/>
+                      </a:solidFill>
+                      <a:prstDash val="solid"/>
+                      <a:round/>
+                      <a:headEnd len="sm" w="sm" type="none"/>
+                      <a:tailEnd len="sm" w="sm" type="none"/>
+                    </a:lnT>
+                    <a:lnB cap="flat" cmpd="sng" w="38100">
+                      <a:solidFill>
+                        <a:schemeClr val="lt1"/>
+                      </a:solidFill>
+                      <a:prstDash val="solid"/>
+                      <a:round/>
+                      <a:headEnd len="sm" w="sm" type="none"/>
+                      <a:tailEnd len="sm" w="sm" type="none"/>
+                    </a:lnB>
+                    <a:solidFill>
+                      <a:schemeClr val="accent1"/>
+                    </a:solidFill>
+                  </a:tcPr>
+                </a:tc>
+                <a:tc>
+                  <a:txBody>
+                    <a:bodyPr/>
+                    <a:lstStyle/>
+                    <a:p>
+                      <a:pPr indent="0" lvl="0" marL="0" rtl="0" algn="ctr">
+                        <a:spcBef>
+                          <a:spcPts val="0"/>
+                        </a:spcBef>
+                        <a:spcAft>
+                          <a:spcPts val="0"/>
+                        </a:spcAft>
+                        <a:buNone/>
+                      </a:pPr>
+                      <a:r>
+                        <a:t/>
+                      </a:r>
+                      <a:endParaRPr b="1">
+                        <a:solidFill>
+                          <a:schemeClr val="lt1"/>
+                        </a:solidFill>
+                      </a:endParaRPr>
+                    </a:p>
+                  </a:txBody>
+                  <a:tcPr marT="91425" marB="91425" marR="91425" marL="91425" anchor="ctr">
+                    <a:lnL cap="flat" cmpd="sng" w="38100">
+                      <a:solidFill>
+                        <a:schemeClr val="lt1"/>
+                      </a:solidFill>
+                      <a:prstDash val="solid"/>
+                      <a:round/>
+                      <a:headEnd len="sm" w="sm" type="none"/>
+                      <a:tailEnd len="sm" w="sm" type="none"/>
+                    </a:lnL>
+                    <a:lnR cap="flat" cmpd="sng" w="38100">
+                      <a:solidFill>
+                        <a:schemeClr val="lt1"/>
+                      </a:solidFill>
+                      <a:prstDash val="solid"/>
+                      <a:round/>
+                      <a:headEnd len="sm" w="sm" type="none"/>
+                      <a:tailEnd len="sm" w="sm" type="none"/>
+                    </a:lnR>
+                    <a:lnT cap="flat" cmpd="sng" w="38100">
+                      <a:solidFill>
+                        <a:schemeClr val="lt1"/>
+                      </a:solidFill>
+                      <a:prstDash val="solid"/>
+                      <a:round/>
+                      <a:headEnd len="sm" w="sm" type="none"/>
+                      <a:tailEnd len="sm" w="sm" type="none"/>
+                    </a:lnT>
+                    <a:lnB cap="flat" cmpd="sng" w="38100">
+                      <a:solidFill>
+                        <a:schemeClr val="lt1"/>
+                      </a:solidFill>
+                      <a:prstDash val="solid"/>
+                      <a:round/>
+                      <a:headEnd len="sm" w="sm" type="none"/>
+                      <a:tailEnd len="sm" w="sm" type="none"/>
+                    </a:lnB>
+                    <a:solidFill>
+                      <a:schemeClr val="accent1"/>
+                    </a:solidFill>
+                  </a:tcPr>
+                </a:tc>
+                <a:tc>
+                  <a:txBody>
+                    <a:bodyPr/>
+                    <a:lstStyle/>
+                    <a:p>
+                      <a:pPr indent="0" lvl="0" marL="0" rtl="0" algn="ctr">
+                        <a:spcBef>
+                          <a:spcPts val="0"/>
+                        </a:spcBef>
+                        <a:spcAft>
+                          <a:spcPts val="0"/>
+                        </a:spcAft>
+                        <a:buNone/>
+                      </a:pPr>
+                      <a:r>
+                        <a:t/>
+                      </a:r>
+                      <a:endParaRPr b="1">
+                        <a:solidFill>
+                          <a:schemeClr val="lt1"/>
+                        </a:solidFill>
+                      </a:endParaRPr>
+                    </a:p>
+                  </a:txBody>
+                  <a:tcPr marT="91425" marB="91425" marR="91425" marL="91425" anchor="ctr">
+                    <a:lnL cap="flat" cmpd="sng" w="38100">
+                      <a:solidFill>
+                        <a:schemeClr val="lt1"/>
+                      </a:solidFill>
+                      <a:prstDash val="solid"/>
+                      <a:round/>
+                      <a:headEnd len="sm" w="sm" type="none"/>
+                      <a:tailEnd len="sm" w="sm" type="none"/>
+                    </a:lnL>
+                    <a:lnR cap="flat" cmpd="sng" w="38100">
+                      <a:solidFill>
+                        <a:schemeClr val="lt1"/>
+                      </a:solidFill>
+                      <a:prstDash val="solid"/>
+                      <a:round/>
+                      <a:headEnd len="sm" w="sm" type="none"/>
+                      <a:tailEnd len="sm" w="sm" type="none"/>
+                    </a:lnR>
+                    <a:lnT cap="flat" cmpd="sng" w="38100">
+                      <a:solidFill>
+                        <a:schemeClr val="lt1"/>
+                      </a:solidFill>
+                      <a:prstDash val="solid"/>
+                      <a:round/>
+                      <a:headEnd len="sm" w="sm" type="none"/>
+                      <a:tailEnd len="sm" w="sm" type="none"/>
+                    </a:lnT>
+                    <a:lnB cap="flat" cmpd="sng" w="38100">
+                      <a:solidFill>
+                        <a:schemeClr val="lt1"/>
+                      </a:solidFill>
+                      <a:prstDash val="solid"/>
+                      <a:round/>
+                      <a:headEnd len="sm" w="sm" type="none"/>
+                      <a:tailEnd len="sm" w="sm" type="none"/>
+                    </a:lnB>
+                    <a:solidFill>
+                      <a:schemeClr val="accent1"/>
+                    </a:solidFill>
+                  </a:tcPr>
+                </a:tc>
+                <a:tc>
+                  <a:txBody>
+                    <a:bodyPr/>
+                    <a:lstStyle/>
+                    <a:p>
+                      <a:pPr indent="0" lvl="0" marL="0" rtl="0" algn="ctr">
+                        <a:spcBef>
+                          <a:spcPts val="0"/>
+                        </a:spcBef>
+                        <a:spcAft>
+                          <a:spcPts val="0"/>
+                        </a:spcAft>
+                        <a:buNone/>
+                      </a:pPr>
+                      <a:r>
+                        <a:t/>
+                      </a:r>
+                      <a:endParaRPr b="1">
+                        <a:solidFill>
+                          <a:schemeClr val="lt1"/>
+                        </a:solidFill>
+                      </a:endParaRPr>
+                    </a:p>
+                  </a:txBody>
+                  <a:tcPr marT="91425" marB="91425" marR="91425" marL="91425" anchor="ctr">
+                    <a:lnL cap="flat" cmpd="sng" w="38100">
+                      <a:solidFill>
+                        <a:schemeClr val="lt1"/>
+                      </a:solidFill>
+                      <a:prstDash val="solid"/>
+                      <a:round/>
+                      <a:headEnd len="sm" w="sm" type="none"/>
+                      <a:tailEnd len="sm" w="sm" type="none"/>
+                    </a:lnL>
+                    <a:lnR cap="flat" cmpd="sng" w="38100">
+                      <a:solidFill>
+                        <a:schemeClr val="lt1"/>
+                      </a:solidFill>
+                      <a:prstDash val="solid"/>
+                      <a:round/>
+                      <a:headEnd len="sm" w="sm" type="none"/>
+                      <a:tailEnd len="sm" w="sm" type="none"/>
+                    </a:lnR>
+                    <a:lnT cap="flat" cmpd="sng" w="38100">
+                      <a:solidFill>
+                        <a:schemeClr val="lt1"/>
+                      </a:solidFill>
+                      <a:prstDash val="solid"/>
+                      <a:round/>
+                      <a:headEnd len="sm" w="sm" type="none"/>
+                      <a:tailEnd len="sm" w="sm" type="none"/>
+                    </a:lnT>
+                    <a:lnB cap="flat" cmpd="sng" w="38100">
+                      <a:solidFill>
+                        <a:schemeClr val="lt1"/>
+                      </a:solidFill>
+                      <a:prstDash val="solid"/>
+                      <a:round/>
+                      <a:headEnd len="sm" w="sm" type="none"/>
+                      <a:tailEnd len="sm" w="sm" type="none"/>
+                    </a:lnB>
+                    <a:solidFill>
+                      <a:schemeClr val="accent1"/>
+                    </a:solidFill>
+                  </a:tcPr>
+                </a:tc>
+                <a:tc>
+                  <a:txBody>
+                    <a:bodyPr/>
+                    <a:lstStyle/>
+                    <a:p>
+                      <a:pPr indent="0" lvl="0" marL="0" rtl="0" algn="ctr">
+                        <a:spcBef>
+                          <a:spcPts val="0"/>
+                        </a:spcBef>
+                        <a:spcAft>
+                          <a:spcPts val="0"/>
+                        </a:spcAft>
+                        <a:buNone/>
+                      </a:pPr>
+                      <a:r>
+                        <a:rPr b="1" lang="en">
+                          <a:solidFill>
+                            <a:schemeClr val="lt1"/>
+                          </a:solidFill>
+                        </a:rPr>
+                        <a:t>ADAP</a:t>
+                      </a:r>
+                      <a:endParaRPr b="1">
+                        <a:solidFill>
+                          <a:schemeClr val="lt1"/>
+                        </a:solidFill>
+                      </a:endParaRPr>
+                    </a:p>
+                  </a:txBody>
+                  <a:tcPr marT="91425" marB="91425" marR="91425" marL="91425" anchor="ctr">
+                    <a:lnL cap="flat" cmpd="sng" w="38100">
+                      <a:solidFill>
+                        <a:schemeClr val="lt1"/>
+                      </a:solidFill>
+                      <a:prstDash val="solid"/>
+                      <a:round/>
+                      <a:headEnd len="sm" w="sm" type="none"/>
+                      <a:tailEnd len="sm" w="sm" type="none"/>
+                    </a:lnL>
+                    <a:lnR cap="flat" cmpd="sng" w="38100">
+                      <a:solidFill>
+                        <a:schemeClr val="lt1"/>
+                      </a:solidFill>
+                      <a:prstDash val="solid"/>
+                      <a:round/>
+                      <a:headEnd len="sm" w="sm" type="none"/>
+                      <a:tailEnd len="sm" w="sm" type="none"/>
+                    </a:lnR>
+                    <a:lnT cap="flat" cmpd="sng" w="38100">
+                      <a:solidFill>
+                        <a:schemeClr val="lt1"/>
+                      </a:solidFill>
+                      <a:prstDash val="solid"/>
+                      <a:round/>
+                      <a:headEnd len="sm" w="sm" type="none"/>
+                      <a:tailEnd len="sm" w="sm" type="none"/>
+                    </a:lnT>
+                    <a:lnB cap="flat" cmpd="sng" w="38100">
+                      <a:solidFill>
+                        <a:schemeClr val="lt1"/>
+                      </a:solidFill>
+                      <a:prstDash val="solid"/>
+                      <a:round/>
+                      <a:headEnd len="sm" w="sm" type="none"/>
+                      <a:tailEnd len="sm" w="sm" type="none"/>
+                    </a:lnB>
+                    <a:solidFill>
+                      <a:schemeClr val="accent5"/>
+                    </a:solidFill>
+                  </a:tcPr>
+                </a:tc>
+                <a:tc>
+                  <a:txBody>
+                    <a:bodyPr/>
+                    <a:lstStyle/>
+                    <a:p>
+                      <a:pPr indent="0" lvl="0" marL="0" rtl="0" algn="ctr">
+                        <a:spcBef>
+                          <a:spcPts val="0"/>
+                        </a:spcBef>
+                        <a:spcAft>
+                          <a:spcPts val="0"/>
+                        </a:spcAft>
+                        <a:buNone/>
+                      </a:pPr>
+                      <a:r>
+                        <a:rPr b="1" lang="en">
+                          <a:solidFill>
+                            <a:schemeClr val="lt1"/>
+                          </a:solidFill>
+                        </a:rPr>
+                        <a:t>NYT</a:t>
+                      </a:r>
+                      <a:endParaRPr b="1">
+                        <a:solidFill>
+                          <a:schemeClr val="lt1"/>
+                        </a:solidFill>
+                      </a:endParaRPr>
+                    </a:p>
+                  </a:txBody>
+                  <a:tcPr marT="91425" marB="91425" marR="91425" marL="91425" anchor="ctr">
+                    <a:lnL cap="flat" cmpd="sng" w="38100">
+                      <a:solidFill>
+                        <a:schemeClr val="lt1"/>
+                      </a:solidFill>
+                      <a:prstDash val="solid"/>
+                      <a:round/>
+                      <a:headEnd len="sm" w="sm" type="none"/>
+                      <a:tailEnd len="sm" w="sm" type="none"/>
+                    </a:lnL>
+                    <a:lnR cap="flat" cmpd="sng" w="38100">
+                      <a:solidFill>
+                        <a:schemeClr val="lt1"/>
+                      </a:solidFill>
+                      <a:prstDash val="solid"/>
+                      <a:round/>
+                      <a:headEnd len="sm" w="sm" type="none"/>
+                      <a:tailEnd len="sm" w="sm" type="none"/>
+                    </a:lnR>
+                    <a:lnT cap="flat" cmpd="sng" w="38100">
+                      <a:solidFill>
+                        <a:schemeClr val="lt1"/>
+                      </a:solidFill>
+                      <a:prstDash val="solid"/>
+                      <a:round/>
+                      <a:headEnd len="sm" w="sm" type="none"/>
+                      <a:tailEnd len="sm" w="sm" type="none"/>
+                    </a:lnT>
+                    <a:lnB cap="flat" cmpd="sng" w="38100">
+                      <a:solidFill>
+                        <a:schemeClr val="lt1"/>
+                      </a:solidFill>
+                      <a:prstDash val="solid"/>
+                      <a:round/>
+                      <a:headEnd len="sm" w="sm" type="none"/>
+                      <a:tailEnd len="sm" w="sm" type="none"/>
+                    </a:lnB>
+                    <a:solidFill>
+                      <a:schemeClr val="accent3"/>
+                    </a:solidFill>
+                  </a:tcPr>
+                </a:tc>
+                <a:tc>
+                  <a:txBody>
+                    <a:bodyPr/>
+                    <a:lstStyle/>
+                    <a:p>
+                      <a:pPr indent="0" lvl="0" marL="0" rtl="0" algn="ctr">
+                        <a:spcBef>
+                          <a:spcPts val="0"/>
+                        </a:spcBef>
+                        <a:spcAft>
+                          <a:spcPts val="0"/>
+                        </a:spcAft>
+                        <a:buNone/>
+                      </a:pPr>
+                      <a:r>
+                        <a:t/>
+                      </a:r>
+                      <a:endParaRPr b="1">
+                        <a:solidFill>
+                          <a:schemeClr val="lt1"/>
+                        </a:solidFill>
+                      </a:endParaRPr>
+                    </a:p>
+                  </a:txBody>
+                  <a:tcPr marT="91425" marB="91425" marR="91425" marL="91425" anchor="ctr">
+                    <a:lnL cap="flat" cmpd="sng" w="38100">
+                      <a:solidFill>
+                        <a:schemeClr val="lt1"/>
+                      </a:solidFill>
+                      <a:prstDash val="solid"/>
+                      <a:round/>
+                      <a:headEnd len="sm" w="sm" type="none"/>
+                      <a:tailEnd len="sm" w="sm" type="none"/>
+                    </a:lnL>
+                    <a:lnR cap="flat" cmpd="sng" w="38100">
+                      <a:solidFill>
+                        <a:schemeClr val="lt1"/>
+                      </a:solidFill>
+                      <a:prstDash val="solid"/>
+                      <a:round/>
+                      <a:headEnd len="sm" w="sm" type="none"/>
+                      <a:tailEnd len="sm" w="sm" type="none"/>
+                    </a:lnR>
+                    <a:lnT cap="flat" cmpd="sng" w="38100">
+                      <a:solidFill>
+                        <a:schemeClr val="lt1"/>
+                      </a:solidFill>
+                      <a:prstDash val="solid"/>
+                      <a:round/>
+                      <a:headEnd len="sm" w="sm" type="none"/>
+                      <a:tailEnd len="sm" w="sm" type="none"/>
+                    </a:lnT>
+                    <a:lnB cap="flat" cmpd="sng" w="38100">
+                      <a:solidFill>
+                        <a:schemeClr val="lt1"/>
+                      </a:solidFill>
+                      <a:prstDash val="solid"/>
+                      <a:round/>
+                      <a:headEnd len="sm" w="sm" type="none"/>
+                      <a:tailEnd len="sm" w="sm" type="none"/>
+                    </a:lnB>
+                    <a:solidFill>
+                      <a:schemeClr val="accent1"/>
+                    </a:solidFill>
+                  </a:tcPr>
+                </a:tc>
+                <a:tc>
+                  <a:txBody>
+                    <a:bodyPr/>
+                    <a:lstStyle/>
+                    <a:p>
+                      <a:pPr indent="0" lvl="0" marL="0" rtl="0" algn="ctr">
+                        <a:spcBef>
+                          <a:spcPts val="0"/>
+                        </a:spcBef>
+                        <a:spcAft>
+                          <a:spcPts val="0"/>
+                        </a:spcAft>
+                        <a:buNone/>
+                      </a:pPr>
+                      <a:r>
+                        <a:rPr b="1" lang="en">
+                          <a:solidFill>
+                            <a:schemeClr val="lt1"/>
+                          </a:solidFill>
+                        </a:rPr>
+                        <a:t>AMOS</a:t>
+                      </a:r>
+                      <a:endParaRPr b="1">
+                        <a:solidFill>
+                          <a:schemeClr val="lt1"/>
+                        </a:solidFill>
+                      </a:endParaRPr>
+                    </a:p>
+                  </a:txBody>
+                  <a:tcPr marT="91425" marB="91425" marR="91425" marL="91425" anchor="ctr">
+                    <a:lnL cap="flat" cmpd="sng" w="38100">
+                      <a:solidFill>
+                        <a:schemeClr val="lt1"/>
+                      </a:solidFill>
+                      <a:prstDash val="solid"/>
+                      <a:round/>
+                      <a:headEnd len="sm" w="sm" type="none"/>
+                      <a:tailEnd len="sm" w="sm" type="none"/>
+                    </a:lnL>
+                    <a:lnR cap="flat" cmpd="sng" w="38100">
+                      <a:solidFill>
+                        <a:schemeClr val="lt1"/>
+                      </a:solidFill>
+                      <a:prstDash val="solid"/>
+                      <a:round/>
+                      <a:headEnd len="sm" w="sm" type="none"/>
+                      <a:tailEnd len="sm" w="sm" type="none"/>
+                    </a:lnR>
+                    <a:lnT cap="flat" cmpd="sng" w="38100">
+                      <a:solidFill>
+                        <a:schemeClr val="lt1"/>
+                      </a:solidFill>
+                      <a:prstDash val="solid"/>
+                      <a:round/>
+                      <a:headEnd len="sm" w="sm" type="none"/>
+                      <a:tailEnd len="sm" w="sm" type="none"/>
+                    </a:lnT>
+                    <a:lnB cap="flat" cmpd="sng" w="38100">
+                      <a:solidFill>
+                        <a:schemeClr val="lt1"/>
+                      </a:solidFill>
+                      <a:prstDash val="solid"/>
+                      <a:round/>
+                      <a:headEnd len="sm" w="sm" type="none"/>
+                      <a:tailEnd len="sm" w="sm" type="none"/>
+                    </a:lnB>
+                    <a:solidFill>
+                      <a:schemeClr val="accent6"/>
+                    </a:solidFill>
+                  </a:tcPr>
+                </a:tc>
+                <a:tc>
+                  <a:txBody>
+                    <a:bodyPr/>
+                    <a:lstStyle/>
+                    <a:p>
+                      <a:pPr indent="0" lvl="0" marL="0" rtl="0" algn="ctr">
+                        <a:spcBef>
+                          <a:spcPts val="0"/>
+                        </a:spcBef>
+                        <a:spcAft>
+                          <a:spcPts val="0"/>
+                        </a:spcAft>
+                        <a:buNone/>
+                      </a:pPr>
+                      <a:r>
+                        <a:rPr b="1" lang="en">
+                          <a:solidFill>
+                            <a:schemeClr val="lt1"/>
+                          </a:solidFill>
+                        </a:rPr>
+                        <a:t>AMOS</a:t>
+                      </a:r>
+                      <a:endParaRPr b="1">
+                        <a:solidFill>
+                          <a:schemeClr val="lt1"/>
+                        </a:solidFill>
+                      </a:endParaRPr>
+                    </a:p>
+                  </a:txBody>
+                  <a:tcPr marT="91425" marB="91425" marR="91425" marL="91425" anchor="ctr">
+                    <a:lnL cap="flat" cmpd="sng" w="38100">
+                      <a:solidFill>
+                        <a:schemeClr val="lt1"/>
+                      </a:solidFill>
+                      <a:prstDash val="solid"/>
+                      <a:round/>
+                      <a:headEnd len="sm" w="sm" type="none"/>
+                      <a:tailEnd len="sm" w="sm" type="none"/>
+                    </a:lnL>
+                    <a:lnR cap="flat" cmpd="sng" w="38100">
+                      <a:solidFill>
+                        <a:schemeClr val="lt1"/>
+                      </a:solidFill>
+                      <a:prstDash val="solid"/>
+                      <a:round/>
+                      <a:headEnd len="sm" w="sm" type="none"/>
+                      <a:tailEnd len="sm" w="sm" type="none"/>
+                    </a:lnR>
+                    <a:lnT cap="flat" cmpd="sng" w="38100">
+                      <a:solidFill>
+                        <a:schemeClr val="lt1"/>
+                      </a:solidFill>
+                      <a:prstDash val="solid"/>
+                      <a:round/>
+                      <a:headEnd len="sm" w="sm" type="none"/>
+                      <a:tailEnd len="sm" w="sm" type="none"/>
+                    </a:lnT>
+                    <a:lnB cap="flat" cmpd="sng" w="38100">
+                      <a:solidFill>
+                        <a:schemeClr val="lt1"/>
+                      </a:solidFill>
+                      <a:prstDash val="solid"/>
+                      <a:round/>
+                      <a:headEnd len="sm" w="sm" type="none"/>
+                      <a:tailEnd len="sm" w="sm" type="none"/>
+                    </a:lnB>
+                    <a:solidFill>
+                      <a:schemeClr val="accent6"/>
+                    </a:solidFill>
+                  </a:tcPr>
+                </a:tc>
+                <a:tc rowSpan="5">
+                  <a:txBody>
+                    <a:bodyPr/>
+                    <a:lstStyle/>
+                    <a:p>
+                      <a:pPr indent="0" lvl="0" marL="0" rtl="0" algn="ctr">
+                        <a:spcBef>
+                          <a:spcPts val="0"/>
+                        </a:spcBef>
+                        <a:spcAft>
+                          <a:spcPts val="0"/>
+                        </a:spcAft>
+                        <a:buNone/>
+                      </a:pPr>
+                      <a:r>
+                        <a:rPr b="1" lang="en">
+                          <a:solidFill>
+                            <a:schemeClr val="lt1"/>
+                          </a:solidFill>
+                        </a:rPr>
+                        <a:t>MATH</a:t>
+                      </a:r>
+                      <a:endParaRPr b="1">
+                        <a:solidFill>
+                          <a:schemeClr val="lt1"/>
+                        </a:solidFill>
+                      </a:endParaRPr>
+                    </a:p>
+                  </a:txBody>
+                  <a:tcPr marT="91425" marB="91425" marR="91425" marL="91425" anchor="ctr">
+                    <a:lnL cap="flat" cmpd="sng" w="38100">
+                      <a:solidFill>
+                        <a:schemeClr val="lt1"/>
+                      </a:solidFill>
+                      <a:prstDash val="solid"/>
+                      <a:round/>
+                      <a:headEnd len="sm" w="sm" type="none"/>
+                      <a:tailEnd len="sm" w="sm" type="none"/>
+                    </a:lnL>
+                    <a:lnR cap="flat" cmpd="sng" w="38100">
+                      <a:solidFill>
+                        <a:schemeClr val="lt1"/>
+                      </a:solidFill>
+                      <a:prstDash val="solid"/>
+                      <a:round/>
+                      <a:headEnd len="sm" w="sm" type="none"/>
+                      <a:tailEnd len="sm" w="sm" type="none"/>
+                    </a:lnR>
+                    <a:lnT cap="flat" cmpd="sng" w="38100">
+                      <a:solidFill>
+                        <a:schemeClr val="lt1"/>
+                      </a:solidFill>
+                      <a:prstDash val="solid"/>
+                      <a:round/>
+                      <a:headEnd len="sm" w="sm" type="none"/>
+                      <a:tailEnd len="sm" w="sm" type="none"/>
+                    </a:lnT>
+                    <a:lnB cap="flat" cmpd="sng" w="38100">
+                      <a:solidFill>
+                        <a:schemeClr val="lt1"/>
+                      </a:solidFill>
+                      <a:prstDash val="solid"/>
+                      <a:round/>
+                      <a:headEnd len="sm" w="sm" type="none"/>
+                      <a:tailEnd len="sm" w="sm" type="none"/>
+                    </a:lnB>
+                    <a:solidFill>
+                      <a:schemeClr val="dk2"/>
+                    </a:solidFill>
+                  </a:tcPr>
+                </a:tc>
+              </a:tr>
+              <a:tr h="457200">
+                <a:tc>
+                  <a:txBody>
+                    <a:bodyPr/>
+                    <a:lstStyle/>
+                    <a:p>
+                      <a:pPr indent="0" lvl="0" marL="0" rtl="0" algn="ctr">
+                        <a:spcBef>
+                          <a:spcPts val="0"/>
+                        </a:spcBef>
+                        <a:spcAft>
+                          <a:spcPts val="0"/>
+                        </a:spcAft>
+                        <a:buNone/>
+                      </a:pPr>
+                      <a:r>
+                        <a:t/>
+                      </a:r>
+                      <a:endParaRPr b="1">
+                        <a:solidFill>
+                          <a:schemeClr val="lt1"/>
+                        </a:solidFill>
+                      </a:endParaRPr>
+                    </a:p>
+                  </a:txBody>
+                  <a:tcPr marT="91425" marB="91425" marR="91425" marL="91425" anchor="ctr">
+                    <a:lnL cap="flat" cmpd="sng" w="38100">
+                      <a:solidFill>
+                        <a:schemeClr val="lt1"/>
+                      </a:solidFill>
+                      <a:prstDash val="solid"/>
+                      <a:round/>
+                      <a:headEnd len="sm" w="sm" type="none"/>
+                      <a:tailEnd len="sm" w="sm" type="none"/>
+                    </a:lnL>
+                    <a:lnR cap="flat" cmpd="sng" w="38100">
+                      <a:solidFill>
+                        <a:schemeClr val="lt1"/>
+                      </a:solidFill>
+                      <a:prstDash val="solid"/>
+                      <a:round/>
+                      <a:headEnd len="sm" w="sm" type="none"/>
+                      <a:tailEnd len="sm" w="sm" type="none"/>
+                    </a:lnR>
+                    <a:lnT cap="flat" cmpd="sng" w="38100">
+                      <a:solidFill>
+                        <a:schemeClr val="lt1"/>
+                      </a:solidFill>
+                      <a:prstDash val="solid"/>
+                      <a:round/>
+                      <a:headEnd len="sm" w="sm" type="none"/>
+                      <a:tailEnd len="sm" w="sm" type="none"/>
+                    </a:lnT>
+                    <a:lnB cap="flat" cmpd="sng" w="38100">
+                      <a:solidFill>
+                        <a:schemeClr val="lt1"/>
+                      </a:solidFill>
+                      <a:prstDash val="solid"/>
+                      <a:round/>
+                      <a:headEnd len="sm" w="sm" type="none"/>
+                      <a:tailEnd len="sm" w="sm" type="none"/>
+                    </a:lnB>
+                    <a:solidFill>
+                      <a:schemeClr val="lt1"/>
+                    </a:solidFill>
+                  </a:tcPr>
+                </a:tc>
+                <a:tc>
+                  <a:txBody>
+                    <a:bodyPr/>
+                    <a:lstStyle/>
+                    <a:p>
+                      <a:pPr indent="0" lvl="0" marL="0" rtl="0" algn="ctr">
+                        <a:spcBef>
+                          <a:spcPts val="0"/>
+                        </a:spcBef>
+                        <a:spcAft>
+                          <a:spcPts val="0"/>
+                        </a:spcAft>
+                        <a:buNone/>
+                      </a:pPr>
+                      <a:r>
+                        <a:t/>
+                      </a:r>
+                      <a:endParaRPr b="1">
+                        <a:solidFill>
+                          <a:schemeClr val="lt1"/>
+                        </a:solidFill>
+                      </a:endParaRPr>
+                    </a:p>
+                  </a:txBody>
+                  <a:tcPr marT="91425" marB="91425" marR="91425" marL="91425" anchor="ctr">
+                    <a:lnL cap="flat" cmpd="sng" w="38100">
+                      <a:solidFill>
+                        <a:schemeClr val="lt1"/>
+                      </a:solidFill>
+                      <a:prstDash val="solid"/>
+                      <a:round/>
+                      <a:headEnd len="sm" w="sm" type="none"/>
+                      <a:tailEnd len="sm" w="sm" type="none"/>
+                    </a:lnL>
+                    <a:lnR cap="flat" cmpd="sng" w="38100">
+                      <a:solidFill>
+                        <a:schemeClr val="lt1"/>
+                      </a:solidFill>
+                      <a:prstDash val="solid"/>
+                      <a:round/>
+                      <a:headEnd len="sm" w="sm" type="none"/>
+                      <a:tailEnd len="sm" w="sm" type="none"/>
+                    </a:lnR>
+                    <a:lnT cap="flat" cmpd="sng" w="38100">
+                      <a:solidFill>
+                        <a:schemeClr val="lt1"/>
+                      </a:solidFill>
+                      <a:prstDash val="solid"/>
+                      <a:round/>
+                      <a:headEnd len="sm" w="sm" type="none"/>
+                      <a:tailEnd len="sm" w="sm" type="none"/>
+                    </a:lnT>
+                    <a:lnB cap="flat" cmpd="sng" w="38100">
+                      <a:solidFill>
+                        <a:schemeClr val="lt1"/>
+                      </a:solidFill>
+                      <a:prstDash val="solid"/>
+                      <a:round/>
+                      <a:headEnd len="sm" w="sm" type="none"/>
+                      <a:tailEnd len="sm" w="sm" type="none"/>
+                    </a:lnB>
+                    <a:solidFill>
+                      <a:schemeClr val="lt1"/>
+                    </a:solidFill>
+                  </a:tcPr>
+                </a:tc>
+                <a:tc>
+                  <a:txBody>
+                    <a:bodyPr/>
+                    <a:lstStyle/>
+                    <a:p>
+                      <a:pPr indent="0" lvl="0" marL="0" rtl="0" algn="ctr">
+                        <a:spcBef>
+                          <a:spcPts val="0"/>
+                        </a:spcBef>
+                        <a:spcAft>
+                          <a:spcPts val="0"/>
+                        </a:spcAft>
+                        <a:buNone/>
+                      </a:pPr>
+                      <a:r>
+                        <a:t/>
+                      </a:r>
+                      <a:endParaRPr b="1">
+                        <a:solidFill>
+                          <a:schemeClr val="lt1"/>
+                        </a:solidFill>
+                      </a:endParaRPr>
+                    </a:p>
+                  </a:txBody>
+                  <a:tcPr marT="91425" marB="91425" marR="91425" marL="91425" anchor="ctr">
+                    <a:lnL cap="flat" cmpd="sng" w="38100">
+                      <a:solidFill>
+                        <a:schemeClr val="lt1"/>
+                      </a:solidFill>
+                      <a:prstDash val="solid"/>
+                      <a:round/>
+                      <a:headEnd len="sm" w="sm" type="none"/>
+                      <a:tailEnd len="sm" w="sm" type="none"/>
+                    </a:lnL>
+                    <a:lnR cap="flat" cmpd="sng" w="38100">
+                      <a:solidFill>
+                        <a:schemeClr val="lt1"/>
+                      </a:solidFill>
+                      <a:prstDash val="solid"/>
+                      <a:round/>
+                      <a:headEnd len="sm" w="sm" type="none"/>
+                      <a:tailEnd len="sm" w="sm" type="none"/>
+                    </a:lnR>
+                    <a:lnT cap="flat" cmpd="sng" w="38100">
+                      <a:solidFill>
+                        <a:schemeClr val="lt1"/>
+                      </a:solidFill>
+                      <a:prstDash val="solid"/>
+                      <a:round/>
+                      <a:headEnd len="sm" w="sm" type="none"/>
+                      <a:tailEnd len="sm" w="sm" type="none"/>
+                    </a:lnT>
+                    <a:lnB cap="flat" cmpd="sng" w="38100">
+                      <a:solidFill>
+                        <a:schemeClr val="lt1"/>
+                      </a:solidFill>
+                      <a:prstDash val="solid"/>
+                      <a:round/>
+                      <a:headEnd len="sm" w="sm" type="none"/>
+                      <a:tailEnd len="sm" w="sm" type="none"/>
+                    </a:lnB>
+                    <a:solidFill>
+                      <a:schemeClr val="lt1"/>
+                    </a:solidFill>
+                  </a:tcPr>
+                </a:tc>
+                <a:tc>
+                  <a:txBody>
+                    <a:bodyPr/>
+                    <a:lstStyle/>
+                    <a:p>
+                      <a:pPr indent="0" lvl="0" marL="0" rtl="0" algn="ctr">
+                        <a:spcBef>
+                          <a:spcPts val="0"/>
+                        </a:spcBef>
+                        <a:spcAft>
+                          <a:spcPts val="0"/>
+                        </a:spcAft>
+                        <a:buNone/>
+                      </a:pPr>
+                      <a:r>
+                        <a:t/>
+                      </a:r>
+                      <a:endParaRPr b="1">
+                        <a:solidFill>
+                          <a:schemeClr val="lt1"/>
+                        </a:solidFill>
+                      </a:endParaRPr>
+                    </a:p>
+                  </a:txBody>
+                  <a:tcPr marT="91425" marB="91425" marR="91425" marL="91425" anchor="ctr">
+                    <a:lnL cap="flat" cmpd="sng" w="38100">
+                      <a:solidFill>
+                        <a:schemeClr val="lt1"/>
+                      </a:solidFill>
+                      <a:prstDash val="solid"/>
+                      <a:round/>
+                      <a:headEnd len="sm" w="sm" type="none"/>
+                      <a:tailEnd len="sm" w="sm" type="none"/>
+                    </a:lnL>
+                    <a:lnR cap="flat" cmpd="sng" w="38100">
+                      <a:solidFill>
+                        <a:schemeClr val="lt1"/>
+                      </a:solidFill>
+                      <a:prstDash val="solid"/>
+                      <a:round/>
+                      <a:headEnd len="sm" w="sm" type="none"/>
+                      <a:tailEnd len="sm" w="sm" type="none"/>
+                    </a:lnR>
+                    <a:lnT cap="flat" cmpd="sng" w="38100">
+                      <a:solidFill>
+                        <a:schemeClr val="lt1"/>
+                      </a:solidFill>
+                      <a:prstDash val="solid"/>
+                      <a:round/>
+                      <a:headEnd len="sm" w="sm" type="none"/>
+                      <a:tailEnd len="sm" w="sm" type="none"/>
+                    </a:lnT>
+                    <a:lnB cap="flat" cmpd="sng" w="38100">
+                      <a:solidFill>
+                        <a:schemeClr val="lt1"/>
+                      </a:solidFill>
+                      <a:prstDash val="solid"/>
+                      <a:round/>
+                      <a:headEnd len="sm" w="sm" type="none"/>
+                      <a:tailEnd len="sm" w="sm" type="none"/>
+                    </a:lnB>
+                    <a:solidFill>
+                      <a:schemeClr val="lt1"/>
+                    </a:solidFill>
+                  </a:tcPr>
+                </a:tc>
+                <a:tc>
+                  <a:txBody>
+                    <a:bodyPr/>
+                    <a:lstStyle/>
+                    <a:p>
+                      <a:pPr indent="0" lvl="0" marL="0" rtl="0" algn="ctr">
+                        <a:spcBef>
+                          <a:spcPts val="0"/>
+                        </a:spcBef>
+                        <a:spcAft>
+                          <a:spcPts val="0"/>
+                        </a:spcAft>
+                        <a:buNone/>
+                      </a:pPr>
+                      <a:r>
+                        <a:rPr b="1" lang="en">
+                          <a:solidFill>
+                            <a:schemeClr val="lt1"/>
+                          </a:solidFill>
+                        </a:rPr>
+                        <a:t>FOSS</a:t>
+                      </a:r>
+                      <a:endParaRPr b="1">
+                        <a:solidFill>
+                          <a:schemeClr val="lt1"/>
+                        </a:solidFill>
+                      </a:endParaRPr>
+                    </a:p>
+                  </a:txBody>
+                  <a:tcPr marT="91425" marB="91425" marR="91425" marL="91425" anchor="ctr">
+                    <a:lnL cap="flat" cmpd="sng" w="38100">
+                      <a:solidFill>
+                        <a:schemeClr val="lt1"/>
+                      </a:solidFill>
+                      <a:prstDash val="solid"/>
+                      <a:round/>
+                      <a:headEnd len="sm" w="sm" type="none"/>
+                      <a:tailEnd len="sm" w="sm" type="none"/>
+                    </a:lnL>
+                    <a:lnR cap="flat" cmpd="sng" w="38100">
+                      <a:solidFill>
+                        <a:schemeClr val="lt1"/>
+                      </a:solidFill>
+                      <a:prstDash val="solid"/>
+                      <a:round/>
+                      <a:headEnd len="sm" w="sm" type="none"/>
+                      <a:tailEnd len="sm" w="sm" type="none"/>
+                    </a:lnR>
+                    <a:lnT cap="flat" cmpd="sng" w="38100">
+                      <a:solidFill>
+                        <a:schemeClr val="lt1"/>
+                      </a:solidFill>
+                      <a:prstDash val="solid"/>
+                      <a:round/>
+                      <a:headEnd len="sm" w="sm" type="none"/>
+                      <a:tailEnd len="sm" w="sm" type="none"/>
+                    </a:lnT>
+                    <a:lnB cap="flat" cmpd="sng" w="38100">
+                      <a:solidFill>
+                        <a:schemeClr val="lt1"/>
+                      </a:solidFill>
+                      <a:prstDash val="solid"/>
+                      <a:round/>
+                      <a:headEnd len="sm" w="sm" type="none"/>
+                      <a:tailEnd len="sm" w="sm" type="none"/>
+                    </a:lnB>
+                    <a:solidFill>
+                      <a:schemeClr val="accent2"/>
+                    </a:solidFill>
+                  </a:tcPr>
+                </a:tc>
+                <a:tc>
+                  <a:txBody>
+                    <a:bodyPr/>
+                    <a:lstStyle/>
+                    <a:p>
+                      <a:pPr indent="0" lvl="0" marL="0" rtl="0" algn="ctr">
+                        <a:spcBef>
+                          <a:spcPts val="0"/>
+                        </a:spcBef>
+                        <a:spcAft>
+                          <a:spcPts val="0"/>
+                        </a:spcAft>
+                        <a:buNone/>
+                      </a:pPr>
+                      <a:r>
+                        <a:rPr b="1" lang="en">
+                          <a:solidFill>
+                            <a:schemeClr val="lt1"/>
+                          </a:solidFill>
+                        </a:rPr>
+                        <a:t>FOSS</a:t>
+                      </a:r>
+                      <a:endParaRPr b="1">
+                        <a:solidFill>
+                          <a:schemeClr val="lt1"/>
+                        </a:solidFill>
+                      </a:endParaRPr>
+                    </a:p>
+                  </a:txBody>
+                  <a:tcPr marT="91425" marB="91425" marR="91425" marL="91425" anchor="ctr">
+                    <a:lnL cap="flat" cmpd="sng" w="38100">
+                      <a:solidFill>
+                        <a:schemeClr val="lt1"/>
+                      </a:solidFill>
+                      <a:prstDash val="solid"/>
+                      <a:round/>
+                      <a:headEnd len="sm" w="sm" type="none"/>
+                      <a:tailEnd len="sm" w="sm" type="none"/>
+                    </a:lnL>
+                    <a:lnR cap="flat" cmpd="sng" w="38100">
+                      <a:solidFill>
+                        <a:schemeClr val="lt1"/>
+                      </a:solidFill>
+                      <a:prstDash val="solid"/>
+                      <a:round/>
+                      <a:headEnd len="sm" w="sm" type="none"/>
+                      <a:tailEnd len="sm" w="sm" type="none"/>
+                    </a:lnR>
+                    <a:lnT cap="flat" cmpd="sng" w="38100">
+                      <a:solidFill>
+                        <a:schemeClr val="lt1"/>
+                      </a:solidFill>
+                      <a:prstDash val="solid"/>
+                      <a:round/>
+                      <a:headEnd len="sm" w="sm" type="none"/>
+                      <a:tailEnd len="sm" w="sm" type="none"/>
+                    </a:lnT>
+                    <a:lnB cap="flat" cmpd="sng" w="38100">
+                      <a:solidFill>
+                        <a:schemeClr val="lt1"/>
+                      </a:solidFill>
+                      <a:prstDash val="solid"/>
+                      <a:round/>
+                      <a:headEnd len="sm" w="sm" type="none"/>
+                      <a:tailEnd len="sm" w="sm" type="none"/>
+                    </a:lnB>
+                    <a:solidFill>
+                      <a:schemeClr val="accent2"/>
+                    </a:solidFill>
+                  </a:tcPr>
+                </a:tc>
+                <a:tc>
+                  <a:txBody>
+                    <a:bodyPr/>
+                    <a:lstStyle/>
+                    <a:p>
+                      <a:pPr indent="0" lvl="0" marL="0" rtl="0" algn="ctr">
+                        <a:spcBef>
+                          <a:spcPts val="0"/>
+                        </a:spcBef>
+                        <a:spcAft>
+                          <a:spcPts val="0"/>
+                        </a:spcAft>
+                        <a:buNone/>
+                      </a:pPr>
+                      <a:r>
+                        <a:t/>
+                      </a:r>
+                      <a:endParaRPr b="1">
+                        <a:solidFill>
+                          <a:schemeClr val="lt1"/>
+                        </a:solidFill>
+                      </a:endParaRPr>
+                    </a:p>
+                  </a:txBody>
+                  <a:tcPr marT="91425" marB="91425" marR="91425" marL="91425" anchor="ctr">
+                    <a:lnL cap="flat" cmpd="sng" w="38100">
+                      <a:solidFill>
+                        <a:schemeClr val="lt1"/>
+                      </a:solidFill>
+                      <a:prstDash val="solid"/>
+                      <a:round/>
+                      <a:headEnd len="sm" w="sm" type="none"/>
+                      <a:tailEnd len="sm" w="sm" type="none"/>
+                    </a:lnL>
+                    <a:lnR cap="flat" cmpd="sng" w="38100">
+                      <a:solidFill>
+                        <a:schemeClr val="lt1"/>
+                      </a:solidFill>
+                      <a:prstDash val="solid"/>
+                      <a:round/>
+                      <a:headEnd len="sm" w="sm" type="none"/>
+                      <a:tailEnd len="sm" w="sm" type="none"/>
+                    </a:lnR>
+                    <a:lnT cap="flat" cmpd="sng" w="38100">
+                      <a:solidFill>
+                        <a:schemeClr val="lt1"/>
+                      </a:solidFill>
+                      <a:prstDash val="solid"/>
+                      <a:round/>
+                      <a:headEnd len="sm" w="sm" type="none"/>
+                      <a:tailEnd len="sm" w="sm" type="none"/>
+                    </a:lnT>
+                    <a:lnB cap="flat" cmpd="sng" w="38100">
+                      <a:solidFill>
+                        <a:schemeClr val="lt1"/>
+                      </a:solidFill>
+                      <a:prstDash val="solid"/>
+                      <a:round/>
+                      <a:headEnd len="sm" w="sm" type="none"/>
+                      <a:tailEnd len="sm" w="sm" type="none"/>
+                    </a:lnB>
+                    <a:solidFill>
+                      <a:schemeClr val="lt1"/>
+                    </a:solidFill>
+                  </a:tcPr>
+                </a:tc>
+                <a:tc>
+                  <a:txBody>
+                    <a:bodyPr/>
+                    <a:lstStyle/>
+                    <a:p>
+                      <a:pPr indent="0" lvl="0" marL="0" rtl="0" algn="ctr">
+                        <a:spcBef>
+                          <a:spcPts val="0"/>
+                        </a:spcBef>
+                        <a:spcAft>
+                          <a:spcPts val="0"/>
+                        </a:spcAft>
+                        <a:buNone/>
+                      </a:pPr>
+                      <a:r>
+                        <a:rPr b="1" lang="en">
+                          <a:solidFill>
+                            <a:schemeClr val="lt1"/>
+                          </a:solidFill>
+                        </a:rPr>
+                        <a:t>COACH</a:t>
+                      </a:r>
+                      <a:endParaRPr b="1">
+                        <a:solidFill>
+                          <a:schemeClr val="lt1"/>
+                        </a:solidFill>
+                      </a:endParaRPr>
+                    </a:p>
+                  </a:txBody>
+                  <a:tcPr marT="91425" marB="91425" marR="91425" marL="91425" anchor="ctr">
+                    <a:lnL cap="flat" cmpd="sng" w="38100">
+                      <a:solidFill>
+                        <a:schemeClr val="lt1"/>
+                      </a:solidFill>
+                      <a:prstDash val="solid"/>
+                      <a:round/>
+                      <a:headEnd len="sm" w="sm" type="none"/>
+                      <a:tailEnd len="sm" w="sm" type="none"/>
+                    </a:lnL>
+                    <a:lnR cap="flat" cmpd="sng" w="38100">
+                      <a:solidFill>
+                        <a:schemeClr val="lt1"/>
+                      </a:solidFill>
+                      <a:prstDash val="solid"/>
+                      <a:round/>
+                      <a:headEnd len="sm" w="sm" type="none"/>
+                      <a:tailEnd len="sm" w="sm" type="none"/>
+                    </a:lnR>
+                    <a:lnT cap="flat" cmpd="sng" w="38100">
+                      <a:solidFill>
+                        <a:schemeClr val="lt1"/>
+                      </a:solidFill>
+                      <a:prstDash val="solid"/>
+                      <a:round/>
+                      <a:headEnd len="sm" w="sm" type="none"/>
+                      <a:tailEnd len="sm" w="sm" type="none"/>
+                    </a:lnT>
+                    <a:lnB cap="flat" cmpd="sng" w="38100">
+                      <a:solidFill>
+                        <a:schemeClr val="lt1"/>
+                      </a:solidFill>
+                      <a:prstDash val="solid"/>
+                      <a:round/>
+                      <a:headEnd len="sm" w="sm" type="none"/>
+                      <a:tailEnd len="sm" w="sm" type="none"/>
+                    </a:lnB>
+                    <a:solidFill>
+                      <a:schemeClr val="accent4"/>
+                    </a:solidFill>
+                  </a:tcPr>
+                </a:tc>
+                <a:tc>
+                  <a:txBody>
+                    <a:bodyPr/>
+                    <a:lstStyle/>
+                    <a:p>
+                      <a:pPr indent="0" lvl="0" marL="0" rtl="0" algn="ctr">
+                        <a:spcBef>
+                          <a:spcPts val="0"/>
+                        </a:spcBef>
+                        <a:spcAft>
+                          <a:spcPts val="0"/>
+                        </a:spcAft>
+                        <a:buNone/>
+                      </a:pPr>
+                      <a:r>
+                        <a:rPr b="1" lang="en">
+                          <a:solidFill>
+                            <a:schemeClr val="lt1"/>
+                          </a:solidFill>
+                        </a:rPr>
+                        <a:t>COACH</a:t>
+                      </a:r>
+                      <a:endParaRPr b="1">
+                        <a:solidFill>
+                          <a:schemeClr val="lt1"/>
+                        </a:solidFill>
+                      </a:endParaRPr>
+                    </a:p>
+                  </a:txBody>
+                  <a:tcPr marT="91425" marB="91425" marR="91425" marL="91425" anchor="ctr">
+                    <a:lnL cap="flat" cmpd="sng" w="38100">
+                      <a:solidFill>
+                        <a:schemeClr val="lt1"/>
+                      </a:solidFill>
+                      <a:prstDash val="solid"/>
+                      <a:round/>
+                      <a:headEnd len="sm" w="sm" type="none"/>
+                      <a:tailEnd len="sm" w="sm" type="none"/>
+                    </a:lnL>
+                    <a:lnR cap="flat" cmpd="sng" w="38100">
+                      <a:solidFill>
+                        <a:schemeClr val="lt1"/>
+                      </a:solidFill>
+                      <a:prstDash val="solid"/>
+                      <a:round/>
+                      <a:headEnd len="sm" w="sm" type="none"/>
+                      <a:tailEnd len="sm" w="sm" type="none"/>
+                    </a:lnR>
+                    <a:lnT cap="flat" cmpd="sng" w="38100">
+                      <a:solidFill>
+                        <a:schemeClr val="lt1"/>
+                      </a:solidFill>
+                      <a:prstDash val="solid"/>
+                      <a:round/>
+                      <a:headEnd len="sm" w="sm" type="none"/>
+                      <a:tailEnd len="sm" w="sm" type="none"/>
+                    </a:lnT>
+                    <a:lnB cap="flat" cmpd="sng" w="38100">
+                      <a:solidFill>
+                        <a:schemeClr val="lt1"/>
+                      </a:solidFill>
+                      <a:prstDash val="solid"/>
+                      <a:round/>
+                      <a:headEnd len="sm" w="sm" type="none"/>
+                      <a:tailEnd len="sm" w="sm" type="none"/>
+                    </a:lnB>
+                    <a:solidFill>
+                      <a:schemeClr val="accent4"/>
+                    </a:solidFill>
+                  </a:tcPr>
+                </a:tc>
+                <a:tc vMerge="1"/>
+              </a:tr>
+              <a:tr h="457200">
+                <a:tc>
+                  <a:txBody>
+                    <a:bodyPr/>
+                    <a:lstStyle/>
+                    <a:p>
+                      <a:pPr indent="0" lvl="0" marL="0" rtl="0" algn="ctr">
+                        <a:spcBef>
+                          <a:spcPts val="0"/>
+                        </a:spcBef>
+                        <a:spcAft>
+                          <a:spcPts val="0"/>
+                        </a:spcAft>
+                        <a:buNone/>
+                      </a:pPr>
+                      <a:r>
+                        <a:t/>
+                      </a:r>
+                      <a:endParaRPr/>
+                    </a:p>
+                  </a:txBody>
+                  <a:tcPr marT="91425" marB="91425" marR="91425" marL="91425" anchor="ctr">
+                    <a:lnL cap="flat" cmpd="sng" w="38100">
+                      <a:solidFill>
+                        <a:schemeClr val="lt1"/>
+                      </a:solidFill>
+                      <a:prstDash val="solid"/>
+                      <a:round/>
+                      <a:headEnd len="sm" w="sm" type="none"/>
+                      <a:tailEnd len="sm" w="sm" type="none"/>
+                    </a:lnL>
+                    <a:lnR cap="flat" cmpd="sng" w="38100">
+                      <a:solidFill>
+                        <a:schemeClr val="lt1"/>
+                      </a:solidFill>
+                      <a:prstDash val="solid"/>
+                      <a:round/>
+                      <a:headEnd len="sm" w="sm" type="none"/>
+                      <a:tailEnd len="sm" w="sm" type="none"/>
+                    </a:lnR>
+                    <a:lnT cap="flat" cmpd="sng" w="38100">
+                      <a:solidFill>
+                        <a:schemeClr val="lt1"/>
+                      </a:solidFill>
+                      <a:prstDash val="solid"/>
+                      <a:round/>
+                      <a:headEnd len="sm" w="sm" type="none"/>
+                      <a:tailEnd len="sm" w="sm" type="none"/>
+                    </a:lnT>
+                    <a:lnB cap="flat" cmpd="sng" w="38100">
+                      <a:solidFill>
+                        <a:schemeClr val="lt1"/>
+                      </a:solidFill>
+                      <a:prstDash val="solid"/>
+                      <a:round/>
+                      <a:headEnd len="sm" w="sm" type="none"/>
+                      <a:tailEnd len="sm" w="sm" type="none"/>
+                    </a:lnB>
+                    <a:solidFill>
+                      <a:schemeClr val="accent1"/>
+                    </a:solidFill>
+                  </a:tcPr>
+                </a:tc>
+                <a:tc>
+                  <a:txBody>
+                    <a:bodyPr/>
+                    <a:lstStyle/>
+                    <a:p>
+                      <a:pPr indent="0" lvl="0" marL="0" rtl="0" algn="ctr">
+                        <a:spcBef>
+                          <a:spcPts val="0"/>
+                        </a:spcBef>
+                        <a:spcAft>
+                          <a:spcPts val="0"/>
+                        </a:spcAft>
+                        <a:buNone/>
+                      </a:pPr>
+                      <a:r>
+                        <a:t/>
+                      </a:r>
+                      <a:endParaRPr/>
+                    </a:p>
+                  </a:txBody>
+                  <a:tcPr marT="91425" marB="91425" marR="91425" marL="91425" anchor="ctr">
+                    <a:lnL cap="flat" cmpd="sng" w="38100">
+                      <a:solidFill>
+                        <a:schemeClr val="lt1"/>
+                      </a:solidFill>
+                      <a:prstDash val="solid"/>
+                      <a:round/>
+                      <a:headEnd len="sm" w="sm" type="none"/>
+                      <a:tailEnd len="sm" w="sm" type="none"/>
+                    </a:lnL>
+                    <a:lnR cap="flat" cmpd="sng" w="38100">
+                      <a:solidFill>
+                        <a:schemeClr val="lt1"/>
+                      </a:solidFill>
+                      <a:prstDash val="solid"/>
+                      <a:round/>
+                      <a:headEnd len="sm" w="sm" type="none"/>
+                      <a:tailEnd len="sm" w="sm" type="none"/>
+                    </a:lnR>
+                    <a:lnT cap="flat" cmpd="sng" w="38100">
+                      <a:solidFill>
+                        <a:schemeClr val="lt1"/>
+                      </a:solidFill>
+                      <a:prstDash val="solid"/>
+                      <a:round/>
+                      <a:headEnd len="sm" w="sm" type="none"/>
+                      <a:tailEnd len="sm" w="sm" type="none"/>
+                    </a:lnT>
+                    <a:lnB cap="flat" cmpd="sng" w="38100">
+                      <a:solidFill>
+                        <a:schemeClr val="lt1"/>
+                      </a:solidFill>
+                      <a:prstDash val="solid"/>
+                      <a:round/>
+                      <a:headEnd len="sm" w="sm" type="none"/>
+                      <a:tailEnd len="sm" w="sm" type="none"/>
+                    </a:lnB>
+                    <a:solidFill>
+                      <a:schemeClr val="accent1"/>
+                    </a:solidFill>
+                  </a:tcPr>
+                </a:tc>
+                <a:tc>
+                  <a:txBody>
+                    <a:bodyPr/>
+                    <a:lstStyle/>
+                    <a:p>
+                      <a:pPr indent="0" lvl="0" marL="0" rtl="0" algn="ctr">
+                        <a:spcBef>
+                          <a:spcPts val="0"/>
+                        </a:spcBef>
+                        <a:spcAft>
+                          <a:spcPts val="0"/>
+                        </a:spcAft>
+                        <a:buNone/>
+                      </a:pPr>
+                      <a:r>
+                        <a:t/>
+                      </a:r>
+                      <a:endParaRPr/>
+                    </a:p>
+                  </a:txBody>
+                  <a:tcPr marT="91425" marB="91425" marR="91425" marL="91425" anchor="ctr">
+                    <a:lnL cap="flat" cmpd="sng" w="38100">
+                      <a:solidFill>
+                        <a:schemeClr val="lt1"/>
+                      </a:solidFill>
+                      <a:prstDash val="solid"/>
+                      <a:round/>
+                      <a:headEnd len="sm" w="sm" type="none"/>
+                      <a:tailEnd len="sm" w="sm" type="none"/>
+                    </a:lnL>
+                    <a:lnR cap="flat" cmpd="sng" w="38100">
+                      <a:solidFill>
+                        <a:schemeClr val="lt1"/>
+                      </a:solidFill>
+                      <a:prstDash val="solid"/>
+                      <a:round/>
+                      <a:headEnd len="sm" w="sm" type="none"/>
+                      <a:tailEnd len="sm" w="sm" type="none"/>
+                    </a:lnR>
+                    <a:lnT cap="flat" cmpd="sng" w="38100">
+                      <a:solidFill>
+                        <a:schemeClr val="lt1"/>
+                      </a:solidFill>
+                      <a:prstDash val="solid"/>
+                      <a:round/>
+                      <a:headEnd len="sm" w="sm" type="none"/>
+                      <a:tailEnd len="sm" w="sm" type="none"/>
+                    </a:lnT>
+                    <a:lnB cap="flat" cmpd="sng" w="38100">
+                      <a:solidFill>
+                        <a:schemeClr val="lt1"/>
+                      </a:solidFill>
+                      <a:prstDash val="solid"/>
+                      <a:round/>
+                      <a:headEnd len="sm" w="sm" type="none"/>
+                      <a:tailEnd len="sm" w="sm" type="none"/>
+                    </a:lnB>
+                    <a:solidFill>
+                      <a:schemeClr val="accent1"/>
+                    </a:solidFill>
+                  </a:tcPr>
+                </a:tc>
+                <a:tc>
+                  <a:txBody>
+                    <a:bodyPr/>
+                    <a:lstStyle/>
+                    <a:p>
+                      <a:pPr indent="0" lvl="0" marL="0" rtl="0" algn="ctr">
+                        <a:spcBef>
+                          <a:spcPts val="0"/>
+                        </a:spcBef>
+                        <a:spcAft>
+                          <a:spcPts val="0"/>
+                        </a:spcAft>
+                        <a:buNone/>
+                      </a:pPr>
+                      <a:r>
+                        <a:t/>
+                      </a:r>
+                      <a:endParaRPr/>
+                    </a:p>
+                  </a:txBody>
+                  <a:tcPr marT="91425" marB="91425" marR="91425" marL="91425" anchor="ctr">
+                    <a:lnL cap="flat" cmpd="sng" w="38100">
+                      <a:solidFill>
+                        <a:schemeClr val="lt1"/>
+                      </a:solidFill>
+                      <a:prstDash val="solid"/>
+                      <a:round/>
+                      <a:headEnd len="sm" w="sm" type="none"/>
+                      <a:tailEnd len="sm" w="sm" type="none"/>
+                    </a:lnL>
+                    <a:lnR cap="flat" cmpd="sng" w="38100">
+                      <a:solidFill>
+                        <a:schemeClr val="lt1"/>
+                      </a:solidFill>
+                      <a:prstDash val="solid"/>
+                      <a:round/>
+                      <a:headEnd len="sm" w="sm" type="none"/>
+                      <a:tailEnd len="sm" w="sm" type="none"/>
+                    </a:lnR>
+                    <a:lnT cap="flat" cmpd="sng" w="38100">
+                      <a:solidFill>
+                        <a:schemeClr val="lt1"/>
+                      </a:solidFill>
+                      <a:prstDash val="solid"/>
+                      <a:round/>
+                      <a:headEnd len="sm" w="sm" type="none"/>
+                      <a:tailEnd len="sm" w="sm" type="none"/>
+                    </a:lnT>
+                    <a:lnB cap="flat" cmpd="sng" w="38100">
+                      <a:solidFill>
+                        <a:schemeClr val="lt1"/>
+                      </a:solidFill>
+                      <a:prstDash val="solid"/>
+                      <a:round/>
+                      <a:headEnd len="sm" w="sm" type="none"/>
+                      <a:tailEnd len="sm" w="sm" type="none"/>
+                    </a:lnB>
+                    <a:solidFill>
+                      <a:schemeClr val="accent1"/>
+                    </a:solidFill>
+                  </a:tcPr>
+                </a:tc>
+                <a:tc>
+                  <a:txBody>
+                    <a:bodyPr/>
+                    <a:lstStyle/>
+                    <a:p>
+                      <a:pPr indent="0" lvl="0" marL="0" rtl="0" algn="ctr">
+                        <a:spcBef>
+                          <a:spcPts val="0"/>
+                        </a:spcBef>
+                        <a:spcAft>
+                          <a:spcPts val="0"/>
+                        </a:spcAft>
+                        <a:buNone/>
+                      </a:pPr>
+                      <a:r>
+                        <a:rPr b="1" lang="en">
+                          <a:solidFill>
+                            <a:schemeClr val="lt1"/>
+                          </a:solidFill>
+                        </a:rPr>
+                        <a:t>SEMI</a:t>
+                      </a:r>
+                      <a:endParaRPr b="1">
+                        <a:solidFill>
+                          <a:schemeClr val="lt1"/>
+                        </a:solidFill>
+                      </a:endParaRPr>
+                    </a:p>
+                  </a:txBody>
+                  <a:tcPr marT="91425" marB="91425" marR="91425" marL="91425" anchor="ctr">
+                    <a:lnL cap="flat" cmpd="sng" w="38100">
+                      <a:solidFill>
+                        <a:schemeClr val="lt1"/>
+                      </a:solidFill>
+                      <a:prstDash val="solid"/>
+                      <a:round/>
+                      <a:headEnd len="sm" w="sm" type="none"/>
+                      <a:tailEnd len="sm" w="sm" type="none"/>
+                    </a:lnL>
+                    <a:lnR cap="flat" cmpd="sng" w="38100">
+                      <a:solidFill>
+                        <a:schemeClr val="lt1"/>
+                      </a:solidFill>
+                      <a:prstDash val="solid"/>
+                      <a:round/>
+                      <a:headEnd len="sm" w="sm" type="none"/>
+                      <a:tailEnd len="sm" w="sm" type="none"/>
+                    </a:lnR>
+                    <a:lnT cap="flat" cmpd="sng" w="38100">
+                      <a:solidFill>
+                        <a:schemeClr val="lt1"/>
+                      </a:solidFill>
+                      <a:prstDash val="solid"/>
+                      <a:round/>
+                      <a:headEnd len="sm" w="sm" type="none"/>
+                      <a:tailEnd len="sm" w="sm" type="none"/>
+                    </a:lnT>
+                    <a:lnB cap="flat" cmpd="sng" w="38100">
+                      <a:solidFill>
+                        <a:schemeClr val="lt1"/>
+                      </a:solidFill>
+                      <a:prstDash val="solid"/>
+                      <a:round/>
+                      <a:headEnd len="sm" w="sm" type="none"/>
+                      <a:tailEnd len="sm" w="sm" type="none"/>
+                    </a:lnB>
+                    <a:solidFill>
+                      <a:schemeClr val="dk2"/>
+                    </a:solidFill>
+                  </a:tcPr>
+                </a:tc>
+                <a:tc>
+                  <a:txBody>
+                    <a:bodyPr/>
+                    <a:lstStyle/>
+                    <a:p>
+                      <a:pPr indent="0" lvl="0" marL="0" rtl="0" algn="ctr">
+                        <a:spcBef>
+                          <a:spcPts val="0"/>
+                        </a:spcBef>
+                        <a:spcAft>
+                          <a:spcPts val="0"/>
+                        </a:spcAft>
+                        <a:buNone/>
+                      </a:pPr>
+                      <a:r>
+                        <a:rPr b="1" lang="en">
+                          <a:solidFill>
+                            <a:schemeClr val="lt1"/>
+                          </a:solidFill>
+                        </a:rPr>
+                        <a:t>SEMI</a:t>
+                      </a:r>
+                      <a:endParaRPr b="1">
+                        <a:solidFill>
+                          <a:schemeClr val="lt1"/>
+                        </a:solidFill>
+                      </a:endParaRPr>
+                    </a:p>
+                  </a:txBody>
+                  <a:tcPr marT="91425" marB="91425" marR="91425" marL="91425" anchor="ctr">
+                    <a:lnL cap="flat" cmpd="sng" w="38100">
+                      <a:solidFill>
+                        <a:schemeClr val="lt1"/>
+                      </a:solidFill>
+                      <a:prstDash val="solid"/>
+                      <a:round/>
+                      <a:headEnd len="sm" w="sm" type="none"/>
+                      <a:tailEnd len="sm" w="sm" type="none"/>
+                    </a:lnL>
+                    <a:lnR cap="flat" cmpd="sng" w="38100">
+                      <a:solidFill>
+                        <a:schemeClr val="lt1"/>
+                      </a:solidFill>
+                      <a:prstDash val="solid"/>
+                      <a:round/>
+                      <a:headEnd len="sm" w="sm" type="none"/>
+                      <a:tailEnd len="sm" w="sm" type="none"/>
+                    </a:lnR>
+                    <a:lnT cap="flat" cmpd="sng" w="38100">
+                      <a:solidFill>
+                        <a:schemeClr val="lt1"/>
+                      </a:solidFill>
+                      <a:prstDash val="solid"/>
+                      <a:round/>
+                      <a:headEnd len="sm" w="sm" type="none"/>
+                      <a:tailEnd len="sm" w="sm" type="none"/>
+                    </a:lnT>
+                    <a:lnB cap="flat" cmpd="sng" w="38100">
+                      <a:solidFill>
+                        <a:schemeClr val="lt1"/>
+                      </a:solidFill>
+                      <a:prstDash val="solid"/>
+                      <a:round/>
+                      <a:headEnd len="sm" w="sm" type="none"/>
+                      <a:tailEnd len="sm" w="sm" type="none"/>
+                    </a:lnB>
+                    <a:solidFill>
+                      <a:schemeClr val="dk2"/>
+                    </a:solidFill>
+                  </a:tcPr>
+                </a:tc>
+                <a:tc>
+                  <a:txBody>
+                    <a:bodyPr/>
+                    <a:lstStyle/>
+                    <a:p>
+                      <a:pPr indent="0" lvl="0" marL="0" rtl="0" algn="ctr">
+                        <a:spcBef>
+                          <a:spcPts val="0"/>
+                        </a:spcBef>
+                        <a:spcAft>
+                          <a:spcPts val="0"/>
+                        </a:spcAft>
+                        <a:buNone/>
+                      </a:pPr>
+                      <a:r>
+                        <a:rPr b="1" lang="en">
+                          <a:solidFill>
+                            <a:schemeClr val="lt1"/>
+                          </a:solidFill>
+                        </a:rPr>
+                        <a:t>SEMI</a:t>
+                      </a:r>
+                      <a:endParaRPr b="1">
+                        <a:solidFill>
+                          <a:schemeClr val="lt1"/>
+                        </a:solidFill>
+                      </a:endParaRPr>
+                    </a:p>
+                  </a:txBody>
+                  <a:tcPr marT="91425" marB="91425" marR="91425" marL="91425" anchor="ctr">
+                    <a:lnL cap="flat" cmpd="sng" w="38100">
+                      <a:solidFill>
+                        <a:schemeClr val="lt1"/>
+                      </a:solidFill>
+                      <a:prstDash val="solid"/>
+                      <a:round/>
+                      <a:headEnd len="sm" w="sm" type="none"/>
+                      <a:tailEnd len="sm" w="sm" type="none"/>
+                    </a:lnL>
+                    <a:lnR cap="flat" cmpd="sng" w="38100">
+                      <a:solidFill>
+                        <a:schemeClr val="lt1"/>
+                      </a:solidFill>
+                      <a:prstDash val="solid"/>
+                      <a:round/>
+                      <a:headEnd len="sm" w="sm" type="none"/>
+                      <a:tailEnd len="sm" w="sm" type="none"/>
+                    </a:lnR>
+                    <a:lnT cap="flat" cmpd="sng" w="38100">
+                      <a:solidFill>
+                        <a:schemeClr val="lt1"/>
+                      </a:solidFill>
+                      <a:prstDash val="solid"/>
+                      <a:round/>
+                      <a:headEnd len="sm" w="sm" type="none"/>
+                      <a:tailEnd len="sm" w="sm" type="none"/>
+                    </a:lnT>
+                    <a:lnB cap="flat" cmpd="sng" w="38100">
+                      <a:solidFill>
+                        <a:schemeClr val="lt1"/>
+                      </a:solidFill>
+                      <a:prstDash val="solid"/>
+                      <a:round/>
+                      <a:headEnd len="sm" w="sm" type="none"/>
+                      <a:tailEnd len="sm" w="sm" type="none"/>
+                    </a:lnB>
+                    <a:solidFill>
+                      <a:schemeClr val="dk2"/>
+                    </a:solidFill>
+                  </a:tcPr>
+                </a:tc>
+                <a:tc>
+                  <a:txBody>
+                    <a:bodyPr/>
+                    <a:lstStyle/>
+                    <a:p>
+                      <a:pPr indent="0" lvl="0" marL="0" rtl="0" algn="ctr">
+                        <a:spcBef>
+                          <a:spcPts val="0"/>
+                        </a:spcBef>
+                        <a:spcAft>
+                          <a:spcPts val="0"/>
+                        </a:spcAft>
+                        <a:buNone/>
+                      </a:pPr>
+                      <a:r>
+                        <a:rPr b="1" lang="en">
+                          <a:solidFill>
+                            <a:schemeClr val="lt1"/>
+                          </a:solidFill>
+                        </a:rPr>
+                        <a:t>SEMI</a:t>
+                      </a:r>
+                      <a:endParaRPr b="1">
+                        <a:solidFill>
+                          <a:schemeClr val="lt1"/>
+                        </a:solidFill>
+                      </a:endParaRPr>
+                    </a:p>
+                  </a:txBody>
+                  <a:tcPr marT="91425" marB="91425" marR="91425" marL="91425" anchor="ctr">
+                    <a:lnL cap="flat" cmpd="sng" w="38100">
+                      <a:solidFill>
+                        <a:schemeClr val="lt1"/>
+                      </a:solidFill>
+                      <a:prstDash val="solid"/>
+                      <a:round/>
+                      <a:headEnd len="sm" w="sm" type="none"/>
+                      <a:tailEnd len="sm" w="sm" type="none"/>
+                    </a:lnL>
+                    <a:lnR cap="flat" cmpd="sng" w="38100">
+                      <a:solidFill>
+                        <a:schemeClr val="lt1"/>
+                      </a:solidFill>
+                      <a:prstDash val="solid"/>
+                      <a:round/>
+                      <a:headEnd len="sm" w="sm" type="none"/>
+                      <a:tailEnd len="sm" w="sm" type="none"/>
+                    </a:lnR>
+                    <a:lnT cap="flat" cmpd="sng" w="38100">
+                      <a:solidFill>
+                        <a:schemeClr val="lt1"/>
+                      </a:solidFill>
+                      <a:prstDash val="solid"/>
+                      <a:round/>
+                      <a:headEnd len="sm" w="sm" type="none"/>
+                      <a:tailEnd len="sm" w="sm" type="none"/>
+                    </a:lnT>
+                    <a:lnB cap="flat" cmpd="sng" w="38100">
+                      <a:solidFill>
+                        <a:schemeClr val="lt1"/>
+                      </a:solidFill>
+                      <a:prstDash val="solid"/>
+                      <a:round/>
+                      <a:headEnd len="sm" w="sm" type="none"/>
+                      <a:tailEnd len="sm" w="sm" type="none"/>
+                    </a:lnB>
+                    <a:solidFill>
+                      <a:schemeClr val="dk2"/>
+                    </a:solidFill>
+                  </a:tcPr>
+                </a:tc>
+                <a:tc>
+                  <a:txBody>
+                    <a:bodyPr/>
+                    <a:lstStyle/>
+                    <a:p>
+                      <a:pPr indent="0" lvl="0" marL="0" rtl="0" algn="ctr">
+                        <a:spcBef>
+                          <a:spcPts val="0"/>
+                        </a:spcBef>
+                        <a:spcAft>
+                          <a:spcPts val="0"/>
+                        </a:spcAft>
+                        <a:buNone/>
+                      </a:pPr>
+                      <a:r>
+                        <a:rPr b="1" lang="en">
+                          <a:solidFill>
+                            <a:schemeClr val="lt1"/>
+                          </a:solidFill>
+                        </a:rPr>
+                        <a:t>SEMI</a:t>
+                      </a:r>
+                      <a:endParaRPr b="1">
+                        <a:solidFill>
+                          <a:schemeClr val="lt1"/>
+                        </a:solidFill>
+                      </a:endParaRPr>
+                    </a:p>
+                  </a:txBody>
+                  <a:tcPr marT="91425" marB="91425" marR="91425" marL="91425" anchor="ctr">
+                    <a:lnL cap="flat" cmpd="sng" w="38100">
+                      <a:solidFill>
+                        <a:schemeClr val="lt1"/>
+                      </a:solidFill>
+                      <a:prstDash val="solid"/>
+                      <a:round/>
+                      <a:headEnd len="sm" w="sm" type="none"/>
+                      <a:tailEnd len="sm" w="sm" type="none"/>
+                    </a:lnL>
+                    <a:lnR cap="flat" cmpd="sng" w="38100">
+                      <a:solidFill>
+                        <a:schemeClr val="lt1"/>
+                      </a:solidFill>
+                      <a:prstDash val="solid"/>
+                      <a:round/>
+                      <a:headEnd len="sm" w="sm" type="none"/>
+                      <a:tailEnd len="sm" w="sm" type="none"/>
+                    </a:lnR>
+                    <a:lnT cap="flat" cmpd="sng" w="38100">
+                      <a:solidFill>
+                        <a:schemeClr val="lt1"/>
+                      </a:solidFill>
+                      <a:prstDash val="solid"/>
+                      <a:round/>
+                      <a:headEnd len="sm" w="sm" type="none"/>
+                      <a:tailEnd len="sm" w="sm" type="none"/>
+                    </a:lnT>
+                    <a:lnB cap="flat" cmpd="sng" w="38100">
+                      <a:solidFill>
+                        <a:schemeClr val="lt1"/>
+                      </a:solidFill>
+                      <a:prstDash val="solid"/>
+                      <a:round/>
+                      <a:headEnd len="sm" w="sm" type="none"/>
+                      <a:tailEnd len="sm" w="sm" type="none"/>
+                    </a:lnB>
+                    <a:solidFill>
+                      <a:schemeClr val="dk2"/>
+                    </a:solidFill>
+                  </a:tcPr>
+                </a:tc>
+                <a:tc vMerge="1"/>
+              </a:tr>
+              <a:tr h="457200">
+                <a:tc>
+                  <a:txBody>
+                    <a:bodyPr/>
+                    <a:lstStyle/>
+                    <a:p>
+                      <a:pPr indent="0" lvl="0" marL="0" rtl="0" algn="ctr">
+                        <a:spcBef>
+                          <a:spcPts val="0"/>
+                        </a:spcBef>
+                        <a:spcAft>
+                          <a:spcPts val="0"/>
+                        </a:spcAft>
+                        <a:buNone/>
+                      </a:pPr>
+                      <a:r>
+                        <a:t/>
+                      </a:r>
+                      <a:endParaRPr/>
+                    </a:p>
+                  </a:txBody>
+                  <a:tcPr marT="91425" marB="91425" marR="91425" marL="91425" anchor="ctr">
+                    <a:lnL cap="flat" cmpd="sng" w="38100">
+                      <a:solidFill>
+                        <a:schemeClr val="lt1"/>
+                      </a:solidFill>
+                      <a:prstDash val="solid"/>
+                      <a:round/>
+                      <a:headEnd len="sm" w="sm" type="none"/>
+                      <a:tailEnd len="sm" w="sm" type="none"/>
+                    </a:lnL>
+                    <a:lnR cap="flat" cmpd="sng" w="38100">
+                      <a:solidFill>
+                        <a:schemeClr val="lt1"/>
+                      </a:solidFill>
+                      <a:prstDash val="solid"/>
+                      <a:round/>
+                      <a:headEnd len="sm" w="sm" type="none"/>
+                      <a:tailEnd len="sm" w="sm" type="none"/>
+                    </a:lnR>
+                    <a:lnT cap="flat" cmpd="sng" w="38100">
+                      <a:solidFill>
+                        <a:schemeClr val="lt1"/>
+                      </a:solidFill>
+                      <a:prstDash val="solid"/>
+                      <a:round/>
+                      <a:headEnd len="sm" w="sm" type="none"/>
+                      <a:tailEnd len="sm" w="sm" type="none"/>
+                    </a:lnT>
+                    <a:lnB cap="flat" cmpd="sng" w="38100">
+                      <a:solidFill>
+                        <a:schemeClr val="lt1"/>
+                      </a:solidFill>
+                      <a:prstDash val="solid"/>
+                      <a:round/>
+                      <a:headEnd len="sm" w="sm" type="none"/>
+                      <a:tailEnd len="sm" w="sm" type="none"/>
+                    </a:lnB>
+                    <a:solidFill>
+                      <a:schemeClr val="lt1"/>
+                    </a:solidFill>
+                  </a:tcPr>
+                </a:tc>
+                <a:tc>
+                  <a:txBody>
+                    <a:bodyPr/>
+                    <a:lstStyle/>
+                    <a:p>
+                      <a:pPr indent="0" lvl="0" marL="0" rtl="0" algn="ctr">
+                        <a:spcBef>
+                          <a:spcPts val="0"/>
+                        </a:spcBef>
+                        <a:spcAft>
+                          <a:spcPts val="0"/>
+                        </a:spcAft>
+                        <a:buNone/>
+                      </a:pPr>
+                      <a:r>
+                        <a:t/>
+                      </a:r>
+                      <a:endParaRPr/>
+                    </a:p>
+                  </a:txBody>
+                  <a:tcPr marT="91425" marB="91425" marR="91425" marL="91425" anchor="ctr">
+                    <a:lnL cap="flat" cmpd="sng" w="38100">
+                      <a:solidFill>
+                        <a:schemeClr val="lt1"/>
+                      </a:solidFill>
+                      <a:prstDash val="solid"/>
+                      <a:round/>
+                      <a:headEnd len="sm" w="sm" type="none"/>
+                      <a:tailEnd len="sm" w="sm" type="none"/>
+                    </a:lnL>
+                    <a:lnR cap="flat" cmpd="sng" w="38100">
+                      <a:solidFill>
+                        <a:schemeClr val="lt1"/>
+                      </a:solidFill>
+                      <a:prstDash val="solid"/>
+                      <a:round/>
+                      <a:headEnd len="sm" w="sm" type="none"/>
+                      <a:tailEnd len="sm" w="sm" type="none"/>
+                    </a:lnR>
+                    <a:lnT cap="flat" cmpd="sng" w="38100">
+                      <a:solidFill>
+                        <a:schemeClr val="lt1"/>
+                      </a:solidFill>
+                      <a:prstDash val="solid"/>
+                      <a:round/>
+                      <a:headEnd len="sm" w="sm" type="none"/>
+                      <a:tailEnd len="sm" w="sm" type="none"/>
+                    </a:lnT>
+                    <a:lnB cap="flat" cmpd="sng" w="38100">
+                      <a:solidFill>
+                        <a:schemeClr val="lt1"/>
+                      </a:solidFill>
+                      <a:prstDash val="solid"/>
+                      <a:round/>
+                      <a:headEnd len="sm" w="sm" type="none"/>
+                      <a:tailEnd len="sm" w="sm" type="none"/>
+                    </a:lnB>
+                    <a:solidFill>
+                      <a:schemeClr val="lt1"/>
+                    </a:solidFill>
+                  </a:tcPr>
+                </a:tc>
+                <a:tc>
+                  <a:txBody>
+                    <a:bodyPr/>
+                    <a:lstStyle/>
+                    <a:p>
+                      <a:pPr indent="0" lvl="0" marL="0" rtl="0" algn="ctr">
+                        <a:spcBef>
+                          <a:spcPts val="0"/>
+                        </a:spcBef>
+                        <a:spcAft>
+                          <a:spcPts val="0"/>
+                        </a:spcAft>
+                        <a:buNone/>
+                      </a:pPr>
+                      <a:r>
+                        <a:t/>
+                      </a:r>
+                      <a:endParaRPr/>
+                    </a:p>
+                  </a:txBody>
+                  <a:tcPr marT="91425" marB="91425" marR="91425" marL="91425" anchor="ctr">
+                    <a:lnL cap="flat" cmpd="sng" w="38100">
+                      <a:solidFill>
+                        <a:schemeClr val="lt1"/>
+                      </a:solidFill>
+                      <a:prstDash val="solid"/>
+                      <a:round/>
+                      <a:headEnd len="sm" w="sm" type="none"/>
+                      <a:tailEnd len="sm" w="sm" type="none"/>
+                    </a:lnL>
+                    <a:lnR cap="flat" cmpd="sng" w="38100">
+                      <a:solidFill>
+                        <a:schemeClr val="lt1"/>
+                      </a:solidFill>
+                      <a:prstDash val="solid"/>
+                      <a:round/>
+                      <a:headEnd len="sm" w="sm" type="none"/>
+                      <a:tailEnd len="sm" w="sm" type="none"/>
+                    </a:lnR>
+                    <a:lnT cap="flat" cmpd="sng" w="38100">
+                      <a:solidFill>
+                        <a:schemeClr val="lt1"/>
+                      </a:solidFill>
+                      <a:prstDash val="solid"/>
+                      <a:round/>
+                      <a:headEnd len="sm" w="sm" type="none"/>
+                      <a:tailEnd len="sm" w="sm" type="none"/>
+                    </a:lnT>
+                    <a:lnB cap="flat" cmpd="sng" w="38100">
+                      <a:solidFill>
+                        <a:schemeClr val="lt1"/>
+                      </a:solidFill>
+                      <a:prstDash val="solid"/>
+                      <a:round/>
+                      <a:headEnd len="sm" w="sm" type="none"/>
+                      <a:tailEnd len="sm" w="sm" type="none"/>
+                    </a:lnB>
+                    <a:solidFill>
+                      <a:schemeClr val="lt1"/>
+                    </a:solidFill>
+                  </a:tcPr>
+                </a:tc>
+                <a:tc>
+                  <a:txBody>
+                    <a:bodyPr/>
+                    <a:lstStyle/>
+                    <a:p>
+                      <a:pPr indent="0" lvl="0" marL="0" rtl="0" algn="ctr">
+                        <a:spcBef>
+                          <a:spcPts val="0"/>
+                        </a:spcBef>
+                        <a:spcAft>
+                          <a:spcPts val="0"/>
+                        </a:spcAft>
+                        <a:buNone/>
+                      </a:pPr>
+                      <a:r>
+                        <a:t/>
+                      </a:r>
+                      <a:endParaRPr/>
+                    </a:p>
+                  </a:txBody>
+                  <a:tcPr marT="91425" marB="91425" marR="91425" marL="91425" anchor="ctr">
+                    <a:lnL cap="flat" cmpd="sng" w="38100">
+                      <a:solidFill>
+                        <a:schemeClr val="lt1"/>
+                      </a:solidFill>
+                      <a:prstDash val="solid"/>
+                      <a:round/>
+                      <a:headEnd len="sm" w="sm" type="none"/>
+                      <a:tailEnd len="sm" w="sm" type="none"/>
+                    </a:lnL>
+                    <a:lnR cap="flat" cmpd="sng" w="38100">
+                      <a:solidFill>
+                        <a:schemeClr val="lt1"/>
+                      </a:solidFill>
+                      <a:prstDash val="solid"/>
+                      <a:round/>
+                      <a:headEnd len="sm" w="sm" type="none"/>
+                      <a:tailEnd len="sm" w="sm" type="none"/>
+                    </a:lnR>
+                    <a:lnT cap="flat" cmpd="sng" w="38100">
+                      <a:solidFill>
+                        <a:schemeClr val="lt1"/>
+                      </a:solidFill>
+                      <a:prstDash val="solid"/>
+                      <a:round/>
+                      <a:headEnd len="sm" w="sm" type="none"/>
+                      <a:tailEnd len="sm" w="sm" type="none"/>
+                    </a:lnT>
+                    <a:lnB cap="flat" cmpd="sng" w="38100">
+                      <a:solidFill>
+                        <a:schemeClr val="lt1"/>
+                      </a:solidFill>
+                      <a:prstDash val="solid"/>
+                      <a:round/>
+                      <a:headEnd len="sm" w="sm" type="none"/>
+                      <a:tailEnd len="sm" w="sm" type="none"/>
+                    </a:lnB>
+                    <a:solidFill>
+                      <a:schemeClr val="lt1"/>
+                    </a:solidFill>
+                  </a:tcPr>
+                </a:tc>
+                <a:tc>
+                  <a:txBody>
+                    <a:bodyPr/>
+                    <a:lstStyle/>
+                    <a:p>
+                      <a:pPr indent="0" lvl="0" marL="0" rtl="0" algn="ctr">
+                        <a:spcBef>
+                          <a:spcPts val="0"/>
+                        </a:spcBef>
+                        <a:spcAft>
+                          <a:spcPts val="0"/>
+                        </a:spcAft>
+                        <a:buNone/>
+                      </a:pPr>
+                      <a:r>
+                        <a:rPr b="1" lang="en">
+                          <a:solidFill>
+                            <a:schemeClr val="lt1"/>
+                          </a:solidFill>
+                        </a:rPr>
+                        <a:t>PRAK</a:t>
+                      </a:r>
+                      <a:endParaRPr b="1">
+                        <a:solidFill>
+                          <a:schemeClr val="lt1"/>
+                        </a:solidFill>
+                      </a:endParaRPr>
+                    </a:p>
+                  </a:txBody>
+                  <a:tcPr marT="91425" marB="91425" marR="91425" marL="91425" anchor="ctr">
+                    <a:lnL cap="flat" cmpd="sng" w="38100">
+                      <a:solidFill>
+                        <a:schemeClr val="lt1"/>
+                      </a:solidFill>
+                      <a:prstDash val="solid"/>
+                      <a:round/>
+                      <a:headEnd len="sm" w="sm" type="none"/>
+                      <a:tailEnd len="sm" w="sm" type="none"/>
+                    </a:lnL>
+                    <a:lnR cap="flat" cmpd="sng" w="38100">
+                      <a:solidFill>
+                        <a:schemeClr val="lt1"/>
+                      </a:solidFill>
+                      <a:prstDash val="solid"/>
+                      <a:round/>
+                      <a:headEnd len="sm" w="sm" type="none"/>
+                      <a:tailEnd len="sm" w="sm" type="none"/>
+                    </a:lnR>
+                    <a:lnT cap="flat" cmpd="sng" w="38100">
+                      <a:solidFill>
+                        <a:schemeClr val="lt1"/>
+                      </a:solidFill>
+                      <a:prstDash val="solid"/>
+                      <a:round/>
+                      <a:headEnd len="sm" w="sm" type="none"/>
+                      <a:tailEnd len="sm" w="sm" type="none"/>
+                    </a:lnT>
+                    <a:lnB cap="flat" cmpd="sng" w="38100">
+                      <a:solidFill>
+                        <a:schemeClr val="lt1"/>
+                      </a:solidFill>
+                      <a:prstDash val="solid"/>
+                      <a:round/>
+                      <a:headEnd len="sm" w="sm" type="none"/>
+                      <a:tailEnd len="sm" w="sm" type="none"/>
+                    </a:lnB>
+                    <a:solidFill>
+                      <a:schemeClr val="dk2"/>
+                    </a:solidFill>
+                  </a:tcPr>
+                </a:tc>
+                <a:tc>
+                  <a:txBody>
+                    <a:bodyPr/>
+                    <a:lstStyle/>
+                    <a:p>
+                      <a:pPr indent="0" lvl="0" marL="0" rtl="0" algn="ctr">
+                        <a:spcBef>
+                          <a:spcPts val="0"/>
+                        </a:spcBef>
+                        <a:spcAft>
+                          <a:spcPts val="0"/>
+                        </a:spcAft>
+                        <a:buNone/>
+                      </a:pPr>
+                      <a:r>
+                        <a:rPr b="1" lang="en">
+                          <a:solidFill>
+                            <a:schemeClr val="lt1"/>
+                          </a:solidFill>
+                        </a:rPr>
+                        <a:t>PRAK</a:t>
+                      </a:r>
+                      <a:endParaRPr b="1">
+                        <a:solidFill>
+                          <a:schemeClr val="lt1"/>
+                        </a:solidFill>
+                      </a:endParaRPr>
+                    </a:p>
+                  </a:txBody>
+                  <a:tcPr marT="91425" marB="91425" marR="91425" marL="91425" anchor="ctr">
+                    <a:lnL cap="flat" cmpd="sng" w="38100">
+                      <a:solidFill>
+                        <a:schemeClr val="lt1"/>
+                      </a:solidFill>
+                      <a:prstDash val="solid"/>
+                      <a:round/>
+                      <a:headEnd len="sm" w="sm" type="none"/>
+                      <a:tailEnd len="sm" w="sm" type="none"/>
+                    </a:lnL>
+                    <a:lnR cap="flat" cmpd="sng" w="38100">
+                      <a:solidFill>
+                        <a:schemeClr val="lt1"/>
+                      </a:solidFill>
+                      <a:prstDash val="solid"/>
+                      <a:round/>
+                      <a:headEnd len="sm" w="sm" type="none"/>
+                      <a:tailEnd len="sm" w="sm" type="none"/>
+                    </a:lnR>
+                    <a:lnT cap="flat" cmpd="sng" w="38100">
+                      <a:solidFill>
+                        <a:schemeClr val="lt1"/>
+                      </a:solidFill>
+                      <a:prstDash val="solid"/>
+                      <a:round/>
+                      <a:headEnd len="sm" w="sm" type="none"/>
+                      <a:tailEnd len="sm" w="sm" type="none"/>
+                    </a:lnT>
+                    <a:lnB cap="flat" cmpd="sng" w="38100">
+                      <a:solidFill>
+                        <a:schemeClr val="lt1"/>
+                      </a:solidFill>
+                      <a:prstDash val="solid"/>
+                      <a:round/>
+                      <a:headEnd len="sm" w="sm" type="none"/>
+                      <a:tailEnd len="sm" w="sm" type="none"/>
+                    </a:lnB>
+                    <a:solidFill>
+                      <a:schemeClr val="dk2"/>
+                    </a:solidFill>
+                  </a:tcPr>
+                </a:tc>
+                <a:tc>
+                  <a:txBody>
+                    <a:bodyPr/>
+                    <a:lstStyle/>
+                    <a:p>
+                      <a:pPr indent="0" lvl="0" marL="0" rtl="0" algn="ctr">
+                        <a:spcBef>
+                          <a:spcPts val="0"/>
+                        </a:spcBef>
+                        <a:spcAft>
+                          <a:spcPts val="0"/>
+                        </a:spcAft>
+                        <a:buNone/>
+                      </a:pPr>
+                      <a:r>
+                        <a:rPr b="1" lang="en">
+                          <a:solidFill>
+                            <a:schemeClr val="lt1"/>
+                          </a:solidFill>
+                        </a:rPr>
+                        <a:t>PROJ</a:t>
+                      </a:r>
+                      <a:endParaRPr b="1">
+                        <a:solidFill>
+                          <a:schemeClr val="lt1"/>
+                        </a:solidFill>
+                      </a:endParaRPr>
+                    </a:p>
+                  </a:txBody>
+                  <a:tcPr marT="91425" marB="91425" marR="91425" marL="91425" anchor="ctr">
+                    <a:lnL cap="flat" cmpd="sng" w="38100">
+                      <a:solidFill>
+                        <a:schemeClr val="lt1"/>
+                      </a:solidFill>
+                      <a:prstDash val="solid"/>
+                      <a:round/>
+                      <a:headEnd len="sm" w="sm" type="none"/>
+                      <a:tailEnd len="sm" w="sm" type="none"/>
+                    </a:lnL>
+                    <a:lnR cap="flat" cmpd="sng" w="38100">
+                      <a:solidFill>
+                        <a:schemeClr val="lt1"/>
+                      </a:solidFill>
+                      <a:prstDash val="solid"/>
+                      <a:round/>
+                      <a:headEnd len="sm" w="sm" type="none"/>
+                      <a:tailEnd len="sm" w="sm" type="none"/>
+                    </a:lnR>
+                    <a:lnT cap="flat" cmpd="sng" w="38100">
+                      <a:solidFill>
+                        <a:schemeClr val="lt1"/>
+                      </a:solidFill>
+                      <a:prstDash val="solid"/>
+                      <a:round/>
+                      <a:headEnd len="sm" w="sm" type="none"/>
+                      <a:tailEnd len="sm" w="sm" type="none"/>
+                    </a:lnT>
+                    <a:lnB cap="flat" cmpd="sng" w="38100">
+                      <a:solidFill>
+                        <a:schemeClr val="lt1"/>
+                      </a:solidFill>
+                      <a:prstDash val="solid"/>
+                      <a:round/>
+                      <a:headEnd len="sm" w="sm" type="none"/>
+                      <a:tailEnd len="sm" w="sm" type="none"/>
+                    </a:lnB>
+                    <a:solidFill>
+                      <a:schemeClr val="dk2"/>
+                    </a:solidFill>
+                  </a:tcPr>
+                </a:tc>
+                <a:tc>
+                  <a:txBody>
+                    <a:bodyPr/>
+                    <a:lstStyle/>
+                    <a:p>
+                      <a:pPr indent="0" lvl="0" marL="0" rtl="0" algn="ctr">
+                        <a:spcBef>
+                          <a:spcPts val="0"/>
+                        </a:spcBef>
+                        <a:spcAft>
+                          <a:spcPts val="0"/>
+                        </a:spcAft>
+                        <a:buNone/>
+                      </a:pPr>
+                      <a:r>
+                        <a:rPr b="1" lang="en">
+                          <a:solidFill>
+                            <a:schemeClr val="lt1"/>
+                          </a:solidFill>
+                        </a:rPr>
+                        <a:t>PROJ</a:t>
+                      </a:r>
+                      <a:endParaRPr b="1">
+                        <a:solidFill>
+                          <a:schemeClr val="lt1"/>
+                        </a:solidFill>
+                      </a:endParaRPr>
+                    </a:p>
+                  </a:txBody>
+                  <a:tcPr marT="91425" marB="91425" marR="91425" marL="91425" anchor="ctr">
+                    <a:lnL cap="flat" cmpd="sng" w="38100">
+                      <a:solidFill>
+                        <a:schemeClr val="lt1"/>
+                      </a:solidFill>
+                      <a:prstDash val="solid"/>
+                      <a:round/>
+                      <a:headEnd len="sm" w="sm" type="none"/>
+                      <a:tailEnd len="sm" w="sm" type="none"/>
+                    </a:lnL>
+                    <a:lnR cap="flat" cmpd="sng" w="38100">
+                      <a:solidFill>
+                        <a:schemeClr val="lt1"/>
+                      </a:solidFill>
+                      <a:prstDash val="solid"/>
+                      <a:round/>
+                      <a:headEnd len="sm" w="sm" type="none"/>
+                      <a:tailEnd len="sm" w="sm" type="none"/>
+                    </a:lnR>
+                    <a:lnT cap="flat" cmpd="sng" w="38100">
+                      <a:solidFill>
+                        <a:schemeClr val="lt1"/>
+                      </a:solidFill>
+                      <a:prstDash val="solid"/>
+                      <a:round/>
+                      <a:headEnd len="sm" w="sm" type="none"/>
+                      <a:tailEnd len="sm" w="sm" type="none"/>
+                    </a:lnT>
+                    <a:lnB cap="flat" cmpd="sng" w="38100">
+                      <a:solidFill>
+                        <a:schemeClr val="lt1"/>
+                      </a:solidFill>
+                      <a:prstDash val="solid"/>
+                      <a:round/>
+                      <a:headEnd len="sm" w="sm" type="none"/>
+                      <a:tailEnd len="sm" w="sm" type="none"/>
+                    </a:lnB>
+                    <a:solidFill>
+                      <a:schemeClr val="dk2"/>
+                    </a:solidFill>
+                  </a:tcPr>
+                </a:tc>
+                <a:tc>
+                  <a:txBody>
+                    <a:bodyPr/>
+                    <a:lstStyle/>
+                    <a:p>
+                      <a:pPr indent="0" lvl="0" marL="0" rtl="0" algn="ctr">
+                        <a:spcBef>
+                          <a:spcPts val="0"/>
+                        </a:spcBef>
+                        <a:spcAft>
+                          <a:spcPts val="0"/>
+                        </a:spcAft>
+                        <a:buNone/>
+                      </a:pPr>
+                      <a:r>
+                        <a:rPr b="1" lang="en">
+                          <a:solidFill>
+                            <a:schemeClr val="lt1"/>
+                          </a:solidFill>
+                        </a:rPr>
+                        <a:t>PROJ</a:t>
+                      </a:r>
+                      <a:endParaRPr b="1">
+                        <a:solidFill>
+                          <a:schemeClr val="lt1"/>
+                        </a:solidFill>
+                      </a:endParaRPr>
+                    </a:p>
+                  </a:txBody>
+                  <a:tcPr marT="91425" marB="91425" marR="91425" marL="91425" anchor="ctr">
+                    <a:lnL cap="flat" cmpd="sng" w="38100">
+                      <a:solidFill>
+                        <a:schemeClr val="lt1"/>
+                      </a:solidFill>
+                      <a:prstDash val="solid"/>
+                      <a:round/>
+                      <a:headEnd len="sm" w="sm" type="none"/>
+                      <a:tailEnd len="sm" w="sm" type="none"/>
+                    </a:lnL>
+                    <a:lnR cap="flat" cmpd="sng" w="38100">
+                      <a:solidFill>
+                        <a:schemeClr val="lt1"/>
+                      </a:solidFill>
+                      <a:prstDash val="solid"/>
+                      <a:round/>
+                      <a:headEnd len="sm" w="sm" type="none"/>
+                      <a:tailEnd len="sm" w="sm" type="none"/>
+                    </a:lnR>
+                    <a:lnT cap="flat" cmpd="sng" w="38100">
+                      <a:solidFill>
+                        <a:schemeClr val="lt1"/>
+                      </a:solidFill>
+                      <a:prstDash val="solid"/>
+                      <a:round/>
+                      <a:headEnd len="sm" w="sm" type="none"/>
+                      <a:tailEnd len="sm" w="sm" type="none"/>
+                    </a:lnT>
+                    <a:lnB cap="flat" cmpd="sng" w="38100">
+                      <a:solidFill>
+                        <a:schemeClr val="lt1"/>
+                      </a:solidFill>
+                      <a:prstDash val="solid"/>
+                      <a:round/>
+                      <a:headEnd len="sm" w="sm" type="none"/>
+                      <a:tailEnd len="sm" w="sm" type="none"/>
+                    </a:lnB>
+                    <a:solidFill>
+                      <a:schemeClr val="dk2"/>
+                    </a:solidFill>
+                  </a:tcPr>
+                </a:tc>
+                <a:tc vMerge="1"/>
+              </a:tr>
+              <a:tr h="457200">
+                <a:tc>
+                  <a:txBody>
+                    <a:bodyPr/>
+                    <a:lstStyle/>
+                    <a:p>
+                      <a:pPr indent="0" lvl="0" marL="0" rtl="0" algn="ctr">
+                        <a:spcBef>
+                          <a:spcPts val="0"/>
+                        </a:spcBef>
+                        <a:spcAft>
+                          <a:spcPts val="0"/>
+                        </a:spcAft>
+                        <a:buNone/>
+                      </a:pPr>
+                      <a:r>
+                        <a:t/>
+                      </a:r>
+                      <a:endParaRPr/>
+                    </a:p>
+                  </a:txBody>
+                  <a:tcPr marT="91425" marB="91425" marR="91425" marL="91425" anchor="ctr">
+                    <a:lnL cap="flat" cmpd="sng" w="38100">
+                      <a:solidFill>
+                        <a:schemeClr val="lt1"/>
+                      </a:solidFill>
+                      <a:prstDash val="solid"/>
+                      <a:round/>
+                      <a:headEnd len="sm" w="sm" type="none"/>
+                      <a:tailEnd len="sm" w="sm" type="none"/>
+                    </a:lnL>
+                    <a:lnR cap="flat" cmpd="sng" w="38100">
+                      <a:solidFill>
+                        <a:schemeClr val="lt1"/>
+                      </a:solidFill>
+                      <a:prstDash val="solid"/>
+                      <a:round/>
+                      <a:headEnd len="sm" w="sm" type="none"/>
+                      <a:tailEnd len="sm" w="sm" type="none"/>
+                    </a:lnR>
+                    <a:lnT cap="flat" cmpd="sng" w="38100">
+                      <a:solidFill>
+                        <a:schemeClr val="lt1"/>
+                      </a:solidFill>
+                      <a:prstDash val="solid"/>
+                      <a:round/>
+                      <a:headEnd len="sm" w="sm" type="none"/>
+                      <a:tailEnd len="sm" w="sm" type="none"/>
+                    </a:lnT>
+                    <a:lnB cap="flat" cmpd="sng" w="38100">
+                      <a:solidFill>
+                        <a:schemeClr val="lt1"/>
+                      </a:solidFill>
+                      <a:prstDash val="solid"/>
+                      <a:round/>
+                      <a:headEnd len="sm" w="sm" type="none"/>
+                      <a:tailEnd len="sm" w="sm" type="none"/>
+                    </a:lnB>
+                    <a:solidFill>
+                      <a:schemeClr val="accent1"/>
+                    </a:solidFill>
+                  </a:tcPr>
+                </a:tc>
+                <a:tc>
+                  <a:txBody>
+                    <a:bodyPr/>
+                    <a:lstStyle/>
+                    <a:p>
+                      <a:pPr indent="0" lvl="0" marL="0" rtl="0" algn="ctr">
+                        <a:spcBef>
+                          <a:spcPts val="0"/>
+                        </a:spcBef>
+                        <a:spcAft>
+                          <a:spcPts val="0"/>
+                        </a:spcAft>
+                        <a:buNone/>
+                      </a:pPr>
+                      <a:r>
+                        <a:t/>
+                      </a:r>
+                      <a:endParaRPr/>
+                    </a:p>
+                  </a:txBody>
+                  <a:tcPr marT="91425" marB="91425" marR="91425" marL="91425" anchor="ctr">
+                    <a:lnL cap="flat" cmpd="sng" w="38100">
+                      <a:solidFill>
+                        <a:schemeClr val="lt1"/>
+                      </a:solidFill>
+                      <a:prstDash val="solid"/>
+                      <a:round/>
+                      <a:headEnd len="sm" w="sm" type="none"/>
+                      <a:tailEnd len="sm" w="sm" type="none"/>
+                    </a:lnL>
+                    <a:lnR cap="flat" cmpd="sng" w="38100">
+                      <a:solidFill>
+                        <a:schemeClr val="lt1"/>
+                      </a:solidFill>
+                      <a:prstDash val="solid"/>
+                      <a:round/>
+                      <a:headEnd len="sm" w="sm" type="none"/>
+                      <a:tailEnd len="sm" w="sm" type="none"/>
+                    </a:lnR>
+                    <a:lnT cap="flat" cmpd="sng" w="38100">
+                      <a:solidFill>
+                        <a:schemeClr val="lt1"/>
+                      </a:solidFill>
+                      <a:prstDash val="solid"/>
+                      <a:round/>
+                      <a:headEnd len="sm" w="sm" type="none"/>
+                      <a:tailEnd len="sm" w="sm" type="none"/>
+                    </a:lnT>
+                    <a:lnB cap="flat" cmpd="sng" w="38100">
+                      <a:solidFill>
+                        <a:schemeClr val="lt1"/>
+                      </a:solidFill>
+                      <a:prstDash val="solid"/>
+                      <a:round/>
+                      <a:headEnd len="sm" w="sm" type="none"/>
+                      <a:tailEnd len="sm" w="sm" type="none"/>
+                    </a:lnB>
+                    <a:solidFill>
+                      <a:schemeClr val="accent1"/>
+                    </a:solidFill>
+                  </a:tcPr>
+                </a:tc>
+                <a:tc>
+                  <a:txBody>
+                    <a:bodyPr/>
+                    <a:lstStyle/>
+                    <a:p>
+                      <a:pPr indent="0" lvl="0" marL="0" rtl="0" algn="ctr">
+                        <a:spcBef>
+                          <a:spcPts val="0"/>
+                        </a:spcBef>
+                        <a:spcAft>
+                          <a:spcPts val="0"/>
+                        </a:spcAft>
+                        <a:buNone/>
+                      </a:pPr>
+                      <a:r>
+                        <a:t/>
+                      </a:r>
+                      <a:endParaRPr/>
+                    </a:p>
+                  </a:txBody>
+                  <a:tcPr marT="91425" marB="91425" marR="91425" marL="91425" anchor="ctr">
+                    <a:lnL cap="flat" cmpd="sng" w="38100">
+                      <a:solidFill>
+                        <a:schemeClr val="lt1"/>
+                      </a:solidFill>
+                      <a:prstDash val="solid"/>
+                      <a:round/>
+                      <a:headEnd len="sm" w="sm" type="none"/>
+                      <a:tailEnd len="sm" w="sm" type="none"/>
+                    </a:lnL>
+                    <a:lnR cap="flat" cmpd="sng" w="38100">
+                      <a:solidFill>
+                        <a:schemeClr val="lt1"/>
+                      </a:solidFill>
+                      <a:prstDash val="solid"/>
+                      <a:round/>
+                      <a:headEnd len="sm" w="sm" type="none"/>
+                      <a:tailEnd len="sm" w="sm" type="none"/>
+                    </a:lnR>
+                    <a:lnT cap="flat" cmpd="sng" w="38100">
+                      <a:solidFill>
+                        <a:schemeClr val="lt1"/>
+                      </a:solidFill>
+                      <a:prstDash val="solid"/>
+                      <a:round/>
+                      <a:headEnd len="sm" w="sm" type="none"/>
+                      <a:tailEnd len="sm" w="sm" type="none"/>
+                    </a:lnT>
+                    <a:lnB cap="flat" cmpd="sng" w="38100">
+                      <a:solidFill>
+                        <a:schemeClr val="lt1"/>
+                      </a:solidFill>
+                      <a:prstDash val="solid"/>
+                      <a:round/>
+                      <a:headEnd len="sm" w="sm" type="none"/>
+                      <a:tailEnd len="sm" w="sm" type="none"/>
+                    </a:lnB>
+                    <a:solidFill>
+                      <a:schemeClr val="accent1"/>
+                    </a:solidFill>
+                  </a:tcPr>
+                </a:tc>
+                <a:tc>
+                  <a:txBody>
+                    <a:bodyPr/>
+                    <a:lstStyle/>
+                    <a:p>
+                      <a:pPr indent="0" lvl="0" marL="0" rtl="0" algn="ctr">
+                        <a:spcBef>
+                          <a:spcPts val="0"/>
+                        </a:spcBef>
+                        <a:spcAft>
+                          <a:spcPts val="0"/>
+                        </a:spcAft>
+                        <a:buNone/>
+                      </a:pPr>
+                      <a:r>
+                        <a:t/>
+                      </a:r>
+                      <a:endParaRPr/>
+                    </a:p>
+                  </a:txBody>
+                  <a:tcPr marT="91425" marB="91425" marR="91425" marL="91425" anchor="ctr">
+                    <a:lnL cap="flat" cmpd="sng" w="38100">
+                      <a:solidFill>
+                        <a:schemeClr val="lt1"/>
+                      </a:solidFill>
+                      <a:prstDash val="solid"/>
+                      <a:round/>
+                      <a:headEnd len="sm" w="sm" type="none"/>
+                      <a:tailEnd len="sm" w="sm" type="none"/>
+                    </a:lnL>
+                    <a:lnR cap="flat" cmpd="sng" w="38100">
+                      <a:solidFill>
+                        <a:schemeClr val="lt1"/>
+                      </a:solidFill>
+                      <a:prstDash val="solid"/>
+                      <a:round/>
+                      <a:headEnd len="sm" w="sm" type="none"/>
+                      <a:tailEnd len="sm" w="sm" type="none"/>
+                    </a:lnR>
+                    <a:lnT cap="flat" cmpd="sng" w="38100">
+                      <a:solidFill>
+                        <a:schemeClr val="lt1"/>
+                      </a:solidFill>
+                      <a:prstDash val="solid"/>
+                      <a:round/>
+                      <a:headEnd len="sm" w="sm" type="none"/>
+                      <a:tailEnd len="sm" w="sm" type="none"/>
+                    </a:lnT>
+                    <a:lnB cap="flat" cmpd="sng" w="38100">
+                      <a:solidFill>
+                        <a:schemeClr val="lt1"/>
+                      </a:solidFill>
+                      <a:prstDash val="solid"/>
+                      <a:round/>
+                      <a:headEnd len="sm" w="sm" type="none"/>
+                      <a:tailEnd len="sm" w="sm" type="none"/>
+                    </a:lnB>
+                    <a:solidFill>
+                      <a:schemeClr val="accent1"/>
+                    </a:solidFill>
+                  </a:tcPr>
+                </a:tc>
+                <a:tc>
+                  <a:txBody>
+                    <a:bodyPr/>
+                    <a:lstStyle/>
+                    <a:p>
+                      <a:pPr indent="0" lvl="0" marL="0" rtl="0" algn="ctr">
+                        <a:spcBef>
+                          <a:spcPts val="0"/>
+                        </a:spcBef>
+                        <a:spcAft>
+                          <a:spcPts val="0"/>
+                        </a:spcAft>
+                        <a:buNone/>
+                      </a:pPr>
+                      <a:r>
+                        <a:t/>
+                      </a:r>
+                      <a:endParaRPr b="1">
+                        <a:solidFill>
+                          <a:schemeClr val="lt1"/>
+                        </a:solidFill>
+                      </a:endParaRPr>
+                    </a:p>
+                  </a:txBody>
+                  <a:tcPr marT="91425" marB="91425" marR="91425" marL="91425" anchor="ctr">
+                    <a:lnL cap="flat" cmpd="sng" w="38100">
+                      <a:solidFill>
+                        <a:schemeClr val="lt1"/>
+                      </a:solidFill>
+                      <a:prstDash val="solid"/>
+                      <a:round/>
+                      <a:headEnd len="sm" w="sm" type="none"/>
+                      <a:tailEnd len="sm" w="sm" type="none"/>
+                    </a:lnL>
+                    <a:lnR cap="flat" cmpd="sng" w="38100">
+                      <a:solidFill>
+                        <a:schemeClr val="lt1"/>
+                      </a:solidFill>
+                      <a:prstDash val="solid"/>
+                      <a:round/>
+                      <a:headEnd len="sm" w="sm" type="none"/>
+                      <a:tailEnd len="sm" w="sm" type="none"/>
+                    </a:lnR>
+                    <a:lnT cap="flat" cmpd="sng" w="38100">
+                      <a:solidFill>
+                        <a:schemeClr val="lt1"/>
+                      </a:solidFill>
+                      <a:prstDash val="solid"/>
+                      <a:round/>
+                      <a:headEnd len="sm" w="sm" type="none"/>
+                      <a:tailEnd len="sm" w="sm" type="none"/>
+                    </a:lnT>
+                    <a:lnB cap="flat" cmpd="sng" w="38100">
+                      <a:solidFill>
+                        <a:schemeClr val="lt1"/>
+                      </a:solidFill>
+                      <a:prstDash val="solid"/>
+                      <a:round/>
+                      <a:headEnd len="sm" w="sm" type="none"/>
+                      <a:tailEnd len="sm" w="sm" type="none"/>
+                    </a:lnB>
+                    <a:solidFill>
+                      <a:schemeClr val="accent1"/>
+                    </a:solidFill>
+                  </a:tcPr>
+                </a:tc>
+                <a:tc>
+                  <a:txBody>
+                    <a:bodyPr/>
+                    <a:lstStyle/>
+                    <a:p>
+                      <a:pPr indent="0" lvl="0" marL="0" rtl="0" algn="ctr">
+                        <a:spcBef>
+                          <a:spcPts val="0"/>
+                        </a:spcBef>
+                        <a:spcAft>
+                          <a:spcPts val="0"/>
+                        </a:spcAft>
+                        <a:buNone/>
+                      </a:pPr>
+                      <a:r>
+                        <a:rPr b="1" lang="en">
+                          <a:solidFill>
+                            <a:schemeClr val="lt1"/>
+                          </a:solidFill>
+                        </a:rPr>
+                        <a:t>BATH</a:t>
+                      </a:r>
+                      <a:endParaRPr b="1">
+                        <a:solidFill>
+                          <a:schemeClr val="lt1"/>
+                        </a:solidFill>
+                      </a:endParaRPr>
+                    </a:p>
+                  </a:txBody>
+                  <a:tcPr marT="91425" marB="91425" marR="91425" marL="91425" anchor="ctr">
+                    <a:lnL cap="flat" cmpd="sng" w="38100">
+                      <a:solidFill>
+                        <a:schemeClr val="lt1"/>
+                      </a:solidFill>
+                      <a:prstDash val="solid"/>
+                      <a:round/>
+                      <a:headEnd len="sm" w="sm" type="none"/>
+                      <a:tailEnd len="sm" w="sm" type="none"/>
+                    </a:lnL>
+                    <a:lnR cap="flat" cmpd="sng" w="38100">
+                      <a:solidFill>
+                        <a:schemeClr val="lt1"/>
+                      </a:solidFill>
+                      <a:prstDash val="solid"/>
+                      <a:round/>
+                      <a:headEnd len="sm" w="sm" type="none"/>
+                      <a:tailEnd len="sm" w="sm" type="none"/>
+                    </a:lnR>
+                    <a:lnT cap="flat" cmpd="sng" w="38100">
+                      <a:solidFill>
+                        <a:schemeClr val="lt1"/>
+                      </a:solidFill>
+                      <a:prstDash val="solid"/>
+                      <a:round/>
+                      <a:headEnd len="sm" w="sm" type="none"/>
+                      <a:tailEnd len="sm" w="sm" type="none"/>
+                    </a:lnT>
+                    <a:lnB cap="flat" cmpd="sng" w="38100">
+                      <a:solidFill>
+                        <a:schemeClr val="lt1"/>
+                      </a:solidFill>
+                      <a:prstDash val="solid"/>
+                      <a:round/>
+                      <a:headEnd len="sm" w="sm" type="none"/>
+                      <a:tailEnd len="sm" w="sm" type="none"/>
+                    </a:lnB>
+                    <a:solidFill>
+                      <a:schemeClr val="dk2"/>
+                    </a:solidFill>
+                  </a:tcPr>
+                </a:tc>
+                <a:tc>
+                  <a:txBody>
+                    <a:bodyPr/>
+                    <a:lstStyle/>
+                    <a:p>
+                      <a:pPr indent="0" lvl="0" marL="0" rtl="0" algn="ctr">
+                        <a:spcBef>
+                          <a:spcPts val="0"/>
+                        </a:spcBef>
+                        <a:spcAft>
+                          <a:spcPts val="0"/>
+                        </a:spcAft>
+                        <a:buNone/>
+                      </a:pPr>
+                      <a:r>
+                        <a:t/>
+                      </a:r>
+                      <a:endParaRPr b="1">
+                        <a:solidFill>
+                          <a:schemeClr val="lt1"/>
+                        </a:solidFill>
+                      </a:endParaRPr>
+                    </a:p>
+                  </a:txBody>
+                  <a:tcPr marT="91425" marB="91425" marR="91425" marL="91425" anchor="ctr">
+                    <a:lnL cap="flat" cmpd="sng" w="38100">
+                      <a:solidFill>
+                        <a:schemeClr val="lt1"/>
+                      </a:solidFill>
+                      <a:prstDash val="solid"/>
+                      <a:round/>
+                      <a:headEnd len="sm" w="sm" type="none"/>
+                      <a:tailEnd len="sm" w="sm" type="none"/>
+                    </a:lnL>
+                    <a:lnR cap="flat" cmpd="sng" w="38100">
+                      <a:solidFill>
+                        <a:schemeClr val="lt1"/>
+                      </a:solidFill>
+                      <a:prstDash val="solid"/>
+                      <a:round/>
+                      <a:headEnd len="sm" w="sm" type="none"/>
+                      <a:tailEnd len="sm" w="sm" type="none"/>
+                    </a:lnR>
+                    <a:lnT cap="flat" cmpd="sng" w="38100">
+                      <a:solidFill>
+                        <a:schemeClr val="lt1"/>
+                      </a:solidFill>
+                      <a:prstDash val="solid"/>
+                      <a:round/>
+                      <a:headEnd len="sm" w="sm" type="none"/>
+                      <a:tailEnd len="sm" w="sm" type="none"/>
+                    </a:lnT>
+                    <a:lnB cap="flat" cmpd="sng" w="38100">
+                      <a:solidFill>
+                        <a:schemeClr val="lt1"/>
+                      </a:solidFill>
+                      <a:prstDash val="solid"/>
+                      <a:round/>
+                      <a:headEnd len="sm" w="sm" type="none"/>
+                      <a:tailEnd len="sm" w="sm" type="none"/>
+                    </a:lnB>
+                    <a:solidFill>
+                      <a:schemeClr val="accent1"/>
+                    </a:solidFill>
+                  </a:tcPr>
+                </a:tc>
+                <a:tc>
+                  <a:txBody>
+                    <a:bodyPr/>
+                    <a:lstStyle/>
+                    <a:p>
+                      <a:pPr indent="0" lvl="0" marL="0" rtl="0" algn="ctr">
+                        <a:spcBef>
+                          <a:spcPts val="0"/>
+                        </a:spcBef>
+                        <a:spcAft>
+                          <a:spcPts val="0"/>
+                        </a:spcAft>
+                        <a:buNone/>
+                      </a:pPr>
+                      <a:r>
+                        <a:t/>
+                      </a:r>
+                      <a:endParaRPr b="1">
+                        <a:solidFill>
+                          <a:schemeClr val="lt1"/>
+                        </a:solidFill>
+                      </a:endParaRPr>
+                    </a:p>
+                  </a:txBody>
+                  <a:tcPr marT="91425" marB="91425" marR="91425" marL="91425" anchor="ctr">
+                    <a:lnL cap="flat" cmpd="sng" w="38100">
+                      <a:solidFill>
+                        <a:schemeClr val="lt1"/>
+                      </a:solidFill>
+                      <a:prstDash val="solid"/>
+                      <a:round/>
+                      <a:headEnd len="sm" w="sm" type="none"/>
+                      <a:tailEnd len="sm" w="sm" type="none"/>
+                    </a:lnL>
+                    <a:lnR cap="flat" cmpd="sng" w="38100">
+                      <a:solidFill>
+                        <a:schemeClr val="lt1"/>
+                      </a:solidFill>
+                      <a:prstDash val="solid"/>
+                      <a:round/>
+                      <a:headEnd len="sm" w="sm" type="none"/>
+                      <a:tailEnd len="sm" w="sm" type="none"/>
+                    </a:lnR>
+                    <a:lnT cap="flat" cmpd="sng" w="38100">
+                      <a:solidFill>
+                        <a:schemeClr val="lt1"/>
+                      </a:solidFill>
+                      <a:prstDash val="solid"/>
+                      <a:round/>
+                      <a:headEnd len="sm" w="sm" type="none"/>
+                      <a:tailEnd len="sm" w="sm" type="none"/>
+                    </a:lnT>
+                    <a:lnB cap="flat" cmpd="sng" w="38100">
+                      <a:solidFill>
+                        <a:schemeClr val="lt1"/>
+                      </a:solidFill>
+                      <a:prstDash val="solid"/>
+                      <a:round/>
+                      <a:headEnd len="sm" w="sm" type="none"/>
+                      <a:tailEnd len="sm" w="sm" type="none"/>
+                    </a:lnB>
+                    <a:solidFill>
+                      <a:schemeClr val="accent1"/>
+                    </a:solidFill>
+                  </a:tcPr>
+                </a:tc>
+                <a:tc>
+                  <a:txBody>
+                    <a:bodyPr/>
+                    <a:lstStyle/>
+                    <a:p>
+                      <a:pPr indent="0" lvl="0" marL="0" rtl="0" algn="ctr">
+                        <a:spcBef>
+                          <a:spcPts val="0"/>
+                        </a:spcBef>
+                        <a:spcAft>
+                          <a:spcPts val="0"/>
+                        </a:spcAft>
+                        <a:buNone/>
+                      </a:pPr>
+                      <a:r>
+                        <a:t/>
+                      </a:r>
+                      <a:endParaRPr b="1">
+                        <a:solidFill>
+                          <a:schemeClr val="lt1"/>
+                        </a:solidFill>
+                      </a:endParaRPr>
+                    </a:p>
+                  </a:txBody>
+                  <a:tcPr marT="91425" marB="91425" marR="91425" marL="91425" anchor="ctr">
+                    <a:lnL cap="flat" cmpd="sng" w="38100">
+                      <a:solidFill>
+                        <a:schemeClr val="lt1"/>
+                      </a:solidFill>
+                      <a:prstDash val="solid"/>
+                      <a:round/>
+                      <a:headEnd len="sm" w="sm" type="none"/>
+                      <a:tailEnd len="sm" w="sm" type="none"/>
+                    </a:lnL>
+                    <a:lnR cap="flat" cmpd="sng" w="38100">
+                      <a:solidFill>
+                        <a:schemeClr val="lt1"/>
+                      </a:solidFill>
+                      <a:prstDash val="solid"/>
+                      <a:round/>
+                      <a:headEnd len="sm" w="sm" type="none"/>
+                      <a:tailEnd len="sm" w="sm" type="none"/>
+                    </a:lnR>
+                    <a:lnT cap="flat" cmpd="sng" w="38100">
+                      <a:solidFill>
+                        <a:schemeClr val="lt1"/>
+                      </a:solidFill>
+                      <a:prstDash val="solid"/>
+                      <a:round/>
+                      <a:headEnd len="sm" w="sm" type="none"/>
+                      <a:tailEnd len="sm" w="sm" type="none"/>
+                    </a:lnT>
+                    <a:lnB cap="flat" cmpd="sng" w="38100">
+                      <a:solidFill>
+                        <a:schemeClr val="lt1"/>
+                      </a:solidFill>
+                      <a:prstDash val="solid"/>
+                      <a:round/>
+                      <a:headEnd len="sm" w="sm" type="none"/>
+                      <a:tailEnd len="sm" w="sm" type="none"/>
+                    </a:lnB>
+                    <a:solidFill>
+                      <a:schemeClr val="accent1"/>
+                    </a:solidFill>
+                  </a:tcPr>
+                </a:tc>
+                <a:tc vMerge="1"/>
+              </a:tr>
+              <a:tr h="457200">
+                <a:tc>
+                  <a:txBody>
+                    <a:bodyPr/>
+                    <a:lstStyle/>
+                    <a:p>
+                      <a:pPr indent="0" lvl="0" marL="0" rtl="0" algn="ctr">
+                        <a:spcBef>
+                          <a:spcPts val="0"/>
+                        </a:spcBef>
+                        <a:spcAft>
+                          <a:spcPts val="0"/>
+                        </a:spcAft>
+                        <a:buNone/>
+                      </a:pPr>
+                      <a:r>
+                        <a:t/>
+                      </a:r>
+                      <a:endParaRPr/>
+                    </a:p>
+                  </a:txBody>
+                  <a:tcPr marT="91425" marB="91425" marR="91425" marL="91425" anchor="ctr">
+                    <a:lnL cap="flat" cmpd="sng" w="38100">
+                      <a:solidFill>
+                        <a:schemeClr val="lt1"/>
+                      </a:solidFill>
+                      <a:prstDash val="solid"/>
+                      <a:round/>
+                      <a:headEnd len="sm" w="sm" type="none"/>
+                      <a:tailEnd len="sm" w="sm" type="none"/>
+                    </a:lnL>
+                    <a:lnR cap="flat" cmpd="sng" w="38100">
+                      <a:solidFill>
+                        <a:schemeClr val="lt1"/>
+                      </a:solidFill>
+                      <a:prstDash val="solid"/>
+                      <a:round/>
+                      <a:headEnd len="sm" w="sm" type="none"/>
+                      <a:tailEnd len="sm" w="sm" type="none"/>
+                    </a:lnR>
+                    <a:lnT cap="flat" cmpd="sng" w="38100">
+                      <a:solidFill>
+                        <a:schemeClr val="lt1"/>
+                      </a:solidFill>
+                      <a:prstDash val="solid"/>
+                      <a:round/>
+                      <a:headEnd len="sm" w="sm" type="none"/>
+                      <a:tailEnd len="sm" w="sm" type="none"/>
+                    </a:lnT>
+                    <a:lnB cap="flat" cmpd="sng" w="38100">
+                      <a:solidFill>
+                        <a:schemeClr val="lt1"/>
+                      </a:solidFill>
+                      <a:prstDash val="solid"/>
+                      <a:round/>
+                      <a:headEnd len="sm" w="sm" type="none"/>
+                      <a:tailEnd len="sm" w="sm" type="none"/>
+                    </a:lnB>
+                    <a:solidFill>
+                      <a:schemeClr val="lt1"/>
+                    </a:solidFill>
+                  </a:tcPr>
+                </a:tc>
+                <a:tc>
+                  <a:txBody>
+                    <a:bodyPr/>
+                    <a:lstStyle/>
+                    <a:p>
+                      <a:pPr indent="0" lvl="0" marL="0" rtl="0" algn="ctr">
+                        <a:spcBef>
+                          <a:spcPts val="0"/>
+                        </a:spcBef>
+                        <a:spcAft>
+                          <a:spcPts val="0"/>
+                        </a:spcAft>
+                        <a:buNone/>
+                      </a:pPr>
+                      <a:r>
+                        <a:t/>
+                      </a:r>
+                      <a:endParaRPr/>
+                    </a:p>
+                  </a:txBody>
+                  <a:tcPr marT="91425" marB="91425" marR="91425" marL="91425" anchor="ctr">
+                    <a:lnL cap="flat" cmpd="sng" w="38100">
+                      <a:solidFill>
+                        <a:schemeClr val="lt1"/>
+                      </a:solidFill>
+                      <a:prstDash val="solid"/>
+                      <a:round/>
+                      <a:headEnd len="sm" w="sm" type="none"/>
+                      <a:tailEnd len="sm" w="sm" type="none"/>
+                    </a:lnL>
+                    <a:lnR cap="flat" cmpd="sng" w="38100">
+                      <a:solidFill>
+                        <a:schemeClr val="lt1"/>
+                      </a:solidFill>
+                      <a:prstDash val="solid"/>
+                      <a:round/>
+                      <a:headEnd len="sm" w="sm" type="none"/>
+                      <a:tailEnd len="sm" w="sm" type="none"/>
+                    </a:lnR>
+                    <a:lnT cap="flat" cmpd="sng" w="38100">
+                      <a:solidFill>
+                        <a:schemeClr val="lt1"/>
+                      </a:solidFill>
+                      <a:prstDash val="solid"/>
+                      <a:round/>
+                      <a:headEnd len="sm" w="sm" type="none"/>
+                      <a:tailEnd len="sm" w="sm" type="none"/>
+                    </a:lnT>
+                    <a:lnB cap="flat" cmpd="sng" w="38100">
+                      <a:solidFill>
+                        <a:schemeClr val="lt1"/>
+                      </a:solidFill>
+                      <a:prstDash val="solid"/>
+                      <a:round/>
+                      <a:headEnd len="sm" w="sm" type="none"/>
+                      <a:tailEnd len="sm" w="sm" type="none"/>
+                    </a:lnB>
+                    <a:solidFill>
+                      <a:schemeClr val="lt1"/>
+                    </a:solidFill>
+                  </a:tcPr>
+                </a:tc>
+                <a:tc>
+                  <a:txBody>
+                    <a:bodyPr/>
+                    <a:lstStyle/>
+                    <a:p>
+                      <a:pPr indent="0" lvl="0" marL="0" rtl="0" algn="ctr">
+                        <a:spcBef>
+                          <a:spcPts val="0"/>
+                        </a:spcBef>
+                        <a:spcAft>
+                          <a:spcPts val="0"/>
+                        </a:spcAft>
+                        <a:buNone/>
+                      </a:pPr>
+                      <a:r>
+                        <a:t/>
+                      </a:r>
+                      <a:endParaRPr/>
+                    </a:p>
+                  </a:txBody>
+                  <a:tcPr marT="91425" marB="91425" marR="91425" marL="91425" anchor="ctr">
+                    <a:lnL cap="flat" cmpd="sng" w="38100">
+                      <a:solidFill>
+                        <a:schemeClr val="lt1"/>
+                      </a:solidFill>
+                      <a:prstDash val="solid"/>
+                      <a:round/>
+                      <a:headEnd len="sm" w="sm" type="none"/>
+                      <a:tailEnd len="sm" w="sm" type="none"/>
+                    </a:lnL>
+                    <a:lnR cap="flat" cmpd="sng" w="38100">
+                      <a:solidFill>
+                        <a:schemeClr val="lt1"/>
+                      </a:solidFill>
+                      <a:prstDash val="solid"/>
+                      <a:round/>
+                      <a:headEnd len="sm" w="sm" type="none"/>
+                      <a:tailEnd len="sm" w="sm" type="none"/>
+                    </a:lnR>
+                    <a:lnT cap="flat" cmpd="sng" w="38100">
+                      <a:solidFill>
+                        <a:schemeClr val="lt1"/>
+                      </a:solidFill>
+                      <a:prstDash val="solid"/>
+                      <a:round/>
+                      <a:headEnd len="sm" w="sm" type="none"/>
+                      <a:tailEnd len="sm" w="sm" type="none"/>
+                    </a:lnT>
+                    <a:lnB cap="flat" cmpd="sng" w="38100">
+                      <a:solidFill>
+                        <a:schemeClr val="lt1"/>
+                      </a:solidFill>
+                      <a:prstDash val="solid"/>
+                      <a:round/>
+                      <a:headEnd len="sm" w="sm" type="none"/>
+                      <a:tailEnd len="sm" w="sm" type="none"/>
+                    </a:lnB>
+                    <a:solidFill>
+                      <a:schemeClr val="lt1"/>
+                    </a:solidFill>
+                  </a:tcPr>
+                </a:tc>
+                <a:tc>
+                  <a:txBody>
+                    <a:bodyPr/>
+                    <a:lstStyle/>
+                    <a:p>
+                      <a:pPr indent="0" lvl="0" marL="0" rtl="0" algn="ctr">
+                        <a:spcBef>
+                          <a:spcPts val="0"/>
+                        </a:spcBef>
+                        <a:spcAft>
+                          <a:spcPts val="0"/>
+                        </a:spcAft>
+                        <a:buNone/>
+                      </a:pPr>
+                      <a:r>
+                        <a:t/>
+                      </a:r>
+                      <a:endParaRPr/>
+                    </a:p>
+                  </a:txBody>
+                  <a:tcPr marT="91425" marB="91425" marR="91425" marL="91425" anchor="ctr">
+                    <a:lnL cap="flat" cmpd="sng" w="38100">
+                      <a:solidFill>
+                        <a:schemeClr val="lt1"/>
+                      </a:solidFill>
+                      <a:prstDash val="solid"/>
+                      <a:round/>
+                      <a:headEnd len="sm" w="sm" type="none"/>
+                      <a:tailEnd len="sm" w="sm" type="none"/>
+                    </a:lnL>
+                    <a:lnR cap="flat" cmpd="sng" w="38100">
+                      <a:solidFill>
+                        <a:schemeClr val="lt1"/>
+                      </a:solidFill>
+                      <a:prstDash val="solid"/>
+                      <a:round/>
+                      <a:headEnd len="sm" w="sm" type="none"/>
+                      <a:tailEnd len="sm" w="sm" type="none"/>
+                    </a:lnR>
+                    <a:lnT cap="flat" cmpd="sng" w="38100">
+                      <a:solidFill>
+                        <a:schemeClr val="lt1"/>
+                      </a:solidFill>
+                      <a:prstDash val="solid"/>
+                      <a:round/>
+                      <a:headEnd len="sm" w="sm" type="none"/>
+                      <a:tailEnd len="sm" w="sm" type="none"/>
+                    </a:lnT>
+                    <a:lnB cap="flat" cmpd="sng" w="38100">
+                      <a:solidFill>
+                        <a:schemeClr val="lt1"/>
+                      </a:solidFill>
+                      <a:prstDash val="solid"/>
+                      <a:round/>
+                      <a:headEnd len="sm" w="sm" type="none"/>
+                      <a:tailEnd len="sm" w="sm" type="none"/>
+                    </a:lnB>
+                    <a:solidFill>
+                      <a:schemeClr val="lt1"/>
+                    </a:solidFill>
+                  </a:tcPr>
+                </a:tc>
+                <a:tc>
+                  <a:txBody>
+                    <a:bodyPr/>
+                    <a:lstStyle/>
+                    <a:p>
+                      <a:pPr indent="0" lvl="0" marL="0" rtl="0" algn="ctr">
+                        <a:spcBef>
+                          <a:spcPts val="0"/>
+                        </a:spcBef>
+                        <a:spcAft>
+                          <a:spcPts val="0"/>
+                        </a:spcAft>
+                        <a:buNone/>
+                      </a:pPr>
+                      <a:r>
+                        <a:t/>
+                      </a:r>
+                      <a:endParaRPr b="1">
+                        <a:solidFill>
+                          <a:schemeClr val="lt1"/>
+                        </a:solidFill>
+                      </a:endParaRPr>
+                    </a:p>
+                  </a:txBody>
+                  <a:tcPr marT="91425" marB="91425" marR="91425" marL="91425" anchor="ctr">
+                    <a:lnL cap="flat" cmpd="sng" w="38100">
+                      <a:solidFill>
+                        <a:schemeClr val="lt1"/>
+                      </a:solidFill>
+                      <a:prstDash val="solid"/>
+                      <a:round/>
+                      <a:headEnd len="sm" w="sm" type="none"/>
+                      <a:tailEnd len="sm" w="sm" type="none"/>
+                    </a:lnL>
+                    <a:lnR cap="flat" cmpd="sng" w="38100">
+                      <a:solidFill>
+                        <a:schemeClr val="lt1"/>
+                      </a:solidFill>
+                      <a:prstDash val="solid"/>
+                      <a:round/>
+                      <a:headEnd len="sm" w="sm" type="none"/>
+                      <a:tailEnd len="sm" w="sm" type="none"/>
+                    </a:lnR>
+                    <a:lnT cap="flat" cmpd="sng" w="38100">
+                      <a:solidFill>
+                        <a:schemeClr val="lt1"/>
+                      </a:solidFill>
+                      <a:prstDash val="solid"/>
+                      <a:round/>
+                      <a:headEnd len="sm" w="sm" type="none"/>
+                      <a:tailEnd len="sm" w="sm" type="none"/>
+                    </a:lnT>
+                    <a:lnB cap="flat" cmpd="sng" w="38100">
+                      <a:solidFill>
+                        <a:schemeClr val="lt1"/>
+                      </a:solidFill>
+                      <a:prstDash val="solid"/>
+                      <a:round/>
+                      <a:headEnd len="sm" w="sm" type="none"/>
+                      <a:tailEnd len="sm" w="sm" type="none"/>
+                    </a:lnB>
+                    <a:solidFill>
+                      <a:schemeClr val="lt1"/>
+                    </a:solidFill>
+                  </a:tcPr>
+                </a:tc>
+                <a:tc>
+                  <a:txBody>
+                    <a:bodyPr/>
+                    <a:lstStyle/>
+                    <a:p>
+                      <a:pPr indent="0" lvl="0" marL="0" rtl="0" algn="ctr">
+                        <a:spcBef>
+                          <a:spcPts val="0"/>
+                        </a:spcBef>
+                        <a:spcAft>
+                          <a:spcPts val="0"/>
+                        </a:spcAft>
+                        <a:buNone/>
+                      </a:pPr>
+                      <a:r>
+                        <a:rPr b="1" lang="en">
+                          <a:solidFill>
+                            <a:schemeClr val="lt1"/>
+                          </a:solidFill>
+                        </a:rPr>
+                        <a:t>KOLL</a:t>
+                      </a:r>
+                      <a:endParaRPr b="1">
+                        <a:solidFill>
+                          <a:schemeClr val="lt1"/>
+                        </a:solidFill>
+                      </a:endParaRPr>
+                    </a:p>
+                  </a:txBody>
+                  <a:tcPr marT="91425" marB="91425" marR="91425" marL="91425" anchor="ctr">
+                    <a:lnL cap="flat" cmpd="sng" w="38100">
+                      <a:solidFill>
+                        <a:schemeClr val="lt1"/>
+                      </a:solidFill>
+                      <a:prstDash val="solid"/>
+                      <a:round/>
+                      <a:headEnd len="sm" w="sm" type="none"/>
+                      <a:tailEnd len="sm" w="sm" type="none"/>
+                    </a:lnL>
+                    <a:lnR cap="flat" cmpd="sng" w="38100">
+                      <a:solidFill>
+                        <a:schemeClr val="lt1"/>
+                      </a:solidFill>
+                      <a:prstDash val="solid"/>
+                      <a:round/>
+                      <a:headEnd len="sm" w="sm" type="none"/>
+                      <a:tailEnd len="sm" w="sm" type="none"/>
+                    </a:lnR>
+                    <a:lnT cap="flat" cmpd="sng" w="38100">
+                      <a:solidFill>
+                        <a:schemeClr val="lt1"/>
+                      </a:solidFill>
+                      <a:prstDash val="solid"/>
+                      <a:round/>
+                      <a:headEnd len="sm" w="sm" type="none"/>
+                      <a:tailEnd len="sm" w="sm" type="none"/>
+                    </a:lnT>
+                    <a:lnB cap="flat" cmpd="sng" w="38100">
+                      <a:solidFill>
+                        <a:schemeClr val="lt1"/>
+                      </a:solidFill>
+                      <a:prstDash val="solid"/>
+                      <a:round/>
+                      <a:headEnd len="sm" w="sm" type="none"/>
+                      <a:tailEnd len="sm" w="sm" type="none"/>
+                    </a:lnB>
+                    <a:solidFill>
+                      <a:schemeClr val="dk2"/>
+                    </a:solidFill>
+                  </a:tcPr>
+                </a:tc>
+                <a:tc>
+                  <a:txBody>
+                    <a:bodyPr/>
+                    <a:lstStyle/>
+                    <a:p>
+                      <a:pPr indent="0" lvl="0" marL="0" rtl="0" algn="ctr">
+                        <a:spcBef>
+                          <a:spcPts val="0"/>
+                        </a:spcBef>
+                        <a:spcAft>
+                          <a:spcPts val="0"/>
+                        </a:spcAft>
+                        <a:buNone/>
+                      </a:pPr>
+                      <a:r>
+                        <a:t/>
+                      </a:r>
+                      <a:endParaRPr b="1">
+                        <a:solidFill>
+                          <a:schemeClr val="lt1"/>
+                        </a:solidFill>
+                      </a:endParaRPr>
+                    </a:p>
+                  </a:txBody>
+                  <a:tcPr marT="91425" marB="91425" marR="91425" marL="91425" anchor="ctr">
+                    <a:lnL cap="flat" cmpd="sng" w="38100">
+                      <a:solidFill>
+                        <a:schemeClr val="lt1"/>
+                      </a:solidFill>
+                      <a:prstDash val="solid"/>
+                      <a:round/>
+                      <a:headEnd len="sm" w="sm" type="none"/>
+                      <a:tailEnd len="sm" w="sm" type="none"/>
+                    </a:lnL>
+                    <a:lnR cap="flat" cmpd="sng" w="38100">
+                      <a:solidFill>
+                        <a:schemeClr val="lt1"/>
+                      </a:solidFill>
+                      <a:prstDash val="solid"/>
+                      <a:round/>
+                      <a:headEnd len="sm" w="sm" type="none"/>
+                      <a:tailEnd len="sm" w="sm" type="none"/>
+                    </a:lnR>
+                    <a:lnT cap="flat" cmpd="sng" w="38100">
+                      <a:solidFill>
+                        <a:schemeClr val="lt1"/>
+                      </a:solidFill>
+                      <a:prstDash val="solid"/>
+                      <a:round/>
+                      <a:headEnd len="sm" w="sm" type="none"/>
+                      <a:tailEnd len="sm" w="sm" type="none"/>
+                    </a:lnT>
+                    <a:lnB cap="flat" cmpd="sng" w="38100">
+                      <a:solidFill>
+                        <a:schemeClr val="lt1"/>
+                      </a:solidFill>
+                      <a:prstDash val="solid"/>
+                      <a:round/>
+                      <a:headEnd len="sm" w="sm" type="none"/>
+                      <a:tailEnd len="sm" w="sm" type="none"/>
+                    </a:lnB>
+                    <a:solidFill>
+                      <a:schemeClr val="lt1"/>
+                    </a:solidFill>
+                  </a:tcPr>
+                </a:tc>
+                <a:tc>
+                  <a:txBody>
+                    <a:bodyPr/>
+                    <a:lstStyle/>
+                    <a:p>
+                      <a:pPr indent="0" lvl="0" marL="0" rtl="0" algn="ctr">
+                        <a:spcBef>
+                          <a:spcPts val="0"/>
+                        </a:spcBef>
+                        <a:spcAft>
+                          <a:spcPts val="0"/>
+                        </a:spcAft>
+                        <a:buNone/>
+                      </a:pPr>
+                      <a:r>
+                        <a:t/>
+                      </a:r>
+                      <a:endParaRPr b="1">
+                        <a:solidFill>
+                          <a:schemeClr val="lt1"/>
+                        </a:solidFill>
+                      </a:endParaRPr>
+                    </a:p>
+                  </a:txBody>
+                  <a:tcPr marT="91425" marB="91425" marR="91425" marL="91425" anchor="ctr">
+                    <a:lnL cap="flat" cmpd="sng" w="38100">
+                      <a:solidFill>
+                        <a:schemeClr val="lt1"/>
+                      </a:solidFill>
+                      <a:prstDash val="solid"/>
+                      <a:round/>
+                      <a:headEnd len="sm" w="sm" type="none"/>
+                      <a:tailEnd len="sm" w="sm" type="none"/>
+                    </a:lnL>
+                    <a:lnR cap="flat" cmpd="sng" w="38100">
+                      <a:solidFill>
+                        <a:schemeClr val="lt1"/>
+                      </a:solidFill>
+                      <a:prstDash val="solid"/>
+                      <a:round/>
+                      <a:headEnd len="sm" w="sm" type="none"/>
+                      <a:tailEnd len="sm" w="sm" type="none"/>
+                    </a:lnR>
+                    <a:lnT cap="flat" cmpd="sng" w="38100">
+                      <a:solidFill>
+                        <a:schemeClr val="lt1"/>
+                      </a:solidFill>
+                      <a:prstDash val="solid"/>
+                      <a:round/>
+                      <a:headEnd len="sm" w="sm" type="none"/>
+                      <a:tailEnd len="sm" w="sm" type="none"/>
+                    </a:lnT>
+                    <a:lnB cap="flat" cmpd="sng" w="38100">
+                      <a:solidFill>
+                        <a:schemeClr val="lt1"/>
+                      </a:solidFill>
+                      <a:prstDash val="solid"/>
+                      <a:round/>
+                      <a:headEnd len="sm" w="sm" type="none"/>
+                      <a:tailEnd len="sm" w="sm" type="none"/>
+                    </a:lnB>
+                    <a:solidFill>
+                      <a:schemeClr val="lt1"/>
+                    </a:solidFill>
+                  </a:tcPr>
+                </a:tc>
+                <a:tc>
+                  <a:txBody>
+                    <a:bodyPr/>
+                    <a:lstStyle/>
+                    <a:p>
+                      <a:pPr indent="0" lvl="0" marL="0" rtl="0" algn="ctr">
+                        <a:spcBef>
+                          <a:spcPts val="0"/>
+                        </a:spcBef>
+                        <a:spcAft>
+                          <a:spcPts val="0"/>
+                        </a:spcAft>
+                        <a:buNone/>
+                      </a:pPr>
+                      <a:r>
+                        <a:t/>
+                      </a:r>
+                      <a:endParaRPr b="1">
+                        <a:solidFill>
+                          <a:schemeClr val="lt1"/>
+                        </a:solidFill>
+                      </a:endParaRPr>
+                    </a:p>
+                  </a:txBody>
+                  <a:tcPr marT="91425" marB="91425" marR="91425" marL="91425" anchor="ctr">
+                    <a:lnL cap="flat" cmpd="sng" w="38100">
+                      <a:solidFill>
+                        <a:schemeClr val="lt1"/>
+                      </a:solidFill>
+                      <a:prstDash val="solid"/>
+                      <a:round/>
+                      <a:headEnd len="sm" w="sm" type="none"/>
+                      <a:tailEnd len="sm" w="sm" type="none"/>
+                    </a:lnL>
+                    <a:lnR cap="flat" cmpd="sng" w="38100">
+                      <a:solidFill>
+                        <a:schemeClr val="lt1"/>
+                      </a:solidFill>
+                      <a:prstDash val="solid"/>
+                      <a:round/>
+                      <a:headEnd len="sm" w="sm" type="none"/>
+                      <a:tailEnd len="sm" w="sm" type="none"/>
+                    </a:lnR>
+                    <a:lnT cap="flat" cmpd="sng" w="38100">
+                      <a:solidFill>
+                        <a:schemeClr val="lt1"/>
+                      </a:solidFill>
+                      <a:prstDash val="solid"/>
+                      <a:round/>
+                      <a:headEnd len="sm" w="sm" type="none"/>
+                      <a:tailEnd len="sm" w="sm" type="none"/>
+                    </a:lnT>
+                    <a:lnB cap="flat" cmpd="sng" w="38100">
+                      <a:solidFill>
+                        <a:schemeClr val="lt1"/>
+                      </a:solidFill>
+                      <a:prstDash val="solid"/>
+                      <a:round/>
+                      <a:headEnd len="sm" w="sm" type="none"/>
+                      <a:tailEnd len="sm" w="sm" type="none"/>
+                    </a:lnB>
+                    <a:solidFill>
+                      <a:schemeClr val="lt1"/>
+                    </a:solidFill>
+                  </a:tcPr>
+                </a:tc>
+                <a:tc>
+                  <a:txBody>
+                    <a:bodyPr/>
+                    <a:lstStyle/>
+                    <a:p>
+                      <a:pPr indent="0" lvl="0" marL="0" rtl="0" algn="ctr">
+                        <a:spcBef>
+                          <a:spcPts val="0"/>
+                        </a:spcBef>
+                        <a:spcAft>
+                          <a:spcPts val="0"/>
+                        </a:spcAft>
+                        <a:buNone/>
+                      </a:pPr>
+                      <a:r>
+                        <a:rPr b="1" lang="en">
+                          <a:solidFill>
+                            <a:schemeClr val="lt1"/>
+                          </a:solidFill>
+                        </a:rPr>
+                        <a:t>KOLL</a:t>
+                      </a:r>
+                      <a:endParaRPr b="1">
+                        <a:solidFill>
+                          <a:schemeClr val="lt1"/>
+                        </a:solidFill>
+                      </a:endParaRPr>
+                    </a:p>
+                  </a:txBody>
+                  <a:tcPr marT="91425" marB="91425" marR="91425" marL="91425" anchor="ctr">
+                    <a:lnL cap="flat" cmpd="sng" w="38100">
+                      <a:solidFill>
+                        <a:schemeClr val="lt1"/>
+                      </a:solidFill>
+                      <a:prstDash val="solid"/>
+                      <a:round/>
+                      <a:headEnd len="sm" w="sm" type="none"/>
+                      <a:tailEnd len="sm" w="sm" type="none"/>
+                    </a:lnL>
+                    <a:lnR cap="flat" cmpd="sng" w="38100">
+                      <a:solidFill>
+                        <a:schemeClr val="lt1"/>
+                      </a:solidFill>
+                      <a:prstDash val="solid"/>
+                      <a:round/>
+                      <a:headEnd len="sm" w="sm" type="none"/>
+                      <a:tailEnd len="sm" w="sm" type="none"/>
+                    </a:lnR>
+                    <a:lnT cap="flat" cmpd="sng" w="38100">
+                      <a:solidFill>
+                        <a:schemeClr val="lt1"/>
+                      </a:solidFill>
+                      <a:prstDash val="solid"/>
+                      <a:round/>
+                      <a:headEnd len="sm" w="sm" type="none"/>
+                      <a:tailEnd len="sm" w="sm" type="none"/>
+                    </a:lnT>
+                    <a:lnB cap="flat" cmpd="sng" w="38100">
+                      <a:solidFill>
+                        <a:schemeClr val="lt1"/>
+                      </a:solidFill>
+                      <a:prstDash val="solid"/>
+                      <a:round/>
+                      <a:headEnd len="sm" w="sm" type="none"/>
+                      <a:tailEnd len="sm" w="sm" type="none"/>
+                    </a:lnB>
+                    <a:solidFill>
+                      <a:schemeClr val="dk2"/>
+                    </a:solidFill>
+                  </a:tcPr>
+                </a:tc>
+              </a:tr>
+            </a:tbl>
+          </a:graphicData>
+        </a:graphic>
+      </p:graphicFrame>
     </p:spTree>
   </p:cSld>
   <p:clrMapOvr>
@@ -11928,6 +16600,285 @@
 </file>
 
 <file path=ppt/theme/theme1.xml><?xml version="1.0" encoding="utf-8"?>
+<a:theme xmlns:a="http://schemas.openxmlformats.org/drawingml/2006/main" xmlns:r="http://schemas.openxmlformats.org/officeDocument/2006/relationships" name="POSS Slides Template">
+  <a:themeElements>
+    <a:clrScheme name="Simple Light">
+      <a:dk1>
+        <a:srgbClr val="000000"/>
+      </a:dk1>
+      <a:lt1>
+        <a:srgbClr val="FFFFFF"/>
+      </a:lt1>
+      <a:dk2>
+        <a:srgbClr val="404040"/>
+      </a:dk2>
+      <a:lt2>
+        <a:srgbClr val="808080"/>
+      </a:lt2>
+      <a:accent1>
+        <a:srgbClr val="D0D0D0"/>
+      </a:accent1>
+      <a:accent2>
+        <a:srgbClr val="4169E1"/>
+      </a:accent2>
+      <a:accent3>
+        <a:srgbClr val="4CAF50"/>
+      </a:accent3>
+      <a:accent4>
+        <a:srgbClr val="FEB612"/>
+      </a:accent4>
+      <a:accent5>
+        <a:srgbClr val="F36838"/>
+      </a:accent5>
+      <a:accent6>
+        <a:srgbClr val="8E44AD"/>
+      </a:accent6>
+      <a:hlink>
+        <a:srgbClr val="1E90FF"/>
+      </a:hlink>
+      <a:folHlink>
+        <a:srgbClr val="0097A7"/>
+      </a:folHlink>
+    </a:clrScheme>
+    <a:fontScheme name="Office">
+      <a:majorFont>
+        <a:latin typeface="Arial"/>
+        <a:ea typeface=""/>
+        <a:cs typeface=""/>
+        <a:font script="Jpan" typeface="ＭＳ Ｐゴシック"/>
+        <a:font script="Hang" typeface="맑은 고딕"/>
+        <a:font script="Hans" typeface="宋体"/>
+        <a:font script="Hant" typeface="新細明體"/>
+        <a:font script="Arab" typeface="Times New Roman"/>
+        <a:font script="Hebr" typeface="Times New Roman"/>
+        <a:font script="Thai" typeface="Angsana New"/>
+        <a:font script="Ethi" typeface="Nyala"/>
+        <a:font script="Beng" typeface="Vrinda"/>
+        <a:font script="Gujr" typeface="Shruti"/>
+        <a:font script="Khmr" typeface="MoolBoran"/>
+        <a:font script="Knda" typeface="Tunga"/>
+        <a:font script="Guru" typeface="Raavi"/>
+        <a:font script="Cans" typeface="Euphemia"/>
+        <a:font script="Cher" typeface="Plantagenet Cherokee"/>
+        <a:font script="Yiii" typeface="Microsoft Yi Baiti"/>
+        <a:font script="Tibt" typeface="Microsoft Himalaya"/>
+        <a:font script="Thaa" typeface="MV Boli"/>
+        <a:font script="Deva" typeface="Mangal"/>
+        <a:font script="Telu" typeface="Gautami"/>
+        <a:font script="Taml" typeface="Latha"/>
+        <a:font script="Syrc" typeface="Estrangelo Edessa"/>
+        <a:font script="Orya" typeface="Kalinga"/>
+        <a:font script="Mlym" typeface="Kartika"/>
+        <a:font script="Laoo" typeface="DokChampa"/>
+        <a:font script="Sinh" typeface="Iskoola Pota"/>
+        <a:font script="Mong" typeface="Mongolian Baiti"/>
+        <a:font script="Viet" typeface="Times New Roman"/>
+        <a:font script="Uigh" typeface="Microsoft Uighur"/>
+        <a:font script="Geor" typeface="Sylfaen"/>
+      </a:majorFont>
+      <a:minorFont>
+        <a:latin typeface="Arial"/>
+        <a:ea typeface=""/>
+        <a:cs typeface=""/>
+        <a:font script="Jpan" typeface="ＭＳ Ｐゴシック"/>
+        <a:font script="Hang" typeface="맑은 고딕"/>
+        <a:font script="Hans" typeface="宋体"/>
+        <a:font script="Hant" typeface="新細明體"/>
+        <a:font script="Arab" typeface="Arial"/>
+        <a:font script="Hebr" typeface="Arial"/>
+        <a:font script="Thai" typeface="Cordia New"/>
+        <a:font script="Ethi" typeface="Nyala"/>
+        <a:font script="Beng" typeface="Vrinda"/>
+        <a:font script="Gujr" typeface="Shruti"/>
+        <a:font script="Khmr" typeface="DaunPenh"/>
+        <a:font script="Knda" typeface="Tunga"/>
+        <a:font script="Guru" typeface="Raavi"/>
+        <a:font script="Cans" typeface="Euphemia"/>
+        <a:font script="Cher" typeface="Plantagenet Cherokee"/>
+        <a:font script="Yiii" typeface="Microsoft Yi Baiti"/>
+        <a:font script="Tibt" typeface="Microsoft Himalaya"/>
+        <a:font script="Thaa" typeface="MV Boli"/>
+        <a:font script="Deva" typeface="Mangal"/>
+        <a:font script="Telu" typeface="Gautami"/>
+        <a:font script="Taml" typeface="Latha"/>
+        <a:font script="Syrc" typeface="Estrangelo Edessa"/>
+        <a:font script="Orya" typeface="Kalinga"/>
+        <a:font script="Mlym" typeface="Kartika"/>
+        <a:font script="Laoo" typeface="DokChampa"/>
+        <a:font script="Sinh" typeface="Iskoola Pota"/>
+        <a:font script="Mong" typeface="Mongolian Baiti"/>
+        <a:font script="Viet" typeface="Arial"/>
+        <a:font script="Uigh" typeface="Microsoft Uighur"/>
+        <a:font script="Geor" typeface="Sylfaen"/>
+      </a:minorFont>
+    </a:fontScheme>
+    <a:fmtScheme name="Office">
+      <a:fillStyleLst>
+        <a:solidFill>
+          <a:schemeClr val="phClr"/>
+        </a:solidFill>
+        <a:gradFill rotWithShape="1">
+          <a:gsLst>
+            <a:gs pos="0">
+              <a:schemeClr val="phClr">
+                <a:tint val="50000"/>
+                <a:satMod val="300000"/>
+              </a:schemeClr>
+            </a:gs>
+            <a:gs pos="35000">
+              <a:schemeClr val="phClr">
+                <a:tint val="37000"/>
+                <a:satMod val="300000"/>
+              </a:schemeClr>
+            </a:gs>
+            <a:gs pos="100000">
+              <a:schemeClr val="phClr">
+                <a:tint val="15000"/>
+                <a:satMod val="350000"/>
+              </a:schemeClr>
+            </a:gs>
+          </a:gsLst>
+          <a:lin ang="16200000" scaled="1"/>
+        </a:gradFill>
+        <a:gradFill rotWithShape="1">
+          <a:gsLst>
+            <a:gs pos="0">
+              <a:schemeClr val="phClr">
+                <a:tint val="100000"/>
+                <a:shade val="100000"/>
+                <a:satMod val="130000"/>
+              </a:schemeClr>
+            </a:gs>
+            <a:gs pos="100000">
+              <a:schemeClr val="phClr">
+                <a:tint val="50000"/>
+                <a:shade val="100000"/>
+                <a:satMod val="350000"/>
+              </a:schemeClr>
+            </a:gs>
+          </a:gsLst>
+          <a:lin ang="16200000" scaled="0"/>
+        </a:gradFill>
+      </a:fillStyleLst>
+      <a:lnStyleLst>
+        <a:ln w="9525" cap="flat" cmpd="sng" algn="ctr">
+          <a:solidFill>
+            <a:schemeClr val="phClr">
+              <a:shade val="95000"/>
+              <a:satMod val="105000"/>
+            </a:schemeClr>
+          </a:solidFill>
+          <a:prstDash val="solid"/>
+        </a:ln>
+        <a:ln w="25400" cap="flat" cmpd="sng" algn="ctr">
+          <a:solidFill>
+            <a:schemeClr val="phClr"/>
+          </a:solidFill>
+          <a:prstDash val="solid"/>
+        </a:ln>
+        <a:ln w="38100" cap="flat" cmpd="sng" algn="ctr">
+          <a:solidFill>
+            <a:schemeClr val="phClr"/>
+          </a:solidFill>
+          <a:prstDash val="solid"/>
+        </a:ln>
+      </a:lnStyleLst>
+      <a:effectStyleLst>
+        <a:effectStyle>
+          <a:effectLst>
+            <a:outerShdw blurRad="40000" dist="20000" dir="5400000" rotWithShape="0">
+              <a:srgbClr val="000000">
+                <a:alpha val="38000"/>
+              </a:srgbClr>
+            </a:outerShdw>
+          </a:effectLst>
+        </a:effectStyle>
+        <a:effectStyle>
+          <a:effectLst>
+            <a:outerShdw blurRad="40000" dist="23000" dir="5400000" rotWithShape="0">
+              <a:srgbClr val="000000">
+                <a:alpha val="35000"/>
+              </a:srgbClr>
+            </a:outerShdw>
+          </a:effectLst>
+        </a:effectStyle>
+        <a:effectStyle>
+          <a:effectLst>
+            <a:outerShdw blurRad="40000" dist="23000" dir="5400000" rotWithShape="0">
+              <a:srgbClr val="000000">
+                <a:alpha val="35000"/>
+              </a:srgbClr>
+            </a:outerShdw>
+          </a:effectLst>
+          <a:scene3d>
+            <a:camera prst="orthographicFront">
+              <a:rot lat="0" lon="0" rev="0"/>
+            </a:camera>
+            <a:lightRig rig="threePt" dir="t">
+              <a:rot lat="0" lon="0" rev="1200000"/>
+            </a:lightRig>
+          </a:scene3d>
+          <a:sp3d>
+            <a:bevelT w="63500" h="25400"/>
+          </a:sp3d>
+        </a:effectStyle>
+      </a:effectStyleLst>
+      <a:bgFillStyleLst>
+        <a:solidFill>
+          <a:schemeClr val="phClr"/>
+        </a:solidFill>
+        <a:gradFill rotWithShape="1">
+          <a:gsLst>
+            <a:gs pos="0">
+              <a:schemeClr val="phClr">
+                <a:tint val="40000"/>
+                <a:satMod val="350000"/>
+              </a:schemeClr>
+            </a:gs>
+            <a:gs pos="40000">
+              <a:schemeClr val="phClr">
+                <a:tint val="45000"/>
+                <a:shade val="99000"/>
+                <a:satMod val="350000"/>
+              </a:schemeClr>
+            </a:gs>
+            <a:gs pos="100000">
+              <a:schemeClr val="phClr">
+                <a:shade val="20000"/>
+                <a:satMod val="255000"/>
+              </a:schemeClr>
+            </a:gs>
+          </a:gsLst>
+          <a:path path="circle">
+            <a:fillToRect l="50000" t="-80000" r="50000" b="180000"/>
+          </a:path>
+        </a:gradFill>
+        <a:gradFill rotWithShape="1">
+          <a:gsLst>
+            <a:gs pos="0">
+              <a:schemeClr val="phClr">
+                <a:tint val="80000"/>
+                <a:satMod val="300000"/>
+              </a:schemeClr>
+            </a:gs>
+            <a:gs pos="100000">
+              <a:schemeClr val="phClr">
+                <a:shade val="30000"/>
+                <a:satMod val="200000"/>
+              </a:schemeClr>
+            </a:gs>
+          </a:gsLst>
+          <a:path path="circle">
+            <a:fillToRect l="50000" t="50000" r="50000" b="50000"/>
+          </a:path>
+        </a:gradFill>
+      </a:bgFillStyleLst>
+    </a:fmtScheme>
+  </a:themeElements>
+</a:theme>
+</file>
+
+<file path=ppt/theme/theme2.xml><?xml version="1.0" encoding="utf-8"?>
 <a:theme xmlns:a="http://schemas.openxmlformats.org/drawingml/2006/main" xmlns:r="http://schemas.openxmlformats.org/officeDocument/2006/relationships">
   <a:themeElements>
     <a:clrScheme name="Default">
@@ -12204,283 +17155,4 @@
     </a:fmtScheme>
   </a:themeElements>
 </a:theme>
-</file>
-
-<file path=ppt/theme/theme2.xml><?xml version="1.0" encoding="utf-8"?>
-<a:theme xmlns:a="http://schemas.openxmlformats.org/drawingml/2006/main" xmlns:r="http://schemas.openxmlformats.org/officeDocument/2006/relationships" name="POSS Slides Template">
-  <a:themeElements>
-    <a:clrScheme name="Simple Light">
-      <a:dk1>
-        <a:srgbClr val="000000"/>
-      </a:dk1>
-      <a:lt1>
-        <a:srgbClr val="FFFFFF"/>
-      </a:lt1>
-      <a:dk2>
-        <a:srgbClr val="404040"/>
-      </a:dk2>
-      <a:lt2>
-        <a:srgbClr val="808080"/>
-      </a:lt2>
-      <a:accent1>
-        <a:srgbClr val="D0D0D0"/>
-      </a:accent1>
-      <a:accent2>
-        <a:srgbClr val="4169E1"/>
-      </a:accent2>
-      <a:accent3>
-        <a:srgbClr val="4CAF50"/>
-      </a:accent3>
-      <a:accent4>
-        <a:srgbClr val="FEB612"/>
-      </a:accent4>
-      <a:accent5>
-        <a:srgbClr val="F36838"/>
-      </a:accent5>
-      <a:accent6>
-        <a:srgbClr val="8E44AD"/>
-      </a:accent6>
-      <a:hlink>
-        <a:srgbClr val="1E90FF"/>
-      </a:hlink>
-      <a:folHlink>
-        <a:srgbClr val="0097A7"/>
-      </a:folHlink>
-    </a:clrScheme>
-    <a:fontScheme name="Office">
-      <a:majorFont>
-        <a:latin typeface="Arial"/>
-        <a:ea typeface=""/>
-        <a:cs typeface=""/>
-        <a:font script="Jpan" typeface="ＭＳ Ｐゴシック"/>
-        <a:font script="Hang" typeface="맑은 고딕"/>
-        <a:font script="Hans" typeface="宋体"/>
-        <a:font script="Hant" typeface="新細明體"/>
-        <a:font script="Arab" typeface="Times New Roman"/>
-        <a:font script="Hebr" typeface="Times New Roman"/>
-        <a:font script="Thai" typeface="Angsana New"/>
-        <a:font script="Ethi" typeface="Nyala"/>
-        <a:font script="Beng" typeface="Vrinda"/>
-        <a:font script="Gujr" typeface="Shruti"/>
-        <a:font script="Khmr" typeface="MoolBoran"/>
-        <a:font script="Knda" typeface="Tunga"/>
-        <a:font script="Guru" typeface="Raavi"/>
-        <a:font script="Cans" typeface="Euphemia"/>
-        <a:font script="Cher" typeface="Plantagenet Cherokee"/>
-        <a:font script="Yiii" typeface="Microsoft Yi Baiti"/>
-        <a:font script="Tibt" typeface="Microsoft Himalaya"/>
-        <a:font script="Thaa" typeface="MV Boli"/>
-        <a:font script="Deva" typeface="Mangal"/>
-        <a:font script="Telu" typeface="Gautami"/>
-        <a:font script="Taml" typeface="Latha"/>
-        <a:font script="Syrc" typeface="Estrangelo Edessa"/>
-        <a:font script="Orya" typeface="Kalinga"/>
-        <a:font script="Mlym" typeface="Kartika"/>
-        <a:font script="Laoo" typeface="DokChampa"/>
-        <a:font script="Sinh" typeface="Iskoola Pota"/>
-        <a:font script="Mong" typeface="Mongolian Baiti"/>
-        <a:font script="Viet" typeface="Times New Roman"/>
-        <a:font script="Uigh" typeface="Microsoft Uighur"/>
-        <a:font script="Geor" typeface="Sylfaen"/>
-      </a:majorFont>
-      <a:minorFont>
-        <a:latin typeface="Arial"/>
-        <a:ea typeface=""/>
-        <a:cs typeface=""/>
-        <a:font script="Jpan" typeface="ＭＳ Ｐゴシック"/>
-        <a:font script="Hang" typeface="맑은 고딕"/>
-        <a:font script="Hans" typeface="宋体"/>
-        <a:font script="Hant" typeface="新細明體"/>
-        <a:font script="Arab" typeface="Arial"/>
-        <a:font script="Hebr" typeface="Arial"/>
-        <a:font script="Thai" typeface="Cordia New"/>
-        <a:font script="Ethi" typeface="Nyala"/>
-        <a:font script="Beng" typeface="Vrinda"/>
-        <a:font script="Gujr" typeface="Shruti"/>
-        <a:font script="Khmr" typeface="DaunPenh"/>
-        <a:font script="Knda" typeface="Tunga"/>
-        <a:font script="Guru" typeface="Raavi"/>
-        <a:font script="Cans" typeface="Euphemia"/>
-        <a:font script="Cher" typeface="Plantagenet Cherokee"/>
-        <a:font script="Yiii" typeface="Microsoft Yi Baiti"/>
-        <a:font script="Tibt" typeface="Microsoft Himalaya"/>
-        <a:font script="Thaa" typeface="MV Boli"/>
-        <a:font script="Deva" typeface="Mangal"/>
-        <a:font script="Telu" typeface="Gautami"/>
-        <a:font script="Taml" typeface="Latha"/>
-        <a:font script="Syrc" typeface="Estrangelo Edessa"/>
-        <a:font script="Orya" typeface="Kalinga"/>
-        <a:font script="Mlym" typeface="Kartika"/>
-        <a:font script="Laoo" typeface="DokChampa"/>
-        <a:font script="Sinh" typeface="Iskoola Pota"/>
-        <a:font script="Mong" typeface="Mongolian Baiti"/>
-        <a:font script="Viet" typeface="Arial"/>
-        <a:font script="Uigh" typeface="Microsoft Uighur"/>
-        <a:font script="Geor" typeface="Sylfaen"/>
-      </a:minorFont>
-    </a:fontScheme>
-    <a:fmtScheme name="Office">
-      <a:fillStyleLst>
-        <a:solidFill>
-          <a:schemeClr val="phClr"/>
-        </a:solidFill>
-        <a:gradFill rotWithShape="1">
-          <a:gsLst>
-            <a:gs pos="0">
-              <a:schemeClr val="phClr">
-                <a:tint val="50000"/>
-                <a:satMod val="300000"/>
-              </a:schemeClr>
-            </a:gs>
-            <a:gs pos="35000">
-              <a:schemeClr val="phClr">
-                <a:tint val="37000"/>
-                <a:satMod val="300000"/>
-              </a:schemeClr>
-            </a:gs>
-            <a:gs pos="100000">
-              <a:schemeClr val="phClr">
-                <a:tint val="15000"/>
-                <a:satMod val="350000"/>
-              </a:schemeClr>
-            </a:gs>
-          </a:gsLst>
-          <a:lin ang="16200000" scaled="1"/>
-        </a:gradFill>
-        <a:gradFill rotWithShape="1">
-          <a:gsLst>
-            <a:gs pos="0">
-              <a:schemeClr val="phClr">
-                <a:tint val="100000"/>
-                <a:shade val="100000"/>
-                <a:satMod val="130000"/>
-              </a:schemeClr>
-            </a:gs>
-            <a:gs pos="100000">
-              <a:schemeClr val="phClr">
-                <a:tint val="50000"/>
-                <a:shade val="100000"/>
-                <a:satMod val="350000"/>
-              </a:schemeClr>
-            </a:gs>
-          </a:gsLst>
-          <a:lin ang="16200000" scaled="0"/>
-        </a:gradFill>
-      </a:fillStyleLst>
-      <a:lnStyleLst>
-        <a:ln w="9525" cap="flat" cmpd="sng" algn="ctr">
-          <a:solidFill>
-            <a:schemeClr val="phClr">
-              <a:shade val="95000"/>
-              <a:satMod val="105000"/>
-            </a:schemeClr>
-          </a:solidFill>
-          <a:prstDash val="solid"/>
-        </a:ln>
-        <a:ln w="25400" cap="flat" cmpd="sng" algn="ctr">
-          <a:solidFill>
-            <a:schemeClr val="phClr"/>
-          </a:solidFill>
-          <a:prstDash val="solid"/>
-        </a:ln>
-        <a:ln w="38100" cap="flat" cmpd="sng" algn="ctr">
-          <a:solidFill>
-            <a:schemeClr val="phClr"/>
-          </a:solidFill>
-          <a:prstDash val="solid"/>
-        </a:ln>
-      </a:lnStyleLst>
-      <a:effectStyleLst>
-        <a:effectStyle>
-          <a:effectLst>
-            <a:outerShdw blurRad="40000" dist="20000" dir="5400000" rotWithShape="0">
-              <a:srgbClr val="000000">
-                <a:alpha val="38000"/>
-              </a:srgbClr>
-            </a:outerShdw>
-          </a:effectLst>
-        </a:effectStyle>
-        <a:effectStyle>
-          <a:effectLst>
-            <a:outerShdw blurRad="40000" dist="23000" dir="5400000" rotWithShape="0">
-              <a:srgbClr val="000000">
-                <a:alpha val="35000"/>
-              </a:srgbClr>
-            </a:outerShdw>
-          </a:effectLst>
-        </a:effectStyle>
-        <a:effectStyle>
-          <a:effectLst>
-            <a:outerShdw blurRad="40000" dist="23000" dir="5400000" rotWithShape="0">
-              <a:srgbClr val="000000">
-                <a:alpha val="35000"/>
-              </a:srgbClr>
-            </a:outerShdw>
-          </a:effectLst>
-          <a:scene3d>
-            <a:camera prst="orthographicFront">
-              <a:rot lat="0" lon="0" rev="0"/>
-            </a:camera>
-            <a:lightRig rig="threePt" dir="t">
-              <a:rot lat="0" lon="0" rev="1200000"/>
-            </a:lightRig>
-          </a:scene3d>
-          <a:sp3d>
-            <a:bevelT w="63500" h="25400"/>
-          </a:sp3d>
-        </a:effectStyle>
-      </a:effectStyleLst>
-      <a:bgFillStyleLst>
-        <a:solidFill>
-          <a:schemeClr val="phClr"/>
-        </a:solidFill>
-        <a:gradFill rotWithShape="1">
-          <a:gsLst>
-            <a:gs pos="0">
-              <a:schemeClr val="phClr">
-                <a:tint val="40000"/>
-                <a:satMod val="350000"/>
-              </a:schemeClr>
-            </a:gs>
-            <a:gs pos="40000">
-              <a:schemeClr val="phClr">
-                <a:tint val="45000"/>
-                <a:shade val="99000"/>
-                <a:satMod val="350000"/>
-              </a:schemeClr>
-            </a:gs>
-            <a:gs pos="100000">
-              <a:schemeClr val="phClr">
-                <a:shade val="20000"/>
-                <a:satMod val="255000"/>
-              </a:schemeClr>
-            </a:gs>
-          </a:gsLst>
-          <a:path path="circle">
-            <a:fillToRect l="50000" t="-80000" r="50000" b="180000"/>
-          </a:path>
-        </a:gradFill>
-        <a:gradFill rotWithShape="1">
-          <a:gsLst>
-            <a:gs pos="0">
-              <a:schemeClr val="phClr">
-                <a:tint val="80000"/>
-                <a:satMod val="300000"/>
-              </a:schemeClr>
-            </a:gs>
-            <a:gs pos="100000">
-              <a:schemeClr val="phClr">
-                <a:shade val="30000"/>
-                <a:satMod val="200000"/>
-              </a:schemeClr>
-            </a:gs>
-          </a:gsLst>
-          <a:path path="circle">
-            <a:fillToRect l="50000" t="50000" r="50000" b="50000"/>
-          </a:path>
-        </a:gradFill>
-      </a:bgFillStyleLst>
-    </a:fmtScheme>
-  </a:themeElements>
-</a:theme>
 </file>
--- a/Lecture slides/ADAP A01 - Introduction.pptx
+++ b/Lecture slides/ADAP A01 - Introduction.pptx
@@ -10509,7 +10509,7 @@
             <a:tbl>
               <a:tblPr>
                 <a:noFill/>
-                <a:tableStyleId>{F1FBBAE8-8C2A-40BD-8D39-94A6FA426410}</a:tableStyleId>
+                <a:tableStyleId>{273A1C58-89AA-44FB-8F8D-E0E6B17AB47A}</a:tableStyleId>
               </a:tblPr>
               <a:tblGrid>
                 <a:gridCol w="859550"/>
